--- a/Presentations/5-Seminar_Presentation_2023_11_23.pptx
+++ b/Presentations/5-Seminar_Presentation_2023_11_23.pptx
@@ -278,7 +278,7 @@
               <a:pPr>
                 <a:defRPr/>
               </a:pPr>
-              <a:t>10/17/2023</a:t>
+              <a:t>11/2/2023</a:t>
             </a:fld>
             <a:endParaRPr lang="en-US"/>
           </a:p>
@@ -492,7 +492,7 @@
               <a:pPr>
                 <a:defRPr/>
               </a:pPr>
-              <a:t>10/17/2023</a:t>
+              <a:t>11/2/2023</a:t>
             </a:fld>
             <a:endParaRPr lang="en-US"/>
           </a:p>
@@ -4894,7 +4894,7 @@
         <p:spPr>
           <a:xfrm>
             <a:off x="4827639" y="1976284"/>
-            <a:ext cx="3785419" cy="646331"/>
+            <a:ext cx="3785419" cy="923330"/>
           </a:xfrm>
           <a:prstGeom prst="rect">
             <a:avLst/>
@@ -4914,7 +4914,7 @@
                 </a:solidFill>
                 <a:latin typeface="Century Gothic" panose="020B0502020202020204" pitchFamily="34" charset="0"/>
               </a:rPr>
-              <a:t>ALTERNATING WINDING TYPE OF 44 MVA HYDRO GENERATOR</a:t>
+              <a:t>REFURBISHMENT AND ALTERNATING WINDING TYPE OF 44 MVA HYDRO GENERATOR</a:t>
             </a:r>
             <a:endParaRPr lang="en-US" b="1" dirty="0">
               <a:solidFill>
@@ -5066,6 +5066,36 @@
           </a:p>
         </p:txBody>
       </p:sp>
+      <p:pic>
+        <p:nvPicPr>
+          <p:cNvPr id="7" name="Picture 6">
+            <a:extLst>
+              <a:ext uri="{FF2B5EF4-FFF2-40B4-BE49-F238E27FC236}">
+                <a16:creationId xmlns:a16="http://schemas.microsoft.com/office/drawing/2014/main" id="{30D046F4-28C2-4997-BEE3-B20BE52F46FB}"/>
+              </a:ext>
+            </a:extLst>
+          </p:cNvPr>
+          <p:cNvPicPr>
+            <a:picLocks noChangeAspect="1"/>
+          </p:cNvPicPr>
+          <p:nvPr/>
+        </p:nvPicPr>
+        <p:blipFill>
+          <a:blip r:embed="rId2"/>
+          <a:stretch>
+            <a:fillRect/>
+          </a:stretch>
+        </p:blipFill>
+        <p:spPr>
+          <a:xfrm>
+            <a:off x="778795" y="1378419"/>
+            <a:ext cx="3279880" cy="4370438"/>
+          </a:xfrm>
+          <a:prstGeom prst="rect">
+            <a:avLst/>
+          </a:prstGeom>
+        </p:spPr>
+      </p:pic>
     </p:spTree>
     <p:extLst>
       <p:ext uri="{BB962C8B-B14F-4D97-AF65-F5344CB8AC3E}">
@@ -5098,60 +5128,6 @@
       </p:grpSpPr>
       <p:sp>
         <p:nvSpPr>
-          <p:cNvPr id="2" name="Title 1">
-            <a:extLst>
-              <a:ext uri="{FF2B5EF4-FFF2-40B4-BE49-F238E27FC236}">
-                <a16:creationId xmlns:a16="http://schemas.microsoft.com/office/drawing/2014/main" id="{81558EA2-B312-447F-AD00-D7AD61F5DF6D}"/>
-              </a:ext>
-            </a:extLst>
-          </p:cNvPr>
-          <p:cNvSpPr>
-            <a:spLocks noGrp="1"/>
-          </p:cNvSpPr>
-          <p:nvPr>
-            <p:ph type="title"/>
-          </p:nvPr>
-        </p:nvSpPr>
-        <p:spPr/>
-        <p:txBody>
-          <a:bodyPr/>
-          <a:lstStyle/>
-          <a:p>
-            <a:r>
-              <a:rPr lang="tr-TR" dirty="0" err="1"/>
-              <a:t>Fact</a:t>
-            </a:r>
-            <a:endParaRPr lang="en-US" dirty="0"/>
-          </a:p>
-        </p:txBody>
-      </p:sp>
-      <p:sp>
-        <p:nvSpPr>
-          <p:cNvPr id="3" name="Content Placeholder 2">
-            <a:extLst>
-              <a:ext uri="{FF2B5EF4-FFF2-40B4-BE49-F238E27FC236}">
-                <a16:creationId xmlns:a16="http://schemas.microsoft.com/office/drawing/2014/main" id="{1AE129D3-6C2F-428E-924B-2395B291AFFD}"/>
-              </a:ext>
-            </a:extLst>
-          </p:cNvPr>
-          <p:cNvSpPr>
-            <a:spLocks noGrp="1"/>
-          </p:cNvSpPr>
-          <p:nvPr>
-            <p:ph idx="1"/>
-          </p:nvPr>
-        </p:nvSpPr>
-        <p:spPr/>
-        <p:txBody>
-          <a:bodyPr/>
-          <a:lstStyle/>
-          <a:p>
-            <a:endParaRPr lang="en-US"/>
-          </a:p>
-        </p:txBody>
-      </p:sp>
-      <p:sp>
-        <p:nvSpPr>
           <p:cNvPr id="4" name="Slide Number Placeholder 3">
             <a:extLst>
               <a:ext uri="{FF2B5EF4-FFF2-40B4-BE49-F238E27FC236}">
@@ -5214,6 +5190,339 @@
               <a:t>METU Electrical &amp; Electronics Engineering Department</a:t>
             </a:r>
             <a:endParaRPr lang="en-US" dirty="0"/>
+          </a:p>
+        </p:txBody>
+      </p:sp>
+      <p:sp>
+        <p:nvSpPr>
+          <p:cNvPr id="14" name="Content Placeholder 13">
+            <a:extLst>
+              <a:ext uri="{FF2B5EF4-FFF2-40B4-BE49-F238E27FC236}">
+                <a16:creationId xmlns:a16="http://schemas.microsoft.com/office/drawing/2014/main" id="{78A4FFD0-9FEB-47D2-A9DC-D35C230639BD}"/>
+              </a:ext>
+            </a:extLst>
+          </p:cNvPr>
+          <p:cNvSpPr>
+            <a:spLocks noGrp="1"/>
+          </p:cNvSpPr>
+          <p:nvPr>
+            <p:ph idx="1"/>
+          </p:nvPr>
+        </p:nvSpPr>
+        <p:spPr>
+          <a:xfrm>
+            <a:off x="457199" y="1852407"/>
+            <a:ext cx="3141408" cy="2827594"/>
+          </a:xfrm>
+        </p:spPr>
+        <p:txBody>
+          <a:bodyPr/>
+          <a:lstStyle/>
+          <a:p>
+            <a:r>
+              <a:rPr kumimoji="0" lang="tr-TR" sz="2800" b="0" i="0" u="none" strike="noStrike" kern="1200" cap="none" spc="0" normalizeH="0" baseline="0" noProof="0" dirty="0" err="1">
+                <a:ln>
+                  <a:noFill/>
+                </a:ln>
+                <a:solidFill>
+                  <a:srgbClr val="595959"/>
+                </a:solidFill>
+                <a:effectLst/>
+                <a:uLnTx/>
+                <a:uFillTx/>
+                <a:latin typeface="Century Gothic" panose="020B0502020202020204" pitchFamily="34" charset="0"/>
+              </a:rPr>
+              <a:t>Largest</a:t>
+            </a:r>
+            <a:r>
+              <a:rPr kumimoji="0" lang="tr-TR" sz="2800" b="0" i="0" u="none" strike="noStrike" kern="1200" cap="none" spc="0" normalizeH="0" baseline="0" noProof="0" dirty="0">
+                <a:ln>
+                  <a:noFill/>
+                </a:ln>
+                <a:solidFill>
+                  <a:srgbClr val="595959"/>
+                </a:solidFill>
+                <a:effectLst/>
+                <a:uLnTx/>
+                <a:uFillTx/>
+                <a:latin typeface="Century Gothic" panose="020B0502020202020204" pitchFamily="34" charset="0"/>
+              </a:rPr>
+              <a:t> </a:t>
+            </a:r>
+            <a:r>
+              <a:rPr kumimoji="0" lang="tr-TR" sz="2800" b="0" i="0" u="none" strike="noStrike" kern="1200" cap="none" spc="0" normalizeH="0" baseline="0" noProof="0" dirty="0" err="1">
+                <a:ln>
+                  <a:noFill/>
+                </a:ln>
+                <a:solidFill>
+                  <a:srgbClr val="595959"/>
+                </a:solidFill>
+                <a:effectLst/>
+                <a:uLnTx/>
+                <a:uFillTx/>
+                <a:latin typeface="Century Gothic" panose="020B0502020202020204" pitchFamily="34" charset="0"/>
+              </a:rPr>
+              <a:t>low-carbon</a:t>
+            </a:r>
+            <a:r>
+              <a:rPr kumimoji="0" lang="tr-TR" sz="2800" b="0" i="0" u="none" strike="noStrike" kern="1200" cap="none" spc="0" normalizeH="0" baseline="0" noProof="0" dirty="0">
+                <a:ln>
+                  <a:noFill/>
+                </a:ln>
+                <a:solidFill>
+                  <a:srgbClr val="595959"/>
+                </a:solidFill>
+                <a:effectLst/>
+                <a:uLnTx/>
+                <a:uFillTx/>
+                <a:latin typeface="Century Gothic" panose="020B0502020202020204" pitchFamily="34" charset="0"/>
+              </a:rPr>
+              <a:t> </a:t>
+            </a:r>
+            <a:r>
+              <a:rPr kumimoji="0" lang="tr-TR" sz="2800" b="0" i="0" u="none" strike="noStrike" kern="1200" cap="none" spc="0" normalizeH="0" baseline="0" noProof="0" dirty="0" err="1">
+                <a:ln>
+                  <a:noFill/>
+                </a:ln>
+                <a:solidFill>
+                  <a:srgbClr val="595959"/>
+                </a:solidFill>
+                <a:effectLst/>
+                <a:uLnTx/>
+                <a:uFillTx/>
+                <a:latin typeface="Century Gothic" panose="020B0502020202020204" pitchFamily="34" charset="0"/>
+              </a:rPr>
+              <a:t>electricity</a:t>
+            </a:r>
+            <a:r>
+              <a:rPr kumimoji="0" lang="tr-TR" sz="2800" b="0" i="0" u="none" strike="noStrike" kern="1200" cap="none" spc="0" normalizeH="0" baseline="0" noProof="0" dirty="0">
+                <a:ln>
+                  <a:noFill/>
+                </a:ln>
+                <a:solidFill>
+                  <a:srgbClr val="595959"/>
+                </a:solidFill>
+                <a:effectLst/>
+                <a:uLnTx/>
+                <a:uFillTx/>
+                <a:latin typeface="Century Gothic" panose="020B0502020202020204" pitchFamily="34" charset="0"/>
+              </a:rPr>
+              <a:t> </a:t>
+            </a:r>
+            <a:r>
+              <a:rPr kumimoji="0" lang="tr-TR" sz="2800" b="0" i="0" u="none" strike="noStrike" kern="1200" cap="none" spc="0" normalizeH="0" baseline="0" noProof="0" dirty="0" err="1">
+                <a:ln>
+                  <a:noFill/>
+                </a:ln>
+                <a:solidFill>
+                  <a:srgbClr val="595959"/>
+                </a:solidFill>
+                <a:effectLst/>
+                <a:uLnTx/>
+                <a:uFillTx/>
+                <a:latin typeface="Century Gothic" panose="020B0502020202020204" pitchFamily="34" charset="0"/>
+              </a:rPr>
+              <a:t>generation</a:t>
+            </a:r>
+            <a:r>
+              <a:rPr kumimoji="0" lang="tr-TR" sz="2800" b="0" i="0" u="none" strike="noStrike" kern="1200" cap="none" spc="0" normalizeH="0" baseline="0" noProof="0" dirty="0">
+                <a:ln>
+                  <a:noFill/>
+                </a:ln>
+                <a:solidFill>
+                  <a:srgbClr val="595959"/>
+                </a:solidFill>
+                <a:effectLst/>
+                <a:uLnTx/>
+                <a:uFillTx/>
+                <a:latin typeface="Century Gothic" panose="020B0502020202020204" pitchFamily="34" charset="0"/>
+              </a:rPr>
+              <a:t> </a:t>
+            </a:r>
+            <a:r>
+              <a:rPr kumimoji="0" lang="tr-TR" sz="2800" b="0" i="0" u="none" strike="noStrike" kern="1200" cap="none" spc="0" normalizeH="0" baseline="0" noProof="0" dirty="0" err="1">
+                <a:ln>
+                  <a:noFill/>
+                </a:ln>
+                <a:solidFill>
+                  <a:srgbClr val="595959"/>
+                </a:solidFill>
+                <a:effectLst/>
+                <a:uLnTx/>
+                <a:uFillTx/>
+                <a:latin typeface="Century Gothic" panose="020B0502020202020204" pitchFamily="34" charset="0"/>
+              </a:rPr>
+              <a:t>technology</a:t>
+            </a:r>
+            <a:r>
+              <a:rPr kumimoji="0" lang="tr-TR" sz="2800" b="0" i="0" u="none" strike="noStrike" kern="1200" cap="none" spc="0" normalizeH="0" baseline="0" noProof="0" dirty="0">
+                <a:ln>
+                  <a:noFill/>
+                </a:ln>
+                <a:solidFill>
+                  <a:srgbClr val="595959"/>
+                </a:solidFill>
+                <a:effectLst/>
+                <a:uLnTx/>
+                <a:uFillTx/>
+                <a:latin typeface="Century Gothic" panose="020B0502020202020204" pitchFamily="34" charset="0"/>
+              </a:rPr>
+              <a:t> is </a:t>
+            </a:r>
+            <a:r>
+              <a:rPr kumimoji="0" lang="tr-TR" sz="2800" b="0" i="0" u="none" strike="noStrike" kern="1200" cap="none" spc="0" normalizeH="0" baseline="0" noProof="0" dirty="0" err="1">
+                <a:ln>
+                  <a:noFill/>
+                </a:ln>
+                <a:solidFill>
+                  <a:srgbClr val="595959"/>
+                </a:solidFill>
+                <a:effectLst/>
+                <a:uLnTx/>
+                <a:uFillTx/>
+                <a:latin typeface="Century Gothic" panose="020B0502020202020204" pitchFamily="34" charset="0"/>
+              </a:rPr>
+              <a:t>hydropower</a:t>
+            </a:r>
+            <a:r>
+              <a:rPr kumimoji="0" lang="tr-TR" sz="2800" b="0" i="0" u="none" strike="noStrike" kern="1200" cap="none" spc="0" normalizeH="0" baseline="0" noProof="0" dirty="0">
+                <a:ln>
+                  <a:noFill/>
+                </a:ln>
+                <a:solidFill>
+                  <a:srgbClr val="595959"/>
+                </a:solidFill>
+                <a:effectLst/>
+                <a:uLnTx/>
+                <a:uFillTx/>
+                <a:latin typeface="Century Gothic" panose="020B0502020202020204" pitchFamily="34" charset="0"/>
+              </a:rPr>
+              <a:t> [1]</a:t>
+            </a:r>
+            <a:endParaRPr lang="en-US" dirty="0"/>
+          </a:p>
+        </p:txBody>
+      </p:sp>
+      <p:pic>
+        <p:nvPicPr>
+          <p:cNvPr id="16" name="Picture 15">
+            <a:extLst>
+              <a:ext uri="{FF2B5EF4-FFF2-40B4-BE49-F238E27FC236}">
+                <a16:creationId xmlns:a16="http://schemas.microsoft.com/office/drawing/2014/main" id="{AA167B7E-913A-4278-8FCE-5E73456EC465}"/>
+              </a:ext>
+            </a:extLst>
+          </p:cNvPr>
+          <p:cNvPicPr>
+            <a:picLocks noChangeAspect="1"/>
+          </p:cNvPicPr>
+          <p:nvPr/>
+        </p:nvPicPr>
+        <p:blipFill>
+          <a:blip r:embed="rId2"/>
+          <a:stretch>
+            <a:fillRect/>
+          </a:stretch>
+        </p:blipFill>
+        <p:spPr>
+          <a:xfrm>
+            <a:off x="3598607" y="1272816"/>
+            <a:ext cx="5270090" cy="4391742"/>
+          </a:xfrm>
+          <a:prstGeom prst="rect">
+            <a:avLst/>
+          </a:prstGeom>
+        </p:spPr>
+      </p:pic>
+      <p:sp>
+        <p:nvSpPr>
+          <p:cNvPr id="17" name="TextBox 16">
+            <a:extLst>
+              <a:ext uri="{FF2B5EF4-FFF2-40B4-BE49-F238E27FC236}">
+                <a16:creationId xmlns:a16="http://schemas.microsoft.com/office/drawing/2014/main" id="{E96D8E44-D7EE-4D7A-9298-6DA1676A83ED}"/>
+              </a:ext>
+            </a:extLst>
+          </p:cNvPr>
+          <p:cNvSpPr txBox="1"/>
+          <p:nvPr/>
+        </p:nvSpPr>
+        <p:spPr>
+          <a:xfrm>
+            <a:off x="580103" y="6046839"/>
+            <a:ext cx="8106697" cy="338554"/>
+          </a:xfrm>
+          <a:prstGeom prst="rect">
+            <a:avLst/>
+          </a:prstGeom>
+          <a:noFill/>
+        </p:spPr>
+        <p:txBody>
+          <a:bodyPr wrap="square" rtlCol="0">
+            <a:spAutoFit/>
+          </a:bodyPr>
+          <a:lstStyle/>
+          <a:p>
+            <a:r>
+              <a:rPr lang="en-US" sz="800" dirty="0">
+                <a:latin typeface="Century Gothic" panose="020B0502020202020204" pitchFamily="34" charset="0"/>
+              </a:rPr>
+              <a:t>IEA, Low-carbon electricity generation by technology, 2020, IEA, Paris https://www.iea.org/data-and-statistics/charts/low-carbon-electricity-generation-by-technology-2020, IEA. </a:t>
+            </a:r>
+            <a:r>
+              <a:rPr lang="en-US" sz="800" dirty="0" err="1">
+                <a:latin typeface="Century Gothic" panose="020B0502020202020204" pitchFamily="34" charset="0"/>
+              </a:rPr>
+              <a:t>Licence</a:t>
+            </a:r>
+            <a:r>
+              <a:rPr lang="en-US" sz="800" dirty="0">
+                <a:latin typeface="Century Gothic" panose="020B0502020202020204" pitchFamily="34" charset="0"/>
+              </a:rPr>
+              <a:t>: CC BY 4.0</a:t>
+            </a:r>
+          </a:p>
+        </p:txBody>
+      </p:sp>
+      <p:sp>
+        <p:nvSpPr>
+          <p:cNvPr id="18" name="TextBox 17">
+            <a:extLst>
+              <a:ext uri="{FF2B5EF4-FFF2-40B4-BE49-F238E27FC236}">
+                <a16:creationId xmlns:a16="http://schemas.microsoft.com/office/drawing/2014/main" id="{AEBB24E3-2144-4B55-B480-95E75707741F}"/>
+              </a:ext>
+            </a:extLst>
+          </p:cNvPr>
+          <p:cNvSpPr txBox="1"/>
+          <p:nvPr/>
+        </p:nvSpPr>
+        <p:spPr>
+          <a:xfrm>
+            <a:off x="3598607" y="1065542"/>
+            <a:ext cx="727587" cy="246221"/>
+          </a:xfrm>
+          <a:prstGeom prst="rect">
+            <a:avLst/>
+          </a:prstGeom>
+          <a:noFill/>
+        </p:spPr>
+        <p:txBody>
+          <a:bodyPr wrap="square" rtlCol="0">
+            <a:spAutoFit/>
+          </a:bodyPr>
+          <a:lstStyle/>
+          <a:p>
+            <a:r>
+              <a:rPr lang="tr-TR" sz="1000" dirty="0" err="1">
+                <a:solidFill>
+                  <a:srgbClr val="595959"/>
+                </a:solidFill>
+              </a:rPr>
+              <a:t>TWh</a:t>
+            </a:r>
+            <a:endParaRPr lang="en-US" sz="1000" dirty="0">
+              <a:solidFill>
+                <a:srgbClr val="595959"/>
+              </a:solidFill>
+            </a:endParaRPr>
           </a:p>
         </p:txBody>
       </p:sp>
@@ -5300,82 +5609,12 @@
               <a:rPr lang="tr-TR" dirty="0" err="1"/>
               <a:t>Introduction</a:t>
             </a:r>
-            <a:r>
-              <a:rPr lang="tr-TR" dirty="0"/>
-              <a:t> </a:t>
-            </a:r>
-            <a:r>
-              <a:rPr lang="tr-TR" dirty="0" err="1"/>
-              <a:t>to</a:t>
-            </a:r>
-            <a:r>
-              <a:rPr lang="tr-TR" dirty="0"/>
-              <a:t> </a:t>
-            </a:r>
-            <a:r>
-              <a:rPr lang="tr-TR" dirty="0" err="1"/>
-              <a:t>Hydro</a:t>
-            </a:r>
-            <a:r>
-              <a:rPr lang="tr-TR" dirty="0"/>
-              <a:t> </a:t>
-            </a:r>
-            <a:r>
-              <a:rPr lang="tr-TR" dirty="0" err="1"/>
-              <a:t>Generators</a:t>
-            </a:r>
             <a:endParaRPr lang="tr-TR" dirty="0"/>
           </a:p>
           <a:p>
-            <a:pPr marL="982663" lvl="1" indent="-342900"/>
-            <a:r>
-              <a:rPr lang="tr-TR" dirty="0" err="1"/>
-              <a:t>Generator</a:t>
-            </a:r>
-            <a:r>
-              <a:rPr lang="tr-TR" dirty="0"/>
-              <a:t> </a:t>
-            </a:r>
-            <a:r>
-              <a:rPr lang="tr-TR" dirty="0" err="1"/>
-              <a:t>Parts</a:t>
-            </a:r>
-            <a:endParaRPr lang="tr-TR" dirty="0"/>
-          </a:p>
-          <a:p>
-            <a:pPr marL="982663" lvl="1" indent="-342900"/>
-            <a:r>
-              <a:rPr lang="tr-TR" dirty="0" err="1"/>
-              <a:t>Winding</a:t>
-            </a:r>
-            <a:r>
-              <a:rPr lang="tr-TR" dirty="0"/>
-              <a:t> </a:t>
-            </a:r>
-            <a:r>
-              <a:rPr lang="tr-TR" dirty="0" err="1"/>
-              <a:t>Types</a:t>
-            </a:r>
-            <a:endParaRPr lang="tr-TR" dirty="0"/>
-          </a:p>
-          <a:p>
-            <a:pPr marL="982663" lvl="1" indent="-342900"/>
-            <a:r>
-              <a:rPr lang="tr-TR" dirty="0" err="1"/>
-              <a:t>Upgrading</a:t>
-            </a:r>
-            <a:r>
-              <a:rPr lang="tr-TR" dirty="0"/>
-              <a:t> &amp; </a:t>
-            </a:r>
-            <a:r>
-              <a:rPr lang="tr-TR" dirty="0" err="1"/>
-              <a:t>Uprating</a:t>
-            </a:r>
-            <a:endParaRPr lang="tr-TR" dirty="0"/>
-          </a:p>
-          <a:p>
-            <a:pPr marL="342900" indent="-342900"/>
+            <a:pPr lvl="1" indent="0">
+              <a:buNone/>
+            </a:pPr>
             <a:endParaRPr lang="tr-TR" dirty="0"/>
           </a:p>
           <a:p>
@@ -5588,15 +5827,7 @@
           <a:p>
             <a:r>
               <a:rPr lang="tr-TR" dirty="0" err="1"/>
-              <a:t>Generator</a:t>
-            </a:r>
-            <a:r>
-              <a:rPr lang="tr-TR" dirty="0"/>
-              <a:t> </a:t>
-            </a:r>
-            <a:r>
-              <a:rPr lang="tr-TR" dirty="0" err="1"/>
-              <a:t>Parts</a:t>
+              <a:t>Introduction</a:t>
             </a:r>
             <a:endParaRPr lang="en-US" dirty="0"/>
           </a:p>
@@ -5618,12 +5849,116 @@
             <p:ph idx="1"/>
           </p:nvPr>
         </p:nvSpPr>
-        <p:spPr/>
+        <p:spPr>
+          <a:xfrm>
+            <a:off x="457200" y="1430338"/>
+            <a:ext cx="2856271" cy="4987925"/>
+          </a:xfrm>
+        </p:spPr>
         <p:txBody>
           <a:bodyPr/>
           <a:lstStyle/>
           <a:p>
-            <a:endParaRPr lang="en-US"/>
+            <a:pPr marL="342900" indent="-342900">
+              <a:buFont typeface="Arial" panose="020B0604020202020204" pitchFamily="34" charset="0"/>
+              <a:buChar char="•"/>
+            </a:pPr>
+            <a:r>
+              <a:rPr lang="tr-TR" dirty="0" err="1"/>
+              <a:t>Salient</a:t>
+            </a:r>
+            <a:r>
+              <a:rPr lang="tr-TR" dirty="0"/>
+              <a:t> </a:t>
+            </a:r>
+            <a:r>
+              <a:rPr lang="tr-TR" dirty="0" err="1"/>
+              <a:t>pole</a:t>
+            </a:r>
+            <a:r>
+              <a:rPr lang="tr-TR" dirty="0"/>
+              <a:t> </a:t>
+            </a:r>
+            <a:r>
+              <a:rPr lang="tr-TR" dirty="0" err="1"/>
+              <a:t>synchronous</a:t>
+            </a:r>
+            <a:r>
+              <a:rPr lang="tr-TR" dirty="0"/>
+              <a:t> </a:t>
+            </a:r>
+            <a:r>
+              <a:rPr lang="tr-TR" dirty="0" err="1"/>
+              <a:t>machines</a:t>
+            </a:r>
+            <a:endParaRPr lang="tr-TR" dirty="0"/>
+          </a:p>
+          <a:p>
+            <a:pPr marL="342900" indent="-342900">
+              <a:buFont typeface="Arial" panose="020B0604020202020204" pitchFamily="34" charset="0"/>
+              <a:buChar char="•"/>
+            </a:pPr>
+            <a:endParaRPr lang="tr-TR" dirty="0"/>
+          </a:p>
+          <a:p>
+            <a:pPr marL="342900" indent="-342900">
+              <a:buFont typeface="Arial" panose="020B0604020202020204" pitchFamily="34" charset="0"/>
+              <a:buChar char="•"/>
+            </a:pPr>
+            <a:r>
+              <a:rPr lang="tr-TR" dirty="0"/>
+              <a:t>High </a:t>
+            </a:r>
+            <a:r>
+              <a:rPr lang="tr-TR" dirty="0" err="1"/>
+              <a:t>voltage</a:t>
+            </a:r>
+            <a:r>
+              <a:rPr lang="tr-TR" dirty="0"/>
+              <a:t> stator</a:t>
+            </a:r>
+          </a:p>
+          <a:p>
+            <a:pPr marL="342900" indent="-342900">
+              <a:buFont typeface="Arial" panose="020B0604020202020204" pitchFamily="34" charset="0"/>
+              <a:buChar char="•"/>
+            </a:pPr>
+            <a:endParaRPr lang="tr-TR"/>
+          </a:p>
+          <a:p>
+            <a:pPr marL="342900" indent="-342900">
+              <a:buFont typeface="Arial" panose="020B0604020202020204" pitchFamily="34" charset="0"/>
+              <a:buChar char="•"/>
+            </a:pPr>
+            <a:endParaRPr lang="tr-TR" dirty="0"/>
+          </a:p>
+          <a:p>
+            <a:pPr marL="342900" indent="-342900">
+              <a:buFont typeface="Arial" panose="020B0604020202020204" pitchFamily="34" charset="0"/>
+              <a:buChar char="•"/>
+            </a:pPr>
+            <a:endParaRPr lang="tr-TR" dirty="0"/>
+          </a:p>
+          <a:p>
+            <a:pPr marL="342900" indent="-342900">
+              <a:buFont typeface="Arial" panose="020B0604020202020204" pitchFamily="34" charset="0"/>
+              <a:buChar char="•"/>
+            </a:pPr>
+            <a:endParaRPr lang="tr-TR" dirty="0"/>
+          </a:p>
+          <a:p>
+            <a:pPr marL="342900" indent="-342900">
+              <a:buFont typeface="Arial" panose="020B0604020202020204" pitchFamily="34" charset="0"/>
+              <a:buChar char="•"/>
+            </a:pPr>
+            <a:endParaRPr lang="tr-TR" dirty="0"/>
+          </a:p>
+          <a:p>
+            <a:pPr marL="342900" indent="-342900">
+              <a:buFont typeface="Arial" panose="020B0604020202020204" pitchFamily="34" charset="0"/>
+              <a:buChar char="•"/>
+            </a:pPr>
+            <a:endParaRPr lang="tr-TR" dirty="0"/>
           </a:p>
         </p:txBody>
       </p:sp>
@@ -5694,6 +6029,36 @@
           </a:p>
         </p:txBody>
       </p:sp>
+      <p:pic>
+        <p:nvPicPr>
+          <p:cNvPr id="7" name="Picture 6">
+            <a:extLst>
+              <a:ext uri="{FF2B5EF4-FFF2-40B4-BE49-F238E27FC236}">
+                <a16:creationId xmlns:a16="http://schemas.microsoft.com/office/drawing/2014/main" id="{34FF4160-27B0-40B6-925F-33C1E00D5D5B}"/>
+              </a:ext>
+            </a:extLst>
+          </p:cNvPr>
+          <p:cNvPicPr>
+            <a:picLocks noChangeAspect="1"/>
+          </p:cNvPicPr>
+          <p:nvPr/>
+        </p:nvPicPr>
+        <p:blipFill>
+          <a:blip r:embed="rId2"/>
+          <a:stretch>
+            <a:fillRect/>
+          </a:stretch>
+        </p:blipFill>
+        <p:spPr>
+          <a:xfrm>
+            <a:off x="3510117" y="2072404"/>
+            <a:ext cx="5368412" cy="3355258"/>
+          </a:xfrm>
+          <a:prstGeom prst="rect">
+            <a:avLst/>
+          </a:prstGeom>
+        </p:spPr>
+      </p:pic>
     </p:spTree>
     <p:extLst>
       <p:ext uri="{BB962C8B-B14F-4D97-AF65-F5344CB8AC3E}">

--- a/Presentations/5-Seminar_Presentation_2023_11_23.pptx
+++ b/Presentations/5-Seminar_Presentation_2023_11_23.pptx
@@ -5,10 +5,10 @@
     <p:sldMasterId id="2147483886" r:id="rId1"/>
   </p:sldMasterIdLst>
   <p:notesMasterIdLst>
-    <p:notesMasterId r:id="rId15"/>
+    <p:notesMasterId r:id="rId16"/>
   </p:notesMasterIdLst>
   <p:handoutMasterIdLst>
-    <p:handoutMasterId r:id="rId16"/>
+    <p:handoutMasterId r:id="rId17"/>
   </p:handoutMasterIdLst>
   <p:sldIdLst>
     <p:sldId id="299" r:id="rId2"/>
@@ -16,14 +16,15 @@
     <p:sldId id="305" r:id="rId4"/>
     <p:sldId id="301" r:id="rId5"/>
     <p:sldId id="304" r:id="rId6"/>
-    <p:sldId id="306" r:id="rId7"/>
-    <p:sldId id="307" r:id="rId8"/>
-    <p:sldId id="308" r:id="rId9"/>
-    <p:sldId id="309" r:id="rId10"/>
-    <p:sldId id="310" r:id="rId11"/>
-    <p:sldId id="311" r:id="rId12"/>
-    <p:sldId id="302" r:id="rId13"/>
-    <p:sldId id="303" r:id="rId14"/>
+    <p:sldId id="312" r:id="rId7"/>
+    <p:sldId id="306" r:id="rId8"/>
+    <p:sldId id="307" r:id="rId9"/>
+    <p:sldId id="308" r:id="rId10"/>
+    <p:sldId id="309" r:id="rId11"/>
+    <p:sldId id="310" r:id="rId12"/>
+    <p:sldId id="311" r:id="rId13"/>
+    <p:sldId id="302" r:id="rId14"/>
+    <p:sldId id="303" r:id="rId15"/>
   </p:sldIdLst>
   <p:sldSz cx="9144000" cy="6858000" type="screen4x3"/>
   <p:notesSz cx="6858000" cy="9144000"/>
@@ -278,7 +279,7 @@
               <a:pPr>
                 <a:defRPr/>
               </a:pPr>
-              <a:t>11/2/2023</a:t>
+              <a:t>11/7/2023</a:t>
             </a:fld>
             <a:endParaRPr lang="en-US"/>
           </a:p>
@@ -492,7 +493,7 @@
               <a:pPr>
                 <a:defRPr/>
               </a:pPr>
-              <a:t>11/2/2023</a:t>
+              <a:t>11/7/2023</a:t>
             </a:fld>
             <a:endParaRPr lang="en-US"/>
           </a:p>
@@ -4320,7 +4321,7 @@
           <p:cNvPr id="2" name="Title 1">
             <a:extLst>
               <a:ext uri="{FF2B5EF4-FFF2-40B4-BE49-F238E27FC236}">
-                <a16:creationId xmlns:a16="http://schemas.microsoft.com/office/drawing/2014/main" id="{82FBFD40-D628-4085-8820-E59591D1AABF}"/>
+                <a16:creationId xmlns:a16="http://schemas.microsoft.com/office/drawing/2014/main" id="{976112AF-6CD3-482E-BE37-3F0F9F22602C}"/>
               </a:ext>
             </a:extLst>
           </p:cNvPr>
@@ -4338,7 +4339,7 @@
           <a:p>
             <a:r>
               <a:rPr lang="tr-TR" dirty="0" err="1"/>
-              <a:t>Results</a:t>
+              <a:t>Optimization</a:t>
             </a:r>
             <a:endParaRPr lang="en-US" dirty="0"/>
           </a:p>
@@ -4349,7 +4350,7 @@
           <p:cNvPr id="3" name="Content Placeholder 2">
             <a:extLst>
               <a:ext uri="{FF2B5EF4-FFF2-40B4-BE49-F238E27FC236}">
-                <a16:creationId xmlns:a16="http://schemas.microsoft.com/office/drawing/2014/main" id="{9E28CE09-26C5-4EC1-863B-E2C3EE0F77F4}"/>
+                <a16:creationId xmlns:a16="http://schemas.microsoft.com/office/drawing/2014/main" id="{A9FCD6C6-6F38-44A8-9232-DA4CB2AD3813}"/>
               </a:ext>
             </a:extLst>
           </p:cNvPr>
@@ -4374,7 +4375,7 @@
           <p:cNvPr id="4" name="Slide Number Placeholder 3">
             <a:extLst>
               <a:ext uri="{FF2B5EF4-FFF2-40B4-BE49-F238E27FC236}">
-                <a16:creationId xmlns:a16="http://schemas.microsoft.com/office/drawing/2014/main" id="{8EC086E3-2F26-4863-AE1D-77B55FB32BB9}"/>
+                <a16:creationId xmlns:a16="http://schemas.microsoft.com/office/drawing/2014/main" id="{F6376762-CFA1-4FB6-8CF1-9A1687DB8E50}"/>
               </a:ext>
             </a:extLst>
           </p:cNvPr>
@@ -4409,7 +4410,7 @@
           <p:cNvPr id="5" name="Date Placeholder 4">
             <a:extLst>
               <a:ext uri="{FF2B5EF4-FFF2-40B4-BE49-F238E27FC236}">
-                <a16:creationId xmlns:a16="http://schemas.microsoft.com/office/drawing/2014/main" id="{5D918545-BC13-448B-B4C7-96C1E1EE3D78}"/>
+                <a16:creationId xmlns:a16="http://schemas.microsoft.com/office/drawing/2014/main" id="{68898A47-414A-4DBB-AF4D-F5E9E0B2FC42}"/>
               </a:ext>
             </a:extLst>
           </p:cNvPr>
@@ -4439,7 +4440,7 @@
     </p:spTree>
     <p:extLst>
       <p:ext uri="{BB962C8B-B14F-4D97-AF65-F5344CB8AC3E}">
-        <p14:creationId xmlns:p14="http://schemas.microsoft.com/office/powerpoint/2010/main" val="1801534531"/>
+        <p14:creationId xmlns:p14="http://schemas.microsoft.com/office/powerpoint/2010/main" val="2168791520"/>
       </p:ext>
     </p:extLst>
   </p:cSld>
@@ -4471,7 +4472,7 @@
           <p:cNvPr id="2" name="Title 1">
             <a:extLst>
               <a:ext uri="{FF2B5EF4-FFF2-40B4-BE49-F238E27FC236}">
-                <a16:creationId xmlns:a16="http://schemas.microsoft.com/office/drawing/2014/main" id="{A020DFBC-FAAA-4A48-84A2-8553A941B07D}"/>
+                <a16:creationId xmlns:a16="http://schemas.microsoft.com/office/drawing/2014/main" id="{82FBFD40-D628-4085-8820-E59591D1AABF}"/>
               </a:ext>
             </a:extLst>
           </p:cNvPr>
@@ -4489,7 +4490,7 @@
           <a:p>
             <a:r>
               <a:rPr lang="tr-TR" dirty="0" err="1"/>
-              <a:t>Conclusion</a:t>
+              <a:t>Results</a:t>
             </a:r>
             <a:endParaRPr lang="en-US" dirty="0"/>
           </a:p>
@@ -4500,7 +4501,7 @@
           <p:cNvPr id="3" name="Content Placeholder 2">
             <a:extLst>
               <a:ext uri="{FF2B5EF4-FFF2-40B4-BE49-F238E27FC236}">
-                <a16:creationId xmlns:a16="http://schemas.microsoft.com/office/drawing/2014/main" id="{411A3A0C-4E84-4C03-9C37-E638E2E46DA0}"/>
+                <a16:creationId xmlns:a16="http://schemas.microsoft.com/office/drawing/2014/main" id="{9E28CE09-26C5-4EC1-863B-E2C3EE0F77F4}"/>
               </a:ext>
             </a:extLst>
           </p:cNvPr>
@@ -4525,7 +4526,7 @@
           <p:cNvPr id="4" name="Slide Number Placeholder 3">
             <a:extLst>
               <a:ext uri="{FF2B5EF4-FFF2-40B4-BE49-F238E27FC236}">
-                <a16:creationId xmlns:a16="http://schemas.microsoft.com/office/drawing/2014/main" id="{5B2F18BF-5B09-4E60-B9C8-B2CB4FDDC4E7}"/>
+                <a16:creationId xmlns:a16="http://schemas.microsoft.com/office/drawing/2014/main" id="{8EC086E3-2F26-4863-AE1D-77B55FB32BB9}"/>
               </a:ext>
             </a:extLst>
           </p:cNvPr>
@@ -4560,7 +4561,7 @@
           <p:cNvPr id="5" name="Date Placeholder 4">
             <a:extLst>
               <a:ext uri="{FF2B5EF4-FFF2-40B4-BE49-F238E27FC236}">
-                <a16:creationId xmlns:a16="http://schemas.microsoft.com/office/drawing/2014/main" id="{0DD43608-4BA4-4C6B-8656-96AB45B7CD40}"/>
+                <a16:creationId xmlns:a16="http://schemas.microsoft.com/office/drawing/2014/main" id="{5D918545-BC13-448B-B4C7-96C1E1EE3D78}"/>
               </a:ext>
             </a:extLst>
           </p:cNvPr>
@@ -4590,7 +4591,7 @@
     </p:spTree>
     <p:extLst>
       <p:ext uri="{BB962C8B-B14F-4D97-AF65-F5344CB8AC3E}">
-        <p14:creationId xmlns:p14="http://schemas.microsoft.com/office/powerpoint/2010/main" val="2789951459"/>
+        <p14:creationId xmlns:p14="http://schemas.microsoft.com/office/powerpoint/2010/main" val="1801534531"/>
       </p:ext>
     </p:extLst>
   </p:cSld>
@@ -4619,6 +4620,157 @@
       </p:grpSpPr>
       <p:sp>
         <p:nvSpPr>
+          <p:cNvPr id="2" name="Title 1">
+            <a:extLst>
+              <a:ext uri="{FF2B5EF4-FFF2-40B4-BE49-F238E27FC236}">
+                <a16:creationId xmlns:a16="http://schemas.microsoft.com/office/drawing/2014/main" id="{A020DFBC-FAAA-4A48-84A2-8553A941B07D}"/>
+              </a:ext>
+            </a:extLst>
+          </p:cNvPr>
+          <p:cNvSpPr>
+            <a:spLocks noGrp="1"/>
+          </p:cNvSpPr>
+          <p:nvPr>
+            <p:ph type="title"/>
+          </p:nvPr>
+        </p:nvSpPr>
+        <p:spPr/>
+        <p:txBody>
+          <a:bodyPr/>
+          <a:lstStyle/>
+          <a:p>
+            <a:r>
+              <a:rPr lang="tr-TR" dirty="0" err="1"/>
+              <a:t>Conclusion</a:t>
+            </a:r>
+            <a:endParaRPr lang="en-US" dirty="0"/>
+          </a:p>
+        </p:txBody>
+      </p:sp>
+      <p:sp>
+        <p:nvSpPr>
+          <p:cNvPr id="3" name="Content Placeholder 2">
+            <a:extLst>
+              <a:ext uri="{FF2B5EF4-FFF2-40B4-BE49-F238E27FC236}">
+                <a16:creationId xmlns:a16="http://schemas.microsoft.com/office/drawing/2014/main" id="{411A3A0C-4E84-4C03-9C37-E638E2E46DA0}"/>
+              </a:ext>
+            </a:extLst>
+          </p:cNvPr>
+          <p:cNvSpPr>
+            <a:spLocks noGrp="1"/>
+          </p:cNvSpPr>
+          <p:nvPr>
+            <p:ph idx="1"/>
+          </p:nvPr>
+        </p:nvSpPr>
+        <p:spPr/>
+        <p:txBody>
+          <a:bodyPr/>
+          <a:lstStyle/>
+          <a:p>
+            <a:endParaRPr lang="en-US"/>
+          </a:p>
+        </p:txBody>
+      </p:sp>
+      <p:sp>
+        <p:nvSpPr>
+          <p:cNvPr id="4" name="Slide Number Placeholder 3">
+            <a:extLst>
+              <a:ext uri="{FF2B5EF4-FFF2-40B4-BE49-F238E27FC236}">
+                <a16:creationId xmlns:a16="http://schemas.microsoft.com/office/drawing/2014/main" id="{5B2F18BF-5B09-4E60-B9C8-B2CB4FDDC4E7}"/>
+              </a:ext>
+            </a:extLst>
+          </p:cNvPr>
+          <p:cNvSpPr>
+            <a:spLocks noGrp="1"/>
+          </p:cNvSpPr>
+          <p:nvPr>
+            <p:ph type="sldNum" sz="quarter" idx="12"/>
+          </p:nvPr>
+        </p:nvSpPr>
+        <p:spPr/>
+        <p:txBody>
+          <a:bodyPr/>
+          <a:lstStyle/>
+          <a:p>
+            <a:pPr>
+              <a:defRPr/>
+            </a:pPr>
+            <a:fld id="{C878F797-6006-4DDA-AFE9-456F280FE6C5}" type="slidenum">
+              <a:rPr lang="en-US" smtClean="0"/>
+              <a:pPr>
+                <a:defRPr/>
+              </a:pPr>
+              <a:t>12</a:t>
+            </a:fld>
+            <a:endParaRPr lang="en-US" dirty="0"/>
+          </a:p>
+        </p:txBody>
+      </p:sp>
+      <p:sp>
+        <p:nvSpPr>
+          <p:cNvPr id="5" name="Date Placeholder 4">
+            <a:extLst>
+              <a:ext uri="{FF2B5EF4-FFF2-40B4-BE49-F238E27FC236}">
+                <a16:creationId xmlns:a16="http://schemas.microsoft.com/office/drawing/2014/main" id="{0DD43608-4BA4-4C6B-8656-96AB45B7CD40}"/>
+              </a:ext>
+            </a:extLst>
+          </p:cNvPr>
+          <p:cNvSpPr>
+            <a:spLocks noGrp="1"/>
+          </p:cNvSpPr>
+          <p:nvPr>
+            <p:ph type="dt" sz="half" idx="2"/>
+          </p:nvPr>
+        </p:nvSpPr>
+        <p:spPr/>
+        <p:txBody>
+          <a:bodyPr/>
+          <a:lstStyle/>
+          <a:p>
+            <a:pPr>
+              <a:defRPr/>
+            </a:pPr>
+            <a:r>
+              <a:rPr lang="tr-TR"/>
+              <a:t>METU Electrical &amp; Electronics Engineering Department</a:t>
+            </a:r>
+            <a:endParaRPr lang="en-US" dirty="0"/>
+          </a:p>
+        </p:txBody>
+      </p:sp>
+    </p:spTree>
+    <p:extLst>
+      <p:ext uri="{BB962C8B-B14F-4D97-AF65-F5344CB8AC3E}">
+        <p14:creationId xmlns:p14="http://schemas.microsoft.com/office/powerpoint/2010/main" val="2789951459"/>
+      </p:ext>
+    </p:extLst>
+  </p:cSld>
+  <p:clrMapOvr>
+    <a:masterClrMapping/>
+  </p:clrMapOvr>
+</p:sld>
+</file>
+
+<file path=ppt/slides/slide13.xml><?xml version="1.0" encoding="utf-8"?>
+<p:sld xmlns:a="http://schemas.openxmlformats.org/drawingml/2006/main" xmlns:r="http://schemas.openxmlformats.org/officeDocument/2006/relationships" xmlns:p="http://schemas.openxmlformats.org/presentationml/2006/main">
+  <p:cSld>
+    <p:spTree>
+      <p:nvGrpSpPr>
+        <p:cNvPr id="1" name=""/>
+        <p:cNvGrpSpPr/>
+        <p:nvPr/>
+      </p:nvGrpSpPr>
+      <p:grpSpPr>
+        <a:xfrm>
+          <a:off x="0" y="0"/>
+          <a:ext cx="0" cy="0"/>
+          <a:chOff x="0" y="0"/>
+          <a:chExt cx="0" cy="0"/>
+        </a:xfrm>
+      </p:grpSpPr>
+      <p:sp>
+        <p:nvSpPr>
           <p:cNvPr id="2" name="Title 1"/>
           <p:cNvSpPr>
             <a:spLocks noGrp="1"/>
@@ -4735,7 +4887,7 @@
               <a:pPr>
                 <a:defRPr/>
               </a:pPr>
-              <a:t>12</a:t>
+              <a:t>13</a:t>
             </a:fld>
             <a:endParaRPr lang="en-US"/>
           </a:p>
@@ -4780,7 +4932,7 @@
 </p:sld>
 </file>
 
-<file path=ppt/slides/slide13.xml><?xml version="1.0" encoding="utf-8"?>
+<file path=ppt/slides/slide14.xml><?xml version="1.0" encoding="utf-8"?>
 <p:sld xmlns:a="http://schemas.openxmlformats.org/drawingml/2006/main" xmlns:r="http://schemas.openxmlformats.org/officeDocument/2006/relationships" xmlns:p="http://schemas.openxmlformats.org/presentationml/2006/main">
   <p:cSld>
     <p:spTree>
@@ -5046,7 +5198,7 @@
                 </a:solidFill>
                 <a:latin typeface="Century Gothic" panose="020B0502020202020204" pitchFamily="34" charset="0"/>
               </a:rPr>
-              <a:t>METU EEE </a:t>
+              <a:t>EE590 </a:t>
             </a:r>
             <a:r>
               <a:rPr lang="tr-TR" sz="1400" b="1" dirty="0" err="1">
@@ -5055,7 +5207,34 @@
                 </a:solidFill>
                 <a:latin typeface="Century Gothic" panose="020B0502020202020204" pitchFamily="34" charset="0"/>
               </a:rPr>
-              <a:t>Department</a:t>
+              <a:t>Seminar</a:t>
+            </a:r>
+            <a:r>
+              <a:rPr lang="tr-TR" sz="1400" b="1" dirty="0">
+                <a:solidFill>
+                  <a:schemeClr val="bg1"/>
+                </a:solidFill>
+                <a:latin typeface="Century Gothic" panose="020B0502020202020204" pitchFamily="34" charset="0"/>
+              </a:rPr>
+              <a:t>, METU EE </a:t>
+            </a:r>
+            <a:r>
+              <a:rPr lang="tr-TR" sz="1400" b="1" dirty="0" err="1">
+                <a:solidFill>
+                  <a:schemeClr val="bg1"/>
+                </a:solidFill>
+                <a:latin typeface="Century Gothic" panose="020B0502020202020204" pitchFamily="34" charset="0"/>
+              </a:rPr>
+              <a:t>Dep</a:t>
+            </a:r>
+            <a:r>
+              <a:rPr lang="tr-TR" sz="1400" b="1" dirty="0">
+                <a:solidFill>
+                  <a:schemeClr val="bg1"/>
+                </a:solidFill>
+                <a:latin typeface="Century Gothic" panose="020B0502020202020204" pitchFamily="34" charset="0"/>
+              </a:rPr>
+              <a:t>.</a:t>
             </a:r>
             <a:endParaRPr lang="en-US" sz="1400" b="1" dirty="0">
               <a:solidFill>
@@ -5397,9 +5576,24 @@
                 <a:uFillTx/>
                 <a:latin typeface="Century Gothic" panose="020B0502020202020204" pitchFamily="34" charset="0"/>
               </a:rPr>
-              <a:t> [1]</a:t>
-            </a:r>
-            <a:endParaRPr lang="en-US" dirty="0"/>
+              <a:t> </a:t>
+            </a:r>
+            <a:r>
+              <a:rPr kumimoji="0" lang="tr-TR" sz="2800" b="0" i="0" u="none" strike="noStrike" kern="1200" cap="none" spc="0" normalizeH="0" baseline="50000" noProof="0" dirty="0">
+                <a:ln>
+                  <a:noFill/>
+                </a:ln>
+                <a:solidFill>
+                  <a:srgbClr val="595959"/>
+                </a:solidFill>
+                <a:effectLst/>
+                <a:uLnTx/>
+                <a:uFillTx/>
+                <a:latin typeface="Century Gothic" panose="020B0502020202020204" pitchFamily="34" charset="0"/>
+              </a:rPr>
+              <a:t>[1]</a:t>
+            </a:r>
+            <a:endParaRPr lang="en-US" baseline="50000" dirty="0"/>
           </a:p>
         </p:txBody>
       </p:sp>
@@ -5852,7 +6046,7 @@
         <p:spPr>
           <a:xfrm>
             <a:off x="457200" y="1430338"/>
-            <a:ext cx="2856271" cy="4987925"/>
+            <a:ext cx="3052917" cy="4987925"/>
           </a:xfrm>
         </p:spPr>
         <p:txBody>
@@ -5863,34 +6057,6 @@
               <a:buFont typeface="Arial" panose="020B0604020202020204" pitchFamily="34" charset="0"/>
               <a:buChar char="•"/>
             </a:pPr>
-            <a:r>
-              <a:rPr lang="tr-TR" dirty="0" err="1"/>
-              <a:t>Salient</a:t>
-            </a:r>
-            <a:r>
-              <a:rPr lang="tr-TR" dirty="0"/>
-              <a:t> </a:t>
-            </a:r>
-            <a:r>
-              <a:rPr lang="tr-TR" dirty="0" err="1"/>
-              <a:t>pole</a:t>
-            </a:r>
-            <a:r>
-              <a:rPr lang="tr-TR" dirty="0"/>
-              <a:t> </a:t>
-            </a:r>
-            <a:r>
-              <a:rPr lang="tr-TR" dirty="0" err="1"/>
-              <a:t>synchronous</a:t>
-            </a:r>
-            <a:r>
-              <a:rPr lang="tr-TR" dirty="0"/>
-              <a:t> </a:t>
-            </a:r>
-            <a:r>
-              <a:rPr lang="tr-TR" dirty="0" err="1"/>
-              <a:t>machines</a:t>
-            </a:r>
             <a:endParaRPr lang="tr-TR" dirty="0"/>
           </a:p>
           <a:p>
@@ -5906,24 +6072,108 @@
               <a:buChar char="•"/>
             </a:pPr>
             <a:r>
+              <a:rPr lang="tr-TR" dirty="0" err="1"/>
+              <a:t>Salient</a:t>
+            </a:r>
+            <a:r>
               <a:rPr lang="tr-TR" dirty="0"/>
-              <a:t>High </a:t>
-            </a:r>
-            <a:r>
-              <a:rPr lang="tr-TR" dirty="0" err="1"/>
-              <a:t>voltage</a:t>
+              <a:t> </a:t>
+            </a:r>
+            <a:r>
+              <a:rPr lang="tr-TR" dirty="0" err="1"/>
+              <a:t>pole</a:t>
             </a:r>
             <a:r>
               <a:rPr lang="tr-TR" dirty="0"/>
-              <a:t> stator</a:t>
-            </a:r>
+              <a:t> </a:t>
+            </a:r>
+            <a:r>
+              <a:rPr lang="tr-TR" dirty="0" err="1"/>
+              <a:t>synchronous</a:t>
+            </a:r>
+            <a:r>
+              <a:rPr lang="tr-TR" dirty="0"/>
+              <a:t> </a:t>
+            </a:r>
+            <a:r>
+              <a:rPr lang="tr-TR" dirty="0" err="1"/>
+              <a:t>machines</a:t>
+            </a:r>
+            <a:endParaRPr lang="tr-TR" dirty="0"/>
           </a:p>
           <a:p>
             <a:pPr marL="342900" indent="-342900">
               <a:buFont typeface="Arial" panose="020B0604020202020204" pitchFamily="34" charset="0"/>
               <a:buChar char="•"/>
             </a:pPr>
-            <a:endParaRPr lang="tr-TR"/>
+            <a:endParaRPr lang="tr-TR" dirty="0"/>
+          </a:p>
+          <a:p>
+            <a:pPr marL="342900" indent="-342900">
+              <a:buFont typeface="Arial" panose="020B0604020202020204" pitchFamily="34" charset="0"/>
+              <a:buChar char="•"/>
+            </a:pPr>
+            <a:r>
+              <a:rPr lang="tr-TR" dirty="0"/>
+              <a:t>High </a:t>
+            </a:r>
+            <a:r>
+              <a:rPr lang="tr-TR" dirty="0" err="1"/>
+              <a:t>voltage</a:t>
+            </a:r>
+            <a:r>
+              <a:rPr lang="tr-TR" dirty="0"/>
+              <a:t> stator</a:t>
+            </a:r>
+          </a:p>
+          <a:p>
+            <a:pPr marL="342900" indent="-342900">
+              <a:buFont typeface="Arial" panose="020B0604020202020204" pitchFamily="34" charset="0"/>
+              <a:buChar char="•"/>
+            </a:pPr>
+            <a:endParaRPr lang="tr-TR" dirty="0"/>
+          </a:p>
+          <a:p>
+            <a:pPr marL="342900" indent="-342900">
+              <a:buFont typeface="Arial" panose="020B0604020202020204" pitchFamily="34" charset="0"/>
+              <a:buChar char="•"/>
+            </a:pPr>
+            <a:r>
+              <a:rPr lang="tr-TR" dirty="0"/>
+              <a:t>A </a:t>
+            </a:r>
+            <a:r>
+              <a:rPr lang="tr-TR" dirty="0" err="1"/>
+              <a:t>couple</a:t>
+            </a:r>
+            <a:r>
+              <a:rPr lang="tr-TR" dirty="0"/>
+              <a:t> of </a:t>
+            </a:r>
+            <a:r>
+              <a:rPr lang="tr-TR" dirty="0" err="1"/>
+              <a:t>kVA</a:t>
+            </a:r>
+            <a:r>
+              <a:rPr lang="tr-TR" dirty="0"/>
+              <a:t> </a:t>
+            </a:r>
+            <a:r>
+              <a:rPr lang="tr-TR" dirty="0" err="1"/>
+              <a:t>to</a:t>
+            </a:r>
+            <a:r>
+              <a:rPr lang="tr-TR" dirty="0"/>
+              <a:t> </a:t>
+            </a:r>
+            <a:r>
+              <a:rPr lang="tr-TR" dirty="0" err="1"/>
+              <a:t>hundreds</a:t>
+            </a:r>
+            <a:r>
+              <a:rPr lang="tr-TR" dirty="0"/>
+              <a:t> of MVA</a:t>
+            </a:r>
           </a:p>
           <a:p>
             <a:pPr marL="342900" indent="-342900">
@@ -6094,7 +6344,7 @@
           <p:cNvPr id="2" name="Title 1">
             <a:extLst>
               <a:ext uri="{FF2B5EF4-FFF2-40B4-BE49-F238E27FC236}">
-                <a16:creationId xmlns:a16="http://schemas.microsoft.com/office/drawing/2014/main" id="{45636C6E-2062-404F-B677-F65CE8F90CBC}"/>
+                <a16:creationId xmlns:a16="http://schemas.microsoft.com/office/drawing/2014/main" id="{51E270C7-D80B-48B5-8202-6AF3DDC92C0D}"/>
               </a:ext>
             </a:extLst>
           </p:cNvPr>
@@ -6112,42 +6362,9 @@
           <a:p>
             <a:r>
               <a:rPr lang="tr-TR" dirty="0" err="1"/>
-              <a:t>Winding</a:t>
-            </a:r>
-            <a:r>
-              <a:rPr lang="tr-TR" dirty="0"/>
-              <a:t> </a:t>
-            </a:r>
-            <a:r>
-              <a:rPr lang="tr-TR" dirty="0" err="1"/>
-              <a:t>Types</a:t>
+              <a:t>Refurbishment</a:t>
             </a:r>
             <a:endParaRPr lang="en-US" dirty="0"/>
-          </a:p>
-        </p:txBody>
-      </p:sp>
-      <p:sp>
-        <p:nvSpPr>
-          <p:cNvPr id="3" name="Content Placeholder 2">
-            <a:extLst>
-              <a:ext uri="{FF2B5EF4-FFF2-40B4-BE49-F238E27FC236}">
-                <a16:creationId xmlns:a16="http://schemas.microsoft.com/office/drawing/2014/main" id="{C5D29E6C-AAC3-4163-9252-4D6779C2231C}"/>
-              </a:ext>
-            </a:extLst>
-          </p:cNvPr>
-          <p:cNvSpPr>
-            <a:spLocks noGrp="1"/>
-          </p:cNvSpPr>
-          <p:nvPr>
-            <p:ph idx="1"/>
-          </p:nvPr>
-        </p:nvSpPr>
-        <p:spPr/>
-        <p:txBody>
-          <a:bodyPr/>
-          <a:lstStyle/>
-          <a:p>
-            <a:endParaRPr lang="en-US"/>
           </a:p>
         </p:txBody>
       </p:sp>
@@ -6156,7 +6373,7 @@
           <p:cNvPr id="4" name="Slide Number Placeholder 3">
             <a:extLst>
               <a:ext uri="{FF2B5EF4-FFF2-40B4-BE49-F238E27FC236}">
-                <a16:creationId xmlns:a16="http://schemas.microsoft.com/office/drawing/2014/main" id="{730BC0DF-148A-4EA7-A99A-B84C1A3FE452}"/>
+                <a16:creationId xmlns:a16="http://schemas.microsoft.com/office/drawing/2014/main" id="{3A7B581E-3D6C-4872-9EB4-44077212BED2}"/>
               </a:ext>
             </a:extLst>
           </p:cNvPr>
@@ -6191,7 +6408,7 @@
           <p:cNvPr id="5" name="Date Placeholder 4">
             <a:extLst>
               <a:ext uri="{FF2B5EF4-FFF2-40B4-BE49-F238E27FC236}">
-                <a16:creationId xmlns:a16="http://schemas.microsoft.com/office/drawing/2014/main" id="{04310E1D-5308-444B-A6D7-EA8278FDAC9D}"/>
+                <a16:creationId xmlns:a16="http://schemas.microsoft.com/office/drawing/2014/main" id="{DD6223D8-3995-4FAF-8C7F-A46EFF1A7FA9}"/>
               </a:ext>
             </a:extLst>
           </p:cNvPr>
@@ -6218,10 +6435,351 @@
           </a:p>
         </p:txBody>
       </p:sp>
+      <p:sp>
+        <p:nvSpPr>
+          <p:cNvPr id="11" name="Content Placeholder 10">
+            <a:extLst>
+              <a:ext uri="{FF2B5EF4-FFF2-40B4-BE49-F238E27FC236}">
+                <a16:creationId xmlns:a16="http://schemas.microsoft.com/office/drawing/2014/main" id="{F6C478FE-1441-4ABB-9850-5D8CF48C94A1}"/>
+              </a:ext>
+            </a:extLst>
+          </p:cNvPr>
+          <p:cNvSpPr>
+            <a:spLocks noGrp="1"/>
+          </p:cNvSpPr>
+          <p:nvPr>
+            <p:ph idx="1"/>
+          </p:nvPr>
+        </p:nvSpPr>
+        <p:spPr/>
+        <p:txBody>
+          <a:bodyPr/>
+          <a:lstStyle/>
+          <a:p>
+            <a:endParaRPr lang="tr-TR" dirty="0"/>
+          </a:p>
+          <a:p>
+            <a:pPr marL="342900" indent="-342900">
+              <a:buFont typeface="Arial" panose="020B0604020202020204" pitchFamily="34" charset="0"/>
+              <a:buChar char="•"/>
+            </a:pPr>
+            <a:r>
+              <a:rPr lang="tr-TR" dirty="0" err="1"/>
+              <a:t>Installed</a:t>
+            </a:r>
+            <a:r>
+              <a:rPr lang="tr-TR" dirty="0"/>
+              <a:t> </a:t>
+            </a:r>
+            <a:r>
+              <a:rPr lang="tr-TR" dirty="0" err="1"/>
+              <a:t>capacity</a:t>
+            </a:r>
+            <a:r>
+              <a:rPr lang="tr-TR" dirty="0"/>
+              <a:t> </a:t>
+            </a:r>
+            <a:r>
+              <a:rPr lang="tr-TR" dirty="0" err="1"/>
+              <a:t>older</a:t>
+            </a:r>
+            <a:r>
+              <a:rPr lang="tr-TR" dirty="0"/>
+              <a:t> </a:t>
+            </a:r>
+            <a:r>
+              <a:rPr lang="tr-TR" dirty="0" err="1"/>
+              <a:t>than</a:t>
+            </a:r>
+            <a:r>
+              <a:rPr lang="tr-TR" dirty="0"/>
+              <a:t> 30 </a:t>
+            </a:r>
+            <a:r>
+              <a:rPr lang="tr-TR" dirty="0" err="1"/>
+              <a:t>years</a:t>
+            </a:r>
+            <a:r>
+              <a:rPr lang="tr-TR" dirty="0"/>
+              <a:t>: 6205 </a:t>
+            </a:r>
+            <a:r>
+              <a:rPr lang="tr-TR" dirty="0" err="1"/>
+              <a:t>MWs</a:t>
+            </a:r>
+            <a:endParaRPr lang="tr-TR" dirty="0"/>
+          </a:p>
+          <a:p>
+            <a:pPr marL="982663" lvl="1" indent="-342900"/>
+            <a:r>
+              <a:rPr lang="tr-TR" dirty="0" err="1"/>
+              <a:t>which</a:t>
+            </a:r>
+            <a:r>
+              <a:rPr lang="tr-TR" dirty="0"/>
+              <a:t> </a:t>
+            </a:r>
+            <a:r>
+              <a:rPr lang="tr-TR" dirty="0" err="1"/>
+              <a:t>accounts</a:t>
+            </a:r>
+            <a:r>
+              <a:rPr lang="tr-TR" dirty="0"/>
+              <a:t> </a:t>
+            </a:r>
+            <a:r>
+              <a:rPr lang="tr-TR" dirty="0" err="1"/>
+              <a:t>for</a:t>
+            </a:r>
+            <a:r>
+              <a:rPr lang="tr-TR" dirty="0"/>
+              <a:t> 31.9% of </a:t>
+            </a:r>
+            <a:r>
+              <a:rPr lang="tr-TR" dirty="0" err="1"/>
+              <a:t>large</a:t>
+            </a:r>
+            <a:r>
+              <a:rPr lang="tr-TR" dirty="0"/>
+              <a:t> </a:t>
+            </a:r>
+            <a:r>
+              <a:rPr lang="tr-TR" dirty="0" err="1"/>
+              <a:t>hydro</a:t>
+            </a:r>
+            <a:r>
+              <a:rPr lang="tr-TR" dirty="0"/>
+              <a:t> </a:t>
+            </a:r>
+            <a:r>
+              <a:rPr lang="tr-TR" dirty="0" err="1"/>
+              <a:t>generators</a:t>
+            </a:r>
+            <a:r>
+              <a:rPr lang="tr-TR" dirty="0"/>
+              <a:t> </a:t>
+            </a:r>
+            <a:r>
+              <a:rPr lang="tr-TR" baseline="50000" dirty="0"/>
+              <a:t>[1]</a:t>
+            </a:r>
+            <a:endParaRPr lang="tr-TR" dirty="0"/>
+          </a:p>
+          <a:p>
+            <a:pPr marL="342900" indent="-342900">
+              <a:buFont typeface="Arial" panose="020B0604020202020204" pitchFamily="34" charset="0"/>
+              <a:buChar char="•"/>
+            </a:pPr>
+            <a:r>
+              <a:rPr lang="tr-TR" dirty="0" err="1"/>
+              <a:t>Most</a:t>
+            </a:r>
+            <a:r>
+              <a:rPr lang="tr-TR" dirty="0"/>
+              <a:t> </a:t>
+            </a:r>
+            <a:r>
+              <a:rPr lang="tr-TR" dirty="0" err="1"/>
+              <a:t>old</a:t>
+            </a:r>
+            <a:r>
+              <a:rPr lang="tr-TR" dirty="0"/>
+              <a:t> </a:t>
+            </a:r>
+            <a:r>
+              <a:rPr lang="tr-TR" dirty="0" err="1"/>
+              <a:t>generators</a:t>
+            </a:r>
+            <a:r>
+              <a:rPr lang="tr-TR" dirty="0"/>
+              <a:t> </a:t>
+            </a:r>
+            <a:r>
+              <a:rPr lang="tr-TR" dirty="0" err="1"/>
+              <a:t>are</a:t>
+            </a:r>
+            <a:r>
+              <a:rPr lang="tr-TR" dirty="0"/>
+              <a:t> </a:t>
+            </a:r>
+            <a:r>
+              <a:rPr lang="tr-TR" dirty="0" err="1"/>
+              <a:t>over</a:t>
+            </a:r>
+            <a:r>
+              <a:rPr lang="tr-TR" dirty="0"/>
+              <a:t> – </a:t>
+            </a:r>
+            <a:r>
+              <a:rPr lang="tr-TR" dirty="0" err="1"/>
+              <a:t>designed</a:t>
+            </a:r>
+            <a:endParaRPr lang="tr-TR" dirty="0"/>
+          </a:p>
+          <a:p>
+            <a:pPr marL="982663" lvl="1" indent="-342900"/>
+            <a:r>
+              <a:rPr lang="tr-TR" dirty="0" err="1"/>
+              <a:t>cheapest</a:t>
+            </a:r>
+            <a:r>
+              <a:rPr lang="tr-TR" dirty="0"/>
+              <a:t> </a:t>
+            </a:r>
+            <a:r>
+              <a:rPr lang="tr-TR" dirty="0" err="1"/>
+              <a:t>way</a:t>
+            </a:r>
+            <a:r>
+              <a:rPr lang="tr-TR" dirty="0"/>
+              <a:t> of </a:t>
+            </a:r>
+            <a:r>
+              <a:rPr lang="tr-TR" dirty="0" err="1"/>
+              <a:t>increasing</a:t>
+            </a:r>
+            <a:r>
+              <a:rPr lang="tr-TR" dirty="0"/>
+              <a:t> </a:t>
+            </a:r>
+            <a:r>
+              <a:rPr lang="tr-TR" dirty="0" err="1"/>
+              <a:t>installed</a:t>
+            </a:r>
+            <a:r>
+              <a:rPr lang="tr-TR" dirty="0"/>
+              <a:t> </a:t>
+            </a:r>
+            <a:r>
+              <a:rPr lang="tr-TR" dirty="0" err="1"/>
+              <a:t>power</a:t>
+            </a:r>
+            <a:endParaRPr lang="tr-TR" dirty="0"/>
+          </a:p>
+          <a:p>
+            <a:endParaRPr lang="tr-TR" dirty="0"/>
+          </a:p>
+        </p:txBody>
+      </p:sp>
+      <p:sp>
+        <p:nvSpPr>
+          <p:cNvPr id="15" name="TextBox 14">
+            <a:extLst>
+              <a:ext uri="{FF2B5EF4-FFF2-40B4-BE49-F238E27FC236}">
+                <a16:creationId xmlns:a16="http://schemas.microsoft.com/office/drawing/2014/main" id="{D93C1A94-0C6E-4978-8141-2CD2487214EA}"/>
+              </a:ext>
+            </a:extLst>
+          </p:cNvPr>
+          <p:cNvSpPr txBox="1"/>
+          <p:nvPr/>
+        </p:nvSpPr>
+        <p:spPr>
+          <a:xfrm>
+            <a:off x="580103" y="6046839"/>
+            <a:ext cx="8106697" cy="338554"/>
+          </a:xfrm>
+          <a:prstGeom prst="rect">
+            <a:avLst/>
+          </a:prstGeom>
+          <a:noFill/>
+        </p:spPr>
+        <p:txBody>
+          <a:bodyPr wrap="square" rtlCol="0">
+            <a:spAutoFit/>
+          </a:bodyPr>
+          <a:lstStyle/>
+          <a:p>
+            <a:r>
+              <a:rPr lang="en-US" sz="800" dirty="0">
+                <a:latin typeface="Century Gothic" panose="020B0502020202020204" pitchFamily="34" charset="0"/>
+              </a:rPr>
+              <a:t>N. </a:t>
+            </a:r>
+            <a:r>
+              <a:rPr lang="en-US" sz="800" dirty="0" err="1">
+                <a:latin typeface="Century Gothic" panose="020B0502020202020204" pitchFamily="34" charset="0"/>
+              </a:rPr>
+              <a:t>Tosun</a:t>
+            </a:r>
+            <a:r>
+              <a:rPr lang="en-US" sz="800" dirty="0">
+                <a:latin typeface="Century Gothic" panose="020B0502020202020204" pitchFamily="34" charset="0"/>
+              </a:rPr>
+              <a:t>, G. </a:t>
+            </a:r>
+            <a:r>
+              <a:rPr lang="en-US" sz="800" dirty="0" err="1">
+                <a:latin typeface="Century Gothic" panose="020B0502020202020204" pitchFamily="34" charset="0"/>
+              </a:rPr>
+              <a:t>Gülletutan</a:t>
+            </a:r>
+            <a:r>
+              <a:rPr lang="en-US" sz="800" dirty="0">
+                <a:latin typeface="Century Gothic" panose="020B0502020202020204" pitchFamily="34" charset="0"/>
+              </a:rPr>
+              <a:t>, M. S. Yakut, D. Alp Yilmaz, Ö. Bayer and O. </a:t>
+            </a:r>
+            <a:r>
+              <a:rPr lang="en-US" sz="800" dirty="0" err="1">
+                <a:latin typeface="Century Gothic" panose="020B0502020202020204" pitchFamily="34" charset="0"/>
+              </a:rPr>
+              <a:t>Keysan</a:t>
+            </a:r>
+            <a:r>
+              <a:rPr lang="en-US" sz="800" dirty="0">
+                <a:latin typeface="Century Gothic" panose="020B0502020202020204" pitchFamily="34" charset="0"/>
+              </a:rPr>
+              <a:t>, "Winding Type Alternation of a Refurbished Old Generator," 2023 IEEE Workshop on Electrical Machines Design, Control and Diagnosis (WEMDCD), Newcastle upon Tyne, United Kingdom, 2023, pp. 1-6, </a:t>
+            </a:r>
+            <a:r>
+              <a:rPr lang="en-US" sz="800" dirty="0" err="1">
+                <a:latin typeface="Century Gothic" panose="020B0502020202020204" pitchFamily="34" charset="0"/>
+              </a:rPr>
+              <a:t>doi</a:t>
+            </a:r>
+            <a:r>
+              <a:rPr lang="en-US" sz="800" dirty="0">
+                <a:latin typeface="Century Gothic" panose="020B0502020202020204" pitchFamily="34" charset="0"/>
+              </a:rPr>
+              <a:t>: 10.1109/WEMDCD55819.2023.10110941.</a:t>
+            </a:r>
+          </a:p>
+        </p:txBody>
+      </p:sp>
+      <p:pic>
+        <p:nvPicPr>
+          <p:cNvPr id="17" name="Picture 16">
+            <a:extLst>
+              <a:ext uri="{FF2B5EF4-FFF2-40B4-BE49-F238E27FC236}">
+                <a16:creationId xmlns:a16="http://schemas.microsoft.com/office/drawing/2014/main" id="{34A2654D-869A-41B8-8773-8625FCDBD13B}"/>
+              </a:ext>
+            </a:extLst>
+          </p:cNvPr>
+          <p:cNvPicPr>
+            <a:picLocks noChangeAspect="1"/>
+          </p:cNvPicPr>
+          <p:nvPr/>
+        </p:nvPicPr>
+        <p:blipFill>
+          <a:blip r:embed="rId2"/>
+          <a:stretch>
+            <a:fillRect/>
+          </a:stretch>
+        </p:blipFill>
+        <p:spPr>
+          <a:xfrm>
+            <a:off x="0" y="3249156"/>
+            <a:ext cx="9144000" cy="2692908"/>
+          </a:xfrm>
+          <a:prstGeom prst="rect">
+            <a:avLst/>
+          </a:prstGeom>
+        </p:spPr>
+      </p:pic>
     </p:spTree>
     <p:extLst>
       <p:ext uri="{BB962C8B-B14F-4D97-AF65-F5344CB8AC3E}">
-        <p14:creationId xmlns:p14="http://schemas.microsoft.com/office/powerpoint/2010/main" val="4022192944"/>
+        <p14:creationId xmlns:p14="http://schemas.microsoft.com/office/powerpoint/2010/main" val="2869290050"/>
       </p:ext>
     </p:extLst>
   </p:cSld>
@@ -6253,7 +6811,7 @@
           <p:cNvPr id="2" name="Title 1">
             <a:extLst>
               <a:ext uri="{FF2B5EF4-FFF2-40B4-BE49-F238E27FC236}">
-                <a16:creationId xmlns:a16="http://schemas.microsoft.com/office/drawing/2014/main" id="{F153B472-B62B-46CC-AF51-0408F0ED4387}"/>
+                <a16:creationId xmlns:a16="http://schemas.microsoft.com/office/drawing/2014/main" id="{45636C6E-2062-404F-B677-F65CE8F90CBC}"/>
               </a:ext>
             </a:extLst>
           </p:cNvPr>
@@ -6271,15 +6829,15 @@
           <a:p>
             <a:r>
               <a:rPr lang="tr-TR" dirty="0" err="1"/>
-              <a:t>Upgrading</a:t>
+              <a:t>Winding</a:t>
             </a:r>
             <a:r>
               <a:rPr lang="tr-TR" dirty="0"/>
-              <a:t> &amp; </a:t>
-            </a:r>
-            <a:r>
-              <a:rPr lang="tr-TR" dirty="0" err="1"/>
-              <a:t>Uprating</a:t>
+              <a:t> </a:t>
+            </a:r>
+            <a:r>
+              <a:rPr lang="tr-TR" dirty="0" err="1"/>
+              <a:t>Types</a:t>
             </a:r>
             <a:endParaRPr lang="en-US" dirty="0"/>
           </a:p>
@@ -6290,7 +6848,7 @@
           <p:cNvPr id="3" name="Content Placeholder 2">
             <a:extLst>
               <a:ext uri="{FF2B5EF4-FFF2-40B4-BE49-F238E27FC236}">
-                <a16:creationId xmlns:a16="http://schemas.microsoft.com/office/drawing/2014/main" id="{1DAA0CFD-805E-48B0-AB22-7917E206EEFF}"/>
+                <a16:creationId xmlns:a16="http://schemas.microsoft.com/office/drawing/2014/main" id="{C5D29E6C-AAC3-4163-9252-4D6779C2231C}"/>
               </a:ext>
             </a:extLst>
           </p:cNvPr>
@@ -6306,7 +6864,45 @@
           <a:bodyPr/>
           <a:lstStyle/>
           <a:p>
-            <a:endParaRPr lang="en-US"/>
+            <a:pPr marL="342900" indent="-342900">
+              <a:buFont typeface="Arial" panose="020B0604020202020204" pitchFamily="34" charset="0"/>
+              <a:buChar char="•"/>
+            </a:pPr>
+            <a:r>
+              <a:rPr lang="tr-TR" dirty="0"/>
+              <a:t>Lap </a:t>
+            </a:r>
+            <a:r>
+              <a:rPr lang="tr-TR" dirty="0" err="1"/>
+              <a:t>Winding</a:t>
+            </a:r>
+            <a:endParaRPr lang="tr-TR" dirty="0"/>
+          </a:p>
+          <a:p>
+            <a:pPr marL="342900" indent="-342900">
+              <a:buFont typeface="Arial" panose="020B0604020202020204" pitchFamily="34" charset="0"/>
+              <a:buChar char="•"/>
+            </a:pPr>
+            <a:endParaRPr lang="tr-TR" dirty="0"/>
+          </a:p>
+          <a:p>
+            <a:pPr marL="342900" indent="-342900">
+              <a:buFont typeface="Arial" panose="020B0604020202020204" pitchFamily="34" charset="0"/>
+              <a:buChar char="•"/>
+            </a:pPr>
+            <a:r>
+              <a:rPr lang="tr-TR" dirty="0" err="1"/>
+              <a:t>Wave</a:t>
+            </a:r>
+            <a:r>
+              <a:rPr lang="tr-TR" dirty="0"/>
+              <a:t> </a:t>
+            </a:r>
+            <a:r>
+              <a:rPr lang="tr-TR" dirty="0" err="1"/>
+              <a:t>Winding</a:t>
+            </a:r>
+            <a:endParaRPr lang="en-US" dirty="0"/>
           </a:p>
         </p:txBody>
       </p:sp>
@@ -6315,7 +6911,7 @@
           <p:cNvPr id="4" name="Slide Number Placeholder 3">
             <a:extLst>
               <a:ext uri="{FF2B5EF4-FFF2-40B4-BE49-F238E27FC236}">
-                <a16:creationId xmlns:a16="http://schemas.microsoft.com/office/drawing/2014/main" id="{2A4824DF-0194-47F4-8B46-D4D3DCA830B9}"/>
+                <a16:creationId xmlns:a16="http://schemas.microsoft.com/office/drawing/2014/main" id="{730BC0DF-148A-4EA7-A99A-B84C1A3FE452}"/>
               </a:ext>
             </a:extLst>
           </p:cNvPr>
@@ -6350,7 +6946,7 @@
           <p:cNvPr id="5" name="Date Placeholder 4">
             <a:extLst>
               <a:ext uri="{FF2B5EF4-FFF2-40B4-BE49-F238E27FC236}">
-                <a16:creationId xmlns:a16="http://schemas.microsoft.com/office/drawing/2014/main" id="{5AFEB541-E56E-4B70-BBFB-BE5CEBDAB526}"/>
+                <a16:creationId xmlns:a16="http://schemas.microsoft.com/office/drawing/2014/main" id="{04310E1D-5308-444B-A6D7-EA8278FDAC9D}"/>
               </a:ext>
             </a:extLst>
           </p:cNvPr>
@@ -6380,7 +6976,7 @@
     </p:spTree>
     <p:extLst>
       <p:ext uri="{BB962C8B-B14F-4D97-AF65-F5344CB8AC3E}">
-        <p14:creationId xmlns:p14="http://schemas.microsoft.com/office/powerpoint/2010/main" val="1074566958"/>
+        <p14:creationId xmlns:p14="http://schemas.microsoft.com/office/powerpoint/2010/main" val="4022192944"/>
       </p:ext>
     </p:extLst>
   </p:cSld>
@@ -6412,7 +7008,7 @@
           <p:cNvPr id="2" name="Title 1">
             <a:extLst>
               <a:ext uri="{FF2B5EF4-FFF2-40B4-BE49-F238E27FC236}">
-                <a16:creationId xmlns:a16="http://schemas.microsoft.com/office/drawing/2014/main" id="{2F1EF37D-3AAC-406B-9CAE-FEC4A7B60969}"/>
+                <a16:creationId xmlns:a16="http://schemas.microsoft.com/office/drawing/2014/main" id="{F153B472-B62B-46CC-AF51-0408F0ED4387}"/>
               </a:ext>
             </a:extLst>
           </p:cNvPr>
@@ -6429,20 +7025,16 @@
           <a:lstStyle/>
           <a:p>
             <a:r>
+              <a:rPr lang="tr-TR" dirty="0" err="1"/>
+              <a:t>Upgrading</a:t>
+            </a:r>
+            <a:r>
               <a:rPr lang="tr-TR" dirty="0"/>
-              <a:t>Design of </a:t>
-            </a:r>
-            <a:r>
-              <a:rPr lang="tr-TR" dirty="0" err="1"/>
-              <a:t>Roebel</a:t>
-            </a:r>
-            <a:r>
-              <a:rPr lang="tr-TR" dirty="0"/>
-              <a:t> </a:t>
-            </a:r>
-            <a:r>
-              <a:rPr lang="tr-TR" dirty="0" err="1"/>
-              <a:t>Bars</a:t>
+              <a:t> &amp; </a:t>
+            </a:r>
+            <a:r>
+              <a:rPr lang="tr-TR" dirty="0" err="1"/>
+              <a:t>Uprating</a:t>
             </a:r>
             <a:endParaRPr lang="en-US" dirty="0"/>
           </a:p>
@@ -6453,7 +7045,7 @@
           <p:cNvPr id="3" name="Content Placeholder 2">
             <a:extLst>
               <a:ext uri="{FF2B5EF4-FFF2-40B4-BE49-F238E27FC236}">
-                <a16:creationId xmlns:a16="http://schemas.microsoft.com/office/drawing/2014/main" id="{2B77F756-D7AC-4EBF-B1E5-69AB3FFC990B}"/>
+                <a16:creationId xmlns:a16="http://schemas.microsoft.com/office/drawing/2014/main" id="{1DAA0CFD-805E-48B0-AB22-7917E206EEFF}"/>
               </a:ext>
             </a:extLst>
           </p:cNvPr>
@@ -6478,7 +7070,7 @@
           <p:cNvPr id="4" name="Slide Number Placeholder 3">
             <a:extLst>
               <a:ext uri="{FF2B5EF4-FFF2-40B4-BE49-F238E27FC236}">
-                <a16:creationId xmlns:a16="http://schemas.microsoft.com/office/drawing/2014/main" id="{675D79D1-0CE8-49C1-8EB7-BF2B7739BC53}"/>
+                <a16:creationId xmlns:a16="http://schemas.microsoft.com/office/drawing/2014/main" id="{2A4824DF-0194-47F4-8B46-D4D3DCA830B9}"/>
               </a:ext>
             </a:extLst>
           </p:cNvPr>
@@ -6513,7 +7105,7 @@
           <p:cNvPr id="5" name="Date Placeholder 4">
             <a:extLst>
               <a:ext uri="{FF2B5EF4-FFF2-40B4-BE49-F238E27FC236}">
-                <a16:creationId xmlns:a16="http://schemas.microsoft.com/office/drawing/2014/main" id="{787FC9DB-69C0-49A2-ACD4-19A511D78026}"/>
+                <a16:creationId xmlns:a16="http://schemas.microsoft.com/office/drawing/2014/main" id="{5AFEB541-E56E-4B70-BBFB-BE5CEBDAB526}"/>
               </a:ext>
             </a:extLst>
           </p:cNvPr>
@@ -6543,7 +7135,7 @@
     </p:spTree>
     <p:extLst>
       <p:ext uri="{BB962C8B-B14F-4D97-AF65-F5344CB8AC3E}">
-        <p14:creationId xmlns:p14="http://schemas.microsoft.com/office/powerpoint/2010/main" val="3669575433"/>
+        <p14:creationId xmlns:p14="http://schemas.microsoft.com/office/powerpoint/2010/main" val="1074566958"/>
       </p:ext>
     </p:extLst>
   </p:cSld>
@@ -6575,7 +7167,7 @@
           <p:cNvPr id="2" name="Title 1">
             <a:extLst>
               <a:ext uri="{FF2B5EF4-FFF2-40B4-BE49-F238E27FC236}">
-                <a16:creationId xmlns:a16="http://schemas.microsoft.com/office/drawing/2014/main" id="{976112AF-6CD3-482E-BE37-3F0F9F22602C}"/>
+                <a16:creationId xmlns:a16="http://schemas.microsoft.com/office/drawing/2014/main" id="{2F1EF37D-3AAC-406B-9CAE-FEC4A7B60969}"/>
               </a:ext>
             </a:extLst>
           </p:cNvPr>
@@ -6592,8 +7184,20 @@
           <a:lstStyle/>
           <a:p>
             <a:r>
-              <a:rPr lang="tr-TR" dirty="0" err="1"/>
-              <a:t>Optimization</a:t>
+              <a:rPr lang="tr-TR" dirty="0"/>
+              <a:t>Design of </a:t>
+            </a:r>
+            <a:r>
+              <a:rPr lang="tr-TR" dirty="0" err="1"/>
+              <a:t>Roebel</a:t>
+            </a:r>
+            <a:r>
+              <a:rPr lang="tr-TR" dirty="0"/>
+              <a:t> </a:t>
+            </a:r>
+            <a:r>
+              <a:rPr lang="tr-TR" dirty="0" err="1"/>
+              <a:t>Bars</a:t>
             </a:r>
             <a:endParaRPr lang="en-US" dirty="0"/>
           </a:p>
@@ -6604,7 +7208,7 @@
           <p:cNvPr id="3" name="Content Placeholder 2">
             <a:extLst>
               <a:ext uri="{FF2B5EF4-FFF2-40B4-BE49-F238E27FC236}">
-                <a16:creationId xmlns:a16="http://schemas.microsoft.com/office/drawing/2014/main" id="{A9FCD6C6-6F38-44A8-9232-DA4CB2AD3813}"/>
+                <a16:creationId xmlns:a16="http://schemas.microsoft.com/office/drawing/2014/main" id="{2B77F756-D7AC-4EBF-B1E5-69AB3FFC990B}"/>
               </a:ext>
             </a:extLst>
           </p:cNvPr>
@@ -6629,7 +7233,7 @@
           <p:cNvPr id="4" name="Slide Number Placeholder 3">
             <a:extLst>
               <a:ext uri="{FF2B5EF4-FFF2-40B4-BE49-F238E27FC236}">
-                <a16:creationId xmlns:a16="http://schemas.microsoft.com/office/drawing/2014/main" id="{F6376762-CFA1-4FB6-8CF1-9A1687DB8E50}"/>
+                <a16:creationId xmlns:a16="http://schemas.microsoft.com/office/drawing/2014/main" id="{675D79D1-0CE8-49C1-8EB7-BF2B7739BC53}"/>
               </a:ext>
             </a:extLst>
           </p:cNvPr>
@@ -6664,7 +7268,7 @@
           <p:cNvPr id="5" name="Date Placeholder 4">
             <a:extLst>
               <a:ext uri="{FF2B5EF4-FFF2-40B4-BE49-F238E27FC236}">
-                <a16:creationId xmlns:a16="http://schemas.microsoft.com/office/drawing/2014/main" id="{68898A47-414A-4DBB-AF4D-F5E9E0B2FC42}"/>
+                <a16:creationId xmlns:a16="http://schemas.microsoft.com/office/drawing/2014/main" id="{787FC9DB-69C0-49A2-ACD4-19A511D78026}"/>
               </a:ext>
             </a:extLst>
           </p:cNvPr>
@@ -6694,7 +7298,7 @@
     </p:spTree>
     <p:extLst>
       <p:ext uri="{BB962C8B-B14F-4D97-AF65-F5344CB8AC3E}">
-        <p14:creationId xmlns:p14="http://schemas.microsoft.com/office/powerpoint/2010/main" val="2168791520"/>
+        <p14:creationId xmlns:p14="http://schemas.microsoft.com/office/powerpoint/2010/main" val="3669575433"/>
       </p:ext>
     </p:extLst>
   </p:cSld>

--- a/Presentations/5-Seminar_Presentation_2023_11_23.pptx
+++ b/Presentations/5-Seminar_Presentation_2023_11_23.pptx
@@ -5,10 +5,10 @@
     <p:sldMasterId id="2147483886" r:id="rId1"/>
   </p:sldMasterIdLst>
   <p:notesMasterIdLst>
-    <p:notesMasterId r:id="rId16"/>
+    <p:notesMasterId r:id="rId24"/>
   </p:notesMasterIdLst>
   <p:handoutMasterIdLst>
-    <p:handoutMasterId r:id="rId17"/>
+    <p:handoutMasterId r:id="rId25"/>
   </p:handoutMasterIdLst>
   <p:sldIdLst>
     <p:sldId id="299" r:id="rId2"/>
@@ -17,14 +17,22 @@
     <p:sldId id="301" r:id="rId5"/>
     <p:sldId id="304" r:id="rId6"/>
     <p:sldId id="312" r:id="rId7"/>
-    <p:sldId id="306" r:id="rId8"/>
-    <p:sldId id="307" r:id="rId9"/>
-    <p:sldId id="308" r:id="rId10"/>
+    <p:sldId id="313" r:id="rId8"/>
+    <p:sldId id="306" r:id="rId9"/>
+    <p:sldId id="314" r:id="rId10"/>
     <p:sldId id="309" r:id="rId11"/>
-    <p:sldId id="310" r:id="rId12"/>
-    <p:sldId id="311" r:id="rId13"/>
-    <p:sldId id="302" r:id="rId14"/>
-    <p:sldId id="303" r:id="rId15"/>
+    <p:sldId id="320" r:id="rId12"/>
+    <p:sldId id="321" r:id="rId13"/>
+    <p:sldId id="322" r:id="rId14"/>
+    <p:sldId id="323" r:id="rId15"/>
+    <p:sldId id="315" r:id="rId16"/>
+    <p:sldId id="319" r:id="rId17"/>
+    <p:sldId id="317" r:id="rId18"/>
+    <p:sldId id="308" r:id="rId19"/>
+    <p:sldId id="318" r:id="rId20"/>
+    <p:sldId id="316" r:id="rId21"/>
+    <p:sldId id="311" r:id="rId22"/>
+    <p:sldId id="303" r:id="rId23"/>
   </p:sldIdLst>
   <p:sldSz cx="9144000" cy="6858000" type="screen4x3"/>
   <p:notesSz cx="6858000" cy="9144000"/>
@@ -279,7 +287,7 @@
               <a:pPr>
                 <a:defRPr/>
               </a:pPr>
-              <a:t>11/7/2023</a:t>
+              <a:t>11/11/2023</a:t>
             </a:fld>
             <a:endParaRPr lang="en-US"/>
           </a:p>
@@ -493,7 +501,7 @@
               <a:pPr>
                 <a:defRPr/>
               </a:pPr>
-              <a:t>11/7/2023</a:t>
+              <a:t>11/11/2023</a:t>
             </a:fld>
             <a:endParaRPr lang="en-US"/>
           </a:p>
@@ -4341,35 +4349,606 @@
               <a:rPr lang="tr-TR" dirty="0" err="1"/>
               <a:t>Optimization</a:t>
             </a:r>
+            <a:r>
+              <a:rPr lang="tr-TR" dirty="0"/>
+              <a:t>: </a:t>
+            </a:r>
+            <a:r>
+              <a:rPr lang="tr-TR" dirty="0" err="1"/>
+              <a:t>Variables</a:t>
+            </a:r>
             <a:endParaRPr lang="en-US" dirty="0"/>
           </a:p>
         </p:txBody>
       </p:sp>
-      <p:sp>
-        <p:nvSpPr>
-          <p:cNvPr id="3" name="Content Placeholder 2">
-            <a:extLst>
-              <a:ext uri="{FF2B5EF4-FFF2-40B4-BE49-F238E27FC236}">
-                <a16:creationId xmlns:a16="http://schemas.microsoft.com/office/drawing/2014/main" id="{A9FCD6C6-6F38-44A8-9232-DA4CB2AD3813}"/>
-              </a:ext>
-            </a:extLst>
-          </p:cNvPr>
-          <p:cNvSpPr>
-            <a:spLocks noGrp="1"/>
-          </p:cNvSpPr>
-          <p:nvPr>
-            <p:ph idx="1"/>
-          </p:nvPr>
-        </p:nvSpPr>
-        <p:spPr/>
-        <p:txBody>
-          <a:bodyPr/>
-          <a:lstStyle/>
-          <a:p>
-            <a:endParaRPr lang="en-US"/>
-          </a:p>
-        </p:txBody>
-      </p:sp>
+      <mc:AlternateContent xmlns:mc="http://schemas.openxmlformats.org/markup-compatibility/2006">
+        <mc:Choice xmlns:a14="http://schemas.microsoft.com/office/drawing/2010/main" Requires="a14">
+          <p:sp>
+            <p:nvSpPr>
+              <p:cNvPr id="3" name="Content Placeholder 2">
+                <a:extLst>
+                  <a:ext uri="{FF2B5EF4-FFF2-40B4-BE49-F238E27FC236}">
+                    <a16:creationId xmlns:a16="http://schemas.microsoft.com/office/drawing/2014/main" id="{A9FCD6C6-6F38-44A8-9232-DA4CB2AD3813}"/>
+                  </a:ext>
+                </a:extLst>
+              </p:cNvPr>
+              <p:cNvSpPr>
+                <a:spLocks noGrp="1"/>
+              </p:cNvSpPr>
+              <p:nvPr>
+                <p:ph idx="1"/>
+              </p:nvPr>
+            </p:nvSpPr>
+            <p:spPr/>
+            <p:txBody>
+              <a:bodyPr/>
+              <a:lstStyle/>
+              <a:p>
+                <a:pPr marL="342900" indent="-342900">
+                  <a:buFont typeface="Arial" panose="020B0604020202020204" pitchFamily="34" charset="0"/>
+                  <a:buChar char="•"/>
+                </a:pPr>
+                <a:endParaRPr lang="tr-TR" i="1" dirty="0">
+                  <a:latin typeface="Cambria Math" panose="02040503050406030204" pitchFamily="18" charset="0"/>
+                </a:endParaRPr>
+              </a:p>
+              <a:p>
+                <a:pPr marL="342900" indent="-342900">
+                  <a:buFont typeface="Arial" panose="020B0604020202020204" pitchFamily="34" charset="0"/>
+                  <a:buChar char="•"/>
+                </a:pPr>
+                <a14:m>
+                  <m:oMath xmlns:m="http://schemas.openxmlformats.org/officeDocument/2006/math">
+                    <m:r>
+                      <a:rPr lang="tr-TR" i="1" dirty="0" smtClean="0">
+                        <a:latin typeface="Cambria Math" panose="02040503050406030204" pitchFamily="18" charset="0"/>
+                      </a:rPr>
+                      <m:t>𝑘</m:t>
+                    </m:r>
+                  </m:oMath>
+                </a14:m>
+                <a:r>
+                  <a:rPr lang="tr-TR" dirty="0"/>
+                  <a:t>: </a:t>
+                </a:r>
+                <a:r>
+                  <a:rPr lang="tr-TR" dirty="0" err="1"/>
+                  <a:t>Ratio</a:t>
+                </a:r>
+                <a:r>
+                  <a:rPr lang="tr-TR" dirty="0"/>
+                  <a:t> of </a:t>
+                </a:r>
+                <a:r>
+                  <a:rPr lang="tr-TR" dirty="0" err="1"/>
+                  <a:t>inner</a:t>
+                </a:r>
+                <a:r>
+                  <a:rPr lang="tr-TR" dirty="0"/>
+                  <a:t> </a:t>
+                </a:r>
+                <a:r>
+                  <a:rPr lang="tr-TR" dirty="0" err="1"/>
+                  <a:t>diameter</a:t>
+                </a:r>
+                <a:r>
+                  <a:rPr lang="tr-TR" dirty="0"/>
+                  <a:t> </a:t>
+                </a:r>
+                <a:r>
+                  <a:rPr lang="tr-TR" dirty="0" err="1"/>
+                  <a:t>to</a:t>
+                </a:r>
+                <a:r>
+                  <a:rPr lang="tr-TR" dirty="0"/>
+                  <a:t> </a:t>
+                </a:r>
+                <a:r>
+                  <a:rPr lang="tr-TR" dirty="0" err="1"/>
+                  <a:t>outer</a:t>
+                </a:r>
+                <a:r>
+                  <a:rPr lang="tr-TR" dirty="0"/>
+                  <a:t> </a:t>
+                </a:r>
+                <a:r>
+                  <a:rPr lang="tr-TR" dirty="0" err="1"/>
+                  <a:t>diameter</a:t>
+                </a:r>
+                <a:endParaRPr lang="tr-TR" dirty="0"/>
+              </a:p>
+              <a:p>
+                <a:pPr marL="982663" lvl="1" indent="-342900"/>
+                <a14:m>
+                  <m:oMath xmlns:m="http://schemas.openxmlformats.org/officeDocument/2006/math">
+                    <m:r>
+                      <a:rPr lang="tr-TR" i="1" dirty="0" smtClean="0">
+                        <a:latin typeface="Cambria Math" panose="02040503050406030204" pitchFamily="18" charset="0"/>
+                      </a:rPr>
+                      <m:t>0.7≤</m:t>
+                    </m:r>
+                    <m:r>
+                      <a:rPr lang="tr-TR" i="1" dirty="0" smtClean="0">
+                        <a:latin typeface="Cambria Math" panose="02040503050406030204" pitchFamily="18" charset="0"/>
+                      </a:rPr>
+                      <m:t>𝑘</m:t>
+                    </m:r>
+                    <m:r>
+                      <a:rPr lang="tr-TR" i="1" dirty="0" smtClean="0">
+                        <a:latin typeface="Cambria Math" panose="02040503050406030204" pitchFamily="18" charset="0"/>
+                      </a:rPr>
+                      <m:t>≤0.9</m:t>
+                    </m:r>
+                  </m:oMath>
+                </a14:m>
+                <a:endParaRPr lang="tr-TR" dirty="0"/>
+              </a:p>
+              <a:p>
+                <a:pPr marL="342900" indent="-342900">
+                  <a:buFont typeface="Arial" panose="020B0604020202020204" pitchFamily="34" charset="0"/>
+                  <a:buChar char="•"/>
+                </a:pPr>
+                <a14:m>
+                  <m:oMath xmlns:m="http://schemas.openxmlformats.org/officeDocument/2006/math">
+                    <m:r>
+                      <a:rPr lang="tr-TR" i="1" dirty="0" smtClean="0">
+                        <a:latin typeface="Cambria Math" panose="02040503050406030204" pitchFamily="18" charset="0"/>
+                      </a:rPr>
+                      <m:t>𝑔</m:t>
+                    </m:r>
+                  </m:oMath>
+                </a14:m>
+                <a:r>
+                  <a:rPr lang="tr-TR" dirty="0"/>
+                  <a:t>: minimum </a:t>
+                </a:r>
+                <a:r>
+                  <a:rPr lang="tr-TR" dirty="0" err="1"/>
+                  <a:t>airgap</a:t>
+                </a:r>
+                <a:r>
+                  <a:rPr lang="tr-TR" dirty="0"/>
+                  <a:t> in mm</a:t>
+                </a:r>
+              </a:p>
+              <a:p>
+                <a:pPr marL="982663" lvl="1" indent="-342900"/>
+                <a14:m>
+                  <m:oMath xmlns:m="http://schemas.openxmlformats.org/officeDocument/2006/math">
+                    <m:r>
+                      <a:rPr lang="tr-TR" i="1" dirty="0" smtClean="0">
+                        <a:latin typeface="Cambria Math" panose="02040503050406030204" pitchFamily="18" charset="0"/>
+                      </a:rPr>
+                      <m:t>10≤</m:t>
+                    </m:r>
+                    <m:r>
+                      <a:rPr lang="tr-TR" i="1" dirty="0" smtClean="0">
+                        <a:latin typeface="Cambria Math" panose="02040503050406030204" pitchFamily="18" charset="0"/>
+                      </a:rPr>
+                      <m:t>𝑔</m:t>
+                    </m:r>
+                    <m:r>
+                      <a:rPr lang="tr-TR" i="1" dirty="0" smtClean="0">
+                        <a:latin typeface="Cambria Math" panose="02040503050406030204" pitchFamily="18" charset="0"/>
+                      </a:rPr>
+                      <m:t>≤30</m:t>
+                    </m:r>
+                  </m:oMath>
+                </a14:m>
+                <a:endParaRPr lang="tr-TR" dirty="0"/>
+              </a:p>
+              <a:p>
+                <a:pPr marL="342900" indent="-342900">
+                  <a:buFont typeface="Arial" panose="020B0604020202020204" pitchFamily="34" charset="0"/>
+                  <a:buChar char="•"/>
+                </a:pPr>
+                <a14:m>
+                  <m:oMath xmlns:m="http://schemas.openxmlformats.org/officeDocument/2006/math">
+                    <m:sSub>
+                      <m:sSubPr>
+                        <m:ctrlPr>
+                          <a:rPr lang="tr-TR" i="1" dirty="0" smtClean="0">
+                            <a:latin typeface="Cambria Math" panose="02040503050406030204" pitchFamily="18" charset="0"/>
+                          </a:rPr>
+                        </m:ctrlPr>
+                      </m:sSubPr>
+                      <m:e>
+                        <m:r>
+                          <a:rPr lang="tr-TR" i="1" dirty="0" smtClean="0">
+                            <a:latin typeface="Cambria Math" panose="02040503050406030204" pitchFamily="18" charset="0"/>
+                          </a:rPr>
+                          <m:t>𝐿</m:t>
+                        </m:r>
+                      </m:e>
+                      <m:sub>
+                        <m:r>
+                          <a:rPr lang="tr-TR" i="1" dirty="0" smtClean="0">
+                            <a:latin typeface="Cambria Math" panose="02040503050406030204" pitchFamily="18" charset="0"/>
+                          </a:rPr>
+                          <m:t>𝑠</m:t>
+                        </m:r>
+                      </m:sub>
+                    </m:sSub>
+                  </m:oMath>
+                </a14:m>
+                <a:r>
+                  <a:rPr lang="tr-TR" dirty="0"/>
+                  <a:t>: </a:t>
+                </a:r>
+                <a:r>
+                  <a:rPr lang="tr-TR" dirty="0" err="1"/>
+                  <a:t>axial</a:t>
+                </a:r>
+                <a:r>
+                  <a:rPr lang="tr-TR" dirty="0"/>
+                  <a:t> </a:t>
+                </a:r>
+                <a:r>
+                  <a:rPr lang="tr-TR" dirty="0" err="1"/>
+                  <a:t>length</a:t>
+                </a:r>
+                <a:r>
+                  <a:rPr lang="tr-TR" dirty="0"/>
+                  <a:t> in mm</a:t>
+                </a:r>
+              </a:p>
+              <a:p>
+                <a:pPr marL="982663" lvl="1" indent="-342900"/>
+                <a14:m>
+                  <m:oMath xmlns:m="http://schemas.openxmlformats.org/officeDocument/2006/math">
+                    <m:r>
+                      <a:rPr lang="tr-TR" i="1" dirty="0" smtClean="0">
+                        <a:latin typeface="Cambria Math" panose="02040503050406030204" pitchFamily="18" charset="0"/>
+                      </a:rPr>
+                      <m:t>500≤</m:t>
+                    </m:r>
+                    <m:sSub>
+                      <m:sSubPr>
+                        <m:ctrlPr>
+                          <a:rPr lang="tr-TR" b="0" i="1" dirty="0" smtClean="0">
+                            <a:latin typeface="Cambria Math" panose="02040503050406030204" pitchFamily="18" charset="0"/>
+                          </a:rPr>
+                        </m:ctrlPr>
+                      </m:sSubPr>
+                      <m:e>
+                        <m:r>
+                          <a:rPr lang="tr-TR" b="0" i="1" dirty="0" smtClean="0">
+                            <a:latin typeface="Cambria Math" panose="02040503050406030204" pitchFamily="18" charset="0"/>
+                          </a:rPr>
+                          <m:t>𝐿</m:t>
+                        </m:r>
+                      </m:e>
+                      <m:sub>
+                        <m:r>
+                          <a:rPr lang="tr-TR" b="0" i="1" dirty="0" smtClean="0">
+                            <a:latin typeface="Cambria Math" panose="02040503050406030204" pitchFamily="18" charset="0"/>
+                          </a:rPr>
+                          <m:t>𝑠</m:t>
+                        </m:r>
+                      </m:sub>
+                    </m:sSub>
+                    <m:r>
+                      <a:rPr lang="tr-TR" i="1" dirty="0" smtClean="0">
+                        <a:latin typeface="Cambria Math" panose="02040503050406030204" pitchFamily="18" charset="0"/>
+                      </a:rPr>
+                      <m:t>≤2000</m:t>
+                    </m:r>
+                  </m:oMath>
+                </a14:m>
+                <a:r>
+                  <a:rPr lang="tr-TR" dirty="0"/>
+                  <a:t> </a:t>
+                </a:r>
+              </a:p>
+              <a:p>
+                <a:pPr marL="342900" indent="-342900">
+                  <a:buFont typeface="Arial" panose="020B0604020202020204" pitchFamily="34" charset="0"/>
+                  <a:buChar char="•"/>
+                </a:pPr>
+                <a14:m>
+                  <m:oMath xmlns:m="http://schemas.openxmlformats.org/officeDocument/2006/math">
+                    <m:sSub>
+                      <m:sSubPr>
+                        <m:ctrlPr>
+                          <a:rPr lang="tr-TR" i="1" dirty="0" smtClean="0">
+                            <a:latin typeface="Cambria Math" panose="02040503050406030204" pitchFamily="18" charset="0"/>
+                          </a:rPr>
+                        </m:ctrlPr>
+                      </m:sSubPr>
+                      <m:e>
+                        <m:r>
+                          <a:rPr lang="tr-TR" i="1" dirty="0" smtClean="0">
+                            <a:latin typeface="Cambria Math" panose="02040503050406030204" pitchFamily="18" charset="0"/>
+                          </a:rPr>
+                          <m:t>𝑏</m:t>
+                        </m:r>
+                      </m:e>
+                      <m:sub>
+                        <m:r>
+                          <a:rPr lang="tr-TR" i="1" dirty="0" smtClean="0">
+                            <a:latin typeface="Cambria Math" panose="02040503050406030204" pitchFamily="18" charset="0"/>
+                          </a:rPr>
+                          <m:t>2</m:t>
+                        </m:r>
+                      </m:sub>
+                    </m:sSub>
+                  </m:oMath>
+                </a14:m>
+                <a:r>
+                  <a:rPr lang="tr-TR" dirty="0"/>
+                  <a:t>: </a:t>
+                </a:r>
+                <a:r>
+                  <a:rPr lang="tr-TR" dirty="0" err="1"/>
+                  <a:t>slot</a:t>
+                </a:r>
+                <a:r>
+                  <a:rPr lang="tr-TR" dirty="0"/>
+                  <a:t> </a:t>
+                </a:r>
+                <a:r>
+                  <a:rPr lang="tr-TR" dirty="0" err="1"/>
+                  <a:t>width</a:t>
+                </a:r>
+                <a:r>
+                  <a:rPr lang="tr-TR" dirty="0"/>
+                  <a:t> in mm</a:t>
+                </a:r>
+              </a:p>
+              <a:p>
+                <a:pPr marL="982663" lvl="1" indent="-342900"/>
+                <a14:m>
+                  <m:oMath xmlns:m="http://schemas.openxmlformats.org/officeDocument/2006/math">
+                    <m:r>
+                      <a:rPr lang="tr-TR" i="1" dirty="0" smtClean="0">
+                        <a:latin typeface="Cambria Math" panose="02040503050406030204" pitchFamily="18" charset="0"/>
+                      </a:rPr>
+                      <m:t>11.4≤</m:t>
+                    </m:r>
+                    <m:sSub>
+                      <m:sSubPr>
+                        <m:ctrlPr>
+                          <a:rPr lang="tr-TR" i="1" dirty="0" smtClean="0">
+                            <a:latin typeface="Cambria Math" panose="02040503050406030204" pitchFamily="18" charset="0"/>
+                          </a:rPr>
+                        </m:ctrlPr>
+                      </m:sSubPr>
+                      <m:e>
+                        <m:r>
+                          <a:rPr lang="tr-TR" i="1" dirty="0" smtClean="0">
+                            <a:latin typeface="Cambria Math" panose="02040503050406030204" pitchFamily="18" charset="0"/>
+                          </a:rPr>
+                          <m:t>𝑏</m:t>
+                        </m:r>
+                      </m:e>
+                      <m:sub>
+                        <m:r>
+                          <a:rPr lang="tr-TR" i="1" dirty="0" smtClean="0">
+                            <a:latin typeface="Cambria Math" panose="02040503050406030204" pitchFamily="18" charset="0"/>
+                          </a:rPr>
+                          <m:t>2</m:t>
+                        </m:r>
+                      </m:sub>
+                    </m:sSub>
+                    <m:r>
+                      <a:rPr lang="tr-TR" i="1" dirty="0" smtClean="0">
+                        <a:latin typeface="Cambria Math" panose="02040503050406030204" pitchFamily="18" charset="0"/>
+                      </a:rPr>
+                      <m:t>≤25.2</m:t>
+                    </m:r>
+                  </m:oMath>
+                </a14:m>
+                <a:endParaRPr lang="tr-TR" dirty="0"/>
+              </a:p>
+              <a:p>
+                <a:pPr marL="342900" indent="-342900">
+                  <a:buFont typeface="Arial" panose="020B0604020202020204" pitchFamily="34" charset="0"/>
+                  <a:buChar char="•"/>
+                </a:pPr>
+                <a14:m>
+                  <m:oMath xmlns:m="http://schemas.openxmlformats.org/officeDocument/2006/math">
+                    <m:sSub>
+                      <m:sSubPr>
+                        <m:ctrlPr>
+                          <a:rPr lang="tr-TR" i="1" dirty="0" smtClean="0">
+                            <a:latin typeface="Cambria Math" panose="02040503050406030204" pitchFamily="18" charset="0"/>
+                          </a:rPr>
+                        </m:ctrlPr>
+                      </m:sSubPr>
+                      <m:e>
+                        <m:r>
+                          <a:rPr lang="tr-TR" i="1" dirty="0" smtClean="0">
+                            <a:latin typeface="Cambria Math" panose="02040503050406030204" pitchFamily="18" charset="0"/>
+                          </a:rPr>
+                          <m:t>h</m:t>
+                        </m:r>
+                      </m:e>
+                      <m:sub>
+                        <m:r>
+                          <a:rPr lang="tr-TR" i="1" dirty="0" smtClean="0">
+                            <a:latin typeface="Cambria Math" panose="02040503050406030204" pitchFamily="18" charset="0"/>
+                          </a:rPr>
+                          <m:t>2</m:t>
+                        </m:r>
+                      </m:sub>
+                    </m:sSub>
+                  </m:oMath>
+                </a14:m>
+                <a:r>
+                  <a:rPr lang="tr-TR" dirty="0"/>
+                  <a:t>: </a:t>
+                </a:r>
+                <a:r>
+                  <a:rPr lang="tr-TR" dirty="0" err="1"/>
+                  <a:t>slot</a:t>
+                </a:r>
+                <a:r>
+                  <a:rPr lang="tr-TR" dirty="0"/>
+                  <a:t> </a:t>
+                </a:r>
+                <a:r>
+                  <a:rPr lang="tr-TR" dirty="0" err="1"/>
+                  <a:t>height</a:t>
+                </a:r>
+                <a:r>
+                  <a:rPr lang="tr-TR" dirty="0"/>
+                  <a:t> in mm</a:t>
+                </a:r>
+              </a:p>
+              <a:p>
+                <a:pPr marL="982663" lvl="1" indent="-342900"/>
+                <a14:m>
+                  <m:oMath xmlns:m="http://schemas.openxmlformats.org/officeDocument/2006/math">
+                    <m:r>
+                      <a:rPr lang="tr-TR" i="1" dirty="0" smtClean="0">
+                        <a:latin typeface="Cambria Math" panose="02040503050406030204" pitchFamily="18" charset="0"/>
+                      </a:rPr>
+                      <m:t>80≤</m:t>
+                    </m:r>
+                    <m:sSub>
+                      <m:sSubPr>
+                        <m:ctrlPr>
+                          <a:rPr lang="tr-TR" i="1" dirty="0" smtClean="0">
+                            <a:latin typeface="Cambria Math" panose="02040503050406030204" pitchFamily="18" charset="0"/>
+                          </a:rPr>
+                        </m:ctrlPr>
+                      </m:sSubPr>
+                      <m:e>
+                        <m:r>
+                          <a:rPr lang="tr-TR" i="1" dirty="0" smtClean="0">
+                            <a:latin typeface="Cambria Math" panose="02040503050406030204" pitchFamily="18" charset="0"/>
+                          </a:rPr>
+                          <m:t>h</m:t>
+                        </m:r>
+                      </m:e>
+                      <m:sub>
+                        <m:r>
+                          <a:rPr lang="tr-TR" i="1" dirty="0" smtClean="0">
+                            <a:latin typeface="Cambria Math" panose="02040503050406030204" pitchFamily="18" charset="0"/>
+                          </a:rPr>
+                          <m:t>2</m:t>
+                        </m:r>
+                      </m:sub>
+                    </m:sSub>
+                    <m:r>
+                      <a:rPr lang="tr-TR" i="1" dirty="0" smtClean="0">
+                        <a:latin typeface="Cambria Math" panose="02040503050406030204" pitchFamily="18" charset="0"/>
+                      </a:rPr>
+                      <m:t>≤200</m:t>
+                    </m:r>
+                  </m:oMath>
+                </a14:m>
+                <a:endParaRPr lang="tr-TR" dirty="0"/>
+              </a:p>
+              <a:p>
+                <a:pPr marL="342900" indent="-342900">
+                  <a:buFont typeface="Arial" panose="020B0604020202020204" pitchFamily="34" charset="0"/>
+                  <a:buChar char="•"/>
+                </a:pPr>
+                <a14:m>
+                  <m:oMath xmlns:m="http://schemas.openxmlformats.org/officeDocument/2006/math">
+                    <m:r>
+                      <a:rPr lang="tr-TR" i="1" dirty="0" smtClean="0">
+                        <a:latin typeface="Cambria Math" panose="02040503050406030204" pitchFamily="18" charset="0"/>
+                      </a:rPr>
+                      <m:t>𝑄</m:t>
+                    </m:r>
+                  </m:oMath>
+                </a14:m>
+                <a:r>
+                  <a:rPr lang="tr-TR" dirty="0"/>
+                  <a:t>: </a:t>
+                </a:r>
+                <a:r>
+                  <a:rPr lang="tr-TR" dirty="0" err="1"/>
+                  <a:t>slot</a:t>
+                </a:r>
+                <a:r>
+                  <a:rPr lang="tr-TR" dirty="0"/>
+                  <a:t> </a:t>
+                </a:r>
+                <a:r>
+                  <a:rPr lang="tr-TR" dirty="0" err="1"/>
+                  <a:t>number</a:t>
+                </a:r>
+                <a:endParaRPr lang="tr-TR" dirty="0"/>
+              </a:p>
+              <a:p>
+                <a:pPr marL="982663" lvl="1" indent="-342900"/>
+                <a14:m>
+                  <m:oMath xmlns:m="http://schemas.openxmlformats.org/officeDocument/2006/math">
+                    <m:r>
+                      <a:rPr lang="tr-TR" i="1" dirty="0" smtClean="0">
+                        <a:latin typeface="Cambria Math" panose="02040503050406030204" pitchFamily="18" charset="0"/>
+                      </a:rPr>
+                      <m:t>224≤</m:t>
+                    </m:r>
+                    <m:r>
+                      <a:rPr lang="tr-TR" i="1" dirty="0" smtClean="0">
+                        <a:latin typeface="Cambria Math" panose="02040503050406030204" pitchFamily="18" charset="0"/>
+                      </a:rPr>
+                      <m:t>𝑄</m:t>
+                    </m:r>
+                    <m:r>
+                      <a:rPr lang="tr-TR" i="1" dirty="0" smtClean="0">
+                        <a:latin typeface="Cambria Math" panose="02040503050406030204" pitchFamily="18" charset="0"/>
+                      </a:rPr>
+                      <m:t>≤330</m:t>
+                    </m:r>
+                  </m:oMath>
+                </a14:m>
+                <a:endParaRPr lang="tr-TR" dirty="0"/>
+              </a:p>
+              <a:p>
+                <a:pPr marL="342900" indent="-342900">
+                  <a:buFont typeface="Arial" panose="020B0604020202020204" pitchFamily="34" charset="0"/>
+                  <a:buChar char="•"/>
+                </a:pPr>
+                <a:endParaRPr lang="tr-TR" dirty="0"/>
+              </a:p>
+            </p:txBody>
+          </p:sp>
+        </mc:Choice>
+        <mc:Fallback>
+          <p:sp>
+            <p:nvSpPr>
+              <p:cNvPr id="3" name="Content Placeholder 2">
+                <a:extLst>
+                  <a:ext uri="{FF2B5EF4-FFF2-40B4-BE49-F238E27FC236}">
+                    <a16:creationId xmlns:a16="http://schemas.microsoft.com/office/drawing/2014/main" id="{A9FCD6C6-6F38-44A8-9232-DA4CB2AD3813}"/>
+                  </a:ext>
+                </a:extLst>
+              </p:cNvPr>
+              <p:cNvSpPr>
+                <a:spLocks noGrp="1" noRot="1" noChangeAspect="1" noMove="1" noResize="1" noEditPoints="1" noAdjustHandles="1" noChangeArrowheads="1" noChangeShapeType="1" noTextEdit="1"/>
+              </p:cNvSpPr>
+              <p:nvPr>
+                <p:ph idx="1"/>
+              </p:nvPr>
+            </p:nvSpPr>
+            <p:spPr>
+              <a:blipFill>
+                <a:blip r:embed="rId2"/>
+                <a:stretch>
+                  <a:fillRect l="-519"/>
+                </a:stretch>
+              </a:blipFill>
+            </p:spPr>
+            <p:txBody>
+              <a:bodyPr/>
+              <a:lstStyle/>
+              <a:p>
+                <a:r>
+                  <a:rPr lang="en-US">
+                    <a:noFill/>
+                  </a:rPr>
+                  <a:t> </a:t>
+                </a:r>
+              </a:p>
+            </p:txBody>
+          </p:sp>
+        </mc:Fallback>
+      </mc:AlternateContent>
       <p:sp>
         <p:nvSpPr>
           <p:cNvPr id="4" name="Slide Number Placeholder 3">
@@ -4440,7 +5019,7 @@
     </p:spTree>
     <p:extLst>
       <p:ext uri="{BB962C8B-B14F-4D97-AF65-F5344CB8AC3E}">
-        <p14:creationId xmlns:p14="http://schemas.microsoft.com/office/powerpoint/2010/main" val="2168791520"/>
+        <p14:creationId xmlns:p14="http://schemas.microsoft.com/office/powerpoint/2010/main" val="451073238"/>
       </p:ext>
     </p:extLst>
   </p:cSld>
@@ -4451,7 +5030,7 @@
 </file>
 
 <file path=ppt/slides/slide11.xml><?xml version="1.0" encoding="utf-8"?>
-<p:sld xmlns:a="http://schemas.openxmlformats.org/drawingml/2006/main" xmlns:r="http://schemas.openxmlformats.org/officeDocument/2006/relationships" xmlns:p="http://schemas.openxmlformats.org/presentationml/2006/main">
+<p:sld xmlns:a="http://schemas.openxmlformats.org/drawingml/2006/main" xmlns:r="http://schemas.openxmlformats.org/officeDocument/2006/relationships" xmlns:p="http://schemas.openxmlformats.org/presentationml/2006/main" show="0">
   <p:cSld>
     <p:spTree>
       <p:nvGrpSpPr>
@@ -4472,7 +5051,7 @@
           <p:cNvPr id="2" name="Title 1">
             <a:extLst>
               <a:ext uri="{FF2B5EF4-FFF2-40B4-BE49-F238E27FC236}">
-                <a16:creationId xmlns:a16="http://schemas.microsoft.com/office/drawing/2014/main" id="{82FBFD40-D628-4085-8820-E59591D1AABF}"/>
+                <a16:creationId xmlns:a16="http://schemas.microsoft.com/office/drawing/2014/main" id="{D8AC7DE1-F310-4560-868C-634EB16C2012}"/>
               </a:ext>
             </a:extLst>
           </p:cNvPr>
@@ -4490,43 +5069,560 @@
           <a:p>
             <a:r>
               <a:rPr lang="tr-TR" dirty="0" err="1"/>
-              <a:t>Results</a:t>
+              <a:t>Optimization</a:t>
+            </a:r>
+            <a:r>
+              <a:rPr lang="tr-TR" dirty="0"/>
+              <a:t>: </a:t>
+            </a:r>
+            <a:r>
+              <a:rPr lang="tr-TR" dirty="0" err="1"/>
+              <a:t>Constraints</a:t>
             </a:r>
             <a:endParaRPr lang="en-US" dirty="0"/>
           </a:p>
         </p:txBody>
       </p:sp>
-      <p:sp>
-        <p:nvSpPr>
-          <p:cNvPr id="3" name="Content Placeholder 2">
-            <a:extLst>
-              <a:ext uri="{FF2B5EF4-FFF2-40B4-BE49-F238E27FC236}">
-                <a16:creationId xmlns:a16="http://schemas.microsoft.com/office/drawing/2014/main" id="{9E28CE09-26C5-4EC1-863B-E2C3EE0F77F4}"/>
-              </a:ext>
-            </a:extLst>
-          </p:cNvPr>
-          <p:cNvSpPr>
-            <a:spLocks noGrp="1"/>
-          </p:cNvSpPr>
-          <p:nvPr>
-            <p:ph idx="1"/>
-          </p:nvPr>
-        </p:nvSpPr>
-        <p:spPr/>
-        <p:txBody>
-          <a:bodyPr/>
-          <a:lstStyle/>
-          <a:p>
-            <a:endParaRPr lang="en-US"/>
-          </a:p>
-        </p:txBody>
-      </p:sp>
+      <mc:AlternateContent xmlns:mc="http://schemas.openxmlformats.org/markup-compatibility/2006">
+        <mc:Choice xmlns:a14="http://schemas.microsoft.com/office/drawing/2010/main" Requires="a14">
+          <p:sp>
+            <p:nvSpPr>
+              <p:cNvPr id="3" name="Content Placeholder 2">
+                <a:extLst>
+                  <a:ext uri="{FF2B5EF4-FFF2-40B4-BE49-F238E27FC236}">
+                    <a16:creationId xmlns:a16="http://schemas.microsoft.com/office/drawing/2014/main" id="{AB30EBA6-D3CF-4BCF-A58D-FB4DFC08622C}"/>
+                  </a:ext>
+                </a:extLst>
+              </p:cNvPr>
+              <p:cNvSpPr>
+                <a:spLocks noGrp="1"/>
+              </p:cNvSpPr>
+              <p:nvPr>
+                <p:ph idx="1"/>
+              </p:nvPr>
+            </p:nvSpPr>
+            <p:spPr/>
+            <p:txBody>
+              <a:bodyPr/>
+              <a:lstStyle/>
+              <a:p>
+                <a:pPr marL="342900" indent="-342900">
+                  <a:buFont typeface="Arial" panose="020B0604020202020204" pitchFamily="34" charset="0"/>
+                  <a:buChar char="•"/>
+                </a:pPr>
+                <a:endParaRPr lang="tr-TR" dirty="0"/>
+              </a:p>
+              <a:p>
+                <a:pPr marL="342900" indent="-342900">
+                  <a:buFont typeface="Arial" panose="020B0604020202020204" pitchFamily="34" charset="0"/>
+                  <a:buChar char="•"/>
+                </a:pPr>
+                <a:r>
+                  <a:rPr lang="en-US" dirty="0"/>
+                  <a:t>Slots must fit in the stator core, i.e., outer diameter should be greater than sum of inner diameter and slot height</a:t>
+                </a:r>
+              </a:p>
+              <a:p>
+                <a:pPr marL="982663" lvl="1" indent="-342900"/>
+                <a14:m>
+                  <m:oMath xmlns:m="http://schemas.openxmlformats.org/officeDocument/2006/math">
+                    <m:r>
+                      <a:rPr lang="en-US" i="1" dirty="0" smtClean="0">
+                        <a:latin typeface="Cambria Math" panose="02040503050406030204" pitchFamily="18" charset="0"/>
+                      </a:rPr>
+                      <m:t>𝑘</m:t>
+                    </m:r>
+                    <m:sSub>
+                      <m:sSubPr>
+                        <m:ctrlPr>
+                          <a:rPr lang="en-US" i="1" dirty="0" smtClean="0">
+                            <a:latin typeface="Cambria Math" panose="02040503050406030204" pitchFamily="18" charset="0"/>
+                          </a:rPr>
+                        </m:ctrlPr>
+                      </m:sSubPr>
+                      <m:e>
+                        <m:r>
+                          <a:rPr lang="en-US" i="1" dirty="0" smtClean="0">
+                            <a:latin typeface="Cambria Math" panose="02040503050406030204" pitchFamily="18" charset="0"/>
+                          </a:rPr>
+                          <m:t>𝐷</m:t>
+                        </m:r>
+                      </m:e>
+                      <m:sub>
+                        <m:r>
+                          <a:rPr lang="en-US" i="1" dirty="0" smtClean="0">
+                            <a:latin typeface="Cambria Math" panose="02040503050406030204" pitchFamily="18" charset="0"/>
+                          </a:rPr>
+                          <m:t>𝑜</m:t>
+                        </m:r>
+                      </m:sub>
+                    </m:sSub>
+                    <m:r>
+                      <a:rPr lang="en-US" i="1" dirty="0" smtClean="0">
+                        <a:latin typeface="Cambria Math" panose="02040503050406030204" pitchFamily="18" charset="0"/>
+                      </a:rPr>
+                      <m:t>+2</m:t>
+                    </m:r>
+                    <m:sSub>
+                      <m:sSubPr>
+                        <m:ctrlPr>
+                          <a:rPr lang="en-US" i="1" dirty="0" smtClean="0">
+                            <a:latin typeface="Cambria Math" panose="02040503050406030204" pitchFamily="18" charset="0"/>
+                          </a:rPr>
+                        </m:ctrlPr>
+                      </m:sSubPr>
+                      <m:e>
+                        <m:r>
+                          <a:rPr lang="en-US" i="1" dirty="0" smtClean="0">
+                            <a:latin typeface="Cambria Math" panose="02040503050406030204" pitchFamily="18" charset="0"/>
+                          </a:rPr>
+                          <m:t>h</m:t>
+                        </m:r>
+                      </m:e>
+                      <m:sub>
+                        <m:r>
+                          <a:rPr lang="en-US" i="1" dirty="0" smtClean="0">
+                            <a:latin typeface="Cambria Math" panose="02040503050406030204" pitchFamily="18" charset="0"/>
+                          </a:rPr>
+                          <m:t>2</m:t>
+                        </m:r>
+                      </m:sub>
+                    </m:sSub>
+                    <m:r>
+                      <a:rPr lang="en-US" i="1" dirty="0" smtClean="0">
+                        <a:latin typeface="Cambria Math" panose="02040503050406030204" pitchFamily="18" charset="0"/>
+                      </a:rPr>
+                      <m:t>≤</m:t>
+                    </m:r>
+                    <m:sSub>
+                      <m:sSubPr>
+                        <m:ctrlPr>
+                          <a:rPr lang="en-US" i="1" dirty="0" smtClean="0">
+                            <a:latin typeface="Cambria Math" panose="02040503050406030204" pitchFamily="18" charset="0"/>
+                          </a:rPr>
+                        </m:ctrlPr>
+                      </m:sSubPr>
+                      <m:e>
+                        <m:r>
+                          <a:rPr lang="en-US" i="1" dirty="0" smtClean="0">
+                            <a:latin typeface="Cambria Math" panose="02040503050406030204" pitchFamily="18" charset="0"/>
+                          </a:rPr>
+                          <m:t>𝐷</m:t>
+                        </m:r>
+                      </m:e>
+                      <m:sub>
+                        <m:r>
+                          <a:rPr lang="en-US" i="1" dirty="0" smtClean="0">
+                            <a:latin typeface="Cambria Math" panose="02040503050406030204" pitchFamily="18" charset="0"/>
+                          </a:rPr>
+                          <m:t>𝑜</m:t>
+                        </m:r>
+                      </m:sub>
+                    </m:sSub>
+                    <m:r>
+                      <a:rPr lang="en-US" i="1" dirty="0" smtClean="0">
+                        <a:latin typeface="Cambria Math" panose="02040503050406030204" pitchFamily="18" charset="0"/>
+                      </a:rPr>
+                      <m:t> </m:t>
+                    </m:r>
+                    <m:groupChr>
+                      <m:groupChrPr>
+                        <m:chr m:val="⇒"/>
+                        <m:vertJc m:val="bot"/>
+                        <m:ctrlPr>
+                          <a:rPr lang="en-US" i="1" dirty="0" smtClean="0">
+                            <a:latin typeface="Cambria Math" panose="02040503050406030204" pitchFamily="18" charset="0"/>
+                          </a:rPr>
+                        </m:ctrlPr>
+                      </m:groupChrPr>
+                      <m:e/>
+                    </m:groupChr>
+                    <m:r>
+                      <a:rPr lang="en-US" i="1" dirty="0" smtClean="0">
+                        <a:latin typeface="Cambria Math" panose="02040503050406030204" pitchFamily="18" charset="0"/>
+                      </a:rPr>
+                      <m:t> </m:t>
+                    </m:r>
+                    <m:f>
+                      <m:fPr>
+                        <m:ctrlPr>
+                          <a:rPr lang="en-US" i="1" dirty="0" smtClean="0">
+                            <a:latin typeface="Cambria Math" panose="02040503050406030204" pitchFamily="18" charset="0"/>
+                          </a:rPr>
+                        </m:ctrlPr>
+                      </m:fPr>
+                      <m:num>
+                        <m:r>
+                          <a:rPr lang="en-US" i="1" dirty="0" smtClean="0">
+                            <a:latin typeface="Cambria Math" panose="02040503050406030204" pitchFamily="18" charset="0"/>
+                          </a:rPr>
+                          <m:t>2</m:t>
+                        </m:r>
+                        <m:sSub>
+                          <m:sSubPr>
+                            <m:ctrlPr>
+                              <a:rPr lang="en-US" i="1" dirty="0" smtClean="0">
+                                <a:latin typeface="Cambria Math" panose="02040503050406030204" pitchFamily="18" charset="0"/>
+                              </a:rPr>
+                            </m:ctrlPr>
+                          </m:sSubPr>
+                          <m:e>
+                            <m:r>
+                              <a:rPr lang="en-US" i="1" dirty="0" smtClean="0">
+                                <a:latin typeface="Cambria Math" panose="02040503050406030204" pitchFamily="18" charset="0"/>
+                              </a:rPr>
+                              <m:t>h</m:t>
+                            </m:r>
+                          </m:e>
+                          <m:sub>
+                            <m:r>
+                              <a:rPr lang="en-US" i="1" dirty="0" smtClean="0">
+                                <a:latin typeface="Cambria Math" panose="02040503050406030204" pitchFamily="18" charset="0"/>
+                              </a:rPr>
+                              <m:t>2</m:t>
+                            </m:r>
+                          </m:sub>
+                        </m:sSub>
+                      </m:num>
+                      <m:den>
+                        <m:r>
+                          <a:rPr lang="en-US" i="1" dirty="0" smtClean="0">
+                            <a:latin typeface="Cambria Math" panose="02040503050406030204" pitchFamily="18" charset="0"/>
+                          </a:rPr>
+                          <m:t>1−</m:t>
+                        </m:r>
+                        <m:r>
+                          <a:rPr lang="en-US" i="1" dirty="0" smtClean="0">
+                            <a:latin typeface="Cambria Math" panose="02040503050406030204" pitchFamily="18" charset="0"/>
+                          </a:rPr>
+                          <m:t>𝑘</m:t>
+                        </m:r>
+                      </m:den>
+                    </m:f>
+                    <m:r>
+                      <a:rPr lang="en-US" i="1" dirty="0" smtClean="0">
+                        <a:latin typeface="Cambria Math" panose="02040503050406030204" pitchFamily="18" charset="0"/>
+                      </a:rPr>
+                      <m:t>≤</m:t>
+                    </m:r>
+                    <m:sSub>
+                      <m:sSubPr>
+                        <m:ctrlPr>
+                          <a:rPr lang="en-US" i="1" dirty="0" smtClean="0">
+                            <a:latin typeface="Cambria Math" panose="02040503050406030204" pitchFamily="18" charset="0"/>
+                          </a:rPr>
+                        </m:ctrlPr>
+                      </m:sSubPr>
+                      <m:e>
+                        <m:r>
+                          <a:rPr lang="en-US" i="1" dirty="0" smtClean="0">
+                            <a:latin typeface="Cambria Math" panose="02040503050406030204" pitchFamily="18" charset="0"/>
+                          </a:rPr>
+                          <m:t>𝐷</m:t>
+                        </m:r>
+                      </m:e>
+                      <m:sub>
+                        <m:r>
+                          <a:rPr lang="en-US" i="1" dirty="0" smtClean="0">
+                            <a:latin typeface="Cambria Math" panose="02040503050406030204" pitchFamily="18" charset="0"/>
+                          </a:rPr>
+                          <m:t>𝑜</m:t>
+                        </m:r>
+                      </m:sub>
+                    </m:sSub>
+                  </m:oMath>
+                </a14:m>
+                <a:endParaRPr lang="en-US" dirty="0"/>
+              </a:p>
+              <a:p>
+                <a:pPr marL="342900" indent="-342900">
+                  <a:buFont typeface="Arial" panose="020B0604020202020204" pitchFamily="34" charset="0"/>
+                  <a:buChar char="•"/>
+                </a:pPr>
+                <a:endParaRPr lang="en-US" dirty="0"/>
+              </a:p>
+              <a:p>
+                <a:pPr marL="342900" indent="-342900">
+                  <a:buFont typeface="Arial" panose="020B0604020202020204" pitchFamily="34" charset="0"/>
+                  <a:buChar char="•"/>
+                </a:pPr>
+                <a:r>
+                  <a:rPr lang="en-US" dirty="0"/>
+                  <a:t>Rotor poles must fit in the airgap perimeter</a:t>
+                </a:r>
+              </a:p>
+              <a:p>
+                <a:pPr marL="982663" lvl="1" indent="-342900"/>
+                <a14:m>
+                  <m:oMath xmlns:m="http://schemas.openxmlformats.org/officeDocument/2006/math">
+                    <m:r>
+                      <a:rPr lang="en-US" i="1" dirty="0" smtClean="0">
+                        <a:latin typeface="Cambria Math" panose="02040503050406030204" pitchFamily="18" charset="0"/>
+                      </a:rPr>
+                      <m:t>𝑝</m:t>
+                    </m:r>
+                    <m:r>
+                      <a:rPr lang="en-US" i="1" dirty="0" smtClean="0">
+                        <a:latin typeface="Cambria Math" panose="02040503050406030204" pitchFamily="18" charset="0"/>
+                      </a:rPr>
+                      <m:t>×</m:t>
+                    </m:r>
+                    <m:r>
+                      <a:rPr lang="en-US" i="1" dirty="0" smtClean="0">
+                        <a:latin typeface="Cambria Math" panose="02040503050406030204" pitchFamily="18" charset="0"/>
+                      </a:rPr>
+                      <m:t>𝑃𝑜𝑙𝑒</m:t>
+                    </m:r>
+                    <m:r>
+                      <a:rPr lang="en-US" i="1" dirty="0" smtClean="0">
+                        <a:latin typeface="Cambria Math" panose="02040503050406030204" pitchFamily="18" charset="0"/>
+                      </a:rPr>
+                      <m:t> </m:t>
+                    </m:r>
+                    <m:r>
+                      <a:rPr lang="en-US" i="1" dirty="0" smtClean="0">
+                        <a:latin typeface="Cambria Math" panose="02040503050406030204" pitchFamily="18" charset="0"/>
+                      </a:rPr>
+                      <m:t>𝑆h𝑜𝑒</m:t>
+                    </m:r>
+                    <m:r>
+                      <a:rPr lang="en-US" i="1" dirty="0" smtClean="0">
+                        <a:latin typeface="Cambria Math" panose="02040503050406030204" pitchFamily="18" charset="0"/>
+                      </a:rPr>
+                      <m:t> </m:t>
+                    </m:r>
+                    <m:r>
+                      <a:rPr lang="en-US" i="1" dirty="0" smtClean="0">
+                        <a:latin typeface="Cambria Math" panose="02040503050406030204" pitchFamily="18" charset="0"/>
+                      </a:rPr>
+                      <m:t>𝑊𝑖𝑑𝑡h</m:t>
+                    </m:r>
+                    <m:r>
+                      <a:rPr lang="en-US" i="1" dirty="0" smtClean="0">
+                        <a:latin typeface="Cambria Math" panose="02040503050406030204" pitchFamily="18" charset="0"/>
+                      </a:rPr>
+                      <m:t>≤</m:t>
+                    </m:r>
+                    <m:r>
+                      <a:rPr lang="en-US" i="1" dirty="0" smtClean="0">
+                        <a:latin typeface="Cambria Math" panose="02040503050406030204" pitchFamily="18" charset="0"/>
+                      </a:rPr>
+                      <m:t>𝜋</m:t>
+                    </m:r>
+                    <m:sSub>
+                      <m:sSubPr>
+                        <m:ctrlPr>
+                          <a:rPr lang="en-US" i="1" dirty="0" smtClean="0">
+                            <a:latin typeface="Cambria Math" panose="02040503050406030204" pitchFamily="18" charset="0"/>
+                          </a:rPr>
+                        </m:ctrlPr>
+                      </m:sSubPr>
+                      <m:e>
+                        <m:r>
+                          <a:rPr lang="en-US" i="1" dirty="0" smtClean="0">
+                            <a:latin typeface="Cambria Math" panose="02040503050406030204" pitchFamily="18" charset="0"/>
+                          </a:rPr>
+                          <m:t>𝐷</m:t>
+                        </m:r>
+                      </m:e>
+                      <m:sub>
+                        <m:r>
+                          <a:rPr lang="en-US" i="1" dirty="0" smtClean="0">
+                            <a:latin typeface="Cambria Math" panose="02040503050406030204" pitchFamily="18" charset="0"/>
+                          </a:rPr>
+                          <m:t>𝑟</m:t>
+                        </m:r>
+                      </m:sub>
+                    </m:sSub>
+                  </m:oMath>
+                </a14:m>
+                <a:r>
+                  <a:rPr lang="tr-TR" dirty="0"/>
+                  <a:t> </a:t>
+                </a:r>
+                <a:endParaRPr lang="en-US" dirty="0"/>
+              </a:p>
+              <a:p>
+                <a:pPr marL="342900" indent="-342900">
+                  <a:buFont typeface="Arial" panose="020B0604020202020204" pitchFamily="34" charset="0"/>
+                  <a:buChar char="•"/>
+                </a:pPr>
+                <a:endParaRPr lang="en-US" dirty="0"/>
+              </a:p>
+              <a:p>
+                <a:pPr marL="982663" lvl="1" indent="-342900"/>
+                <a14:m>
+                  <m:oMath xmlns:m="http://schemas.openxmlformats.org/officeDocument/2006/math">
+                    <m:f>
+                      <m:fPr>
+                        <m:ctrlPr>
+                          <a:rPr lang="en-US" i="1" dirty="0" smtClean="0">
+                            <a:latin typeface="Cambria Math" panose="02040503050406030204" pitchFamily="18" charset="0"/>
+                          </a:rPr>
+                        </m:ctrlPr>
+                      </m:fPr>
+                      <m:num>
+                        <m:r>
+                          <a:rPr lang="en-US" i="1" dirty="0" smtClean="0">
+                            <a:latin typeface="Cambria Math" panose="02040503050406030204" pitchFamily="18" charset="0"/>
+                          </a:rPr>
+                          <m:t>𝑝</m:t>
+                        </m:r>
+                        <m:r>
+                          <a:rPr lang="en-US" i="1" dirty="0" smtClean="0">
+                            <a:latin typeface="Cambria Math" panose="02040503050406030204" pitchFamily="18" charset="0"/>
+                          </a:rPr>
+                          <m:t>×</m:t>
+                        </m:r>
+                        <m:r>
+                          <a:rPr lang="en-US" i="1" dirty="0" smtClean="0">
+                            <a:latin typeface="Cambria Math" panose="02040503050406030204" pitchFamily="18" charset="0"/>
+                          </a:rPr>
+                          <m:t>𝑃𝑜𝑙𝑒</m:t>
+                        </m:r>
+                        <m:r>
+                          <a:rPr lang="en-US" i="1" dirty="0" smtClean="0">
+                            <a:latin typeface="Cambria Math" panose="02040503050406030204" pitchFamily="18" charset="0"/>
+                          </a:rPr>
+                          <m:t> </m:t>
+                        </m:r>
+                        <m:r>
+                          <a:rPr lang="en-US" i="1" dirty="0" smtClean="0">
+                            <a:latin typeface="Cambria Math" panose="02040503050406030204" pitchFamily="18" charset="0"/>
+                          </a:rPr>
+                          <m:t>𝑆h𝑜𝑒</m:t>
+                        </m:r>
+                        <m:r>
+                          <a:rPr lang="en-US" i="1" dirty="0" smtClean="0">
+                            <a:latin typeface="Cambria Math" panose="02040503050406030204" pitchFamily="18" charset="0"/>
+                          </a:rPr>
+                          <m:t> </m:t>
+                        </m:r>
+                        <m:r>
+                          <a:rPr lang="en-US" i="1" dirty="0" smtClean="0">
+                            <a:latin typeface="Cambria Math" panose="02040503050406030204" pitchFamily="18" charset="0"/>
+                          </a:rPr>
+                          <m:t>𝑊𝑖𝑑𝑡h</m:t>
+                        </m:r>
+                      </m:num>
+                      <m:den>
+                        <m:r>
+                          <a:rPr lang="en-US" i="1" dirty="0" smtClean="0">
+                            <a:latin typeface="Cambria Math" panose="02040503050406030204" pitchFamily="18" charset="0"/>
+                          </a:rPr>
+                          <m:t>𝜋</m:t>
+                        </m:r>
+                      </m:den>
+                    </m:f>
+                    <m:r>
+                      <a:rPr lang="en-US" i="1" dirty="0" smtClean="0">
+                        <a:latin typeface="Cambria Math" panose="02040503050406030204" pitchFamily="18" charset="0"/>
+                      </a:rPr>
+                      <m:t>≤</m:t>
+                    </m:r>
+                    <m:r>
+                      <a:rPr lang="en-US" i="1" dirty="0" smtClean="0">
+                        <a:latin typeface="Cambria Math" panose="02040503050406030204" pitchFamily="18" charset="0"/>
+                      </a:rPr>
+                      <m:t>𝑘</m:t>
+                    </m:r>
+                    <m:sSub>
+                      <m:sSubPr>
+                        <m:ctrlPr>
+                          <a:rPr lang="en-US" i="1" dirty="0" smtClean="0">
+                            <a:latin typeface="Cambria Math" panose="02040503050406030204" pitchFamily="18" charset="0"/>
+                          </a:rPr>
+                        </m:ctrlPr>
+                      </m:sSubPr>
+                      <m:e>
+                        <m:r>
+                          <a:rPr lang="en-US" i="1" dirty="0" smtClean="0">
+                            <a:latin typeface="Cambria Math" panose="02040503050406030204" pitchFamily="18" charset="0"/>
+                          </a:rPr>
+                          <m:t>𝐷</m:t>
+                        </m:r>
+                      </m:e>
+                      <m:sub>
+                        <m:r>
+                          <a:rPr lang="en-US" i="1" dirty="0" smtClean="0">
+                            <a:latin typeface="Cambria Math" panose="02040503050406030204" pitchFamily="18" charset="0"/>
+                          </a:rPr>
+                          <m:t>𝑜</m:t>
+                        </m:r>
+                      </m:sub>
+                    </m:sSub>
+                    <m:r>
+                      <a:rPr lang="en-US" i="1" dirty="0" smtClean="0">
+                        <a:latin typeface="Cambria Math" panose="02040503050406030204" pitchFamily="18" charset="0"/>
+                      </a:rPr>
+                      <m:t>−2</m:t>
+                    </m:r>
+                    <m:r>
+                      <a:rPr lang="en-US" i="1" dirty="0" smtClean="0">
+                        <a:latin typeface="Cambria Math" panose="02040503050406030204" pitchFamily="18" charset="0"/>
+                      </a:rPr>
+                      <m:t>𝑔</m:t>
+                    </m:r>
+                  </m:oMath>
+                </a14:m>
+                <a:endParaRPr lang="en-US" dirty="0"/>
+              </a:p>
+              <a:p>
+                <a:pPr marL="342900" indent="-342900">
+                  <a:buFont typeface="Arial" panose="020B0604020202020204" pitchFamily="34" charset="0"/>
+                  <a:buChar char="•"/>
+                </a:pPr>
+                <a:endParaRPr lang="en-US" dirty="0"/>
+              </a:p>
+            </p:txBody>
+          </p:sp>
+        </mc:Choice>
+        <mc:Fallback>
+          <p:sp>
+            <p:nvSpPr>
+              <p:cNvPr id="3" name="Content Placeholder 2">
+                <a:extLst>
+                  <a:ext uri="{FF2B5EF4-FFF2-40B4-BE49-F238E27FC236}">
+                    <a16:creationId xmlns:a16="http://schemas.microsoft.com/office/drawing/2014/main" id="{AB30EBA6-D3CF-4BCF-A58D-FB4DFC08622C}"/>
+                  </a:ext>
+                </a:extLst>
+              </p:cNvPr>
+              <p:cNvSpPr>
+                <a:spLocks noGrp="1" noRot="1" noChangeAspect="1" noMove="1" noResize="1" noEditPoints="1" noAdjustHandles="1" noChangeArrowheads="1" noChangeShapeType="1" noTextEdit="1"/>
+              </p:cNvSpPr>
+              <p:nvPr>
+                <p:ph idx="1"/>
+              </p:nvPr>
+            </p:nvSpPr>
+            <p:spPr>
+              <a:blipFill>
+                <a:blip r:embed="rId2"/>
+                <a:stretch>
+                  <a:fillRect l="-519"/>
+                </a:stretch>
+              </a:blipFill>
+            </p:spPr>
+            <p:txBody>
+              <a:bodyPr/>
+              <a:lstStyle/>
+              <a:p>
+                <a:r>
+                  <a:rPr lang="en-US">
+                    <a:noFill/>
+                  </a:rPr>
+                  <a:t> </a:t>
+                </a:r>
+              </a:p>
+            </p:txBody>
+          </p:sp>
+        </mc:Fallback>
+      </mc:AlternateContent>
       <p:sp>
         <p:nvSpPr>
           <p:cNvPr id="4" name="Slide Number Placeholder 3">
             <a:extLst>
               <a:ext uri="{FF2B5EF4-FFF2-40B4-BE49-F238E27FC236}">
-                <a16:creationId xmlns:a16="http://schemas.microsoft.com/office/drawing/2014/main" id="{8EC086E3-2F26-4863-AE1D-77B55FB32BB9}"/>
+                <a16:creationId xmlns:a16="http://schemas.microsoft.com/office/drawing/2014/main" id="{A9C844DB-544E-4C21-87DE-504EE4BBDDF6}"/>
               </a:ext>
             </a:extLst>
           </p:cNvPr>
@@ -4561,7 +5657,7 @@
           <p:cNvPr id="5" name="Date Placeholder 4">
             <a:extLst>
               <a:ext uri="{FF2B5EF4-FFF2-40B4-BE49-F238E27FC236}">
-                <a16:creationId xmlns:a16="http://schemas.microsoft.com/office/drawing/2014/main" id="{5D918545-BC13-448B-B4C7-96C1E1EE3D78}"/>
+                <a16:creationId xmlns:a16="http://schemas.microsoft.com/office/drawing/2014/main" id="{1A74E7F2-A22A-457E-B6E4-F368F73A06FC}"/>
               </a:ext>
             </a:extLst>
           </p:cNvPr>
@@ -4591,7 +5687,7 @@
     </p:spTree>
     <p:extLst>
       <p:ext uri="{BB962C8B-B14F-4D97-AF65-F5344CB8AC3E}">
-        <p14:creationId xmlns:p14="http://schemas.microsoft.com/office/powerpoint/2010/main" val="1801534531"/>
+        <p14:creationId xmlns:p14="http://schemas.microsoft.com/office/powerpoint/2010/main" val="2072332583"/>
       </p:ext>
     </p:extLst>
   </p:cSld>
@@ -4623,7 +5719,7 @@
           <p:cNvPr id="2" name="Title 1">
             <a:extLst>
               <a:ext uri="{FF2B5EF4-FFF2-40B4-BE49-F238E27FC236}">
-                <a16:creationId xmlns:a16="http://schemas.microsoft.com/office/drawing/2014/main" id="{A020DFBC-FAAA-4A48-84A2-8553A941B07D}"/>
+                <a16:creationId xmlns:a16="http://schemas.microsoft.com/office/drawing/2014/main" id="{CF93E4E4-E6A0-4EF1-A694-61B6E79493CF}"/>
               </a:ext>
             </a:extLst>
           </p:cNvPr>
@@ -4641,43 +5737,893 @@
           <a:p>
             <a:r>
               <a:rPr lang="tr-TR" dirty="0" err="1"/>
-              <a:t>Conclusion</a:t>
+              <a:t>Optimization</a:t>
+            </a:r>
+            <a:r>
+              <a:rPr lang="tr-TR" dirty="0"/>
+              <a:t>: </a:t>
+            </a:r>
+            <a:r>
+              <a:rPr lang="tr-TR" dirty="0" err="1"/>
+              <a:t>Objective</a:t>
+            </a:r>
+            <a:r>
+              <a:rPr lang="tr-TR" dirty="0"/>
+              <a:t> </a:t>
+            </a:r>
+            <a:r>
+              <a:rPr lang="tr-TR" dirty="0" err="1"/>
+              <a:t>Function</a:t>
             </a:r>
             <a:endParaRPr lang="en-US" dirty="0"/>
           </a:p>
         </p:txBody>
       </p:sp>
-      <p:sp>
-        <p:nvSpPr>
-          <p:cNvPr id="3" name="Content Placeholder 2">
-            <a:extLst>
-              <a:ext uri="{FF2B5EF4-FFF2-40B4-BE49-F238E27FC236}">
-                <a16:creationId xmlns:a16="http://schemas.microsoft.com/office/drawing/2014/main" id="{411A3A0C-4E84-4C03-9C37-E638E2E46DA0}"/>
-              </a:ext>
-            </a:extLst>
-          </p:cNvPr>
-          <p:cNvSpPr>
-            <a:spLocks noGrp="1"/>
-          </p:cNvSpPr>
-          <p:nvPr>
-            <p:ph idx="1"/>
-          </p:nvPr>
-        </p:nvSpPr>
-        <p:spPr/>
-        <p:txBody>
-          <a:bodyPr/>
-          <a:lstStyle/>
-          <a:p>
-            <a:endParaRPr lang="en-US"/>
-          </a:p>
-        </p:txBody>
-      </p:sp>
+      <mc:AlternateContent xmlns:mc="http://schemas.openxmlformats.org/markup-compatibility/2006">
+        <mc:Choice xmlns:a14="http://schemas.microsoft.com/office/drawing/2010/main" Requires="a14">
+          <p:sp>
+            <p:nvSpPr>
+              <p:cNvPr id="3" name="Content Placeholder 2">
+                <a:extLst>
+                  <a:ext uri="{FF2B5EF4-FFF2-40B4-BE49-F238E27FC236}">
+                    <a16:creationId xmlns:a16="http://schemas.microsoft.com/office/drawing/2014/main" id="{AC01F318-F0BD-40EC-A862-22B2E2C42DF7}"/>
+                  </a:ext>
+                </a:extLst>
+              </p:cNvPr>
+              <p:cNvSpPr>
+                <a:spLocks noGrp="1"/>
+              </p:cNvSpPr>
+              <p:nvPr>
+                <p:ph idx="1"/>
+              </p:nvPr>
+            </p:nvSpPr>
+            <p:spPr/>
+            <p:txBody>
+              <a:bodyPr/>
+              <a:lstStyle/>
+              <a:p>
+                <a:pPr marL="342900" indent="-342900">
+                  <a:buFont typeface="Arial" panose="020B0604020202020204" pitchFamily="34" charset="0"/>
+                  <a:buChar char="•"/>
+                </a:pPr>
+                <a:endParaRPr lang="tr-TR" dirty="0"/>
+              </a:p>
+              <a:p>
+                <a:pPr marL="342900" indent="-342900">
+                  <a:buFont typeface="Arial" panose="020B0604020202020204" pitchFamily="34" charset="0"/>
+                  <a:buChar char="•"/>
+                </a:pPr>
+                <a:r>
+                  <a:rPr lang="en-US" dirty="0"/>
+                  <a:t>Objective functions are</a:t>
+                </a:r>
+              </a:p>
+              <a:p>
+                <a:pPr marL="982663" lvl="1" indent="-342900"/>
+                <a:r>
+                  <a:rPr lang="en-US" dirty="0"/>
+                  <a:t>Initial cost</a:t>
+                </a:r>
+              </a:p>
+              <a:p>
+                <a:pPr marL="982663" lvl="1" indent="-342900"/>
+                <a14:m>
+                  <m:oMath xmlns:m="http://schemas.openxmlformats.org/officeDocument/2006/math">
+                    <m:sSub>
+                      <m:sSubPr>
+                        <m:ctrlPr>
+                          <a:rPr lang="en-US" i="1" dirty="0" smtClean="0">
+                            <a:latin typeface="Cambria Math" panose="02040503050406030204" pitchFamily="18" charset="0"/>
+                          </a:rPr>
+                        </m:ctrlPr>
+                      </m:sSubPr>
+                      <m:e>
+                        <m:r>
+                          <a:rPr lang="en-US" i="1" dirty="0" smtClean="0">
+                            <a:latin typeface="Cambria Math" panose="02040503050406030204" pitchFamily="18" charset="0"/>
+                          </a:rPr>
+                          <m:t>𝑓</m:t>
+                        </m:r>
+                      </m:e>
+                      <m:sub>
+                        <m:r>
+                          <a:rPr lang="en-US" i="1" dirty="0" smtClean="0">
+                            <a:latin typeface="Cambria Math" panose="02040503050406030204" pitchFamily="18" charset="0"/>
+                          </a:rPr>
+                          <m:t>1</m:t>
+                        </m:r>
+                      </m:sub>
+                    </m:sSub>
+                    <m:r>
+                      <a:rPr lang="en-US" i="1" dirty="0" smtClean="0">
+                        <a:latin typeface="Cambria Math" panose="02040503050406030204" pitchFamily="18" charset="0"/>
+                      </a:rPr>
+                      <m:t> (</m:t>
+                    </m:r>
+                    <m:r>
+                      <a:rPr lang="en-US" i="1" dirty="0" smtClean="0">
+                        <a:latin typeface="Cambria Math" panose="02040503050406030204" pitchFamily="18" charset="0"/>
+                      </a:rPr>
+                      <m:t>𝑘</m:t>
+                    </m:r>
+                    <m:r>
+                      <a:rPr lang="en-US" i="1" dirty="0" smtClean="0">
+                        <a:latin typeface="Cambria Math" panose="02040503050406030204" pitchFamily="18" charset="0"/>
+                      </a:rPr>
+                      <m:t>,</m:t>
+                    </m:r>
+                    <m:r>
+                      <a:rPr lang="en-US" i="1" dirty="0" smtClean="0">
+                        <a:latin typeface="Cambria Math" panose="02040503050406030204" pitchFamily="18" charset="0"/>
+                      </a:rPr>
+                      <m:t>𝑔</m:t>
+                    </m:r>
+                    <m:r>
+                      <a:rPr lang="en-US" i="1" dirty="0" smtClean="0">
+                        <a:latin typeface="Cambria Math" panose="02040503050406030204" pitchFamily="18" charset="0"/>
+                      </a:rPr>
+                      <m:t>,</m:t>
+                    </m:r>
+                    <m:sSub>
+                      <m:sSubPr>
+                        <m:ctrlPr>
+                          <a:rPr lang="en-US" i="1" dirty="0" smtClean="0">
+                            <a:latin typeface="Cambria Math" panose="02040503050406030204" pitchFamily="18" charset="0"/>
+                          </a:rPr>
+                        </m:ctrlPr>
+                      </m:sSubPr>
+                      <m:e>
+                        <m:r>
+                          <a:rPr lang="en-US" i="1" dirty="0" smtClean="0">
+                            <a:latin typeface="Cambria Math" panose="02040503050406030204" pitchFamily="18" charset="0"/>
+                          </a:rPr>
+                          <m:t>𝐿</m:t>
+                        </m:r>
+                      </m:e>
+                      <m:sub>
+                        <m:r>
+                          <a:rPr lang="en-US" i="1" dirty="0" smtClean="0">
+                            <a:latin typeface="Cambria Math" panose="02040503050406030204" pitchFamily="18" charset="0"/>
+                          </a:rPr>
+                          <m:t>𝑠</m:t>
+                        </m:r>
+                      </m:sub>
+                    </m:sSub>
+                    <m:r>
+                      <a:rPr lang="en-US" i="1" dirty="0" smtClean="0">
+                        <a:latin typeface="Cambria Math" panose="02040503050406030204" pitchFamily="18" charset="0"/>
+                      </a:rPr>
+                      <m:t>,</m:t>
+                    </m:r>
+                    <m:sSub>
+                      <m:sSubPr>
+                        <m:ctrlPr>
+                          <a:rPr lang="en-US" i="1" dirty="0" smtClean="0">
+                            <a:latin typeface="Cambria Math" panose="02040503050406030204" pitchFamily="18" charset="0"/>
+                          </a:rPr>
+                        </m:ctrlPr>
+                      </m:sSubPr>
+                      <m:e>
+                        <m:r>
+                          <a:rPr lang="en-US" i="1" dirty="0" smtClean="0">
+                            <a:latin typeface="Cambria Math" panose="02040503050406030204" pitchFamily="18" charset="0"/>
+                          </a:rPr>
+                          <m:t>𝑏</m:t>
+                        </m:r>
+                      </m:e>
+                      <m:sub>
+                        <m:r>
+                          <a:rPr lang="en-US" i="1" dirty="0" smtClean="0">
+                            <a:latin typeface="Cambria Math" panose="02040503050406030204" pitchFamily="18" charset="0"/>
+                          </a:rPr>
+                          <m:t>2</m:t>
+                        </m:r>
+                      </m:sub>
+                    </m:sSub>
+                    <m:r>
+                      <a:rPr lang="en-US" i="1" dirty="0" smtClean="0">
+                        <a:latin typeface="Cambria Math" panose="02040503050406030204" pitchFamily="18" charset="0"/>
+                      </a:rPr>
+                      <m:t>,</m:t>
+                    </m:r>
+                    <m:sSub>
+                      <m:sSubPr>
+                        <m:ctrlPr>
+                          <a:rPr lang="en-US" i="1" dirty="0" smtClean="0">
+                            <a:latin typeface="Cambria Math" panose="02040503050406030204" pitchFamily="18" charset="0"/>
+                          </a:rPr>
+                        </m:ctrlPr>
+                      </m:sSubPr>
+                      <m:e>
+                        <m:r>
+                          <a:rPr lang="en-US" i="1" dirty="0" smtClean="0">
+                            <a:latin typeface="Cambria Math" panose="02040503050406030204" pitchFamily="18" charset="0"/>
+                          </a:rPr>
+                          <m:t>h</m:t>
+                        </m:r>
+                      </m:e>
+                      <m:sub>
+                        <m:r>
+                          <a:rPr lang="en-US" i="1" dirty="0" smtClean="0">
+                            <a:latin typeface="Cambria Math" panose="02040503050406030204" pitchFamily="18" charset="0"/>
+                          </a:rPr>
+                          <m:t>2</m:t>
+                        </m:r>
+                      </m:sub>
+                    </m:sSub>
+                    <m:r>
+                      <a:rPr lang="en-US" i="1" dirty="0" smtClean="0">
+                        <a:latin typeface="Cambria Math" panose="02040503050406030204" pitchFamily="18" charset="0"/>
+                      </a:rPr>
+                      <m:t> )=</m:t>
+                    </m:r>
+                    <m:sSub>
+                      <m:sSubPr>
+                        <m:ctrlPr>
+                          <a:rPr lang="en-US" i="1" dirty="0" smtClean="0">
+                            <a:latin typeface="Cambria Math" panose="02040503050406030204" pitchFamily="18" charset="0"/>
+                          </a:rPr>
+                        </m:ctrlPr>
+                      </m:sSubPr>
+                      <m:e>
+                        <m:r>
+                          <a:rPr lang="tr-TR" b="0" i="1" dirty="0" smtClean="0">
+                            <a:latin typeface="Cambria Math" panose="02040503050406030204" pitchFamily="18" charset="0"/>
+                          </a:rPr>
+                          <m:t>(</m:t>
+                        </m:r>
+                        <m:r>
+                          <a:rPr lang="tr-TR" b="0" i="1" dirty="0" smtClean="0">
+                            <a:latin typeface="Cambria Math" panose="02040503050406030204" pitchFamily="18" charset="0"/>
+                          </a:rPr>
+                          <m:t>𝑚</m:t>
+                        </m:r>
+                      </m:e>
+                      <m:sub>
+                        <m:r>
+                          <a:rPr lang="en-US" i="1" dirty="0" smtClean="0">
+                            <a:latin typeface="Cambria Math" panose="02040503050406030204" pitchFamily="18" charset="0"/>
+                          </a:rPr>
+                          <m:t>𝑠𝑡𝑒𝑒𝑙</m:t>
+                        </m:r>
+                      </m:sub>
+                    </m:sSub>
+                    <m:r>
+                      <a:rPr lang="en-US" i="1" dirty="0" smtClean="0">
+                        <a:latin typeface="Cambria Math" panose="02040503050406030204" pitchFamily="18" charset="0"/>
+                      </a:rPr>
+                      <m:t> </m:t>
+                    </m:r>
+                    <m:sSub>
+                      <m:sSubPr>
+                        <m:ctrlPr>
+                          <a:rPr lang="en-US" i="1" dirty="0" smtClean="0">
+                            <a:latin typeface="Cambria Math" panose="02040503050406030204" pitchFamily="18" charset="0"/>
+                          </a:rPr>
+                        </m:ctrlPr>
+                      </m:sSubPr>
+                      <m:e>
+                        <m:r>
+                          <a:rPr lang="en-US" i="1" dirty="0" smtClean="0">
+                            <a:latin typeface="Cambria Math" panose="02040503050406030204" pitchFamily="18" charset="0"/>
+                          </a:rPr>
+                          <m:t>𝐶</m:t>
+                        </m:r>
+                      </m:e>
+                      <m:sub>
+                        <m:r>
+                          <a:rPr lang="en-US" i="1" dirty="0" smtClean="0">
+                            <a:latin typeface="Cambria Math" panose="02040503050406030204" pitchFamily="18" charset="0"/>
+                          </a:rPr>
+                          <m:t>𝑠𝑡𝑒𝑒𝑙</m:t>
+                        </m:r>
+                      </m:sub>
+                    </m:sSub>
+                    <m:r>
+                      <a:rPr lang="en-US" i="1" dirty="0" smtClean="0">
+                        <a:latin typeface="Cambria Math" panose="02040503050406030204" pitchFamily="18" charset="0"/>
+                      </a:rPr>
+                      <m:t>+</m:t>
+                    </m:r>
+                    <m:sSub>
+                      <m:sSubPr>
+                        <m:ctrlPr>
+                          <a:rPr lang="en-US" i="1" dirty="0" smtClean="0">
+                            <a:latin typeface="Cambria Math" panose="02040503050406030204" pitchFamily="18" charset="0"/>
+                          </a:rPr>
+                        </m:ctrlPr>
+                      </m:sSubPr>
+                      <m:e>
+                        <m:r>
+                          <a:rPr lang="en-US" i="1" dirty="0" smtClean="0">
+                            <a:latin typeface="Cambria Math" panose="02040503050406030204" pitchFamily="18" charset="0"/>
+                          </a:rPr>
+                          <m:t>𝑚</m:t>
+                        </m:r>
+                      </m:e>
+                      <m:sub>
+                        <m:r>
+                          <a:rPr lang="en-US" i="1" dirty="0" smtClean="0">
+                            <a:latin typeface="Cambria Math" panose="02040503050406030204" pitchFamily="18" charset="0"/>
+                          </a:rPr>
+                          <m:t>𝑐𝑜𝑝𝑝𝑒𝑟</m:t>
+                        </m:r>
+                      </m:sub>
+                    </m:sSub>
+                    <m:r>
+                      <a:rPr lang="en-US" i="1" dirty="0" smtClean="0">
+                        <a:latin typeface="Cambria Math" panose="02040503050406030204" pitchFamily="18" charset="0"/>
+                      </a:rPr>
+                      <m:t> </m:t>
+                    </m:r>
+                    <m:sSub>
+                      <m:sSubPr>
+                        <m:ctrlPr>
+                          <a:rPr lang="en-US" i="1" dirty="0" smtClean="0">
+                            <a:latin typeface="Cambria Math" panose="02040503050406030204" pitchFamily="18" charset="0"/>
+                          </a:rPr>
+                        </m:ctrlPr>
+                      </m:sSubPr>
+                      <m:e>
+                        <m:r>
+                          <a:rPr lang="en-US" i="1" dirty="0" smtClean="0">
+                            <a:latin typeface="Cambria Math" panose="02040503050406030204" pitchFamily="18" charset="0"/>
+                          </a:rPr>
+                          <m:t>𝐶</m:t>
+                        </m:r>
+                      </m:e>
+                      <m:sub>
+                        <m:r>
+                          <a:rPr lang="en-US" i="1" dirty="0" smtClean="0">
+                            <a:latin typeface="Cambria Math" panose="02040503050406030204" pitchFamily="18" charset="0"/>
+                          </a:rPr>
+                          <m:t>𝑐𝑜𝑝𝑝𝑒𝑟</m:t>
+                        </m:r>
+                      </m:sub>
+                    </m:sSub>
+                    <m:r>
+                      <a:rPr lang="en-US" i="1" dirty="0" smtClean="0">
+                        <a:latin typeface="Cambria Math" panose="02040503050406030204" pitchFamily="18" charset="0"/>
+                      </a:rPr>
+                      <m:t>)×2.5</m:t>
+                    </m:r>
+                  </m:oMath>
+                </a14:m>
+                <a:endParaRPr lang="en-US" dirty="0"/>
+              </a:p>
+              <a:p>
+                <a:pPr marL="342900" indent="-342900">
+                  <a:buFont typeface="Arial" panose="020B0604020202020204" pitchFamily="34" charset="0"/>
+                  <a:buChar char="•"/>
+                </a:pPr>
+                <a:endParaRPr lang="en-US" dirty="0"/>
+              </a:p>
+              <a:p>
+                <a:pPr marL="342900" indent="-342900">
+                  <a:buFont typeface="Arial" panose="020B0604020202020204" pitchFamily="34" charset="0"/>
+                  <a:buChar char="•"/>
+                </a:pPr>
+                <a:r>
+                  <a:rPr lang="en-US" dirty="0"/>
+                  <a:t>Efficiency</a:t>
+                </a:r>
+              </a:p>
+              <a:p>
+                <a:pPr marL="982663" lvl="1" indent="-342900"/>
+                <a14:m>
+                  <m:oMath xmlns:m="http://schemas.openxmlformats.org/officeDocument/2006/math">
+                    <m:sSub>
+                      <m:sSubPr>
+                        <m:ctrlPr>
+                          <a:rPr lang="en-US" i="1" dirty="0" smtClean="0">
+                            <a:latin typeface="Cambria Math" panose="02040503050406030204" pitchFamily="18" charset="0"/>
+                          </a:rPr>
+                        </m:ctrlPr>
+                      </m:sSubPr>
+                      <m:e>
+                        <m:r>
+                          <a:rPr lang="en-US" i="1" dirty="0" smtClean="0">
+                            <a:latin typeface="Cambria Math" panose="02040503050406030204" pitchFamily="18" charset="0"/>
+                          </a:rPr>
+                          <m:t>𝑓</m:t>
+                        </m:r>
+                      </m:e>
+                      <m:sub>
+                        <m:r>
+                          <a:rPr lang="en-US" i="1" dirty="0" smtClean="0">
+                            <a:latin typeface="Cambria Math" panose="02040503050406030204" pitchFamily="18" charset="0"/>
+                          </a:rPr>
+                          <m:t>2</m:t>
+                        </m:r>
+                      </m:sub>
+                    </m:sSub>
+                    <m:r>
+                      <a:rPr lang="en-US" i="1" dirty="0" smtClean="0">
+                        <a:latin typeface="Cambria Math" panose="02040503050406030204" pitchFamily="18" charset="0"/>
+                      </a:rPr>
+                      <m:t> (</m:t>
+                    </m:r>
+                    <m:r>
+                      <a:rPr lang="en-US" i="1" dirty="0" smtClean="0">
+                        <a:latin typeface="Cambria Math" panose="02040503050406030204" pitchFamily="18" charset="0"/>
+                      </a:rPr>
+                      <m:t>𝑘</m:t>
+                    </m:r>
+                    <m:r>
+                      <a:rPr lang="en-US" i="1" dirty="0" smtClean="0">
+                        <a:latin typeface="Cambria Math" panose="02040503050406030204" pitchFamily="18" charset="0"/>
+                      </a:rPr>
+                      <m:t>,</m:t>
+                    </m:r>
+                    <m:r>
+                      <a:rPr lang="en-US" i="1" dirty="0" smtClean="0">
+                        <a:latin typeface="Cambria Math" panose="02040503050406030204" pitchFamily="18" charset="0"/>
+                      </a:rPr>
+                      <m:t>𝑔</m:t>
+                    </m:r>
+                    <m:r>
+                      <a:rPr lang="en-US" i="1" dirty="0" smtClean="0">
+                        <a:latin typeface="Cambria Math" panose="02040503050406030204" pitchFamily="18" charset="0"/>
+                      </a:rPr>
+                      <m:t>,</m:t>
+                    </m:r>
+                    <m:sSub>
+                      <m:sSubPr>
+                        <m:ctrlPr>
+                          <a:rPr lang="en-US" i="1" dirty="0" smtClean="0">
+                            <a:latin typeface="Cambria Math" panose="02040503050406030204" pitchFamily="18" charset="0"/>
+                          </a:rPr>
+                        </m:ctrlPr>
+                      </m:sSubPr>
+                      <m:e>
+                        <m:r>
+                          <a:rPr lang="en-US" i="1" dirty="0" smtClean="0">
+                            <a:latin typeface="Cambria Math" panose="02040503050406030204" pitchFamily="18" charset="0"/>
+                          </a:rPr>
+                          <m:t>𝐿</m:t>
+                        </m:r>
+                      </m:e>
+                      <m:sub>
+                        <m:r>
+                          <a:rPr lang="en-US" i="1" dirty="0" smtClean="0">
+                            <a:latin typeface="Cambria Math" panose="02040503050406030204" pitchFamily="18" charset="0"/>
+                          </a:rPr>
+                          <m:t>𝑠</m:t>
+                        </m:r>
+                      </m:sub>
+                    </m:sSub>
+                    <m:r>
+                      <a:rPr lang="en-US" i="1" dirty="0" smtClean="0">
+                        <a:latin typeface="Cambria Math" panose="02040503050406030204" pitchFamily="18" charset="0"/>
+                      </a:rPr>
+                      <m:t>,</m:t>
+                    </m:r>
+                    <m:sSub>
+                      <m:sSubPr>
+                        <m:ctrlPr>
+                          <a:rPr lang="en-US" i="1" dirty="0" smtClean="0">
+                            <a:latin typeface="Cambria Math" panose="02040503050406030204" pitchFamily="18" charset="0"/>
+                          </a:rPr>
+                        </m:ctrlPr>
+                      </m:sSubPr>
+                      <m:e>
+                        <m:r>
+                          <a:rPr lang="en-US" i="1" dirty="0" smtClean="0">
+                            <a:latin typeface="Cambria Math" panose="02040503050406030204" pitchFamily="18" charset="0"/>
+                          </a:rPr>
+                          <m:t>𝑏</m:t>
+                        </m:r>
+                      </m:e>
+                      <m:sub>
+                        <m:r>
+                          <a:rPr lang="en-US" i="1" dirty="0" smtClean="0">
+                            <a:latin typeface="Cambria Math" panose="02040503050406030204" pitchFamily="18" charset="0"/>
+                          </a:rPr>
+                          <m:t>2</m:t>
+                        </m:r>
+                      </m:sub>
+                    </m:sSub>
+                    <m:r>
+                      <a:rPr lang="en-US" i="1" dirty="0" smtClean="0">
+                        <a:latin typeface="Cambria Math" panose="02040503050406030204" pitchFamily="18" charset="0"/>
+                      </a:rPr>
+                      <m:t>,</m:t>
+                    </m:r>
+                    <m:sSub>
+                      <m:sSubPr>
+                        <m:ctrlPr>
+                          <a:rPr lang="en-US" i="1" dirty="0" smtClean="0">
+                            <a:latin typeface="Cambria Math" panose="02040503050406030204" pitchFamily="18" charset="0"/>
+                          </a:rPr>
+                        </m:ctrlPr>
+                      </m:sSubPr>
+                      <m:e>
+                        <m:r>
+                          <a:rPr lang="en-US" i="1" dirty="0" smtClean="0">
+                            <a:latin typeface="Cambria Math" panose="02040503050406030204" pitchFamily="18" charset="0"/>
+                          </a:rPr>
+                          <m:t>h</m:t>
+                        </m:r>
+                      </m:e>
+                      <m:sub>
+                        <m:r>
+                          <a:rPr lang="en-US" i="1" dirty="0" smtClean="0">
+                            <a:latin typeface="Cambria Math" panose="02040503050406030204" pitchFamily="18" charset="0"/>
+                          </a:rPr>
+                          <m:t>2</m:t>
+                        </m:r>
+                      </m:sub>
+                    </m:sSub>
+                    <m:r>
+                      <a:rPr lang="en-US" i="1" dirty="0" smtClean="0">
+                        <a:latin typeface="Cambria Math" panose="02040503050406030204" pitchFamily="18" charset="0"/>
+                      </a:rPr>
+                      <m:t> )=</m:t>
+                    </m:r>
+                    <m:r>
+                      <a:rPr lang="el-GR" i="1" dirty="0" smtClean="0">
+                        <a:latin typeface="Cambria Math" panose="02040503050406030204" pitchFamily="18" charset="0"/>
+                      </a:rPr>
+                      <m:t>𝜂</m:t>
+                    </m:r>
+                    <m:r>
+                      <a:rPr lang="el-GR" i="1" dirty="0" smtClean="0">
+                        <a:latin typeface="Cambria Math" panose="02040503050406030204" pitchFamily="18" charset="0"/>
+                      </a:rPr>
+                      <m:t>=</m:t>
+                    </m:r>
+                    <m:f>
+                      <m:fPr>
+                        <m:ctrlPr>
+                          <a:rPr lang="el-GR" i="1" dirty="0" smtClean="0">
+                            <a:latin typeface="Cambria Math" panose="02040503050406030204" pitchFamily="18" charset="0"/>
+                          </a:rPr>
+                        </m:ctrlPr>
+                      </m:fPr>
+                      <m:num>
+                        <m:sSub>
+                          <m:sSubPr>
+                            <m:ctrlPr>
+                              <a:rPr lang="el-GR" i="1" dirty="0" smtClean="0">
+                                <a:latin typeface="Cambria Math" panose="02040503050406030204" pitchFamily="18" charset="0"/>
+                              </a:rPr>
+                            </m:ctrlPr>
+                          </m:sSubPr>
+                          <m:e>
+                            <m:r>
+                              <a:rPr lang="el-GR" i="1" dirty="0" smtClean="0">
+                                <a:latin typeface="Cambria Math" panose="02040503050406030204" pitchFamily="18" charset="0"/>
+                              </a:rPr>
+                              <m:t>𝑃</m:t>
+                            </m:r>
+                          </m:e>
+                          <m:sub>
+                            <m:r>
+                              <a:rPr lang="el-GR" i="1" dirty="0" smtClean="0">
+                                <a:latin typeface="Cambria Math" panose="02040503050406030204" pitchFamily="18" charset="0"/>
+                              </a:rPr>
+                              <m:t>𝑜𝑢𝑡</m:t>
+                            </m:r>
+                          </m:sub>
+                        </m:sSub>
+                      </m:num>
+                      <m:den>
+                        <m:sSub>
+                          <m:sSubPr>
+                            <m:ctrlPr>
+                              <a:rPr lang="el-GR" i="1" dirty="0" smtClean="0">
+                                <a:latin typeface="Cambria Math" panose="02040503050406030204" pitchFamily="18" charset="0"/>
+                              </a:rPr>
+                            </m:ctrlPr>
+                          </m:sSubPr>
+                          <m:e>
+                            <m:r>
+                              <a:rPr lang="el-GR" i="1" dirty="0" smtClean="0">
+                                <a:latin typeface="Cambria Math" panose="02040503050406030204" pitchFamily="18" charset="0"/>
+                              </a:rPr>
+                              <m:t>𝑃</m:t>
+                            </m:r>
+                          </m:e>
+                          <m:sub>
+                            <m:r>
+                              <a:rPr lang="el-GR" i="1" dirty="0" smtClean="0">
+                                <a:latin typeface="Cambria Math" panose="02040503050406030204" pitchFamily="18" charset="0"/>
+                              </a:rPr>
+                              <m:t>𝑖𝑛</m:t>
+                            </m:r>
+                          </m:sub>
+                        </m:sSub>
+                      </m:den>
+                    </m:f>
+                    <m:r>
+                      <a:rPr lang="el-GR" i="1" dirty="0" smtClean="0">
+                        <a:latin typeface="Cambria Math" panose="02040503050406030204" pitchFamily="18" charset="0"/>
+                      </a:rPr>
+                      <m:t> ×100</m:t>
+                    </m:r>
+                  </m:oMath>
+                </a14:m>
+                <a:endParaRPr lang="el-GR" dirty="0"/>
+              </a:p>
+              <a:p>
+                <a:pPr marL="342900" indent="-342900">
+                  <a:buFont typeface="Arial" panose="020B0604020202020204" pitchFamily="34" charset="0"/>
+                  <a:buChar char="•"/>
+                </a:pPr>
+                <a:endParaRPr lang="tr-TR" dirty="0"/>
+              </a:p>
+              <a:p>
+                <a:pPr marL="342900" indent="-342900">
+                  <a:buFont typeface="Arial" panose="020B0604020202020204" pitchFamily="34" charset="0"/>
+                  <a:buChar char="•"/>
+                </a:pPr>
+                <a:r>
+                  <a:rPr lang="en-US" dirty="0"/>
+                  <a:t>Subject to</a:t>
+                </a:r>
+              </a:p>
+              <a:p>
+                <a:pPr marL="982663" lvl="1" indent="-342900"/>
+                <a14:m>
+                  <m:oMath xmlns:m="http://schemas.openxmlformats.org/officeDocument/2006/math">
+                    <m:f>
+                      <m:fPr>
+                        <m:ctrlPr>
+                          <a:rPr lang="en-US" i="1" dirty="0" smtClean="0">
+                            <a:latin typeface="Cambria Math" panose="02040503050406030204" pitchFamily="18" charset="0"/>
+                          </a:rPr>
+                        </m:ctrlPr>
+                      </m:fPr>
+                      <m:num>
+                        <m:r>
+                          <a:rPr lang="tr-TR" b="0" i="1" dirty="0" smtClean="0">
+                            <a:latin typeface="Cambria Math" panose="02040503050406030204" pitchFamily="18" charset="0"/>
+                          </a:rPr>
+                          <m:t>2</m:t>
+                        </m:r>
+                        <m:sSub>
+                          <m:sSubPr>
+                            <m:ctrlPr>
+                              <a:rPr lang="tr-TR" b="0" i="1" dirty="0" smtClean="0">
+                                <a:latin typeface="Cambria Math" panose="02040503050406030204" pitchFamily="18" charset="0"/>
+                              </a:rPr>
+                            </m:ctrlPr>
+                          </m:sSubPr>
+                          <m:e>
+                            <m:r>
+                              <a:rPr lang="tr-TR" b="0" i="1" dirty="0" smtClean="0">
+                                <a:latin typeface="Cambria Math" panose="02040503050406030204" pitchFamily="18" charset="0"/>
+                              </a:rPr>
+                              <m:t>h</m:t>
+                            </m:r>
+                          </m:e>
+                          <m:sub>
+                            <m:r>
+                              <a:rPr lang="tr-TR" b="0" i="1" dirty="0" smtClean="0">
+                                <a:latin typeface="Cambria Math" panose="02040503050406030204" pitchFamily="18" charset="0"/>
+                              </a:rPr>
+                              <m:t>2</m:t>
+                            </m:r>
+                          </m:sub>
+                        </m:sSub>
+                      </m:num>
+                      <m:den>
+                        <m:r>
+                          <a:rPr lang="en-US" i="1" dirty="0" smtClean="0">
+                            <a:latin typeface="Cambria Math" panose="02040503050406030204" pitchFamily="18" charset="0"/>
+                          </a:rPr>
+                          <m:t>1−</m:t>
+                        </m:r>
+                        <m:r>
+                          <a:rPr lang="en-US" i="1" dirty="0" smtClean="0">
+                            <a:latin typeface="Cambria Math" panose="02040503050406030204" pitchFamily="18" charset="0"/>
+                          </a:rPr>
+                          <m:t>𝑘</m:t>
+                        </m:r>
+                      </m:den>
+                    </m:f>
+                    <m:r>
+                      <a:rPr lang="en-US" i="1" dirty="0" smtClean="0">
+                        <a:latin typeface="Cambria Math" panose="02040503050406030204" pitchFamily="18" charset="0"/>
+                      </a:rPr>
+                      <m:t>≤</m:t>
+                    </m:r>
+                    <m:sSub>
+                      <m:sSubPr>
+                        <m:ctrlPr>
+                          <a:rPr lang="en-US" i="1" dirty="0" smtClean="0">
+                            <a:latin typeface="Cambria Math" panose="02040503050406030204" pitchFamily="18" charset="0"/>
+                          </a:rPr>
+                        </m:ctrlPr>
+                      </m:sSubPr>
+                      <m:e>
+                        <m:r>
+                          <a:rPr lang="en-US" i="1" dirty="0" smtClean="0">
+                            <a:latin typeface="Cambria Math" panose="02040503050406030204" pitchFamily="18" charset="0"/>
+                          </a:rPr>
+                          <m:t>𝐷</m:t>
+                        </m:r>
+                      </m:e>
+                      <m:sub>
+                        <m:r>
+                          <a:rPr lang="en-US" i="1" dirty="0" smtClean="0">
+                            <a:latin typeface="Cambria Math" panose="02040503050406030204" pitchFamily="18" charset="0"/>
+                          </a:rPr>
+                          <m:t>𝑜</m:t>
+                        </m:r>
+                      </m:sub>
+                    </m:sSub>
+                  </m:oMath>
+                </a14:m>
+                <a:endParaRPr lang="en-US" dirty="0"/>
+              </a:p>
+              <a:p>
+                <a:pPr marL="982663" lvl="1" indent="-342900"/>
+                <a14:m>
+                  <m:oMath xmlns:m="http://schemas.openxmlformats.org/officeDocument/2006/math">
+                    <m:f>
+                      <m:fPr>
+                        <m:ctrlPr>
+                          <a:rPr lang="en-US" i="1" dirty="0" smtClean="0">
+                            <a:latin typeface="Cambria Math" panose="02040503050406030204" pitchFamily="18" charset="0"/>
+                          </a:rPr>
+                        </m:ctrlPr>
+                      </m:fPr>
+                      <m:num>
+                        <m:r>
+                          <a:rPr lang="en-US" i="1" dirty="0" smtClean="0">
+                            <a:latin typeface="Cambria Math" panose="02040503050406030204" pitchFamily="18" charset="0"/>
+                          </a:rPr>
+                          <m:t>𝑝</m:t>
+                        </m:r>
+                        <m:r>
+                          <a:rPr lang="en-US" i="1" dirty="0" smtClean="0">
+                            <a:latin typeface="Cambria Math" panose="02040503050406030204" pitchFamily="18" charset="0"/>
+                          </a:rPr>
+                          <m:t>×</m:t>
+                        </m:r>
+                        <m:r>
+                          <a:rPr lang="en-US" i="1" dirty="0" smtClean="0">
+                            <a:latin typeface="Cambria Math" panose="02040503050406030204" pitchFamily="18" charset="0"/>
+                          </a:rPr>
+                          <m:t>𝑃𝑜𝑙𝑒</m:t>
+                        </m:r>
+                        <m:r>
+                          <a:rPr lang="en-US" i="1" dirty="0" smtClean="0">
+                            <a:latin typeface="Cambria Math" panose="02040503050406030204" pitchFamily="18" charset="0"/>
+                          </a:rPr>
+                          <m:t> </m:t>
+                        </m:r>
+                        <m:r>
+                          <a:rPr lang="en-US" i="1" dirty="0" smtClean="0">
+                            <a:latin typeface="Cambria Math" panose="02040503050406030204" pitchFamily="18" charset="0"/>
+                          </a:rPr>
+                          <m:t>𝑆h𝑜𝑒</m:t>
+                        </m:r>
+                        <m:r>
+                          <a:rPr lang="en-US" i="1" dirty="0" smtClean="0">
+                            <a:latin typeface="Cambria Math" panose="02040503050406030204" pitchFamily="18" charset="0"/>
+                          </a:rPr>
+                          <m:t> </m:t>
+                        </m:r>
+                        <m:r>
+                          <a:rPr lang="en-US" i="1" dirty="0" smtClean="0">
+                            <a:latin typeface="Cambria Math" panose="02040503050406030204" pitchFamily="18" charset="0"/>
+                          </a:rPr>
+                          <m:t>𝑊𝑖𝑑𝑡h</m:t>
+                        </m:r>
+                      </m:num>
+                      <m:den>
+                        <m:r>
+                          <a:rPr lang="en-US" i="1" dirty="0" smtClean="0">
+                            <a:latin typeface="Cambria Math" panose="02040503050406030204" pitchFamily="18" charset="0"/>
+                          </a:rPr>
+                          <m:t>𝜋</m:t>
+                        </m:r>
+                      </m:den>
+                    </m:f>
+                    <m:r>
+                      <a:rPr lang="en-US" i="1" dirty="0" smtClean="0">
+                        <a:latin typeface="Cambria Math" panose="02040503050406030204" pitchFamily="18" charset="0"/>
+                      </a:rPr>
+                      <m:t>≤</m:t>
+                    </m:r>
+                    <m:r>
+                      <a:rPr lang="en-US" i="1" dirty="0" smtClean="0">
+                        <a:latin typeface="Cambria Math" panose="02040503050406030204" pitchFamily="18" charset="0"/>
+                      </a:rPr>
+                      <m:t>𝑘</m:t>
+                    </m:r>
+                    <m:sSub>
+                      <m:sSubPr>
+                        <m:ctrlPr>
+                          <a:rPr lang="en-US" i="1" dirty="0" smtClean="0">
+                            <a:latin typeface="Cambria Math" panose="02040503050406030204" pitchFamily="18" charset="0"/>
+                          </a:rPr>
+                        </m:ctrlPr>
+                      </m:sSubPr>
+                      <m:e>
+                        <m:r>
+                          <a:rPr lang="en-US" i="1" dirty="0" smtClean="0">
+                            <a:latin typeface="Cambria Math" panose="02040503050406030204" pitchFamily="18" charset="0"/>
+                          </a:rPr>
+                          <m:t>𝐷</m:t>
+                        </m:r>
+                      </m:e>
+                      <m:sub>
+                        <m:r>
+                          <a:rPr lang="en-US" i="1" dirty="0" smtClean="0">
+                            <a:latin typeface="Cambria Math" panose="02040503050406030204" pitchFamily="18" charset="0"/>
+                          </a:rPr>
+                          <m:t>𝑜</m:t>
+                        </m:r>
+                      </m:sub>
+                    </m:sSub>
+                    <m:r>
+                      <a:rPr lang="en-US" i="1" dirty="0" smtClean="0">
+                        <a:latin typeface="Cambria Math" panose="02040503050406030204" pitchFamily="18" charset="0"/>
+                      </a:rPr>
+                      <m:t>−2</m:t>
+                    </m:r>
+                    <m:r>
+                      <a:rPr lang="en-US" i="1" dirty="0" smtClean="0">
+                        <a:latin typeface="Cambria Math" panose="02040503050406030204" pitchFamily="18" charset="0"/>
+                      </a:rPr>
+                      <m:t>𝑔</m:t>
+                    </m:r>
+                  </m:oMath>
+                </a14:m>
+                <a:endParaRPr lang="en-US" dirty="0"/>
+              </a:p>
+            </p:txBody>
+          </p:sp>
+        </mc:Choice>
+        <mc:Fallback>
+          <p:sp>
+            <p:nvSpPr>
+              <p:cNvPr id="3" name="Content Placeholder 2">
+                <a:extLst>
+                  <a:ext uri="{FF2B5EF4-FFF2-40B4-BE49-F238E27FC236}">
+                    <a16:creationId xmlns:a16="http://schemas.microsoft.com/office/drawing/2014/main" id="{AC01F318-F0BD-40EC-A862-22B2E2C42DF7}"/>
+                  </a:ext>
+                </a:extLst>
+              </p:cNvPr>
+              <p:cNvSpPr>
+                <a:spLocks noGrp="1" noRot="1" noChangeAspect="1" noMove="1" noResize="1" noEditPoints="1" noAdjustHandles="1" noChangeArrowheads="1" noChangeShapeType="1" noTextEdit="1"/>
+              </p:cNvSpPr>
+              <p:nvPr>
+                <p:ph idx="1"/>
+              </p:nvPr>
+            </p:nvSpPr>
+            <p:spPr>
+              <a:blipFill>
+                <a:blip r:embed="rId2"/>
+                <a:stretch>
+                  <a:fillRect l="-519"/>
+                </a:stretch>
+              </a:blipFill>
+            </p:spPr>
+            <p:txBody>
+              <a:bodyPr/>
+              <a:lstStyle/>
+              <a:p>
+                <a:r>
+                  <a:rPr lang="en-US">
+                    <a:noFill/>
+                  </a:rPr>
+                  <a:t> </a:t>
+                </a:r>
+              </a:p>
+            </p:txBody>
+          </p:sp>
+        </mc:Fallback>
+      </mc:AlternateContent>
       <p:sp>
         <p:nvSpPr>
           <p:cNvPr id="4" name="Slide Number Placeholder 3">
             <a:extLst>
               <a:ext uri="{FF2B5EF4-FFF2-40B4-BE49-F238E27FC236}">
-                <a16:creationId xmlns:a16="http://schemas.microsoft.com/office/drawing/2014/main" id="{5B2F18BF-5B09-4E60-B9C8-B2CB4FDDC4E7}"/>
+                <a16:creationId xmlns:a16="http://schemas.microsoft.com/office/drawing/2014/main" id="{C8CABCE4-7650-4F80-969D-69B716C78934}"/>
               </a:ext>
             </a:extLst>
           </p:cNvPr>
@@ -4712,7 +6658,7 @@
           <p:cNvPr id="5" name="Date Placeholder 4">
             <a:extLst>
               <a:ext uri="{FF2B5EF4-FFF2-40B4-BE49-F238E27FC236}">
-                <a16:creationId xmlns:a16="http://schemas.microsoft.com/office/drawing/2014/main" id="{0DD43608-4BA4-4C6B-8656-96AB45B7CD40}"/>
+                <a16:creationId xmlns:a16="http://schemas.microsoft.com/office/drawing/2014/main" id="{E01EEE29-8601-4CA0-8971-E28C1793164E}"/>
               </a:ext>
             </a:extLst>
           </p:cNvPr>
@@ -4742,7 +6688,7 @@
     </p:spTree>
     <p:extLst>
       <p:ext uri="{BB962C8B-B14F-4D97-AF65-F5344CB8AC3E}">
-        <p14:creationId xmlns:p14="http://schemas.microsoft.com/office/powerpoint/2010/main" val="2789951459"/>
+        <p14:creationId xmlns:p14="http://schemas.microsoft.com/office/powerpoint/2010/main" val="2783352730"/>
       </p:ext>
     </p:extLst>
   </p:cSld>
@@ -4771,7 +6717,13 @@
       </p:grpSpPr>
       <p:sp>
         <p:nvSpPr>
-          <p:cNvPr id="2" name="Title 1"/>
+          <p:cNvPr id="2" name="Title 1">
+            <a:extLst>
+              <a:ext uri="{FF2B5EF4-FFF2-40B4-BE49-F238E27FC236}">
+                <a16:creationId xmlns:a16="http://schemas.microsoft.com/office/drawing/2014/main" id="{578E166C-68B2-40F6-B0B4-3F1D383E7543}"/>
+              </a:ext>
+            </a:extLst>
+          </p:cNvPr>
           <p:cNvSpPr>
             <a:spLocks noGrp="1"/>
           </p:cNvSpPr>
@@ -4784,89 +6736,505 @@
           <a:bodyPr/>
           <a:lstStyle/>
           <a:p>
-            <a:endParaRPr lang="tr-TR"/>
+            <a:r>
+              <a:rPr lang="tr-TR" dirty="0" err="1"/>
+              <a:t>Optimization</a:t>
+            </a:r>
+            <a:r>
+              <a:rPr lang="tr-TR" dirty="0"/>
+              <a:t>: </a:t>
+            </a:r>
+            <a:r>
+              <a:rPr lang="tr-TR" dirty="0" err="1"/>
+              <a:t>Penalty</a:t>
+            </a:r>
+            <a:r>
+              <a:rPr lang="tr-TR" dirty="0"/>
+              <a:t> </a:t>
+            </a:r>
+            <a:r>
+              <a:rPr lang="tr-TR" dirty="0" err="1"/>
+              <a:t>Function</a:t>
+            </a:r>
+            <a:endParaRPr lang="en-US" dirty="0"/>
           </a:p>
         </p:txBody>
       </p:sp>
+      <mc:AlternateContent xmlns:mc="http://schemas.openxmlformats.org/markup-compatibility/2006">
+        <mc:Choice xmlns:a14="http://schemas.microsoft.com/office/drawing/2010/main" Requires="a14">
+          <p:sp>
+            <p:nvSpPr>
+              <p:cNvPr id="3" name="Content Placeholder 2">
+                <a:extLst>
+                  <a:ext uri="{FF2B5EF4-FFF2-40B4-BE49-F238E27FC236}">
+                    <a16:creationId xmlns:a16="http://schemas.microsoft.com/office/drawing/2014/main" id="{5A099A23-9E89-4A4A-AD24-37A4E50A8A65}"/>
+                  </a:ext>
+                </a:extLst>
+              </p:cNvPr>
+              <p:cNvSpPr>
+                <a:spLocks noGrp="1"/>
+              </p:cNvSpPr>
+              <p:nvPr>
+                <p:ph idx="1"/>
+              </p:nvPr>
+            </p:nvSpPr>
+            <p:spPr/>
+            <p:txBody>
+              <a:bodyPr/>
+              <a:lstStyle/>
+              <a:p>
+                <a:pPr marL="342900" indent="-342900">
+                  <a:buFont typeface="Arial" panose="020B0604020202020204" pitchFamily="34" charset="0"/>
+                  <a:buChar char="•"/>
+                </a:pPr>
+                <a:endParaRPr lang="tr-TR" dirty="0"/>
+              </a:p>
+              <a:p>
+                <a:pPr marL="342900" indent="-342900">
+                  <a:buFont typeface="Arial" panose="020B0604020202020204" pitchFamily="34" charset="0"/>
+                  <a:buChar char="•"/>
+                </a:pPr>
+                <a:r>
+                  <a:rPr lang="en-US" dirty="0"/>
+                  <a:t>SCR should not be less than 0.8</a:t>
+                </a:r>
+              </a:p>
+              <a:p>
+                <a:endParaRPr lang="en-US" dirty="0"/>
+              </a:p>
+              <a:p>
+                <a:pPr marL="342900" indent="-342900">
+                  <a:buFont typeface="Arial" panose="020B0604020202020204" pitchFamily="34" charset="0"/>
+                  <a:buChar char="•"/>
+                </a:pPr>
+                <a:r>
+                  <a:rPr lang="en-US" dirty="0"/>
+                  <a:t>Hence</a:t>
+                </a:r>
+              </a:p>
+              <a:p>
+                <a:pPr marL="982663" lvl="1" indent="-342900"/>
+                <a14:m>
+                  <m:oMath xmlns:m="http://schemas.openxmlformats.org/officeDocument/2006/math">
+                    <m:r>
+                      <a:rPr lang="en-US" i="1" dirty="0" smtClean="0">
+                        <a:latin typeface="Cambria Math" panose="02040503050406030204" pitchFamily="18" charset="0"/>
+                      </a:rPr>
+                      <m:t>𝑝</m:t>
+                    </m:r>
+                    <m:r>
+                      <a:rPr lang="en-US" i="1" dirty="0" smtClean="0">
+                        <a:latin typeface="Cambria Math" panose="02040503050406030204" pitchFamily="18" charset="0"/>
+                      </a:rPr>
+                      <m:t>(</m:t>
+                    </m:r>
+                    <m:r>
+                      <a:rPr lang="en-US" i="1" dirty="0" smtClean="0">
+                        <a:latin typeface="Cambria Math" panose="02040503050406030204" pitchFamily="18" charset="0"/>
+                      </a:rPr>
+                      <m:t>𝑘</m:t>
+                    </m:r>
+                    <m:r>
+                      <a:rPr lang="en-US" i="1" dirty="0" smtClean="0">
+                        <a:latin typeface="Cambria Math" panose="02040503050406030204" pitchFamily="18" charset="0"/>
+                      </a:rPr>
+                      <m:t>,</m:t>
+                    </m:r>
+                    <m:r>
+                      <a:rPr lang="en-US" i="1" dirty="0" smtClean="0">
+                        <a:latin typeface="Cambria Math" panose="02040503050406030204" pitchFamily="18" charset="0"/>
+                      </a:rPr>
+                      <m:t>𝑔</m:t>
+                    </m:r>
+                    <m:r>
+                      <a:rPr lang="en-US" i="1" dirty="0" smtClean="0">
+                        <a:latin typeface="Cambria Math" panose="02040503050406030204" pitchFamily="18" charset="0"/>
+                      </a:rPr>
+                      <m:t>,</m:t>
+                    </m:r>
+                    <m:sSub>
+                      <m:sSubPr>
+                        <m:ctrlPr>
+                          <a:rPr lang="en-US" i="1" dirty="0" smtClean="0">
+                            <a:latin typeface="Cambria Math" panose="02040503050406030204" pitchFamily="18" charset="0"/>
+                          </a:rPr>
+                        </m:ctrlPr>
+                      </m:sSubPr>
+                      <m:e>
+                        <m:r>
+                          <a:rPr lang="en-US" i="1" dirty="0" smtClean="0">
+                            <a:latin typeface="Cambria Math" panose="02040503050406030204" pitchFamily="18" charset="0"/>
+                          </a:rPr>
+                          <m:t>𝐿</m:t>
+                        </m:r>
+                      </m:e>
+                      <m:sub>
+                        <m:r>
+                          <a:rPr lang="en-US" i="1" dirty="0" smtClean="0">
+                            <a:latin typeface="Cambria Math" panose="02040503050406030204" pitchFamily="18" charset="0"/>
+                          </a:rPr>
+                          <m:t>𝑠</m:t>
+                        </m:r>
+                      </m:sub>
+                    </m:sSub>
+                    <m:r>
+                      <a:rPr lang="en-US" i="1" dirty="0" smtClean="0">
+                        <a:latin typeface="Cambria Math" panose="02040503050406030204" pitchFamily="18" charset="0"/>
+                      </a:rPr>
+                      <m:t>,</m:t>
+                    </m:r>
+                    <m:sSub>
+                      <m:sSubPr>
+                        <m:ctrlPr>
+                          <a:rPr lang="en-US" i="1" dirty="0" smtClean="0">
+                            <a:latin typeface="Cambria Math" panose="02040503050406030204" pitchFamily="18" charset="0"/>
+                          </a:rPr>
+                        </m:ctrlPr>
+                      </m:sSubPr>
+                      <m:e>
+                        <m:r>
+                          <a:rPr lang="en-US" i="1" dirty="0" smtClean="0">
+                            <a:latin typeface="Cambria Math" panose="02040503050406030204" pitchFamily="18" charset="0"/>
+                          </a:rPr>
+                          <m:t>𝑏</m:t>
+                        </m:r>
+                      </m:e>
+                      <m:sub>
+                        <m:r>
+                          <a:rPr lang="en-US" i="1" dirty="0" smtClean="0">
+                            <a:latin typeface="Cambria Math" panose="02040503050406030204" pitchFamily="18" charset="0"/>
+                          </a:rPr>
+                          <m:t>2</m:t>
+                        </m:r>
+                      </m:sub>
+                    </m:sSub>
+                    <m:r>
+                      <a:rPr lang="en-US" i="1" dirty="0" smtClean="0">
+                        <a:latin typeface="Cambria Math" panose="02040503050406030204" pitchFamily="18" charset="0"/>
+                      </a:rPr>
+                      <m:t>,</m:t>
+                    </m:r>
+                    <m:sSub>
+                      <m:sSubPr>
+                        <m:ctrlPr>
+                          <a:rPr lang="en-US" i="1" dirty="0" smtClean="0">
+                            <a:latin typeface="Cambria Math" panose="02040503050406030204" pitchFamily="18" charset="0"/>
+                          </a:rPr>
+                        </m:ctrlPr>
+                      </m:sSubPr>
+                      <m:e>
+                        <m:r>
+                          <a:rPr lang="en-US" i="1" dirty="0" smtClean="0">
+                            <a:latin typeface="Cambria Math" panose="02040503050406030204" pitchFamily="18" charset="0"/>
+                          </a:rPr>
+                          <m:t>h</m:t>
+                        </m:r>
+                      </m:e>
+                      <m:sub>
+                        <m:r>
+                          <a:rPr lang="en-US" i="1" dirty="0" smtClean="0">
+                            <a:latin typeface="Cambria Math" panose="02040503050406030204" pitchFamily="18" charset="0"/>
+                          </a:rPr>
+                          <m:t>2</m:t>
+                        </m:r>
+                      </m:sub>
+                    </m:sSub>
+                    <m:r>
+                      <a:rPr lang="en-US" i="1" dirty="0" smtClean="0">
+                        <a:latin typeface="Cambria Math" panose="02040503050406030204" pitchFamily="18" charset="0"/>
+                      </a:rPr>
+                      <m:t>,</m:t>
+                    </m:r>
+                    <m:r>
+                      <a:rPr lang="en-US" i="1" dirty="0" smtClean="0">
+                        <a:latin typeface="Cambria Math" panose="02040503050406030204" pitchFamily="18" charset="0"/>
+                      </a:rPr>
+                      <m:t>𝑄</m:t>
+                    </m:r>
+                    <m:r>
+                      <a:rPr lang="en-US" i="1" dirty="0" smtClean="0">
+                        <a:latin typeface="Cambria Math" panose="02040503050406030204" pitchFamily="18" charset="0"/>
+                      </a:rPr>
+                      <m:t>)=</m:t>
+                    </m:r>
+                    <m:d>
+                      <m:dPr>
+                        <m:begChr m:val="{"/>
+                        <m:endChr m:val=""/>
+                        <m:ctrlPr>
+                          <a:rPr lang="en-US" i="1" dirty="0" smtClean="0">
+                            <a:latin typeface="Cambria Math" panose="02040503050406030204" pitchFamily="18" charset="0"/>
+                          </a:rPr>
+                        </m:ctrlPr>
+                      </m:dPr>
+                      <m:e>
+                        <m:eqArr>
+                          <m:eqArrPr>
+                            <m:ctrlPr>
+                              <a:rPr lang="en-US" i="1" dirty="0" smtClean="0">
+                                <a:latin typeface="Cambria Math" panose="02040503050406030204" pitchFamily="18" charset="0"/>
+                              </a:rPr>
+                            </m:ctrlPr>
+                          </m:eqArrPr>
+                          <m:e>
+                            <m:r>
+                              <a:rPr lang="en-US" i="1" dirty="0" smtClean="0">
+                                <a:latin typeface="Cambria Math" panose="02040503050406030204" pitchFamily="18" charset="0"/>
+                              </a:rPr>
+                              <m:t>𝐴</m:t>
+                            </m:r>
+                            <m:sSup>
+                              <m:sSupPr>
+                                <m:ctrlPr>
+                                  <a:rPr lang="en-US" i="1" dirty="0" smtClean="0">
+                                    <a:latin typeface="Cambria Math" panose="02040503050406030204" pitchFamily="18" charset="0"/>
+                                  </a:rPr>
+                                </m:ctrlPr>
+                              </m:sSupPr>
+                              <m:e>
+                                <m:d>
+                                  <m:dPr>
+                                    <m:ctrlPr>
+                                      <a:rPr lang="en-US" i="1" dirty="0" smtClean="0">
+                                        <a:latin typeface="Cambria Math" panose="02040503050406030204" pitchFamily="18" charset="0"/>
+                                      </a:rPr>
+                                    </m:ctrlPr>
+                                  </m:dPr>
+                                  <m:e>
+                                    <m:f>
+                                      <m:fPr>
+                                        <m:ctrlPr>
+                                          <a:rPr lang="en-US" i="1" dirty="0" smtClean="0">
+                                            <a:latin typeface="Cambria Math" panose="02040503050406030204" pitchFamily="18" charset="0"/>
+                                          </a:rPr>
+                                        </m:ctrlPr>
+                                      </m:fPr>
+                                      <m:num>
+                                        <m:r>
+                                          <a:rPr lang="en-US" i="1" dirty="0" smtClean="0">
+                                            <a:latin typeface="Cambria Math" panose="02040503050406030204" pitchFamily="18" charset="0"/>
+                                          </a:rPr>
+                                          <m:t>1</m:t>
+                                        </m:r>
+                                      </m:num>
+                                      <m:den>
+                                        <m:r>
+                                          <a:rPr lang="en-US" i="1" dirty="0" smtClean="0">
+                                            <a:latin typeface="Cambria Math" panose="02040503050406030204" pitchFamily="18" charset="0"/>
+                                          </a:rPr>
+                                          <m:t>𝑆𝐶𝑅</m:t>
+                                        </m:r>
+                                      </m:den>
+                                    </m:f>
+                                  </m:e>
+                                </m:d>
+                              </m:e>
+                              <m:sup>
+                                <m:r>
+                                  <a:rPr lang="en-US" i="1" dirty="0" smtClean="0">
+                                    <a:latin typeface="Cambria Math" panose="02040503050406030204" pitchFamily="18" charset="0"/>
+                                  </a:rPr>
+                                  <m:t>4</m:t>
+                                </m:r>
+                              </m:sup>
+                            </m:sSup>
+                            <m:r>
+                              <a:rPr lang="en-US" i="1" dirty="0" smtClean="0">
+                                <a:latin typeface="Cambria Math" panose="02040503050406030204" pitchFamily="18" charset="0"/>
+                              </a:rPr>
+                              <m:t>=</m:t>
+                            </m:r>
+                            <m:r>
+                              <a:rPr lang="en-US" i="1" dirty="0" smtClean="0">
+                                <a:latin typeface="Cambria Math" panose="02040503050406030204" pitchFamily="18" charset="0"/>
+                              </a:rPr>
+                              <m:t>𝐴</m:t>
+                            </m:r>
+                            <m:sSup>
+                              <m:sSupPr>
+                                <m:ctrlPr>
+                                  <a:rPr lang="en-US" i="1" dirty="0" smtClean="0">
+                                    <a:latin typeface="Cambria Math" panose="02040503050406030204" pitchFamily="18" charset="0"/>
+                                  </a:rPr>
+                                </m:ctrlPr>
+                              </m:sSupPr>
+                              <m:e>
+                                <m:d>
+                                  <m:dPr>
+                                    <m:ctrlPr>
+                                      <a:rPr lang="en-US" i="1" dirty="0" smtClean="0">
+                                        <a:latin typeface="Cambria Math" panose="02040503050406030204" pitchFamily="18" charset="0"/>
+                                      </a:rPr>
+                                    </m:ctrlPr>
+                                  </m:dPr>
+                                  <m:e>
+                                    <m:sSub>
+                                      <m:sSubPr>
+                                        <m:ctrlPr>
+                                          <a:rPr lang="en-US" i="1" dirty="0" smtClean="0">
+                                            <a:latin typeface="Cambria Math" panose="02040503050406030204" pitchFamily="18" charset="0"/>
+                                          </a:rPr>
+                                        </m:ctrlPr>
+                                      </m:sSubPr>
+                                      <m:e>
+                                        <m:r>
+                                          <a:rPr lang="en-US" i="1" dirty="0" smtClean="0">
+                                            <a:latin typeface="Cambria Math" panose="02040503050406030204" pitchFamily="18" charset="0"/>
+                                          </a:rPr>
+                                          <m:t>𝑋</m:t>
+                                        </m:r>
+                                      </m:e>
+                                      <m:sub>
+                                        <m:r>
+                                          <a:rPr lang="en-US" i="1" dirty="0" smtClean="0">
+                                            <a:latin typeface="Cambria Math" panose="02040503050406030204" pitchFamily="18" charset="0"/>
+                                          </a:rPr>
+                                          <m:t>𝑑</m:t>
+                                        </m:r>
+                                        <m:r>
+                                          <a:rPr lang="en-US" i="1" dirty="0" smtClean="0">
+                                            <a:latin typeface="Cambria Math" panose="02040503050406030204" pitchFamily="18" charset="0"/>
+                                          </a:rPr>
+                                          <m:t>,</m:t>
+                                        </m:r>
+                                        <m:r>
+                                          <a:rPr lang="en-US" i="1" dirty="0" smtClean="0">
+                                            <a:latin typeface="Cambria Math" panose="02040503050406030204" pitchFamily="18" charset="0"/>
+                                          </a:rPr>
+                                          <m:t>𝑝𝑢</m:t>
+                                        </m:r>
+                                      </m:sub>
+                                    </m:sSub>
+                                  </m:e>
+                                </m:d>
+                              </m:e>
+                              <m:sup>
+                                <m:r>
+                                  <a:rPr lang="en-US" i="1" dirty="0" smtClean="0">
+                                    <a:latin typeface="Cambria Math" panose="02040503050406030204" pitchFamily="18" charset="0"/>
+                                  </a:rPr>
+                                  <m:t>4</m:t>
+                                </m:r>
+                              </m:sup>
+                            </m:sSup>
+                            <m:r>
+                              <a:rPr lang="en-US" i="1" dirty="0" smtClean="0">
+                                <a:latin typeface="Cambria Math" panose="02040503050406030204" pitchFamily="18" charset="0"/>
+                              </a:rPr>
+                              <m:t>,     </m:t>
+                            </m:r>
+                            <m:r>
+                              <a:rPr lang="en-US" i="1" dirty="0" smtClean="0">
+                                <a:latin typeface="Cambria Math" panose="02040503050406030204" pitchFamily="18" charset="0"/>
+                              </a:rPr>
+                              <m:t>𝑖𝑓</m:t>
+                            </m:r>
+                            <m:r>
+                              <a:rPr lang="en-US" i="1" dirty="0" smtClean="0">
+                                <a:latin typeface="Cambria Math" panose="02040503050406030204" pitchFamily="18" charset="0"/>
+                              </a:rPr>
+                              <m:t> </m:t>
+                            </m:r>
+                            <m:r>
+                              <a:rPr lang="en-US" i="1" dirty="0" smtClean="0">
+                                <a:latin typeface="Cambria Math" panose="02040503050406030204" pitchFamily="18" charset="0"/>
+                              </a:rPr>
+                              <m:t>𝑆𝐶𝑅</m:t>
+                            </m:r>
+                            <m:r>
+                              <a:rPr lang="en-US" i="1" dirty="0" smtClean="0">
+                                <a:latin typeface="Cambria Math" panose="02040503050406030204" pitchFamily="18" charset="0"/>
+                              </a:rPr>
+                              <m:t>&lt;0.8</m:t>
+                            </m:r>
+                          </m:e>
+                          <m:e>
+                            <m:r>
+                              <a:rPr lang="en-US" i="1" dirty="0" smtClean="0">
+                                <a:latin typeface="Cambria Math" panose="02040503050406030204" pitchFamily="18" charset="0"/>
+                              </a:rPr>
+                              <m:t>0,   </m:t>
+                            </m:r>
+                            <m:r>
+                              <a:rPr lang="en-US" i="1" dirty="0" smtClean="0">
+                                <a:latin typeface="Cambria Math" panose="02040503050406030204" pitchFamily="18" charset="0"/>
+                              </a:rPr>
+                              <m:t>𝑜𝑡h𝑒𝑟𝑤𝑖𝑠𝑒</m:t>
+                            </m:r>
+                          </m:e>
+                        </m:eqArr>
+                      </m:e>
+                    </m:d>
+                  </m:oMath>
+                </a14:m>
+                <a:endParaRPr lang="en-US" dirty="0"/>
+              </a:p>
+              <a:p>
+                <a:pPr marL="982663" lvl="1" indent="-342900"/>
+                <a:r>
+                  <a:rPr lang="en-US" dirty="0"/>
+                  <a:t>where A is a very large number compared to initial cost</a:t>
+                </a:r>
+              </a:p>
+              <a:p>
+                <a:pPr marL="342900" indent="-342900">
+                  <a:buFont typeface="Arial" panose="020B0604020202020204" pitchFamily="34" charset="0"/>
+                  <a:buChar char="•"/>
+                </a:pPr>
+                <a:endParaRPr lang="en-US" dirty="0"/>
+              </a:p>
+            </p:txBody>
+          </p:sp>
+        </mc:Choice>
+        <mc:Fallback>
+          <p:sp>
+            <p:nvSpPr>
+              <p:cNvPr id="3" name="Content Placeholder 2">
+                <a:extLst>
+                  <a:ext uri="{FF2B5EF4-FFF2-40B4-BE49-F238E27FC236}">
+                    <a16:creationId xmlns:a16="http://schemas.microsoft.com/office/drawing/2014/main" id="{5A099A23-9E89-4A4A-AD24-37A4E50A8A65}"/>
+                  </a:ext>
+                </a:extLst>
+              </p:cNvPr>
+              <p:cNvSpPr>
+                <a:spLocks noGrp="1" noRot="1" noChangeAspect="1" noMove="1" noResize="1" noEditPoints="1" noAdjustHandles="1" noChangeArrowheads="1" noChangeShapeType="1" noTextEdit="1"/>
+              </p:cNvSpPr>
+              <p:nvPr>
+                <p:ph idx="1"/>
+              </p:nvPr>
+            </p:nvSpPr>
+            <p:spPr>
+              <a:blipFill>
+                <a:blip r:embed="rId2"/>
+                <a:stretch>
+                  <a:fillRect l="-519"/>
+                </a:stretch>
+              </a:blipFill>
+            </p:spPr>
+            <p:txBody>
+              <a:bodyPr/>
+              <a:lstStyle/>
+              <a:p>
+                <a:r>
+                  <a:rPr lang="en-US">
+                    <a:noFill/>
+                  </a:rPr>
+                  <a:t> </a:t>
+                </a:r>
+              </a:p>
+            </p:txBody>
+          </p:sp>
+        </mc:Fallback>
+      </mc:AlternateContent>
       <p:sp>
         <p:nvSpPr>
-          <p:cNvPr id="3" name="Text Placeholder 2"/>
-          <p:cNvSpPr>
-            <a:spLocks noGrp="1"/>
-          </p:cNvSpPr>
-          <p:nvPr>
-            <p:ph type="body" idx="1"/>
-          </p:nvPr>
-        </p:nvSpPr>
-        <p:spPr/>
-        <p:txBody>
-          <a:bodyPr/>
-          <a:lstStyle/>
-          <a:p>
-            <a:endParaRPr lang="tr-TR"/>
-          </a:p>
-        </p:txBody>
-      </p:sp>
-      <p:sp>
-        <p:nvSpPr>
-          <p:cNvPr id="4" name="Text Placeholder 3"/>
-          <p:cNvSpPr>
-            <a:spLocks noGrp="1"/>
-          </p:cNvSpPr>
-          <p:nvPr>
-            <p:ph type="body" sz="half" idx="3"/>
-          </p:nvPr>
-        </p:nvSpPr>
-        <p:spPr/>
-        <p:txBody>
-          <a:bodyPr/>
-          <a:lstStyle/>
-          <a:p>
-            <a:endParaRPr lang="tr-TR"/>
-          </a:p>
-        </p:txBody>
-      </p:sp>
-      <p:sp>
-        <p:nvSpPr>
-          <p:cNvPr id="5" name="Content Placeholder 4"/>
-          <p:cNvSpPr>
-            <a:spLocks noGrp="1"/>
-          </p:cNvSpPr>
-          <p:nvPr>
-            <p:ph sz="quarter" idx="2"/>
-          </p:nvPr>
-        </p:nvSpPr>
-        <p:spPr/>
-        <p:txBody>
-          <a:bodyPr/>
-          <a:lstStyle/>
-          <a:p>
-            <a:endParaRPr lang="tr-TR"/>
-          </a:p>
-        </p:txBody>
-      </p:sp>
-      <p:sp>
-        <p:nvSpPr>
-          <p:cNvPr id="6" name="Content Placeholder 5"/>
-          <p:cNvSpPr>
-            <a:spLocks noGrp="1"/>
-          </p:cNvSpPr>
-          <p:nvPr>
-            <p:ph sz="quarter" idx="4"/>
-          </p:nvPr>
-        </p:nvSpPr>
-        <p:spPr/>
-        <p:txBody>
-          <a:bodyPr/>
-          <a:lstStyle/>
-          <a:p>
-            <a:endParaRPr lang="tr-TR"/>
-          </a:p>
-        </p:txBody>
-      </p:sp>
-      <p:sp>
-        <p:nvSpPr>
-          <p:cNvPr id="7" name="Slide Number Placeholder 6"/>
+          <p:cNvPr id="4" name="Slide Number Placeholder 3">
+            <a:extLst>
+              <a:ext uri="{FF2B5EF4-FFF2-40B4-BE49-F238E27FC236}">
+                <a16:creationId xmlns:a16="http://schemas.microsoft.com/office/drawing/2014/main" id="{E7908DD5-4F53-4240-B334-F05FD5F023D4}"/>
+              </a:ext>
+            </a:extLst>
+          </p:cNvPr>
           <p:cNvSpPr>
             <a:spLocks noGrp="1"/>
           </p:cNvSpPr>
@@ -4882,25 +7250,31 @@
             <a:pPr>
               <a:defRPr/>
             </a:pPr>
-            <a:fld id="{B5012164-718A-4733-A653-425A1A482A4D}" type="slidenum">
+            <a:fld id="{C878F797-6006-4DDA-AFE9-456F280FE6C5}" type="slidenum">
               <a:rPr lang="en-US" smtClean="0"/>
               <a:pPr>
                 <a:defRPr/>
               </a:pPr>
               <a:t>13</a:t>
             </a:fld>
-            <a:endParaRPr lang="en-US"/>
+            <a:endParaRPr lang="en-US" dirty="0"/>
           </a:p>
         </p:txBody>
       </p:sp>
       <p:sp>
         <p:nvSpPr>
-          <p:cNvPr id="8" name="Date Placeholder 7"/>
+          <p:cNvPr id="5" name="Date Placeholder 4">
+            <a:extLst>
+              <a:ext uri="{FF2B5EF4-FFF2-40B4-BE49-F238E27FC236}">
+                <a16:creationId xmlns:a16="http://schemas.microsoft.com/office/drawing/2014/main" id="{E90E62A1-2C34-4AEB-BA4F-3DD211354D01}"/>
+              </a:ext>
+            </a:extLst>
+          </p:cNvPr>
           <p:cNvSpPr>
             <a:spLocks noGrp="1"/>
           </p:cNvSpPr>
           <p:nvPr>
-            <p:ph type="dt" sz="half" idx="13"/>
+            <p:ph type="dt" sz="half" idx="2"/>
           </p:nvPr>
         </p:nvSpPr>
         <p:spPr/>
@@ -4922,7 +7296,7 @@
     </p:spTree>
     <p:extLst>
       <p:ext uri="{BB962C8B-B14F-4D97-AF65-F5344CB8AC3E}">
-        <p14:creationId xmlns:p14="http://schemas.microsoft.com/office/powerpoint/2010/main" val="4196449028"/>
+        <p14:creationId xmlns:p14="http://schemas.microsoft.com/office/powerpoint/2010/main" val="2758762540"/>
       </p:ext>
     </p:extLst>
   </p:cSld>
@@ -4949,10 +7323,1753 @@
           <a:chExt cx="0" cy="0"/>
         </a:xfrm>
       </p:grpSpPr>
+      <p:sp>
+        <p:nvSpPr>
+          <p:cNvPr id="2" name="Title 1">
+            <a:extLst>
+              <a:ext uri="{FF2B5EF4-FFF2-40B4-BE49-F238E27FC236}">
+                <a16:creationId xmlns:a16="http://schemas.microsoft.com/office/drawing/2014/main" id="{80DB22D1-F79F-49E8-B474-4065D891D6DF}"/>
+              </a:ext>
+            </a:extLst>
+          </p:cNvPr>
+          <p:cNvSpPr>
+            <a:spLocks noGrp="1"/>
+          </p:cNvSpPr>
+          <p:nvPr>
+            <p:ph type="title"/>
+          </p:nvPr>
+        </p:nvSpPr>
+        <p:spPr/>
+        <p:txBody>
+          <a:bodyPr/>
+          <a:lstStyle/>
+          <a:p>
+            <a:r>
+              <a:rPr lang="tr-TR" dirty="0" err="1"/>
+              <a:t>Optimization</a:t>
+            </a:r>
+            <a:r>
+              <a:rPr lang="tr-TR" dirty="0"/>
+              <a:t>: </a:t>
+            </a:r>
+            <a:r>
+              <a:rPr lang="tr-TR" dirty="0" err="1"/>
+              <a:t>Results</a:t>
+            </a:r>
+            <a:endParaRPr lang="en-US" dirty="0"/>
+          </a:p>
+        </p:txBody>
+      </p:sp>
+      <p:pic>
+        <p:nvPicPr>
+          <p:cNvPr id="7" name="Content Placeholder 6">
+            <a:extLst>
+              <a:ext uri="{FF2B5EF4-FFF2-40B4-BE49-F238E27FC236}">
+                <a16:creationId xmlns:a16="http://schemas.microsoft.com/office/drawing/2014/main" id="{8C6A20B5-6B25-4EDE-8FB6-9E8A7CD6246D}"/>
+              </a:ext>
+            </a:extLst>
+          </p:cNvPr>
+          <p:cNvPicPr>
+            <a:picLocks noGrp="1" noChangeAspect="1"/>
+          </p:cNvPicPr>
+          <p:nvPr>
+            <p:ph idx="1"/>
+          </p:nvPr>
+        </p:nvPicPr>
+        <p:blipFill>
+          <a:blip r:embed="rId2">
+            <a:extLst>
+              <a:ext uri="{96DAC541-7B7A-43D3-8B79-37D633B846F1}">
+                <asvg:svgBlip xmlns:asvg="http://schemas.microsoft.com/office/drawing/2016/SVG/main" r:embed="rId3"/>
+              </a:ext>
+            </a:extLst>
+          </a:blip>
+          <a:stretch>
+            <a:fillRect/>
+          </a:stretch>
+        </p:blipFill>
+        <p:spPr>
+          <a:xfrm>
+            <a:off x="166167" y="1714500"/>
+            <a:ext cx="8811666" cy="4419600"/>
+          </a:xfrm>
+        </p:spPr>
+      </p:pic>
+      <p:sp>
+        <p:nvSpPr>
+          <p:cNvPr id="4" name="Slide Number Placeholder 3">
+            <a:extLst>
+              <a:ext uri="{FF2B5EF4-FFF2-40B4-BE49-F238E27FC236}">
+                <a16:creationId xmlns:a16="http://schemas.microsoft.com/office/drawing/2014/main" id="{FA04AEF4-7FAC-4518-B190-2E05FE9FE050}"/>
+              </a:ext>
+            </a:extLst>
+          </p:cNvPr>
+          <p:cNvSpPr>
+            <a:spLocks noGrp="1"/>
+          </p:cNvSpPr>
+          <p:nvPr>
+            <p:ph type="sldNum" sz="quarter" idx="12"/>
+          </p:nvPr>
+        </p:nvSpPr>
+        <p:spPr/>
+        <p:txBody>
+          <a:bodyPr/>
+          <a:lstStyle/>
+          <a:p>
+            <a:pPr>
+              <a:defRPr/>
+            </a:pPr>
+            <a:fld id="{C878F797-6006-4DDA-AFE9-456F280FE6C5}" type="slidenum">
+              <a:rPr lang="en-US" smtClean="0"/>
+              <a:pPr>
+                <a:defRPr/>
+              </a:pPr>
+              <a:t>14</a:t>
+            </a:fld>
+            <a:endParaRPr lang="en-US" dirty="0"/>
+          </a:p>
+        </p:txBody>
+      </p:sp>
+      <p:sp>
+        <p:nvSpPr>
+          <p:cNvPr id="5" name="Date Placeholder 4">
+            <a:extLst>
+              <a:ext uri="{FF2B5EF4-FFF2-40B4-BE49-F238E27FC236}">
+                <a16:creationId xmlns:a16="http://schemas.microsoft.com/office/drawing/2014/main" id="{A2A135CD-411F-4FC1-A2EF-A8064E142E58}"/>
+              </a:ext>
+            </a:extLst>
+          </p:cNvPr>
+          <p:cNvSpPr>
+            <a:spLocks noGrp="1"/>
+          </p:cNvSpPr>
+          <p:nvPr>
+            <p:ph type="dt" sz="half" idx="2"/>
+          </p:nvPr>
+        </p:nvSpPr>
+        <p:spPr/>
+        <p:txBody>
+          <a:bodyPr/>
+          <a:lstStyle/>
+          <a:p>
+            <a:pPr>
+              <a:defRPr/>
+            </a:pPr>
+            <a:r>
+              <a:rPr lang="tr-TR"/>
+              <a:t>METU Electrical &amp; Electronics Engineering Department</a:t>
+            </a:r>
+            <a:endParaRPr lang="en-US" dirty="0"/>
+          </a:p>
+        </p:txBody>
+      </p:sp>
     </p:spTree>
     <p:extLst>
       <p:ext uri="{BB962C8B-B14F-4D97-AF65-F5344CB8AC3E}">
-        <p14:creationId xmlns:p14="http://schemas.microsoft.com/office/powerpoint/2010/main" val="3835474893"/>
+        <p14:creationId xmlns:p14="http://schemas.microsoft.com/office/powerpoint/2010/main" val="938122689"/>
+      </p:ext>
+    </p:extLst>
+  </p:cSld>
+  <p:clrMapOvr>
+    <a:masterClrMapping/>
+  </p:clrMapOvr>
+</p:sld>
+</file>
+
+<file path=ppt/slides/slide15.xml><?xml version="1.0" encoding="utf-8"?>
+<p:sld xmlns:a="http://schemas.openxmlformats.org/drawingml/2006/main" xmlns:r="http://schemas.openxmlformats.org/officeDocument/2006/relationships" xmlns:p="http://schemas.openxmlformats.org/presentationml/2006/main" show="0">
+  <p:cSld>
+    <p:spTree>
+      <p:nvGrpSpPr>
+        <p:cNvPr id="1" name=""/>
+        <p:cNvGrpSpPr/>
+        <p:nvPr/>
+      </p:nvGrpSpPr>
+      <p:grpSpPr>
+        <a:xfrm>
+          <a:off x="0" y="0"/>
+          <a:ext cx="0" cy="0"/>
+          <a:chOff x="0" y="0"/>
+          <a:chExt cx="0" cy="0"/>
+        </a:xfrm>
+      </p:grpSpPr>
+      <p:sp>
+        <p:nvSpPr>
+          <p:cNvPr id="2" name="Title 1">
+            <a:extLst>
+              <a:ext uri="{FF2B5EF4-FFF2-40B4-BE49-F238E27FC236}">
+                <a16:creationId xmlns:a16="http://schemas.microsoft.com/office/drawing/2014/main" id="{7F46F92B-2489-4392-A1C5-38CB1523C9BF}"/>
+              </a:ext>
+            </a:extLst>
+          </p:cNvPr>
+          <p:cNvSpPr>
+            <a:spLocks noGrp="1"/>
+          </p:cNvSpPr>
+          <p:nvPr>
+            <p:ph type="title"/>
+          </p:nvPr>
+        </p:nvSpPr>
+        <p:spPr/>
+        <p:txBody>
+          <a:bodyPr/>
+          <a:lstStyle/>
+          <a:p>
+            <a:r>
+              <a:rPr lang="tr-TR" dirty="0"/>
+              <a:t>Design </a:t>
+            </a:r>
+            <a:r>
+              <a:rPr lang="tr-TR" dirty="0" err="1"/>
+              <a:t>Methodology</a:t>
+            </a:r>
+            <a:endParaRPr lang="en-US" dirty="0"/>
+          </a:p>
+        </p:txBody>
+      </p:sp>
+      <p:sp>
+        <p:nvSpPr>
+          <p:cNvPr id="4" name="Slide Number Placeholder 3">
+            <a:extLst>
+              <a:ext uri="{FF2B5EF4-FFF2-40B4-BE49-F238E27FC236}">
+                <a16:creationId xmlns:a16="http://schemas.microsoft.com/office/drawing/2014/main" id="{A86FD0A2-75D7-4422-B235-B15A2BA5A538}"/>
+              </a:ext>
+            </a:extLst>
+          </p:cNvPr>
+          <p:cNvSpPr>
+            <a:spLocks noGrp="1"/>
+          </p:cNvSpPr>
+          <p:nvPr>
+            <p:ph type="sldNum" sz="quarter" idx="12"/>
+          </p:nvPr>
+        </p:nvSpPr>
+        <p:spPr/>
+        <p:txBody>
+          <a:bodyPr/>
+          <a:lstStyle/>
+          <a:p>
+            <a:pPr>
+              <a:defRPr/>
+            </a:pPr>
+            <a:fld id="{C878F797-6006-4DDA-AFE9-456F280FE6C5}" type="slidenum">
+              <a:rPr lang="en-US" smtClean="0"/>
+              <a:pPr>
+                <a:defRPr/>
+              </a:pPr>
+              <a:t>15</a:t>
+            </a:fld>
+            <a:endParaRPr lang="en-US" dirty="0"/>
+          </a:p>
+        </p:txBody>
+      </p:sp>
+      <p:sp>
+        <p:nvSpPr>
+          <p:cNvPr id="5" name="Date Placeholder 4">
+            <a:extLst>
+              <a:ext uri="{FF2B5EF4-FFF2-40B4-BE49-F238E27FC236}">
+                <a16:creationId xmlns:a16="http://schemas.microsoft.com/office/drawing/2014/main" id="{A9696DD5-9F64-4471-8B2F-63FEA8EFF7A6}"/>
+              </a:ext>
+            </a:extLst>
+          </p:cNvPr>
+          <p:cNvSpPr>
+            <a:spLocks noGrp="1"/>
+          </p:cNvSpPr>
+          <p:nvPr>
+            <p:ph type="dt" sz="half" idx="2"/>
+          </p:nvPr>
+        </p:nvSpPr>
+        <p:spPr/>
+        <p:txBody>
+          <a:bodyPr/>
+          <a:lstStyle/>
+          <a:p>
+            <a:pPr>
+              <a:defRPr/>
+            </a:pPr>
+            <a:r>
+              <a:rPr lang="tr-TR"/>
+              <a:t>METU Electrical &amp; Electronics Engineering Department</a:t>
+            </a:r>
+            <a:endParaRPr lang="en-US" dirty="0"/>
+          </a:p>
+        </p:txBody>
+      </p:sp>
+      <p:pic>
+        <p:nvPicPr>
+          <p:cNvPr id="29" name="Picture 28">
+            <a:extLst>
+              <a:ext uri="{FF2B5EF4-FFF2-40B4-BE49-F238E27FC236}">
+                <a16:creationId xmlns:a16="http://schemas.microsoft.com/office/drawing/2014/main" id="{4DD894D6-034A-408B-9AC5-E08311AFE99E}"/>
+              </a:ext>
+            </a:extLst>
+          </p:cNvPr>
+          <p:cNvPicPr>
+            <a:picLocks noChangeAspect="1"/>
+          </p:cNvPicPr>
+          <p:nvPr/>
+        </p:nvPicPr>
+        <p:blipFill>
+          <a:blip r:embed="rId2"/>
+          <a:stretch>
+            <a:fillRect/>
+          </a:stretch>
+        </p:blipFill>
+        <p:spPr>
+          <a:xfrm>
+            <a:off x="457200" y="1488676"/>
+            <a:ext cx="3205162" cy="4699798"/>
+          </a:xfrm>
+          <a:prstGeom prst="rect">
+            <a:avLst/>
+          </a:prstGeom>
+        </p:spPr>
+      </p:pic>
+      <p:graphicFrame>
+        <p:nvGraphicFramePr>
+          <p:cNvPr id="32" name="Table 32">
+            <a:extLst>
+              <a:ext uri="{FF2B5EF4-FFF2-40B4-BE49-F238E27FC236}">
+                <a16:creationId xmlns:a16="http://schemas.microsoft.com/office/drawing/2014/main" id="{B65EBD3A-B8F7-4B85-8AAB-CDC65E0152E5}"/>
+              </a:ext>
+            </a:extLst>
+          </p:cNvPr>
+          <p:cNvGraphicFramePr>
+            <a:graphicFrameLocks noGrp="1"/>
+          </p:cNvGraphicFramePr>
+          <p:nvPr>
+            <p:extLst>
+              <p:ext uri="{D42A27DB-BD31-4B8C-83A1-F6EECF244321}">
+                <p14:modId xmlns:p14="http://schemas.microsoft.com/office/powerpoint/2010/main" val="877577266"/>
+              </p:ext>
+            </p:extLst>
+          </p:nvPr>
+        </p:nvGraphicFramePr>
+        <p:xfrm>
+          <a:off x="4138612" y="2331720"/>
+          <a:ext cx="4614863" cy="2194560"/>
+        </p:xfrm>
+        <a:graphic>
+          <a:graphicData uri="http://schemas.openxmlformats.org/drawingml/2006/table">
+            <a:tbl>
+              <a:tblPr firstRow="1" bandRow="1">
+                <a:tableStyleId>{9D7B26C5-4107-4FEC-AEDC-1716B250A1EF}</a:tableStyleId>
+              </a:tblPr>
+              <a:tblGrid>
+                <a:gridCol w="1731828">
+                  <a:extLst>
+                    <a:ext uri="{9D8B030D-6E8A-4147-A177-3AD203B41FA5}">
+                      <a16:colId xmlns:a16="http://schemas.microsoft.com/office/drawing/2014/main" val="850248834"/>
+                    </a:ext>
+                  </a:extLst>
+                </a:gridCol>
+                <a:gridCol w="2883035">
+                  <a:extLst>
+                    <a:ext uri="{9D8B030D-6E8A-4147-A177-3AD203B41FA5}">
+                      <a16:colId xmlns:a16="http://schemas.microsoft.com/office/drawing/2014/main" val="1479821567"/>
+                    </a:ext>
+                  </a:extLst>
+                </a:gridCol>
+              </a:tblGrid>
+              <a:tr h="370840">
+                <a:tc>
+                  <a:txBody>
+                    <a:bodyPr/>
+                    <a:lstStyle/>
+                    <a:p>
+                      <a:pPr algn="ctr"/>
+                      <a:r>
+                        <a:rPr lang="tr-TR" sz="2000" dirty="0" err="1">
+                          <a:latin typeface="Century Gothic" panose="020B0502020202020204" pitchFamily="34" charset="0"/>
+                        </a:rPr>
+                        <a:t>Old</a:t>
+                      </a:r>
+                      <a:r>
+                        <a:rPr lang="tr-TR" sz="2000" dirty="0">
+                          <a:latin typeface="Century Gothic" panose="020B0502020202020204" pitchFamily="34" charset="0"/>
+                        </a:rPr>
+                        <a:t> </a:t>
+                      </a:r>
+                      <a:r>
+                        <a:rPr lang="tr-TR" sz="2000" dirty="0" err="1">
+                          <a:latin typeface="Century Gothic" panose="020B0502020202020204" pitchFamily="34" charset="0"/>
+                        </a:rPr>
+                        <a:t>Generator</a:t>
+                      </a:r>
+                      <a:endParaRPr lang="en-US" sz="2000" dirty="0">
+                        <a:latin typeface="Century Gothic" panose="020B0502020202020204" pitchFamily="34" charset="0"/>
+                      </a:endParaRPr>
+                    </a:p>
+                  </a:txBody>
+                  <a:tcPr anchor="ctr"/>
+                </a:tc>
+                <a:tc>
+                  <a:txBody>
+                    <a:bodyPr/>
+                    <a:lstStyle/>
+                    <a:p>
+                      <a:pPr algn="ctr"/>
+                      <a:r>
+                        <a:rPr lang="tr-TR" sz="2000" dirty="0">
+                          <a:latin typeface="Century Gothic" panose="020B0502020202020204" pitchFamily="34" charset="0"/>
+                        </a:rPr>
+                        <a:t>Final Design</a:t>
+                      </a:r>
+                      <a:endParaRPr lang="en-US" sz="2000" dirty="0">
+                        <a:latin typeface="Century Gothic" panose="020B0502020202020204" pitchFamily="34" charset="0"/>
+                      </a:endParaRPr>
+                    </a:p>
+                  </a:txBody>
+                  <a:tcPr anchor="ctr"/>
+                </a:tc>
+                <a:extLst>
+                  <a:ext uri="{0D108BD9-81ED-4DB2-BD59-A6C34878D82A}">
+                    <a16:rowId xmlns:a16="http://schemas.microsoft.com/office/drawing/2014/main" val="2531761940"/>
+                  </a:ext>
+                </a:extLst>
+              </a:tr>
+              <a:tr h="370840">
+                <a:tc>
+                  <a:txBody>
+                    <a:bodyPr/>
+                    <a:lstStyle/>
+                    <a:p>
+                      <a:pPr algn="ctr"/>
+                      <a:r>
+                        <a:rPr lang="tr-TR" sz="2000" dirty="0">
+                          <a:latin typeface="Century Gothic" panose="020B0502020202020204" pitchFamily="34" charset="0"/>
+                        </a:rPr>
+                        <a:t>240 </a:t>
+                      </a:r>
+                      <a:r>
+                        <a:rPr lang="tr-TR" sz="2000" dirty="0" err="1">
+                          <a:latin typeface="Century Gothic" panose="020B0502020202020204" pitchFamily="34" charset="0"/>
+                        </a:rPr>
+                        <a:t>Slots</a:t>
+                      </a:r>
+                      <a:endParaRPr lang="en-US" sz="2000" dirty="0">
+                        <a:latin typeface="Century Gothic" panose="020B0502020202020204" pitchFamily="34" charset="0"/>
+                      </a:endParaRPr>
+                    </a:p>
+                  </a:txBody>
+                  <a:tcPr anchor="ctr"/>
+                </a:tc>
+                <a:tc>
+                  <a:txBody>
+                    <a:bodyPr/>
+                    <a:lstStyle/>
+                    <a:p>
+                      <a:pPr algn="ctr"/>
+                      <a:r>
+                        <a:rPr lang="tr-TR" sz="2000" dirty="0">
+                          <a:latin typeface="Century Gothic" panose="020B0502020202020204" pitchFamily="34" charset="0"/>
+                        </a:rPr>
+                        <a:t>300 </a:t>
+                      </a:r>
+                      <a:r>
+                        <a:rPr lang="tr-TR" sz="2000" dirty="0" err="1">
+                          <a:latin typeface="Century Gothic" panose="020B0502020202020204" pitchFamily="34" charset="0"/>
+                        </a:rPr>
+                        <a:t>Slots</a:t>
+                      </a:r>
+                      <a:endParaRPr lang="en-US" sz="2000" dirty="0">
+                        <a:latin typeface="Century Gothic" panose="020B0502020202020204" pitchFamily="34" charset="0"/>
+                      </a:endParaRPr>
+                    </a:p>
+                  </a:txBody>
+                  <a:tcPr anchor="ctr"/>
+                </a:tc>
+                <a:extLst>
+                  <a:ext uri="{0D108BD9-81ED-4DB2-BD59-A6C34878D82A}">
+                    <a16:rowId xmlns:a16="http://schemas.microsoft.com/office/drawing/2014/main" val="244980065"/>
+                  </a:ext>
+                </a:extLst>
+              </a:tr>
+              <a:tr h="370840">
+                <a:tc>
+                  <a:txBody>
+                    <a:bodyPr/>
+                    <a:lstStyle/>
+                    <a:p>
+                      <a:pPr algn="ctr"/>
+                      <a:r>
+                        <a:rPr lang="tr-TR" sz="2000" dirty="0">
+                          <a:latin typeface="Century Gothic" panose="020B0502020202020204" pitchFamily="34" charset="0"/>
+                        </a:rPr>
+                        <a:t>Lap </a:t>
+                      </a:r>
+                      <a:r>
+                        <a:rPr lang="tr-TR" sz="2000" dirty="0" err="1">
+                          <a:latin typeface="Century Gothic" panose="020B0502020202020204" pitchFamily="34" charset="0"/>
+                        </a:rPr>
+                        <a:t>Winding</a:t>
+                      </a:r>
+                      <a:endParaRPr lang="en-US" sz="2000" dirty="0">
+                        <a:latin typeface="Century Gothic" panose="020B0502020202020204" pitchFamily="34" charset="0"/>
+                      </a:endParaRPr>
+                    </a:p>
+                  </a:txBody>
+                  <a:tcPr anchor="ctr"/>
+                </a:tc>
+                <a:tc>
+                  <a:txBody>
+                    <a:bodyPr/>
+                    <a:lstStyle/>
+                    <a:p>
+                      <a:pPr algn="ctr"/>
+                      <a:r>
+                        <a:rPr lang="tr-TR" sz="2000" dirty="0" err="1">
+                          <a:latin typeface="Century Gothic" panose="020B0502020202020204" pitchFamily="34" charset="0"/>
+                        </a:rPr>
+                        <a:t>Wave</a:t>
+                      </a:r>
+                      <a:r>
+                        <a:rPr lang="tr-TR" sz="2000" dirty="0">
+                          <a:latin typeface="Century Gothic" panose="020B0502020202020204" pitchFamily="34" charset="0"/>
+                        </a:rPr>
+                        <a:t> </a:t>
+                      </a:r>
+                      <a:r>
+                        <a:rPr lang="tr-TR" sz="2000" dirty="0" err="1">
+                          <a:latin typeface="Century Gothic" panose="020B0502020202020204" pitchFamily="34" charset="0"/>
+                        </a:rPr>
+                        <a:t>Winding</a:t>
+                      </a:r>
+                      <a:endParaRPr lang="en-US" sz="2000" dirty="0">
+                        <a:latin typeface="Century Gothic" panose="020B0502020202020204" pitchFamily="34" charset="0"/>
+                      </a:endParaRPr>
+                    </a:p>
+                  </a:txBody>
+                  <a:tcPr anchor="ctr"/>
+                </a:tc>
+                <a:extLst>
+                  <a:ext uri="{0D108BD9-81ED-4DB2-BD59-A6C34878D82A}">
+                    <a16:rowId xmlns:a16="http://schemas.microsoft.com/office/drawing/2014/main" val="2819745736"/>
+                  </a:ext>
+                </a:extLst>
+              </a:tr>
+              <a:tr h="370840">
+                <a:tc gridSpan="2">
+                  <a:txBody>
+                    <a:bodyPr/>
+                    <a:lstStyle/>
+                    <a:p>
+                      <a:pPr algn="ctr"/>
+                      <a:r>
+                        <a:rPr lang="tr-TR" sz="2000" dirty="0" err="1">
+                          <a:latin typeface="Century Gothic" panose="020B0502020202020204" pitchFamily="34" charset="0"/>
+                        </a:rPr>
+                        <a:t>Same</a:t>
+                      </a:r>
+                      <a:r>
+                        <a:rPr lang="tr-TR" sz="2000" dirty="0">
+                          <a:latin typeface="Century Gothic" panose="020B0502020202020204" pitchFamily="34" charset="0"/>
+                        </a:rPr>
+                        <a:t> rotor </a:t>
+                      </a:r>
+                      <a:r>
+                        <a:rPr lang="tr-TR" sz="2000" dirty="0" err="1">
+                          <a:latin typeface="Century Gothic" panose="020B0502020202020204" pitchFamily="34" charset="0"/>
+                        </a:rPr>
+                        <a:t>geometry</a:t>
+                      </a:r>
+                      <a:r>
+                        <a:rPr lang="tr-TR" sz="2000" dirty="0">
+                          <a:latin typeface="Century Gothic" panose="020B0502020202020204" pitchFamily="34" charset="0"/>
+                        </a:rPr>
+                        <a:t>, </a:t>
+                      </a:r>
+                      <a:r>
+                        <a:rPr lang="tr-TR" sz="2000" dirty="0" err="1">
+                          <a:latin typeface="Century Gothic" panose="020B0502020202020204" pitchFamily="34" charset="0"/>
+                        </a:rPr>
+                        <a:t>air</a:t>
+                      </a:r>
+                      <a:r>
+                        <a:rPr lang="tr-TR" sz="2000" dirty="0">
+                          <a:latin typeface="Century Gothic" panose="020B0502020202020204" pitchFamily="34" charset="0"/>
+                        </a:rPr>
+                        <a:t> </a:t>
+                      </a:r>
+                      <a:r>
+                        <a:rPr lang="tr-TR" sz="2000" dirty="0" err="1">
+                          <a:latin typeface="Century Gothic" panose="020B0502020202020204" pitchFamily="34" charset="0"/>
+                        </a:rPr>
+                        <a:t>gap</a:t>
+                      </a:r>
+                      <a:r>
+                        <a:rPr lang="tr-TR" sz="2000" dirty="0">
+                          <a:latin typeface="Century Gothic" panose="020B0502020202020204" pitchFamily="34" charset="0"/>
+                        </a:rPr>
+                        <a:t>, </a:t>
+                      </a:r>
+                      <a:r>
+                        <a:rPr lang="tr-TR" sz="2000" dirty="0" err="1">
+                          <a:latin typeface="Century Gothic" panose="020B0502020202020204" pitchFamily="34" charset="0"/>
+                        </a:rPr>
+                        <a:t>and</a:t>
+                      </a:r>
+                      <a:r>
+                        <a:rPr lang="tr-TR" sz="2000" dirty="0">
+                          <a:latin typeface="Century Gothic" panose="020B0502020202020204" pitchFamily="34" charset="0"/>
+                        </a:rPr>
+                        <a:t> </a:t>
+                      </a:r>
+                      <a:r>
+                        <a:rPr lang="tr-TR" sz="2000" dirty="0" err="1">
+                          <a:latin typeface="Century Gothic" panose="020B0502020202020204" pitchFamily="34" charset="0"/>
+                        </a:rPr>
+                        <a:t>outer</a:t>
+                      </a:r>
+                      <a:r>
+                        <a:rPr lang="tr-TR" sz="2000" dirty="0">
+                          <a:latin typeface="Century Gothic" panose="020B0502020202020204" pitchFamily="34" charset="0"/>
+                        </a:rPr>
+                        <a:t> </a:t>
+                      </a:r>
+                      <a:r>
+                        <a:rPr lang="tr-TR" sz="2000" dirty="0" err="1">
+                          <a:latin typeface="Century Gothic" panose="020B0502020202020204" pitchFamily="34" charset="0"/>
+                        </a:rPr>
+                        <a:t>diameter</a:t>
+                      </a:r>
+                      <a:endParaRPr lang="en-US" sz="2000" dirty="0">
+                        <a:latin typeface="Century Gothic" panose="020B0502020202020204" pitchFamily="34" charset="0"/>
+                      </a:endParaRPr>
+                    </a:p>
+                  </a:txBody>
+                  <a:tcPr anchor="ctr"/>
+                </a:tc>
+                <a:tc hMerge="1">
+                  <a:txBody>
+                    <a:bodyPr/>
+                    <a:lstStyle/>
+                    <a:p>
+                      <a:endParaRPr lang="en-US" dirty="0"/>
+                    </a:p>
+                  </a:txBody>
+                  <a:tcPr/>
+                </a:tc>
+                <a:extLst>
+                  <a:ext uri="{0D108BD9-81ED-4DB2-BD59-A6C34878D82A}">
+                    <a16:rowId xmlns:a16="http://schemas.microsoft.com/office/drawing/2014/main" val="3925597033"/>
+                  </a:ext>
+                </a:extLst>
+              </a:tr>
+            </a:tbl>
+          </a:graphicData>
+        </a:graphic>
+      </p:graphicFrame>
+    </p:spTree>
+    <p:extLst>
+      <p:ext uri="{BB962C8B-B14F-4D97-AF65-F5344CB8AC3E}">
+        <p14:creationId xmlns:p14="http://schemas.microsoft.com/office/powerpoint/2010/main" val="1345608530"/>
+      </p:ext>
+    </p:extLst>
+  </p:cSld>
+  <p:clrMapOvr>
+    <a:masterClrMapping/>
+  </p:clrMapOvr>
+</p:sld>
+</file>
+
+<file path=ppt/slides/slide16.xml><?xml version="1.0" encoding="utf-8"?>
+<p:sld xmlns:a="http://schemas.openxmlformats.org/drawingml/2006/main" xmlns:r="http://schemas.openxmlformats.org/officeDocument/2006/relationships" xmlns:p="http://schemas.openxmlformats.org/presentationml/2006/main">
+  <p:cSld>
+    <p:spTree>
+      <p:nvGrpSpPr>
+        <p:cNvPr id="1" name=""/>
+        <p:cNvGrpSpPr/>
+        <p:nvPr/>
+      </p:nvGrpSpPr>
+      <p:grpSpPr>
+        <a:xfrm>
+          <a:off x="0" y="0"/>
+          <a:ext cx="0" cy="0"/>
+          <a:chOff x="0" y="0"/>
+          <a:chExt cx="0" cy="0"/>
+        </a:xfrm>
+      </p:grpSpPr>
+      <p:sp>
+        <p:nvSpPr>
+          <p:cNvPr id="2" name="Title 1">
+            <a:extLst>
+              <a:ext uri="{FF2B5EF4-FFF2-40B4-BE49-F238E27FC236}">
+                <a16:creationId xmlns:a16="http://schemas.microsoft.com/office/drawing/2014/main" id="{6E5C11C0-323C-4640-8AC5-AC874B363C27}"/>
+              </a:ext>
+            </a:extLst>
+          </p:cNvPr>
+          <p:cNvSpPr>
+            <a:spLocks noGrp="1"/>
+          </p:cNvSpPr>
+          <p:nvPr>
+            <p:ph type="title"/>
+          </p:nvPr>
+        </p:nvSpPr>
+        <p:spPr/>
+        <p:txBody>
+          <a:bodyPr/>
+          <a:lstStyle/>
+          <a:p>
+            <a:r>
+              <a:rPr lang="tr-TR" dirty="0" err="1"/>
+              <a:t>Roebel</a:t>
+            </a:r>
+            <a:r>
+              <a:rPr lang="tr-TR" dirty="0"/>
+              <a:t> </a:t>
+            </a:r>
+            <a:r>
+              <a:rPr lang="tr-TR" dirty="0" err="1"/>
+              <a:t>Bars</a:t>
+            </a:r>
+            <a:endParaRPr lang="en-US" dirty="0"/>
+          </a:p>
+        </p:txBody>
+      </p:sp>
+      <p:sp>
+        <p:nvSpPr>
+          <p:cNvPr id="3" name="Content Placeholder 2">
+            <a:extLst>
+              <a:ext uri="{FF2B5EF4-FFF2-40B4-BE49-F238E27FC236}">
+                <a16:creationId xmlns:a16="http://schemas.microsoft.com/office/drawing/2014/main" id="{5854D6C9-7FA2-4765-A8C2-E7D4A7E0CC3E}"/>
+              </a:ext>
+            </a:extLst>
+          </p:cNvPr>
+          <p:cNvSpPr>
+            <a:spLocks noGrp="1"/>
+          </p:cNvSpPr>
+          <p:nvPr>
+            <p:ph idx="1"/>
+          </p:nvPr>
+        </p:nvSpPr>
+        <p:spPr>
+          <a:xfrm>
+            <a:off x="457200" y="1430338"/>
+            <a:ext cx="3914775" cy="4987925"/>
+          </a:xfrm>
+        </p:spPr>
+        <p:txBody>
+          <a:bodyPr/>
+          <a:lstStyle/>
+          <a:p>
+            <a:pPr marL="342900" indent="-342900">
+              <a:buFont typeface="Arial" panose="020B0604020202020204" pitchFamily="34" charset="0"/>
+              <a:buChar char="•"/>
+            </a:pPr>
+            <a:endParaRPr lang="tr-TR" dirty="0"/>
+          </a:p>
+          <a:p>
+            <a:pPr marL="342900" indent="-342900">
+              <a:buFont typeface="Arial" panose="020B0604020202020204" pitchFamily="34" charset="0"/>
+              <a:buChar char="•"/>
+            </a:pPr>
+            <a:r>
+              <a:rPr lang="tr-TR" dirty="0" err="1"/>
+              <a:t>Single</a:t>
+            </a:r>
+            <a:r>
+              <a:rPr lang="tr-TR" dirty="0"/>
+              <a:t> </a:t>
+            </a:r>
+            <a:r>
+              <a:rPr lang="tr-TR" dirty="0" err="1"/>
+              <a:t>turn</a:t>
+            </a:r>
+            <a:r>
+              <a:rPr lang="tr-TR" dirty="0"/>
+              <a:t> </a:t>
+            </a:r>
+            <a:r>
+              <a:rPr lang="tr-TR" dirty="0" err="1"/>
+              <a:t>coils</a:t>
+            </a:r>
+            <a:endParaRPr lang="tr-TR" dirty="0"/>
+          </a:p>
+          <a:p>
+            <a:pPr marL="342900" indent="-342900">
+              <a:buFont typeface="Arial" panose="020B0604020202020204" pitchFamily="34" charset="0"/>
+              <a:buChar char="•"/>
+            </a:pPr>
+            <a:endParaRPr lang="tr-TR" dirty="0"/>
+          </a:p>
+          <a:p>
+            <a:pPr marL="342900" indent="-342900">
+              <a:buFont typeface="Arial" panose="020B0604020202020204" pitchFamily="34" charset="0"/>
+              <a:buChar char="•"/>
+            </a:pPr>
+            <a:r>
+              <a:rPr lang="tr-TR" dirty="0" err="1"/>
+              <a:t>Composed</a:t>
+            </a:r>
+            <a:r>
+              <a:rPr lang="tr-TR" dirty="0"/>
+              <a:t> of </a:t>
+            </a:r>
+            <a:r>
+              <a:rPr lang="tr-TR" dirty="0" err="1"/>
+              <a:t>multiple</a:t>
+            </a:r>
+            <a:r>
+              <a:rPr lang="tr-TR" dirty="0"/>
+              <a:t> </a:t>
+            </a:r>
+            <a:r>
+              <a:rPr lang="tr-TR" dirty="0" err="1"/>
+              <a:t>strands</a:t>
+            </a:r>
+            <a:r>
+              <a:rPr lang="tr-TR" dirty="0"/>
+              <a:t> </a:t>
+            </a:r>
+            <a:r>
+              <a:rPr lang="tr-TR" dirty="0" err="1"/>
+              <a:t>to</a:t>
+            </a:r>
+            <a:r>
+              <a:rPr lang="tr-TR" dirty="0"/>
+              <a:t> </a:t>
+            </a:r>
+            <a:r>
+              <a:rPr lang="tr-TR" dirty="0" err="1"/>
+              <a:t>reduce</a:t>
+            </a:r>
+            <a:r>
+              <a:rPr lang="tr-TR" dirty="0"/>
+              <a:t> AC </a:t>
+            </a:r>
+            <a:r>
+              <a:rPr lang="tr-TR" dirty="0" err="1"/>
+              <a:t>losses</a:t>
+            </a:r>
+            <a:endParaRPr lang="tr-TR" dirty="0"/>
+          </a:p>
+          <a:p>
+            <a:pPr marL="342900" indent="-342900">
+              <a:buFont typeface="Arial" panose="020B0604020202020204" pitchFamily="34" charset="0"/>
+              <a:buChar char="•"/>
+            </a:pPr>
+            <a:endParaRPr lang="tr-TR" dirty="0"/>
+          </a:p>
+          <a:p>
+            <a:pPr marL="342900" indent="-342900">
+              <a:buFont typeface="Arial" panose="020B0604020202020204" pitchFamily="34" charset="0"/>
+              <a:buChar char="•"/>
+            </a:pPr>
+            <a:r>
+              <a:rPr lang="tr-TR" dirty="0" err="1"/>
+              <a:t>Transposition</a:t>
+            </a:r>
+            <a:r>
+              <a:rPr lang="tr-TR" dirty="0"/>
+              <a:t> is </a:t>
+            </a:r>
+            <a:r>
+              <a:rPr lang="tr-TR" dirty="0" err="1"/>
+              <a:t>applied</a:t>
+            </a:r>
+            <a:r>
+              <a:rPr lang="tr-TR" dirty="0"/>
+              <a:t> </a:t>
+            </a:r>
+            <a:r>
+              <a:rPr lang="tr-TR" dirty="0" err="1"/>
+              <a:t>to</a:t>
+            </a:r>
+            <a:r>
+              <a:rPr lang="tr-TR" dirty="0"/>
+              <a:t> minimize </a:t>
+            </a:r>
+            <a:r>
+              <a:rPr lang="tr-TR" dirty="0" err="1"/>
+              <a:t>circulating</a:t>
+            </a:r>
+            <a:r>
+              <a:rPr lang="tr-TR" dirty="0"/>
+              <a:t> </a:t>
+            </a:r>
+            <a:r>
+              <a:rPr lang="tr-TR" dirty="0" err="1"/>
+              <a:t>currents</a:t>
+            </a:r>
+            <a:endParaRPr lang="tr-TR" dirty="0"/>
+          </a:p>
+          <a:p>
+            <a:pPr marL="342900" indent="-342900">
+              <a:buFont typeface="Arial" panose="020B0604020202020204" pitchFamily="34" charset="0"/>
+              <a:buChar char="•"/>
+            </a:pPr>
+            <a:endParaRPr lang="tr-TR" dirty="0"/>
+          </a:p>
+          <a:p>
+            <a:pPr marL="342900" indent="-342900">
+              <a:buFont typeface="Arial" panose="020B0604020202020204" pitchFamily="34" charset="0"/>
+              <a:buChar char="•"/>
+            </a:pPr>
+            <a:endParaRPr lang="en-US" dirty="0"/>
+          </a:p>
+        </p:txBody>
+      </p:sp>
+      <p:sp>
+        <p:nvSpPr>
+          <p:cNvPr id="4" name="Slide Number Placeholder 3">
+            <a:extLst>
+              <a:ext uri="{FF2B5EF4-FFF2-40B4-BE49-F238E27FC236}">
+                <a16:creationId xmlns:a16="http://schemas.microsoft.com/office/drawing/2014/main" id="{95660218-5245-4677-B4F3-0E9E14BA55A1}"/>
+              </a:ext>
+            </a:extLst>
+          </p:cNvPr>
+          <p:cNvSpPr>
+            <a:spLocks noGrp="1"/>
+          </p:cNvSpPr>
+          <p:nvPr>
+            <p:ph type="sldNum" sz="quarter" idx="12"/>
+          </p:nvPr>
+        </p:nvSpPr>
+        <p:spPr/>
+        <p:txBody>
+          <a:bodyPr/>
+          <a:lstStyle/>
+          <a:p>
+            <a:pPr>
+              <a:defRPr/>
+            </a:pPr>
+            <a:fld id="{C878F797-6006-4DDA-AFE9-456F280FE6C5}" type="slidenum">
+              <a:rPr lang="en-US" smtClean="0"/>
+              <a:pPr>
+                <a:defRPr/>
+              </a:pPr>
+              <a:t>16</a:t>
+            </a:fld>
+            <a:endParaRPr lang="en-US" dirty="0"/>
+          </a:p>
+        </p:txBody>
+      </p:sp>
+      <p:sp>
+        <p:nvSpPr>
+          <p:cNvPr id="5" name="Date Placeholder 4">
+            <a:extLst>
+              <a:ext uri="{FF2B5EF4-FFF2-40B4-BE49-F238E27FC236}">
+                <a16:creationId xmlns:a16="http://schemas.microsoft.com/office/drawing/2014/main" id="{138072AE-4AC5-4D66-9E60-7F4B10187C2B}"/>
+              </a:ext>
+            </a:extLst>
+          </p:cNvPr>
+          <p:cNvSpPr>
+            <a:spLocks noGrp="1"/>
+          </p:cNvSpPr>
+          <p:nvPr>
+            <p:ph type="dt" sz="half" idx="2"/>
+          </p:nvPr>
+        </p:nvSpPr>
+        <p:spPr/>
+        <p:txBody>
+          <a:bodyPr/>
+          <a:lstStyle/>
+          <a:p>
+            <a:pPr>
+              <a:defRPr/>
+            </a:pPr>
+            <a:r>
+              <a:rPr lang="tr-TR"/>
+              <a:t>METU Electrical &amp; Electronics Engineering Department</a:t>
+            </a:r>
+            <a:endParaRPr lang="en-US" dirty="0"/>
+          </a:p>
+        </p:txBody>
+      </p:sp>
+      <p:pic>
+        <p:nvPicPr>
+          <p:cNvPr id="6" name="Picture 5">
+            <a:extLst>
+              <a:ext uri="{FF2B5EF4-FFF2-40B4-BE49-F238E27FC236}">
+                <a16:creationId xmlns:a16="http://schemas.microsoft.com/office/drawing/2014/main" id="{A60D8548-AB59-4AEC-BC40-3D7A833790A3}"/>
+              </a:ext>
+            </a:extLst>
+          </p:cNvPr>
+          <p:cNvPicPr>
+            <a:picLocks noChangeAspect="1"/>
+          </p:cNvPicPr>
+          <p:nvPr/>
+        </p:nvPicPr>
+        <p:blipFill>
+          <a:blip r:embed="rId2"/>
+          <a:stretch>
+            <a:fillRect/>
+          </a:stretch>
+        </p:blipFill>
+        <p:spPr>
+          <a:xfrm>
+            <a:off x="4772027" y="1204816"/>
+            <a:ext cx="3984300" cy="4448368"/>
+          </a:xfrm>
+          <a:prstGeom prst="rect">
+            <a:avLst/>
+          </a:prstGeom>
+        </p:spPr>
+      </p:pic>
+    </p:spTree>
+    <p:extLst>
+      <p:ext uri="{BB962C8B-B14F-4D97-AF65-F5344CB8AC3E}">
+        <p14:creationId xmlns:p14="http://schemas.microsoft.com/office/powerpoint/2010/main" val="1134364066"/>
+      </p:ext>
+    </p:extLst>
+  </p:cSld>
+  <p:clrMapOvr>
+    <a:masterClrMapping/>
+  </p:clrMapOvr>
+</p:sld>
+</file>
+
+<file path=ppt/slides/slide17.xml><?xml version="1.0" encoding="utf-8"?>
+<p:sld xmlns:a="http://schemas.openxmlformats.org/drawingml/2006/main" xmlns:r="http://schemas.openxmlformats.org/officeDocument/2006/relationships" xmlns:p="http://schemas.openxmlformats.org/presentationml/2006/main">
+  <p:cSld>
+    <p:spTree>
+      <p:nvGrpSpPr>
+        <p:cNvPr id="1" name=""/>
+        <p:cNvGrpSpPr/>
+        <p:nvPr/>
+      </p:nvGrpSpPr>
+      <p:grpSpPr>
+        <a:xfrm>
+          <a:off x="0" y="0"/>
+          <a:ext cx="0" cy="0"/>
+          <a:chOff x="0" y="0"/>
+          <a:chExt cx="0" cy="0"/>
+        </a:xfrm>
+      </p:grpSpPr>
+      <p:sp>
+        <p:nvSpPr>
+          <p:cNvPr id="2" name="Title 1">
+            <a:extLst>
+              <a:ext uri="{FF2B5EF4-FFF2-40B4-BE49-F238E27FC236}">
+                <a16:creationId xmlns:a16="http://schemas.microsoft.com/office/drawing/2014/main" id="{D41E1C9D-EE0F-4A7C-BFAD-4F0C80101C24}"/>
+              </a:ext>
+            </a:extLst>
+          </p:cNvPr>
+          <p:cNvSpPr>
+            <a:spLocks noGrp="1"/>
+          </p:cNvSpPr>
+          <p:nvPr>
+            <p:ph type="title"/>
+          </p:nvPr>
+        </p:nvSpPr>
+        <p:spPr/>
+        <p:txBody>
+          <a:bodyPr/>
+          <a:lstStyle/>
+          <a:p>
+            <a:r>
+              <a:rPr lang="tr-TR" dirty="0"/>
+              <a:t>Design of </a:t>
+            </a:r>
+            <a:r>
+              <a:rPr lang="tr-TR" dirty="0" err="1"/>
+              <a:t>Roebel</a:t>
+            </a:r>
+            <a:r>
+              <a:rPr lang="tr-TR" dirty="0"/>
+              <a:t> </a:t>
+            </a:r>
+            <a:r>
+              <a:rPr lang="tr-TR" dirty="0" err="1"/>
+              <a:t>Bars</a:t>
+            </a:r>
+            <a:endParaRPr lang="en-US" dirty="0"/>
+          </a:p>
+        </p:txBody>
+      </p:sp>
+      <p:sp>
+        <p:nvSpPr>
+          <p:cNvPr id="3" name="Content Placeholder 2">
+            <a:extLst>
+              <a:ext uri="{FF2B5EF4-FFF2-40B4-BE49-F238E27FC236}">
+                <a16:creationId xmlns:a16="http://schemas.microsoft.com/office/drawing/2014/main" id="{15536CE0-250E-406D-BCA5-5B9C5D05B170}"/>
+              </a:ext>
+            </a:extLst>
+          </p:cNvPr>
+          <p:cNvSpPr>
+            <a:spLocks noGrp="1"/>
+          </p:cNvSpPr>
+          <p:nvPr>
+            <p:ph idx="1"/>
+          </p:nvPr>
+        </p:nvSpPr>
+        <p:spPr>
+          <a:xfrm>
+            <a:off x="457200" y="1430338"/>
+            <a:ext cx="4114800" cy="4987925"/>
+          </a:xfrm>
+        </p:spPr>
+        <p:txBody>
+          <a:bodyPr/>
+          <a:lstStyle/>
+          <a:p>
+            <a:pPr marL="342900" indent="-342900">
+              <a:buFont typeface="Arial" panose="020B0604020202020204" pitchFamily="34" charset="0"/>
+              <a:buChar char="•"/>
+            </a:pPr>
+            <a:endParaRPr lang="tr-TR" dirty="0"/>
+          </a:p>
+          <a:p>
+            <a:pPr marL="342900" indent="-342900">
+              <a:buFont typeface="Arial" panose="020B0604020202020204" pitchFamily="34" charset="0"/>
+              <a:buChar char="•"/>
+            </a:pPr>
+            <a:endParaRPr lang="tr-TR" dirty="0"/>
+          </a:p>
+          <a:p>
+            <a:pPr marL="342900" indent="-342900">
+              <a:buFont typeface="Arial" panose="020B0604020202020204" pitchFamily="34" charset="0"/>
+              <a:buChar char="•"/>
+            </a:pPr>
+            <a:r>
+              <a:rPr lang="tr-TR" dirty="0" err="1"/>
+              <a:t>Different</a:t>
+            </a:r>
+            <a:r>
+              <a:rPr lang="tr-TR" dirty="0"/>
+              <a:t> </a:t>
+            </a:r>
+            <a:r>
+              <a:rPr lang="tr-TR" dirty="0" err="1"/>
+              <a:t>induced</a:t>
+            </a:r>
+            <a:r>
+              <a:rPr lang="tr-TR" dirty="0"/>
+              <a:t> </a:t>
+            </a:r>
+            <a:r>
+              <a:rPr lang="tr-TR" dirty="0" err="1"/>
+              <a:t>voltages</a:t>
+            </a:r>
+            <a:r>
+              <a:rPr lang="tr-TR" dirty="0"/>
+              <a:t> in </a:t>
+            </a:r>
+            <a:r>
+              <a:rPr lang="tr-TR" dirty="0" err="1"/>
+              <a:t>each</a:t>
+            </a:r>
+            <a:r>
+              <a:rPr lang="tr-TR" dirty="0"/>
+              <a:t> </a:t>
+            </a:r>
+            <a:r>
+              <a:rPr lang="tr-TR" dirty="0" err="1"/>
+              <a:t>strand</a:t>
+            </a:r>
+            <a:endParaRPr lang="tr-TR" dirty="0"/>
+          </a:p>
+          <a:p>
+            <a:pPr marL="342900" indent="-342900">
+              <a:buFont typeface="Arial" panose="020B0604020202020204" pitchFamily="34" charset="0"/>
+              <a:buChar char="•"/>
+            </a:pPr>
+            <a:endParaRPr lang="tr-TR" dirty="0"/>
+          </a:p>
+          <a:p>
+            <a:pPr marL="342900" indent="-342900">
+              <a:buFont typeface="Arial" panose="020B0604020202020204" pitchFamily="34" charset="0"/>
+              <a:buChar char="•"/>
+            </a:pPr>
+            <a:r>
+              <a:rPr lang="tr-TR" dirty="0" err="1"/>
+              <a:t>Circulating</a:t>
+            </a:r>
+            <a:r>
+              <a:rPr lang="tr-TR" dirty="0"/>
+              <a:t> </a:t>
+            </a:r>
+            <a:r>
+              <a:rPr lang="tr-TR" dirty="0" err="1"/>
+              <a:t>currents</a:t>
+            </a:r>
+            <a:endParaRPr lang="tr-TR" dirty="0"/>
+          </a:p>
+          <a:p>
+            <a:pPr marL="342900" indent="-342900">
+              <a:buFont typeface="Arial" panose="020B0604020202020204" pitchFamily="34" charset="0"/>
+              <a:buChar char="•"/>
+            </a:pPr>
+            <a:endParaRPr lang="tr-TR" dirty="0"/>
+          </a:p>
+          <a:p>
+            <a:pPr marL="342900" indent="-342900">
+              <a:buFont typeface="Arial" panose="020B0604020202020204" pitchFamily="34" charset="0"/>
+              <a:buChar char="•"/>
+            </a:pPr>
+            <a:r>
+              <a:rPr lang="tr-TR" dirty="0" err="1"/>
+              <a:t>Eddy</a:t>
+            </a:r>
+            <a:r>
+              <a:rPr lang="tr-TR" dirty="0"/>
+              <a:t> </a:t>
+            </a:r>
+            <a:r>
+              <a:rPr lang="tr-TR" dirty="0" err="1"/>
+              <a:t>losses</a:t>
+            </a:r>
+            <a:endParaRPr lang="en-US" dirty="0"/>
+          </a:p>
+        </p:txBody>
+      </p:sp>
+      <p:sp>
+        <p:nvSpPr>
+          <p:cNvPr id="4" name="Slide Number Placeholder 3">
+            <a:extLst>
+              <a:ext uri="{FF2B5EF4-FFF2-40B4-BE49-F238E27FC236}">
+                <a16:creationId xmlns:a16="http://schemas.microsoft.com/office/drawing/2014/main" id="{29B8F937-4393-49A3-96DD-CAF71D0B6E17}"/>
+              </a:ext>
+            </a:extLst>
+          </p:cNvPr>
+          <p:cNvSpPr>
+            <a:spLocks noGrp="1"/>
+          </p:cNvSpPr>
+          <p:nvPr>
+            <p:ph type="sldNum" sz="quarter" idx="12"/>
+          </p:nvPr>
+        </p:nvSpPr>
+        <p:spPr/>
+        <p:txBody>
+          <a:bodyPr/>
+          <a:lstStyle/>
+          <a:p>
+            <a:pPr>
+              <a:defRPr/>
+            </a:pPr>
+            <a:fld id="{C878F797-6006-4DDA-AFE9-456F280FE6C5}" type="slidenum">
+              <a:rPr lang="en-US" smtClean="0"/>
+              <a:pPr>
+                <a:defRPr/>
+              </a:pPr>
+              <a:t>17</a:t>
+            </a:fld>
+            <a:endParaRPr lang="en-US" dirty="0"/>
+          </a:p>
+        </p:txBody>
+      </p:sp>
+      <p:sp>
+        <p:nvSpPr>
+          <p:cNvPr id="5" name="Date Placeholder 4">
+            <a:extLst>
+              <a:ext uri="{FF2B5EF4-FFF2-40B4-BE49-F238E27FC236}">
+                <a16:creationId xmlns:a16="http://schemas.microsoft.com/office/drawing/2014/main" id="{73180C6C-8725-4ECD-B9B5-41353BE5AF84}"/>
+              </a:ext>
+            </a:extLst>
+          </p:cNvPr>
+          <p:cNvSpPr>
+            <a:spLocks noGrp="1"/>
+          </p:cNvSpPr>
+          <p:nvPr>
+            <p:ph type="dt" sz="half" idx="2"/>
+          </p:nvPr>
+        </p:nvSpPr>
+        <p:spPr/>
+        <p:txBody>
+          <a:bodyPr/>
+          <a:lstStyle/>
+          <a:p>
+            <a:pPr>
+              <a:defRPr/>
+            </a:pPr>
+            <a:r>
+              <a:rPr lang="tr-TR"/>
+              <a:t>METU Electrical &amp; Electronics Engineering Department</a:t>
+            </a:r>
+            <a:endParaRPr lang="en-US" dirty="0"/>
+          </a:p>
+        </p:txBody>
+      </p:sp>
+      <p:pic>
+        <p:nvPicPr>
+          <p:cNvPr id="7" name="Picture 6">
+            <a:extLst>
+              <a:ext uri="{FF2B5EF4-FFF2-40B4-BE49-F238E27FC236}">
+                <a16:creationId xmlns:a16="http://schemas.microsoft.com/office/drawing/2014/main" id="{A16D1DD6-4D25-4348-BEB0-36D7090CD76A}"/>
+              </a:ext>
+            </a:extLst>
+          </p:cNvPr>
+          <p:cNvPicPr>
+            <a:picLocks noChangeAspect="1"/>
+          </p:cNvPicPr>
+          <p:nvPr/>
+        </p:nvPicPr>
+        <p:blipFill rotWithShape="1">
+          <a:blip r:embed="rId2"/>
+          <a:srcRect r="51569"/>
+          <a:stretch/>
+        </p:blipFill>
+        <p:spPr>
+          <a:xfrm>
+            <a:off x="4962525" y="1430338"/>
+            <a:ext cx="2352675" cy="4493842"/>
+          </a:xfrm>
+          <a:prstGeom prst="rect">
+            <a:avLst/>
+          </a:prstGeom>
+        </p:spPr>
+      </p:pic>
+    </p:spTree>
+    <p:extLst>
+      <p:ext uri="{BB962C8B-B14F-4D97-AF65-F5344CB8AC3E}">
+        <p14:creationId xmlns:p14="http://schemas.microsoft.com/office/powerpoint/2010/main" val="1465052123"/>
+      </p:ext>
+    </p:extLst>
+  </p:cSld>
+  <p:clrMapOvr>
+    <a:masterClrMapping/>
+  </p:clrMapOvr>
+</p:sld>
+</file>
+
+<file path=ppt/slides/slide18.xml><?xml version="1.0" encoding="utf-8"?>
+<p:sld xmlns:a="http://schemas.openxmlformats.org/drawingml/2006/main" xmlns:r="http://schemas.openxmlformats.org/officeDocument/2006/relationships" xmlns:p="http://schemas.openxmlformats.org/presentationml/2006/main">
+  <p:cSld>
+    <p:spTree>
+      <p:nvGrpSpPr>
+        <p:cNvPr id="1" name=""/>
+        <p:cNvGrpSpPr/>
+        <p:nvPr/>
+      </p:nvGrpSpPr>
+      <p:grpSpPr>
+        <a:xfrm>
+          <a:off x="0" y="0"/>
+          <a:ext cx="0" cy="0"/>
+          <a:chOff x="0" y="0"/>
+          <a:chExt cx="0" cy="0"/>
+        </a:xfrm>
+      </p:grpSpPr>
+      <p:sp>
+        <p:nvSpPr>
+          <p:cNvPr id="2" name="Title 1">
+            <a:extLst>
+              <a:ext uri="{FF2B5EF4-FFF2-40B4-BE49-F238E27FC236}">
+                <a16:creationId xmlns:a16="http://schemas.microsoft.com/office/drawing/2014/main" id="{2F1EF37D-3AAC-406B-9CAE-FEC4A7B60969}"/>
+              </a:ext>
+            </a:extLst>
+          </p:cNvPr>
+          <p:cNvSpPr>
+            <a:spLocks noGrp="1"/>
+          </p:cNvSpPr>
+          <p:nvPr>
+            <p:ph type="title"/>
+          </p:nvPr>
+        </p:nvSpPr>
+        <p:spPr/>
+        <p:txBody>
+          <a:bodyPr/>
+          <a:lstStyle/>
+          <a:p>
+            <a:r>
+              <a:rPr lang="tr-TR" dirty="0"/>
+              <a:t>Design of </a:t>
+            </a:r>
+            <a:r>
+              <a:rPr lang="tr-TR" dirty="0" err="1"/>
+              <a:t>Roebel</a:t>
+            </a:r>
+            <a:r>
+              <a:rPr lang="tr-TR" dirty="0"/>
+              <a:t> </a:t>
+            </a:r>
+            <a:r>
+              <a:rPr lang="tr-TR" dirty="0" err="1"/>
+              <a:t>Bars</a:t>
+            </a:r>
+            <a:endParaRPr lang="en-US" dirty="0"/>
+          </a:p>
+        </p:txBody>
+      </p:sp>
+      <p:sp>
+        <p:nvSpPr>
+          <p:cNvPr id="3" name="Content Placeholder 2">
+            <a:extLst>
+              <a:ext uri="{FF2B5EF4-FFF2-40B4-BE49-F238E27FC236}">
+                <a16:creationId xmlns:a16="http://schemas.microsoft.com/office/drawing/2014/main" id="{2B77F756-D7AC-4EBF-B1E5-69AB3FFC990B}"/>
+              </a:ext>
+            </a:extLst>
+          </p:cNvPr>
+          <p:cNvSpPr>
+            <a:spLocks noGrp="1"/>
+          </p:cNvSpPr>
+          <p:nvPr>
+            <p:ph idx="1"/>
+          </p:nvPr>
+        </p:nvSpPr>
+        <p:spPr>
+          <a:xfrm>
+            <a:off x="457200" y="1430338"/>
+            <a:ext cx="8086725" cy="4987925"/>
+          </a:xfrm>
+        </p:spPr>
+        <p:txBody>
+          <a:bodyPr/>
+          <a:lstStyle/>
+          <a:p>
+            <a:pPr marL="342900" indent="-342900">
+              <a:buFont typeface="Arial" panose="020B0604020202020204" pitchFamily="34" charset="0"/>
+              <a:buChar char="•"/>
+            </a:pPr>
+            <a:endParaRPr lang="tr-TR" dirty="0"/>
+          </a:p>
+          <a:p>
+            <a:pPr marL="342900" indent="-342900">
+              <a:buFont typeface="Arial" panose="020B0604020202020204" pitchFamily="34" charset="0"/>
+              <a:buChar char="•"/>
+            </a:pPr>
+            <a:r>
+              <a:rPr lang="tr-TR" dirty="0" err="1"/>
+              <a:t>Selection</a:t>
+            </a:r>
+            <a:r>
+              <a:rPr lang="tr-TR" dirty="0"/>
+              <a:t> of </a:t>
+            </a:r>
+            <a:r>
+              <a:rPr lang="tr-TR" dirty="0" err="1"/>
+              <a:t>strand</a:t>
+            </a:r>
+            <a:r>
+              <a:rPr lang="tr-TR" dirty="0"/>
+              <a:t> </a:t>
+            </a:r>
+            <a:r>
+              <a:rPr lang="tr-TR" dirty="0" err="1"/>
+              <a:t>number</a:t>
+            </a:r>
+            <a:endParaRPr lang="tr-TR" dirty="0"/>
+          </a:p>
+          <a:p>
+            <a:pPr marL="342900" indent="-342900">
+              <a:buFont typeface="Arial" panose="020B0604020202020204" pitchFamily="34" charset="0"/>
+              <a:buChar char="•"/>
+            </a:pPr>
+            <a:endParaRPr lang="tr-TR" dirty="0"/>
+          </a:p>
+          <a:p>
+            <a:pPr marL="342900" indent="-342900">
+              <a:buFont typeface="Arial" panose="020B0604020202020204" pitchFamily="34" charset="0"/>
+              <a:buChar char="•"/>
+            </a:pPr>
+            <a:r>
+              <a:rPr lang="tr-TR" dirty="0" err="1"/>
+              <a:t>Selection</a:t>
+            </a:r>
+            <a:r>
+              <a:rPr lang="tr-TR" dirty="0"/>
+              <a:t> of </a:t>
+            </a:r>
+            <a:r>
+              <a:rPr lang="tr-TR" dirty="0" err="1"/>
+              <a:t>transposition</a:t>
+            </a:r>
+            <a:r>
+              <a:rPr lang="tr-TR" dirty="0"/>
+              <a:t> </a:t>
+            </a:r>
+            <a:r>
+              <a:rPr lang="tr-TR" dirty="0" err="1"/>
+              <a:t>angle</a:t>
+            </a:r>
+            <a:endParaRPr lang="tr-TR" dirty="0"/>
+          </a:p>
+          <a:p>
+            <a:pPr marL="342900" indent="-342900">
+              <a:buFont typeface="Arial" panose="020B0604020202020204" pitchFamily="34" charset="0"/>
+              <a:buChar char="•"/>
+            </a:pPr>
+            <a:endParaRPr lang="tr-TR" dirty="0"/>
+          </a:p>
+          <a:p>
+            <a:pPr marL="342900" indent="-342900">
+              <a:buFont typeface="Arial" panose="020B0604020202020204" pitchFamily="34" charset="0"/>
+              <a:buChar char="•"/>
+            </a:pPr>
+            <a:r>
+              <a:rPr lang="tr-TR" dirty="0" err="1"/>
+              <a:t>Limitations</a:t>
+            </a:r>
+            <a:r>
+              <a:rPr lang="tr-TR" dirty="0"/>
+              <a:t>:</a:t>
+            </a:r>
+          </a:p>
+          <a:p>
+            <a:pPr marL="982663" lvl="1" indent="-342900"/>
+            <a:r>
+              <a:rPr lang="tr-TR" dirty="0" err="1"/>
+              <a:t>Axial</a:t>
+            </a:r>
+            <a:r>
+              <a:rPr lang="tr-TR" dirty="0"/>
+              <a:t> </a:t>
+            </a:r>
+            <a:r>
+              <a:rPr lang="tr-TR" dirty="0" err="1"/>
+              <a:t>length</a:t>
+            </a:r>
+            <a:endParaRPr lang="tr-TR" dirty="0"/>
+          </a:p>
+          <a:p>
+            <a:pPr marL="982663" lvl="1" indent="-342900"/>
+            <a:r>
+              <a:rPr lang="tr-TR" dirty="0" err="1"/>
+              <a:t>Material</a:t>
+            </a:r>
+            <a:r>
+              <a:rPr lang="tr-TR" dirty="0"/>
+              <a:t> </a:t>
+            </a:r>
+            <a:r>
+              <a:rPr lang="tr-TR" dirty="0" err="1"/>
+              <a:t>strength</a:t>
+            </a:r>
+            <a:endParaRPr lang="tr-TR" dirty="0"/>
+          </a:p>
+        </p:txBody>
+      </p:sp>
+      <p:sp>
+        <p:nvSpPr>
+          <p:cNvPr id="4" name="Slide Number Placeholder 3">
+            <a:extLst>
+              <a:ext uri="{FF2B5EF4-FFF2-40B4-BE49-F238E27FC236}">
+                <a16:creationId xmlns:a16="http://schemas.microsoft.com/office/drawing/2014/main" id="{675D79D1-0CE8-49C1-8EB7-BF2B7739BC53}"/>
+              </a:ext>
+            </a:extLst>
+          </p:cNvPr>
+          <p:cNvSpPr>
+            <a:spLocks noGrp="1"/>
+          </p:cNvSpPr>
+          <p:nvPr>
+            <p:ph type="sldNum" sz="quarter" idx="12"/>
+          </p:nvPr>
+        </p:nvSpPr>
+        <p:spPr/>
+        <p:txBody>
+          <a:bodyPr/>
+          <a:lstStyle/>
+          <a:p>
+            <a:pPr>
+              <a:defRPr/>
+            </a:pPr>
+            <a:fld id="{C878F797-6006-4DDA-AFE9-456F280FE6C5}" type="slidenum">
+              <a:rPr lang="en-US" smtClean="0"/>
+              <a:pPr>
+                <a:defRPr/>
+              </a:pPr>
+              <a:t>18</a:t>
+            </a:fld>
+            <a:endParaRPr lang="en-US" dirty="0"/>
+          </a:p>
+        </p:txBody>
+      </p:sp>
+      <p:sp>
+        <p:nvSpPr>
+          <p:cNvPr id="5" name="Date Placeholder 4">
+            <a:extLst>
+              <a:ext uri="{FF2B5EF4-FFF2-40B4-BE49-F238E27FC236}">
+                <a16:creationId xmlns:a16="http://schemas.microsoft.com/office/drawing/2014/main" id="{787FC9DB-69C0-49A2-ACD4-19A511D78026}"/>
+              </a:ext>
+            </a:extLst>
+          </p:cNvPr>
+          <p:cNvSpPr>
+            <a:spLocks noGrp="1"/>
+          </p:cNvSpPr>
+          <p:nvPr>
+            <p:ph type="dt" sz="half" idx="2"/>
+          </p:nvPr>
+        </p:nvSpPr>
+        <p:spPr/>
+        <p:txBody>
+          <a:bodyPr/>
+          <a:lstStyle/>
+          <a:p>
+            <a:pPr>
+              <a:defRPr/>
+            </a:pPr>
+            <a:r>
+              <a:rPr lang="tr-TR"/>
+              <a:t>METU Electrical &amp; Electronics Engineering Department</a:t>
+            </a:r>
+            <a:endParaRPr lang="en-US" dirty="0"/>
+          </a:p>
+        </p:txBody>
+      </p:sp>
+    </p:spTree>
+    <p:extLst>
+      <p:ext uri="{BB962C8B-B14F-4D97-AF65-F5344CB8AC3E}">
+        <p14:creationId xmlns:p14="http://schemas.microsoft.com/office/powerpoint/2010/main" val="3669575433"/>
+      </p:ext>
+    </p:extLst>
+  </p:cSld>
+  <p:clrMapOvr>
+    <a:masterClrMapping/>
+  </p:clrMapOvr>
+</p:sld>
+</file>
+
+<file path=ppt/slides/slide19.xml><?xml version="1.0" encoding="utf-8"?>
+<p:sld xmlns:a="http://schemas.openxmlformats.org/drawingml/2006/main" xmlns:r="http://schemas.openxmlformats.org/officeDocument/2006/relationships" xmlns:p="http://schemas.openxmlformats.org/presentationml/2006/main">
+  <p:cSld>
+    <p:spTree>
+      <p:nvGrpSpPr>
+        <p:cNvPr id="1" name=""/>
+        <p:cNvGrpSpPr/>
+        <p:nvPr/>
+      </p:nvGrpSpPr>
+      <p:grpSpPr>
+        <a:xfrm>
+          <a:off x="0" y="0"/>
+          <a:ext cx="0" cy="0"/>
+          <a:chOff x="0" y="0"/>
+          <a:chExt cx="0" cy="0"/>
+        </a:xfrm>
+      </p:grpSpPr>
+      <p:sp>
+        <p:nvSpPr>
+          <p:cNvPr id="2" name="Title 1">
+            <a:extLst>
+              <a:ext uri="{FF2B5EF4-FFF2-40B4-BE49-F238E27FC236}">
+                <a16:creationId xmlns:a16="http://schemas.microsoft.com/office/drawing/2014/main" id="{060D074C-877A-40CF-A159-8F62DA1B6B18}"/>
+              </a:ext>
+            </a:extLst>
+          </p:cNvPr>
+          <p:cNvSpPr>
+            <a:spLocks noGrp="1"/>
+          </p:cNvSpPr>
+          <p:nvPr>
+            <p:ph type="title"/>
+          </p:nvPr>
+        </p:nvSpPr>
+        <p:spPr/>
+        <p:txBody>
+          <a:bodyPr/>
+          <a:lstStyle/>
+          <a:p>
+            <a:r>
+              <a:rPr lang="tr-TR" dirty="0"/>
+              <a:t>Design of </a:t>
+            </a:r>
+            <a:r>
+              <a:rPr lang="tr-TR" dirty="0" err="1"/>
+              <a:t>Roebel</a:t>
+            </a:r>
+            <a:r>
+              <a:rPr lang="tr-TR" dirty="0"/>
+              <a:t> </a:t>
+            </a:r>
+            <a:r>
+              <a:rPr lang="tr-TR" dirty="0" err="1"/>
+              <a:t>Bars</a:t>
+            </a:r>
+            <a:endParaRPr lang="en-US" dirty="0"/>
+          </a:p>
+        </p:txBody>
+      </p:sp>
+      <p:sp>
+        <p:nvSpPr>
+          <p:cNvPr id="4" name="Slide Number Placeholder 3">
+            <a:extLst>
+              <a:ext uri="{FF2B5EF4-FFF2-40B4-BE49-F238E27FC236}">
+                <a16:creationId xmlns:a16="http://schemas.microsoft.com/office/drawing/2014/main" id="{888FD693-4C07-4D1A-A1A5-39433A85FEA5}"/>
+              </a:ext>
+            </a:extLst>
+          </p:cNvPr>
+          <p:cNvSpPr>
+            <a:spLocks noGrp="1"/>
+          </p:cNvSpPr>
+          <p:nvPr>
+            <p:ph type="sldNum" sz="quarter" idx="12"/>
+          </p:nvPr>
+        </p:nvSpPr>
+        <p:spPr/>
+        <p:txBody>
+          <a:bodyPr/>
+          <a:lstStyle/>
+          <a:p>
+            <a:pPr>
+              <a:defRPr/>
+            </a:pPr>
+            <a:fld id="{C878F797-6006-4DDA-AFE9-456F280FE6C5}" type="slidenum">
+              <a:rPr lang="en-US" smtClean="0"/>
+              <a:pPr>
+                <a:defRPr/>
+              </a:pPr>
+              <a:t>19</a:t>
+            </a:fld>
+            <a:endParaRPr lang="en-US" dirty="0"/>
+          </a:p>
+        </p:txBody>
+      </p:sp>
+      <p:sp>
+        <p:nvSpPr>
+          <p:cNvPr id="5" name="Date Placeholder 4">
+            <a:extLst>
+              <a:ext uri="{FF2B5EF4-FFF2-40B4-BE49-F238E27FC236}">
+                <a16:creationId xmlns:a16="http://schemas.microsoft.com/office/drawing/2014/main" id="{979DD80D-32F7-4A35-81A0-F8E4B2F74694}"/>
+              </a:ext>
+            </a:extLst>
+          </p:cNvPr>
+          <p:cNvSpPr>
+            <a:spLocks noGrp="1"/>
+          </p:cNvSpPr>
+          <p:nvPr>
+            <p:ph type="dt" sz="half" idx="2"/>
+          </p:nvPr>
+        </p:nvSpPr>
+        <p:spPr/>
+        <p:txBody>
+          <a:bodyPr/>
+          <a:lstStyle/>
+          <a:p>
+            <a:pPr>
+              <a:defRPr/>
+            </a:pPr>
+            <a:r>
+              <a:rPr lang="tr-TR"/>
+              <a:t>METU Electrical &amp; Electronics Engineering Department</a:t>
+            </a:r>
+            <a:endParaRPr lang="en-US" dirty="0"/>
+          </a:p>
+        </p:txBody>
+      </p:sp>
+      <p:pic>
+        <p:nvPicPr>
+          <p:cNvPr id="10" name="Content Placeholder 9">
+            <a:extLst>
+              <a:ext uri="{FF2B5EF4-FFF2-40B4-BE49-F238E27FC236}">
+                <a16:creationId xmlns:a16="http://schemas.microsoft.com/office/drawing/2014/main" id="{C1B94DF0-57F0-40BD-904F-58C7F8F3B910}"/>
+              </a:ext>
+            </a:extLst>
+          </p:cNvPr>
+          <p:cNvPicPr>
+            <a:picLocks noGrp="1" noChangeAspect="1"/>
+          </p:cNvPicPr>
+          <p:nvPr>
+            <p:ph idx="1"/>
+          </p:nvPr>
+        </p:nvPicPr>
+        <p:blipFill>
+          <a:blip r:embed="rId2">
+            <a:extLst>
+              <a:ext uri="{96DAC541-7B7A-43D3-8B79-37D633B846F1}">
+                <asvg:svgBlip xmlns:asvg="http://schemas.microsoft.com/office/drawing/2016/SVG/main" r:embed="rId3"/>
+              </a:ext>
+            </a:extLst>
+          </a:blip>
+          <a:stretch>
+            <a:fillRect/>
+          </a:stretch>
+        </p:blipFill>
+        <p:spPr>
+          <a:xfrm>
+            <a:off x="457200" y="1860471"/>
+            <a:ext cx="8229600" cy="4127658"/>
+          </a:xfrm>
+        </p:spPr>
+      </p:pic>
+    </p:spTree>
+    <p:extLst>
+      <p:ext uri="{BB962C8B-B14F-4D97-AF65-F5344CB8AC3E}">
+        <p14:creationId xmlns:p14="http://schemas.microsoft.com/office/powerpoint/2010/main" val="3341351862"/>
       </p:ext>
     </p:extLst>
   </p:cSld>
@@ -5046,7 +9163,7 @@
         <p:spPr>
           <a:xfrm>
             <a:off x="4827639" y="1976284"/>
-            <a:ext cx="3785419" cy="923330"/>
+            <a:ext cx="3785419" cy="646331"/>
           </a:xfrm>
           <a:prstGeom prst="rect">
             <a:avLst/>
@@ -5066,7 +9183,7 @@
                 </a:solidFill>
                 <a:latin typeface="Century Gothic" panose="020B0502020202020204" pitchFamily="34" charset="0"/>
               </a:rPr>
-              <a:t>REFURBISHMENT AND ALTERNATING WINDING TYPE OF 44 MVA HYDRO GENERATOR</a:t>
+              <a:t>ALTERNATING WINDING TYPE OF 44 MVA HYDRO GENERATOR</a:t>
             </a:r>
             <a:endParaRPr lang="en-US" b="1" dirty="0">
               <a:solidFill>
@@ -5279,6 +9396,630 @@
     <p:extLst>
       <p:ext uri="{BB962C8B-B14F-4D97-AF65-F5344CB8AC3E}">
         <p14:creationId xmlns:p14="http://schemas.microsoft.com/office/powerpoint/2010/main" val="1031498753"/>
+      </p:ext>
+    </p:extLst>
+  </p:cSld>
+  <p:clrMapOvr>
+    <a:masterClrMapping/>
+  </p:clrMapOvr>
+</p:sld>
+</file>
+
+<file path=ppt/slides/slide20.xml><?xml version="1.0" encoding="utf-8"?>
+<p:sld xmlns:a="http://schemas.openxmlformats.org/drawingml/2006/main" xmlns:r="http://schemas.openxmlformats.org/officeDocument/2006/relationships" xmlns:p="http://schemas.openxmlformats.org/presentationml/2006/main">
+  <p:cSld>
+    <p:spTree>
+      <p:nvGrpSpPr>
+        <p:cNvPr id="1" name=""/>
+        <p:cNvGrpSpPr/>
+        <p:nvPr/>
+      </p:nvGrpSpPr>
+      <p:grpSpPr>
+        <a:xfrm>
+          <a:off x="0" y="0"/>
+          <a:ext cx="0" cy="0"/>
+          <a:chOff x="0" y="0"/>
+          <a:chExt cx="0" cy="0"/>
+        </a:xfrm>
+      </p:grpSpPr>
+      <p:sp>
+        <p:nvSpPr>
+          <p:cNvPr id="2" name="Title 1">
+            <a:extLst>
+              <a:ext uri="{FF2B5EF4-FFF2-40B4-BE49-F238E27FC236}">
+                <a16:creationId xmlns:a16="http://schemas.microsoft.com/office/drawing/2014/main" id="{9311A553-04C3-4225-8D98-8E8B09BB4A21}"/>
+              </a:ext>
+            </a:extLst>
+          </p:cNvPr>
+          <p:cNvSpPr>
+            <a:spLocks noGrp="1"/>
+          </p:cNvSpPr>
+          <p:nvPr>
+            <p:ph type="title"/>
+          </p:nvPr>
+        </p:nvSpPr>
+        <p:spPr/>
+        <p:txBody>
+          <a:bodyPr/>
+          <a:lstStyle/>
+          <a:p>
+            <a:r>
+              <a:rPr lang="tr-TR" dirty="0"/>
+              <a:t>Design of </a:t>
+            </a:r>
+            <a:r>
+              <a:rPr lang="tr-TR" dirty="0" err="1"/>
+              <a:t>Roebel</a:t>
+            </a:r>
+            <a:r>
+              <a:rPr lang="tr-TR" dirty="0"/>
+              <a:t> </a:t>
+            </a:r>
+            <a:r>
+              <a:rPr lang="tr-TR" dirty="0" err="1"/>
+              <a:t>Bars</a:t>
+            </a:r>
+            <a:endParaRPr lang="en-US" dirty="0"/>
+          </a:p>
+        </p:txBody>
+      </p:sp>
+      <p:sp>
+        <p:nvSpPr>
+          <p:cNvPr id="4" name="Slide Number Placeholder 3">
+            <a:extLst>
+              <a:ext uri="{FF2B5EF4-FFF2-40B4-BE49-F238E27FC236}">
+                <a16:creationId xmlns:a16="http://schemas.microsoft.com/office/drawing/2014/main" id="{44C629D9-30AF-453E-820C-9C68421DBF08}"/>
+              </a:ext>
+            </a:extLst>
+          </p:cNvPr>
+          <p:cNvSpPr>
+            <a:spLocks noGrp="1"/>
+          </p:cNvSpPr>
+          <p:nvPr>
+            <p:ph type="sldNum" sz="quarter" idx="12"/>
+          </p:nvPr>
+        </p:nvSpPr>
+        <p:spPr/>
+        <p:txBody>
+          <a:bodyPr/>
+          <a:lstStyle/>
+          <a:p>
+            <a:pPr>
+              <a:defRPr/>
+            </a:pPr>
+            <a:fld id="{C878F797-6006-4DDA-AFE9-456F280FE6C5}" type="slidenum">
+              <a:rPr lang="en-US" smtClean="0"/>
+              <a:pPr>
+                <a:defRPr/>
+              </a:pPr>
+              <a:t>20</a:t>
+            </a:fld>
+            <a:endParaRPr lang="en-US" dirty="0"/>
+          </a:p>
+        </p:txBody>
+      </p:sp>
+      <p:sp>
+        <p:nvSpPr>
+          <p:cNvPr id="5" name="Date Placeholder 4">
+            <a:extLst>
+              <a:ext uri="{FF2B5EF4-FFF2-40B4-BE49-F238E27FC236}">
+                <a16:creationId xmlns:a16="http://schemas.microsoft.com/office/drawing/2014/main" id="{C70BB9BD-7C34-4972-97D0-3F7ABDD0F3C4}"/>
+              </a:ext>
+            </a:extLst>
+          </p:cNvPr>
+          <p:cNvSpPr>
+            <a:spLocks noGrp="1"/>
+          </p:cNvSpPr>
+          <p:nvPr>
+            <p:ph type="dt" sz="half" idx="2"/>
+          </p:nvPr>
+        </p:nvSpPr>
+        <p:spPr/>
+        <p:txBody>
+          <a:bodyPr/>
+          <a:lstStyle/>
+          <a:p>
+            <a:pPr>
+              <a:defRPr/>
+            </a:pPr>
+            <a:r>
+              <a:rPr lang="tr-TR"/>
+              <a:t>METU Electrical &amp; Electronics Engineering Department</a:t>
+            </a:r>
+            <a:endParaRPr lang="en-US" dirty="0"/>
+          </a:p>
+        </p:txBody>
+      </p:sp>
+      <p:pic>
+        <p:nvPicPr>
+          <p:cNvPr id="10" name="Content Placeholder 9">
+            <a:extLst>
+              <a:ext uri="{FF2B5EF4-FFF2-40B4-BE49-F238E27FC236}">
+                <a16:creationId xmlns:a16="http://schemas.microsoft.com/office/drawing/2014/main" id="{C1936804-C261-4D2F-98ED-1A165922C58F}"/>
+              </a:ext>
+            </a:extLst>
+          </p:cNvPr>
+          <p:cNvPicPr>
+            <a:picLocks noGrp="1" noChangeAspect="1"/>
+          </p:cNvPicPr>
+          <p:nvPr>
+            <p:ph idx="1"/>
+          </p:nvPr>
+        </p:nvPicPr>
+        <p:blipFill>
+          <a:blip r:embed="rId2">
+            <a:extLst>
+              <a:ext uri="{96DAC541-7B7A-43D3-8B79-37D633B846F1}">
+                <asvg:svgBlip xmlns:asvg="http://schemas.microsoft.com/office/drawing/2016/SVG/main" r:embed="rId3"/>
+              </a:ext>
+            </a:extLst>
+          </a:blip>
+          <a:stretch>
+            <a:fillRect/>
+          </a:stretch>
+        </p:blipFill>
+        <p:spPr>
+          <a:xfrm>
+            <a:off x="299102" y="1647825"/>
+            <a:ext cx="8545796" cy="4286250"/>
+          </a:xfrm>
+        </p:spPr>
+      </p:pic>
+    </p:spTree>
+    <p:extLst>
+      <p:ext uri="{BB962C8B-B14F-4D97-AF65-F5344CB8AC3E}">
+        <p14:creationId xmlns:p14="http://schemas.microsoft.com/office/powerpoint/2010/main" val="4189869428"/>
+      </p:ext>
+    </p:extLst>
+  </p:cSld>
+  <p:clrMapOvr>
+    <a:masterClrMapping/>
+  </p:clrMapOvr>
+</p:sld>
+</file>
+
+<file path=ppt/slides/slide21.xml><?xml version="1.0" encoding="utf-8"?>
+<p:sld xmlns:a="http://schemas.openxmlformats.org/drawingml/2006/main" xmlns:r="http://schemas.openxmlformats.org/officeDocument/2006/relationships" xmlns:p="http://schemas.openxmlformats.org/presentationml/2006/main">
+  <p:cSld>
+    <p:spTree>
+      <p:nvGrpSpPr>
+        <p:cNvPr id="1" name=""/>
+        <p:cNvGrpSpPr/>
+        <p:nvPr/>
+      </p:nvGrpSpPr>
+      <p:grpSpPr>
+        <a:xfrm>
+          <a:off x="0" y="0"/>
+          <a:ext cx="0" cy="0"/>
+          <a:chOff x="0" y="0"/>
+          <a:chExt cx="0" cy="0"/>
+        </a:xfrm>
+      </p:grpSpPr>
+      <p:sp>
+        <p:nvSpPr>
+          <p:cNvPr id="2" name="Title 1">
+            <a:extLst>
+              <a:ext uri="{FF2B5EF4-FFF2-40B4-BE49-F238E27FC236}">
+                <a16:creationId xmlns:a16="http://schemas.microsoft.com/office/drawing/2014/main" id="{A020DFBC-FAAA-4A48-84A2-8553A941B07D}"/>
+              </a:ext>
+            </a:extLst>
+          </p:cNvPr>
+          <p:cNvSpPr>
+            <a:spLocks noGrp="1"/>
+          </p:cNvSpPr>
+          <p:nvPr>
+            <p:ph type="title"/>
+          </p:nvPr>
+        </p:nvSpPr>
+        <p:spPr/>
+        <p:txBody>
+          <a:bodyPr/>
+          <a:lstStyle/>
+          <a:p>
+            <a:r>
+              <a:rPr lang="tr-TR" dirty="0" err="1"/>
+              <a:t>Conclusion</a:t>
+            </a:r>
+            <a:r>
+              <a:rPr lang="tr-TR" dirty="0"/>
+              <a:t> &amp; </a:t>
+            </a:r>
+            <a:r>
+              <a:rPr lang="tr-TR" dirty="0" err="1"/>
+              <a:t>Future</a:t>
+            </a:r>
+            <a:r>
+              <a:rPr lang="tr-TR" dirty="0"/>
+              <a:t> </a:t>
+            </a:r>
+            <a:r>
+              <a:rPr lang="tr-TR" dirty="0" err="1"/>
+              <a:t>Work</a:t>
+            </a:r>
+            <a:endParaRPr lang="en-US" dirty="0"/>
+          </a:p>
+        </p:txBody>
+      </p:sp>
+      <p:sp>
+        <p:nvSpPr>
+          <p:cNvPr id="3" name="Content Placeholder 2">
+            <a:extLst>
+              <a:ext uri="{FF2B5EF4-FFF2-40B4-BE49-F238E27FC236}">
+                <a16:creationId xmlns:a16="http://schemas.microsoft.com/office/drawing/2014/main" id="{411A3A0C-4E84-4C03-9C37-E638E2E46DA0}"/>
+              </a:ext>
+            </a:extLst>
+          </p:cNvPr>
+          <p:cNvSpPr>
+            <a:spLocks noGrp="1"/>
+          </p:cNvSpPr>
+          <p:nvPr>
+            <p:ph idx="1"/>
+          </p:nvPr>
+        </p:nvSpPr>
+        <p:spPr/>
+        <p:txBody>
+          <a:bodyPr/>
+          <a:lstStyle/>
+          <a:p>
+            <a:pPr marL="342900" indent="-342900">
+              <a:buFont typeface="Arial" panose="020B0604020202020204" pitchFamily="34" charset="0"/>
+              <a:buChar char="•"/>
+            </a:pPr>
+            <a:endParaRPr lang="tr-TR" dirty="0"/>
+          </a:p>
+          <a:p>
+            <a:pPr marL="342900" indent="-342900">
+              <a:buFont typeface="Arial" panose="020B0604020202020204" pitchFamily="34" charset="0"/>
+              <a:buChar char="•"/>
+            </a:pPr>
+            <a:r>
+              <a:rPr lang="tr-TR" dirty="0" err="1"/>
+              <a:t>Refurbishment</a:t>
+            </a:r>
+            <a:r>
+              <a:rPr lang="tr-TR" dirty="0"/>
+              <a:t> is </a:t>
+            </a:r>
+            <a:r>
+              <a:rPr lang="tr-TR" dirty="0" err="1"/>
+              <a:t>important</a:t>
+            </a:r>
+            <a:r>
+              <a:rPr lang="tr-TR" dirty="0"/>
+              <a:t> </a:t>
+            </a:r>
+            <a:r>
+              <a:rPr lang="tr-TR" dirty="0" err="1"/>
+              <a:t>for</a:t>
+            </a:r>
+            <a:r>
+              <a:rPr lang="tr-TR" dirty="0"/>
+              <a:t> </a:t>
+            </a:r>
+            <a:r>
+              <a:rPr lang="tr-TR" dirty="0" err="1"/>
+              <a:t>sustanability</a:t>
+            </a:r>
+            <a:endParaRPr lang="tr-TR" dirty="0"/>
+          </a:p>
+          <a:p>
+            <a:pPr marL="982663" lvl="1" indent="-342900"/>
+            <a:r>
+              <a:rPr lang="tr-TR" dirty="0" err="1"/>
+              <a:t>Cheapest</a:t>
+            </a:r>
+            <a:r>
+              <a:rPr lang="tr-TR" dirty="0"/>
+              <a:t> </a:t>
+            </a:r>
+            <a:r>
+              <a:rPr lang="tr-TR" dirty="0" err="1"/>
+              <a:t>way</a:t>
+            </a:r>
+            <a:r>
+              <a:rPr lang="tr-TR" dirty="0"/>
+              <a:t> of </a:t>
+            </a:r>
+            <a:r>
+              <a:rPr lang="tr-TR" dirty="0" err="1"/>
+              <a:t>increasing</a:t>
+            </a:r>
+            <a:r>
+              <a:rPr lang="tr-TR" dirty="0"/>
+              <a:t> </a:t>
+            </a:r>
+            <a:r>
+              <a:rPr lang="tr-TR" dirty="0" err="1"/>
+              <a:t>installed</a:t>
+            </a:r>
+            <a:r>
+              <a:rPr lang="tr-TR" dirty="0"/>
+              <a:t> </a:t>
+            </a:r>
+            <a:r>
+              <a:rPr lang="tr-TR" dirty="0" err="1"/>
+              <a:t>power</a:t>
+            </a:r>
+            <a:endParaRPr lang="tr-TR" dirty="0"/>
+          </a:p>
+          <a:p>
+            <a:pPr marL="342900" indent="-342900"/>
+            <a:endParaRPr lang="tr-TR" dirty="0"/>
+          </a:p>
+          <a:p>
+            <a:pPr marL="342900" indent="-342900">
+              <a:buFont typeface="Arial" panose="020B0604020202020204" pitchFamily="34" charset="0"/>
+              <a:buChar char="•"/>
+            </a:pPr>
+            <a:r>
+              <a:rPr lang="tr-TR" dirty="0" err="1"/>
+              <a:t>Roebel</a:t>
+            </a:r>
+            <a:r>
+              <a:rPr lang="tr-TR" dirty="0"/>
+              <a:t> </a:t>
+            </a:r>
+            <a:r>
+              <a:rPr lang="tr-TR" dirty="0" err="1"/>
+              <a:t>bars</a:t>
+            </a:r>
+            <a:r>
+              <a:rPr lang="tr-TR" dirty="0"/>
+              <a:t> </a:t>
+            </a:r>
+            <a:r>
+              <a:rPr lang="tr-TR" dirty="0" err="1"/>
+              <a:t>are</a:t>
+            </a:r>
+            <a:r>
+              <a:rPr lang="tr-TR" dirty="0"/>
+              <a:t> </a:t>
+            </a:r>
+            <a:r>
+              <a:rPr lang="tr-TR" dirty="0" err="1"/>
+              <a:t>used</a:t>
+            </a:r>
+            <a:r>
+              <a:rPr lang="tr-TR" dirty="0"/>
+              <a:t> </a:t>
+            </a:r>
+            <a:r>
+              <a:rPr lang="tr-TR" dirty="0" err="1"/>
+              <a:t>to</a:t>
+            </a:r>
+            <a:r>
+              <a:rPr lang="tr-TR" dirty="0"/>
+              <a:t> </a:t>
+            </a:r>
+            <a:r>
+              <a:rPr lang="tr-TR" dirty="0" err="1"/>
+              <a:t>cancel</a:t>
+            </a:r>
+            <a:r>
+              <a:rPr lang="tr-TR" dirty="0"/>
+              <a:t> </a:t>
+            </a:r>
+            <a:r>
+              <a:rPr lang="tr-TR" dirty="0" err="1"/>
+              <a:t>circulating</a:t>
+            </a:r>
+            <a:r>
+              <a:rPr lang="tr-TR" dirty="0"/>
+              <a:t> </a:t>
+            </a:r>
+            <a:r>
+              <a:rPr lang="tr-TR" dirty="0" err="1"/>
+              <a:t>currents</a:t>
+            </a:r>
+            <a:endParaRPr lang="tr-TR" dirty="0"/>
+          </a:p>
+          <a:p>
+            <a:pPr marL="982663" lvl="1" indent="-342900"/>
+            <a:r>
+              <a:rPr lang="tr-TR" dirty="0"/>
+              <a:t>As </a:t>
+            </a:r>
+            <a:r>
+              <a:rPr lang="tr-TR" dirty="0" err="1"/>
+              <a:t>well</a:t>
+            </a:r>
+            <a:r>
+              <a:rPr lang="tr-TR" dirty="0"/>
+              <a:t> as </a:t>
+            </a:r>
+            <a:r>
+              <a:rPr lang="tr-TR" dirty="0" err="1"/>
+              <a:t>reduce</a:t>
+            </a:r>
+            <a:r>
+              <a:rPr lang="tr-TR" dirty="0"/>
+              <a:t> AC </a:t>
+            </a:r>
+            <a:r>
+              <a:rPr lang="tr-TR" dirty="0" err="1"/>
+              <a:t>losses</a:t>
+            </a:r>
+            <a:endParaRPr lang="tr-TR" dirty="0"/>
+          </a:p>
+          <a:p>
+            <a:pPr marL="342900" indent="-342900"/>
+            <a:endParaRPr lang="tr-TR" dirty="0"/>
+          </a:p>
+          <a:p>
+            <a:pPr marL="342900" indent="-342900">
+              <a:buFont typeface="Arial" panose="020B0604020202020204" pitchFamily="34" charset="0"/>
+              <a:buChar char="•"/>
+            </a:pPr>
+            <a:r>
+              <a:rPr lang="tr-TR" dirty="0" err="1"/>
+              <a:t>Future</a:t>
+            </a:r>
+            <a:r>
+              <a:rPr lang="tr-TR" dirty="0"/>
+              <a:t> </a:t>
+            </a:r>
+            <a:r>
+              <a:rPr lang="tr-TR" dirty="0" err="1"/>
+              <a:t>Work</a:t>
+            </a:r>
+            <a:r>
+              <a:rPr lang="tr-TR" dirty="0"/>
+              <a:t>: </a:t>
+            </a:r>
+            <a:r>
+              <a:rPr lang="tr-TR" dirty="0" err="1"/>
+              <a:t>Optimization</a:t>
+            </a:r>
+            <a:r>
+              <a:rPr lang="tr-TR" dirty="0"/>
+              <a:t> </a:t>
+            </a:r>
+            <a:r>
+              <a:rPr lang="tr-TR" dirty="0" err="1"/>
+              <a:t>with</a:t>
+            </a:r>
+            <a:r>
+              <a:rPr lang="tr-TR" dirty="0"/>
+              <a:t> </a:t>
+            </a:r>
+            <a:r>
+              <a:rPr lang="tr-TR" dirty="0" err="1"/>
+              <a:t>different</a:t>
+            </a:r>
+            <a:r>
+              <a:rPr lang="tr-TR" dirty="0"/>
+              <a:t> rotor </a:t>
+            </a:r>
+            <a:r>
+              <a:rPr lang="tr-TR" dirty="0" err="1"/>
+              <a:t>geometries</a:t>
+            </a:r>
+            <a:endParaRPr lang="tr-TR" dirty="0"/>
+          </a:p>
+          <a:p>
+            <a:pPr marL="342900" indent="-342900">
+              <a:buFont typeface="Arial" panose="020B0604020202020204" pitchFamily="34" charset="0"/>
+              <a:buChar char="•"/>
+            </a:pPr>
+            <a:endParaRPr lang="tr-TR" dirty="0"/>
+          </a:p>
+          <a:p>
+            <a:pPr marL="342900" indent="-342900">
+              <a:buFont typeface="Arial" panose="020B0604020202020204" pitchFamily="34" charset="0"/>
+              <a:buChar char="•"/>
+            </a:pPr>
+            <a:endParaRPr lang="tr-TR" dirty="0"/>
+          </a:p>
+          <a:p>
+            <a:pPr marL="342900" indent="-342900">
+              <a:buFont typeface="Arial" panose="020B0604020202020204" pitchFamily="34" charset="0"/>
+              <a:buChar char="•"/>
+            </a:pPr>
+            <a:endParaRPr lang="en-US" dirty="0"/>
+          </a:p>
+        </p:txBody>
+      </p:sp>
+      <p:sp>
+        <p:nvSpPr>
+          <p:cNvPr id="4" name="Slide Number Placeholder 3">
+            <a:extLst>
+              <a:ext uri="{FF2B5EF4-FFF2-40B4-BE49-F238E27FC236}">
+                <a16:creationId xmlns:a16="http://schemas.microsoft.com/office/drawing/2014/main" id="{5B2F18BF-5B09-4E60-B9C8-B2CB4FDDC4E7}"/>
+              </a:ext>
+            </a:extLst>
+          </p:cNvPr>
+          <p:cNvSpPr>
+            <a:spLocks noGrp="1"/>
+          </p:cNvSpPr>
+          <p:nvPr>
+            <p:ph type="sldNum" sz="quarter" idx="12"/>
+          </p:nvPr>
+        </p:nvSpPr>
+        <p:spPr/>
+        <p:txBody>
+          <a:bodyPr/>
+          <a:lstStyle/>
+          <a:p>
+            <a:pPr>
+              <a:defRPr/>
+            </a:pPr>
+            <a:fld id="{C878F797-6006-4DDA-AFE9-456F280FE6C5}" type="slidenum">
+              <a:rPr lang="en-US" smtClean="0"/>
+              <a:pPr>
+                <a:defRPr/>
+              </a:pPr>
+              <a:t>21</a:t>
+            </a:fld>
+            <a:endParaRPr lang="en-US" dirty="0"/>
+          </a:p>
+        </p:txBody>
+      </p:sp>
+      <p:sp>
+        <p:nvSpPr>
+          <p:cNvPr id="5" name="Date Placeholder 4">
+            <a:extLst>
+              <a:ext uri="{FF2B5EF4-FFF2-40B4-BE49-F238E27FC236}">
+                <a16:creationId xmlns:a16="http://schemas.microsoft.com/office/drawing/2014/main" id="{0DD43608-4BA4-4C6B-8656-96AB45B7CD40}"/>
+              </a:ext>
+            </a:extLst>
+          </p:cNvPr>
+          <p:cNvSpPr>
+            <a:spLocks noGrp="1"/>
+          </p:cNvSpPr>
+          <p:nvPr>
+            <p:ph type="dt" sz="half" idx="2"/>
+          </p:nvPr>
+        </p:nvSpPr>
+        <p:spPr/>
+        <p:txBody>
+          <a:bodyPr/>
+          <a:lstStyle/>
+          <a:p>
+            <a:pPr>
+              <a:defRPr/>
+            </a:pPr>
+            <a:r>
+              <a:rPr lang="tr-TR"/>
+              <a:t>METU Electrical &amp; Electronics Engineering Department</a:t>
+            </a:r>
+            <a:endParaRPr lang="en-US" dirty="0"/>
+          </a:p>
+        </p:txBody>
+      </p:sp>
+    </p:spTree>
+    <p:extLst>
+      <p:ext uri="{BB962C8B-B14F-4D97-AF65-F5344CB8AC3E}">
+        <p14:creationId xmlns:p14="http://schemas.microsoft.com/office/powerpoint/2010/main" val="2789951459"/>
+      </p:ext>
+    </p:extLst>
+  </p:cSld>
+  <p:clrMapOvr>
+    <a:masterClrMapping/>
+  </p:clrMapOvr>
+</p:sld>
+</file>
+
+<file path=ppt/slides/slide22.xml><?xml version="1.0" encoding="utf-8"?>
+<p:sld xmlns:a="http://schemas.openxmlformats.org/drawingml/2006/main" xmlns:r="http://schemas.openxmlformats.org/officeDocument/2006/relationships" xmlns:p="http://schemas.openxmlformats.org/presentationml/2006/main">
+  <p:cSld>
+    <p:spTree>
+      <p:nvGrpSpPr>
+        <p:cNvPr id="1" name=""/>
+        <p:cNvGrpSpPr/>
+        <p:nvPr/>
+      </p:nvGrpSpPr>
+      <p:grpSpPr>
+        <a:xfrm>
+          <a:off x="0" y="0"/>
+          <a:ext cx="0" cy="0"/>
+          <a:chOff x="0" y="0"/>
+          <a:chExt cx="0" cy="0"/>
+        </a:xfrm>
+      </p:grpSpPr>
+    </p:spTree>
+    <p:extLst>
+      <p:ext uri="{BB962C8B-B14F-4D97-AF65-F5344CB8AC3E}">
+        <p14:creationId xmlns:p14="http://schemas.microsoft.com/office/powerpoint/2010/main" val="3835474893"/>
       </p:ext>
     </p:extLst>
   </p:cSld>
@@ -5799,9 +10540,36 @@
               <a:buFont typeface="Arial" panose="020B0604020202020204" pitchFamily="34" charset="0"/>
               <a:buChar char="•"/>
             </a:pPr>
+            <a:endParaRPr lang="tr-TR" dirty="0"/>
+          </a:p>
+          <a:p>
+            <a:pPr marL="342900" indent="-342900">
+              <a:buFont typeface="Arial" panose="020B0604020202020204" pitchFamily="34" charset="0"/>
+              <a:buChar char="•"/>
+            </a:pPr>
             <a:r>
               <a:rPr lang="tr-TR" dirty="0" err="1"/>
               <a:t>Introduction</a:t>
+            </a:r>
+            <a:endParaRPr lang="tr-TR" dirty="0"/>
+          </a:p>
+          <a:p>
+            <a:pPr marL="982663" lvl="1" indent="-342900"/>
+            <a:r>
+              <a:rPr lang="tr-TR" dirty="0"/>
+              <a:t>Basic </a:t>
+            </a:r>
+            <a:r>
+              <a:rPr lang="tr-TR" dirty="0" err="1"/>
+              <a:t>Terms</a:t>
+            </a:r>
+            <a:r>
+              <a:rPr lang="tr-TR" dirty="0"/>
+              <a:t> &amp; </a:t>
+            </a:r>
+            <a:r>
+              <a:rPr lang="tr-TR" dirty="0" err="1"/>
+              <a:t>Definitions</a:t>
             </a:r>
             <a:endParaRPr lang="tr-TR" dirty="0"/>
           </a:p>
@@ -5818,7 +10586,15 @@
             </a:pPr>
             <a:r>
               <a:rPr lang="tr-TR" dirty="0" err="1"/>
-              <a:t>Methodology</a:t>
+              <a:t>Refurbishment</a:t>
+            </a:r>
+            <a:r>
+              <a:rPr lang="tr-TR" dirty="0"/>
+              <a:t> </a:t>
+            </a:r>
+            <a:r>
+              <a:rPr lang="tr-TR" dirty="0" err="1"/>
+              <a:t>Process</a:t>
             </a:r>
             <a:endParaRPr lang="tr-TR" dirty="0"/>
           </a:p>
@@ -5826,7 +10602,19 @@
             <a:pPr marL="982663" lvl="1" indent="-342900"/>
             <a:r>
               <a:rPr lang="tr-TR" dirty="0" err="1"/>
-              <a:t>Alternating</a:t>
+              <a:t>Optimization</a:t>
+            </a:r>
+            <a:endParaRPr lang="tr-TR" dirty="0"/>
+          </a:p>
+          <a:p>
+            <a:pPr marL="982663" lvl="1" indent="-342900"/>
+            <a:r>
+              <a:rPr lang="tr-TR" dirty="0"/>
+              <a:t>Design of </a:t>
+            </a:r>
+            <a:r>
+              <a:rPr lang="tr-TR" dirty="0" err="1"/>
+              <a:t>Roebel</a:t>
             </a:r>
             <a:r>
               <a:rPr lang="tr-TR" dirty="0"/>
@@ -5834,59 +10622,11 @@
             </a:r>
             <a:r>
               <a:rPr lang="tr-TR" dirty="0" err="1"/>
-              <a:t>Winding</a:t>
-            </a:r>
-            <a:r>
-              <a:rPr lang="tr-TR" dirty="0"/>
-              <a:t> </a:t>
-            </a:r>
-            <a:r>
-              <a:rPr lang="tr-TR" dirty="0" err="1"/>
-              <a:t>Type</a:t>
+              <a:t>Bars</a:t>
             </a:r>
             <a:endParaRPr lang="tr-TR" dirty="0"/>
           </a:p>
           <a:p>
-            <a:pPr marL="982663" lvl="1" indent="-342900"/>
-            <a:r>
-              <a:rPr lang="tr-TR" dirty="0"/>
-              <a:t>Design of </a:t>
-            </a:r>
-            <a:r>
-              <a:rPr lang="tr-TR" dirty="0" err="1"/>
-              <a:t>Roebel</a:t>
-            </a:r>
-            <a:r>
-              <a:rPr lang="tr-TR" dirty="0"/>
-              <a:t> </a:t>
-            </a:r>
-            <a:r>
-              <a:rPr lang="tr-TR" dirty="0" err="1"/>
-              <a:t>Bars</a:t>
-            </a:r>
-            <a:endParaRPr lang="tr-TR" dirty="0"/>
-          </a:p>
-          <a:p>
-            <a:pPr marL="982663" lvl="1" indent="-342900"/>
-            <a:r>
-              <a:rPr lang="tr-TR" dirty="0" err="1"/>
-              <a:t>Optimization</a:t>
-            </a:r>
-            <a:endParaRPr lang="tr-TR" dirty="0"/>
-          </a:p>
-          <a:p>
-            <a:pPr marL="342900" indent="-342900"/>
-            <a:endParaRPr lang="tr-TR" dirty="0"/>
-          </a:p>
-          <a:p>
-            <a:pPr marL="342900" indent="-342900">
-              <a:buFont typeface="Arial" panose="020B0604020202020204" pitchFamily="34" charset="0"/>
-              <a:buChar char="•"/>
-            </a:pPr>
-            <a:r>
-              <a:rPr lang="tr-TR" dirty="0" err="1"/>
-              <a:t>Results</a:t>
-            </a:r>
             <a:endParaRPr lang="tr-TR" dirty="0"/>
           </a:p>
           <a:p>
@@ -6139,12 +10879,8 @@
               <a:buChar char="•"/>
             </a:pPr>
             <a:r>
-              <a:rPr lang="tr-TR" dirty="0"/>
-              <a:t>A </a:t>
-            </a:r>
-            <a:r>
-              <a:rPr lang="tr-TR" dirty="0" err="1"/>
-              <a:t>couple</a:t>
+              <a:rPr lang="tr-TR" dirty="0" err="1"/>
+              <a:t>Tens</a:t>
             </a:r>
             <a:r>
               <a:rPr lang="tr-TR" dirty="0"/>
@@ -6811,7 +11547,7 @@
           <p:cNvPr id="2" name="Title 1">
             <a:extLst>
               <a:ext uri="{FF2B5EF4-FFF2-40B4-BE49-F238E27FC236}">
-                <a16:creationId xmlns:a16="http://schemas.microsoft.com/office/drawing/2014/main" id="{45636C6E-2062-404F-B677-F65CE8F90CBC}"/>
+                <a16:creationId xmlns:a16="http://schemas.microsoft.com/office/drawing/2014/main" id="{FCF671A0-B558-4F70-BCAC-13A4F213D648}"/>
               </a:ext>
             </a:extLst>
           </p:cNvPr>
@@ -6845,73 +11581,10 @@
       </p:sp>
       <p:sp>
         <p:nvSpPr>
-          <p:cNvPr id="3" name="Content Placeholder 2">
-            <a:extLst>
-              <a:ext uri="{FF2B5EF4-FFF2-40B4-BE49-F238E27FC236}">
-                <a16:creationId xmlns:a16="http://schemas.microsoft.com/office/drawing/2014/main" id="{C5D29E6C-AAC3-4163-9252-4D6779C2231C}"/>
-              </a:ext>
-            </a:extLst>
-          </p:cNvPr>
-          <p:cNvSpPr>
-            <a:spLocks noGrp="1"/>
-          </p:cNvSpPr>
-          <p:nvPr>
-            <p:ph idx="1"/>
-          </p:nvPr>
-        </p:nvSpPr>
-        <p:spPr/>
-        <p:txBody>
-          <a:bodyPr/>
-          <a:lstStyle/>
-          <a:p>
-            <a:pPr marL="342900" indent="-342900">
-              <a:buFont typeface="Arial" panose="020B0604020202020204" pitchFamily="34" charset="0"/>
-              <a:buChar char="•"/>
-            </a:pPr>
-            <a:r>
-              <a:rPr lang="tr-TR" dirty="0"/>
-              <a:t>Lap </a:t>
-            </a:r>
-            <a:r>
-              <a:rPr lang="tr-TR" dirty="0" err="1"/>
-              <a:t>Winding</a:t>
-            </a:r>
-            <a:endParaRPr lang="tr-TR" dirty="0"/>
-          </a:p>
-          <a:p>
-            <a:pPr marL="342900" indent="-342900">
-              <a:buFont typeface="Arial" panose="020B0604020202020204" pitchFamily="34" charset="0"/>
-              <a:buChar char="•"/>
-            </a:pPr>
-            <a:endParaRPr lang="tr-TR" dirty="0"/>
-          </a:p>
-          <a:p>
-            <a:pPr marL="342900" indent="-342900">
-              <a:buFont typeface="Arial" panose="020B0604020202020204" pitchFamily="34" charset="0"/>
-              <a:buChar char="•"/>
-            </a:pPr>
-            <a:r>
-              <a:rPr lang="tr-TR" dirty="0" err="1"/>
-              <a:t>Wave</a:t>
-            </a:r>
-            <a:r>
-              <a:rPr lang="tr-TR" dirty="0"/>
-              <a:t> </a:t>
-            </a:r>
-            <a:r>
-              <a:rPr lang="tr-TR" dirty="0" err="1"/>
-              <a:t>Winding</a:t>
-            </a:r>
-            <a:endParaRPr lang="en-US" dirty="0"/>
-          </a:p>
-        </p:txBody>
-      </p:sp>
-      <p:sp>
-        <p:nvSpPr>
           <p:cNvPr id="4" name="Slide Number Placeholder 3">
             <a:extLst>
               <a:ext uri="{FF2B5EF4-FFF2-40B4-BE49-F238E27FC236}">
-                <a16:creationId xmlns:a16="http://schemas.microsoft.com/office/drawing/2014/main" id="{730BC0DF-148A-4EA7-A99A-B84C1A3FE452}"/>
+                <a16:creationId xmlns:a16="http://schemas.microsoft.com/office/drawing/2014/main" id="{99C693D1-A471-4E5D-BB09-F03DEC60E3E9}"/>
               </a:ext>
             </a:extLst>
           </p:cNvPr>
@@ -6946,7 +11619,7 @@
           <p:cNvPr id="5" name="Date Placeholder 4">
             <a:extLst>
               <a:ext uri="{FF2B5EF4-FFF2-40B4-BE49-F238E27FC236}">
-                <a16:creationId xmlns:a16="http://schemas.microsoft.com/office/drawing/2014/main" id="{04310E1D-5308-444B-A6D7-EA8278FDAC9D}"/>
+                <a16:creationId xmlns:a16="http://schemas.microsoft.com/office/drawing/2014/main" id="{1C0BBE3E-0B71-4D9A-94AF-A62315D1B9B6}"/>
               </a:ext>
             </a:extLst>
           </p:cNvPr>
@@ -6973,10 +11646,198 @@
           </a:p>
         </p:txBody>
       </p:sp>
+      <p:pic>
+        <p:nvPicPr>
+          <p:cNvPr id="14" name="Picture 13">
+            <a:extLst>
+              <a:ext uri="{FF2B5EF4-FFF2-40B4-BE49-F238E27FC236}">
+                <a16:creationId xmlns:a16="http://schemas.microsoft.com/office/drawing/2014/main" id="{8030A539-A28F-49DA-8EC6-D86C6C49B445}"/>
+              </a:ext>
+            </a:extLst>
+          </p:cNvPr>
+          <p:cNvPicPr>
+            <a:picLocks noChangeAspect="1"/>
+          </p:cNvPicPr>
+          <p:nvPr/>
+        </p:nvPicPr>
+        <p:blipFill>
+          <a:blip r:embed="rId2"/>
+          <a:stretch>
+            <a:fillRect/>
+          </a:stretch>
+        </p:blipFill>
+        <p:spPr>
+          <a:xfrm>
+            <a:off x="39329" y="2386518"/>
+            <a:ext cx="4572000" cy="3447060"/>
+          </a:xfrm>
+          <a:prstGeom prst="rect">
+            <a:avLst/>
+          </a:prstGeom>
+        </p:spPr>
+      </p:pic>
+      <p:pic>
+        <p:nvPicPr>
+          <p:cNvPr id="16" name="Picture 15">
+            <a:extLst>
+              <a:ext uri="{FF2B5EF4-FFF2-40B4-BE49-F238E27FC236}">
+                <a16:creationId xmlns:a16="http://schemas.microsoft.com/office/drawing/2014/main" id="{E4FE30B0-47E9-41E9-9EE4-5FB15D7D9E91}"/>
+              </a:ext>
+            </a:extLst>
+          </p:cNvPr>
+          <p:cNvPicPr>
+            <a:picLocks noChangeAspect="1"/>
+          </p:cNvPicPr>
+          <p:nvPr/>
+        </p:nvPicPr>
+        <p:blipFill>
+          <a:blip r:embed="rId3"/>
+          <a:stretch>
+            <a:fillRect/>
+          </a:stretch>
+        </p:blipFill>
+        <p:spPr>
+          <a:xfrm>
+            <a:off x="4611329" y="2650703"/>
+            <a:ext cx="4572000" cy="2585295"/>
+          </a:xfrm>
+          <a:prstGeom prst="rect">
+            <a:avLst/>
+          </a:prstGeom>
+        </p:spPr>
+      </p:pic>
+      <p:sp>
+        <p:nvSpPr>
+          <p:cNvPr id="17" name="Content Placeholder 10">
+            <a:extLst>
+              <a:ext uri="{FF2B5EF4-FFF2-40B4-BE49-F238E27FC236}">
+                <a16:creationId xmlns:a16="http://schemas.microsoft.com/office/drawing/2014/main" id="{223F6C9C-5DAD-4C97-BBBB-1B5F0E7F8B70}"/>
+              </a:ext>
+            </a:extLst>
+          </p:cNvPr>
+          <p:cNvSpPr>
+            <a:spLocks noGrp="1"/>
+          </p:cNvSpPr>
+          <p:nvPr>
+            <p:ph idx="1"/>
+          </p:nvPr>
+        </p:nvSpPr>
+        <p:spPr>
+          <a:xfrm>
+            <a:off x="457200" y="1430338"/>
+            <a:ext cx="8229600" cy="4987925"/>
+          </a:xfrm>
+        </p:spPr>
+        <p:txBody>
+          <a:bodyPr/>
+          <a:lstStyle/>
+          <a:p>
+            <a:endParaRPr lang="tr-TR" dirty="0"/>
+          </a:p>
+          <a:p>
+            <a:r>
+              <a:rPr lang="tr-TR" dirty="0"/>
+              <a:t>       Lap </a:t>
+            </a:r>
+            <a:r>
+              <a:rPr lang="tr-TR" dirty="0" err="1"/>
+              <a:t>Winding</a:t>
+            </a:r>
+            <a:r>
+              <a:rPr lang="tr-TR" dirty="0"/>
+              <a:t>				</a:t>
+            </a:r>
+            <a:r>
+              <a:rPr lang="tr-TR" dirty="0" err="1"/>
+              <a:t>Wave</a:t>
+            </a:r>
+            <a:r>
+              <a:rPr lang="tr-TR" dirty="0"/>
+              <a:t> </a:t>
+            </a:r>
+            <a:r>
+              <a:rPr lang="tr-TR" dirty="0" err="1"/>
+              <a:t>Winding</a:t>
+            </a:r>
+            <a:endParaRPr lang="tr-TR" dirty="0"/>
+          </a:p>
+        </p:txBody>
+      </p:sp>
+      <p:sp>
+        <p:nvSpPr>
+          <p:cNvPr id="18" name="TextBox 17">
+            <a:extLst>
+              <a:ext uri="{FF2B5EF4-FFF2-40B4-BE49-F238E27FC236}">
+                <a16:creationId xmlns:a16="http://schemas.microsoft.com/office/drawing/2014/main" id="{F44B4DFC-BF7B-4F61-951D-BA842A7F5166}"/>
+              </a:ext>
+            </a:extLst>
+          </p:cNvPr>
+          <p:cNvSpPr txBox="1"/>
+          <p:nvPr/>
+        </p:nvSpPr>
+        <p:spPr>
+          <a:xfrm>
+            <a:off x="324465" y="6017342"/>
+            <a:ext cx="8583561" cy="646331"/>
+          </a:xfrm>
+          <a:prstGeom prst="rect">
+            <a:avLst/>
+          </a:prstGeom>
+          <a:noFill/>
+        </p:spPr>
+        <p:txBody>
+          <a:bodyPr wrap="square" rtlCol="0">
+            <a:spAutoFit/>
+          </a:bodyPr>
+          <a:lstStyle/>
+          <a:p>
+            <a:r>
+              <a:rPr lang="en-US" sz="900" dirty="0">
+                <a:latin typeface="Century Gothic" panose="020B0502020202020204" pitchFamily="34" charset="0"/>
+              </a:rPr>
+              <a:t>M.M. </a:t>
+            </a:r>
+            <a:r>
+              <a:rPr lang="en-US" sz="900" dirty="0" err="1">
+                <a:latin typeface="Century Gothic" panose="020B0502020202020204" pitchFamily="34" charset="0"/>
+              </a:rPr>
+              <a:t>Znidarich</a:t>
+            </a:r>
+            <a:r>
+              <a:rPr lang="en-US" sz="900" dirty="0">
+                <a:latin typeface="Century Gothic" panose="020B0502020202020204" pitchFamily="34" charset="0"/>
+              </a:rPr>
+              <a:t> (2008) Hydro Generator High Voltage Stator Windings: Part 1 – Essential Characteristics and Degradation Mechanisms, Australian Journal of Electrical and Electronics Engineering, 5:1, 1-17, DOI: </a:t>
+            </a:r>
+            <a:r>
+              <a:rPr lang="en-US" sz="900" dirty="0">
+                <a:latin typeface="Century Gothic" panose="020B0502020202020204" pitchFamily="34" charset="0"/>
+                <a:hlinkClick r:id="rId4">
+                  <a:extLst>
+                    <a:ext uri="{A12FA001-AC4F-418D-AE19-62706E023703}">
+                      <ahyp:hlinkClr xmlns:ahyp="http://schemas.microsoft.com/office/drawing/2018/hyperlinkcolor" val="tx"/>
+                    </a:ext>
+                  </a:extLst>
+                </a:hlinkClick>
+              </a:rPr>
+              <a:t>10.1080/1448837X.2008.11464196</a:t>
+            </a:r>
+            <a:r>
+              <a:rPr lang="en-US" sz="900" dirty="0">
+                <a:latin typeface="Century Gothic" panose="020B0502020202020204" pitchFamily="34" charset="0"/>
+              </a:rPr>
+              <a:t> </a:t>
+            </a:r>
+          </a:p>
+          <a:p>
+            <a:endParaRPr lang="en-US" dirty="0"/>
+          </a:p>
+        </p:txBody>
+      </p:sp>
     </p:spTree>
     <p:extLst>
       <p:ext uri="{BB962C8B-B14F-4D97-AF65-F5344CB8AC3E}">
-        <p14:creationId xmlns:p14="http://schemas.microsoft.com/office/powerpoint/2010/main" val="4022192944"/>
+        <p14:creationId xmlns:p14="http://schemas.microsoft.com/office/powerpoint/2010/main" val="521555302"/>
       </p:ext>
     </p:extLst>
   </p:cSld>
@@ -7008,7 +11869,7 @@
           <p:cNvPr id="2" name="Title 1">
             <a:extLst>
               <a:ext uri="{FF2B5EF4-FFF2-40B4-BE49-F238E27FC236}">
-                <a16:creationId xmlns:a16="http://schemas.microsoft.com/office/drawing/2014/main" id="{F153B472-B62B-46CC-AF51-0408F0ED4387}"/>
+                <a16:creationId xmlns:a16="http://schemas.microsoft.com/office/drawing/2014/main" id="{45636C6E-2062-404F-B677-F65CE8F90CBC}"/>
               </a:ext>
             </a:extLst>
           </p:cNvPr>
@@ -7026,42 +11887,17 @@
           <a:p>
             <a:r>
               <a:rPr lang="tr-TR" dirty="0" err="1"/>
-              <a:t>Upgrading</a:t>
-            </a:r>
-            <a:r>
-              <a:rPr lang="tr-TR" dirty="0"/>
-              <a:t> &amp; </a:t>
-            </a:r>
-            <a:r>
-              <a:rPr lang="tr-TR" dirty="0" err="1"/>
-              <a:t>Uprating</a:t>
+              <a:t>Winding</a:t>
+            </a:r>
+            <a:r>
+              <a:rPr lang="tr-TR" dirty="0"/>
+              <a:t> </a:t>
+            </a:r>
+            <a:r>
+              <a:rPr lang="tr-TR" dirty="0" err="1"/>
+              <a:t>Types</a:t>
             </a:r>
             <a:endParaRPr lang="en-US" dirty="0"/>
-          </a:p>
-        </p:txBody>
-      </p:sp>
-      <p:sp>
-        <p:nvSpPr>
-          <p:cNvPr id="3" name="Content Placeholder 2">
-            <a:extLst>
-              <a:ext uri="{FF2B5EF4-FFF2-40B4-BE49-F238E27FC236}">
-                <a16:creationId xmlns:a16="http://schemas.microsoft.com/office/drawing/2014/main" id="{1DAA0CFD-805E-48B0-AB22-7917E206EEFF}"/>
-              </a:ext>
-            </a:extLst>
-          </p:cNvPr>
-          <p:cNvSpPr>
-            <a:spLocks noGrp="1"/>
-          </p:cNvSpPr>
-          <p:nvPr>
-            <p:ph idx="1"/>
-          </p:nvPr>
-        </p:nvSpPr>
-        <p:spPr/>
-        <p:txBody>
-          <a:bodyPr/>
-          <a:lstStyle/>
-          <a:p>
-            <a:endParaRPr lang="en-US"/>
           </a:p>
         </p:txBody>
       </p:sp>
@@ -7070,7 +11906,7 @@
           <p:cNvPr id="4" name="Slide Number Placeholder 3">
             <a:extLst>
               <a:ext uri="{FF2B5EF4-FFF2-40B4-BE49-F238E27FC236}">
-                <a16:creationId xmlns:a16="http://schemas.microsoft.com/office/drawing/2014/main" id="{2A4824DF-0194-47F4-8B46-D4D3DCA830B9}"/>
+                <a16:creationId xmlns:a16="http://schemas.microsoft.com/office/drawing/2014/main" id="{730BC0DF-148A-4EA7-A99A-B84C1A3FE452}"/>
               </a:ext>
             </a:extLst>
           </p:cNvPr>
@@ -7105,7 +11941,7 @@
           <p:cNvPr id="5" name="Date Placeholder 4">
             <a:extLst>
               <a:ext uri="{FF2B5EF4-FFF2-40B4-BE49-F238E27FC236}">
-                <a16:creationId xmlns:a16="http://schemas.microsoft.com/office/drawing/2014/main" id="{5AFEB541-E56E-4B70-BBFB-BE5CEBDAB526}"/>
+                <a16:creationId xmlns:a16="http://schemas.microsoft.com/office/drawing/2014/main" id="{04310E1D-5308-444B-A6D7-EA8278FDAC9D}"/>
               </a:ext>
             </a:extLst>
           </p:cNvPr>
@@ -7132,10 +11968,652 @@
           </a:p>
         </p:txBody>
       </p:sp>
+      <p:graphicFrame>
+        <p:nvGraphicFramePr>
+          <p:cNvPr id="8" name="Table 4">
+            <a:extLst>
+              <a:ext uri="{FF2B5EF4-FFF2-40B4-BE49-F238E27FC236}">
+                <a16:creationId xmlns:a16="http://schemas.microsoft.com/office/drawing/2014/main" id="{76AD6DCE-C5F4-4E0B-98FE-DDCE475329BE}"/>
+              </a:ext>
+            </a:extLst>
+          </p:cNvPr>
+          <p:cNvGraphicFramePr>
+            <a:graphicFrameLocks noGrp="1"/>
+          </p:cNvGraphicFramePr>
+          <p:nvPr>
+            <p:ph idx="1"/>
+            <p:extLst>
+              <p:ext uri="{D42A27DB-BD31-4B8C-83A1-F6EECF244321}">
+                <p14:modId xmlns:p14="http://schemas.microsoft.com/office/powerpoint/2010/main" val="3972853956"/>
+              </p:ext>
+            </p:extLst>
+          </p:nvPr>
+        </p:nvGraphicFramePr>
+        <p:xfrm>
+          <a:off x="457200" y="1691147"/>
+          <a:ext cx="8345440" cy="3718294"/>
+        </p:xfrm>
+        <a:graphic>
+          <a:graphicData uri="http://schemas.openxmlformats.org/drawingml/2006/table">
+            <a:tbl>
+              <a:tblPr firstRow="1" bandRow="1">
+                <a:tableStyleId>{5940675A-B579-460E-94D1-54222C63F5DA}</a:tableStyleId>
+              </a:tblPr>
+              <a:tblGrid>
+                <a:gridCol w="2086360">
+                  <a:extLst>
+                    <a:ext uri="{9D8B030D-6E8A-4147-A177-3AD203B41FA5}">
+                      <a16:colId xmlns:a16="http://schemas.microsoft.com/office/drawing/2014/main" val="2662329218"/>
+                    </a:ext>
+                  </a:extLst>
+                </a:gridCol>
+                <a:gridCol w="2086360">
+                  <a:extLst>
+                    <a:ext uri="{9D8B030D-6E8A-4147-A177-3AD203B41FA5}">
+                      <a16:colId xmlns:a16="http://schemas.microsoft.com/office/drawing/2014/main" val="602520085"/>
+                    </a:ext>
+                  </a:extLst>
+                </a:gridCol>
+                <a:gridCol w="2086360">
+                  <a:extLst>
+                    <a:ext uri="{9D8B030D-6E8A-4147-A177-3AD203B41FA5}">
+                      <a16:colId xmlns:a16="http://schemas.microsoft.com/office/drawing/2014/main" val="2667816927"/>
+                    </a:ext>
+                  </a:extLst>
+                </a:gridCol>
+                <a:gridCol w="2086360">
+                  <a:extLst>
+                    <a:ext uri="{9D8B030D-6E8A-4147-A177-3AD203B41FA5}">
+                      <a16:colId xmlns:a16="http://schemas.microsoft.com/office/drawing/2014/main" val="3263779871"/>
+                    </a:ext>
+                  </a:extLst>
+                </a:gridCol>
+              </a:tblGrid>
+              <a:tr h="554319">
+                <a:tc gridSpan="2">
+                  <a:txBody>
+                    <a:bodyPr/>
+                    <a:lstStyle/>
+                    <a:p>
+                      <a:pPr algn="ctr"/>
+                      <a:r>
+                        <a:rPr lang="tr-TR" b="1" dirty="0" err="1"/>
+                        <a:t>Wave</a:t>
+                      </a:r>
+                      <a:r>
+                        <a:rPr lang="tr-TR" b="1" dirty="0"/>
+                        <a:t> </a:t>
+                      </a:r>
+                      <a:r>
+                        <a:rPr lang="tr-TR" b="1" dirty="0" err="1"/>
+                        <a:t>Winding</a:t>
+                      </a:r>
+                      <a:endParaRPr lang="en-US" b="1" dirty="0"/>
+                    </a:p>
+                  </a:txBody>
+                  <a:tcPr/>
+                </a:tc>
+                <a:tc hMerge="1">
+                  <a:txBody>
+                    <a:bodyPr/>
+                    <a:lstStyle/>
+                    <a:p>
+                      <a:endParaRPr lang="en-US" dirty="0"/>
+                    </a:p>
+                  </a:txBody>
+                  <a:tcPr/>
+                </a:tc>
+                <a:tc gridSpan="2">
+                  <a:txBody>
+                    <a:bodyPr/>
+                    <a:lstStyle/>
+                    <a:p>
+                      <a:pPr algn="ctr"/>
+                      <a:r>
+                        <a:rPr lang="tr-TR" b="1" dirty="0"/>
+                        <a:t>Lap </a:t>
+                      </a:r>
+                      <a:r>
+                        <a:rPr lang="tr-TR" b="1" dirty="0" err="1"/>
+                        <a:t>Winding</a:t>
+                      </a:r>
+                      <a:endParaRPr lang="en-US" b="1" dirty="0"/>
+                    </a:p>
+                  </a:txBody>
+                  <a:tcPr/>
+                </a:tc>
+                <a:tc hMerge="1">
+                  <a:txBody>
+                    <a:bodyPr/>
+                    <a:lstStyle/>
+                    <a:p>
+                      <a:endParaRPr lang="en-US" dirty="0"/>
+                    </a:p>
+                  </a:txBody>
+                  <a:tcPr/>
+                </a:tc>
+                <a:extLst>
+                  <a:ext uri="{0D108BD9-81ED-4DB2-BD59-A6C34878D82A}">
+                    <a16:rowId xmlns:a16="http://schemas.microsoft.com/office/drawing/2014/main" val="556050029"/>
+                  </a:ext>
+                </a:extLst>
+              </a:tr>
+              <a:tr h="554319">
+                <a:tc>
+                  <a:txBody>
+                    <a:bodyPr/>
+                    <a:lstStyle/>
+                    <a:p>
+                      <a:r>
+                        <a:rPr lang="tr-TR" b="1" dirty="0">
+                          <a:solidFill>
+                            <a:schemeClr val="tx1"/>
+                          </a:solidFill>
+                        </a:rPr>
+                        <a:t>Advantage</a:t>
+                      </a:r>
+                      <a:endParaRPr lang="en-US" b="1" dirty="0">
+                        <a:solidFill>
+                          <a:schemeClr val="tx1"/>
+                        </a:solidFill>
+                      </a:endParaRPr>
+                    </a:p>
+                  </a:txBody>
+                  <a:tcPr/>
+                </a:tc>
+                <a:tc>
+                  <a:txBody>
+                    <a:bodyPr/>
+                    <a:lstStyle/>
+                    <a:p>
+                      <a:r>
+                        <a:rPr lang="tr-TR" b="1" dirty="0" err="1">
+                          <a:solidFill>
+                            <a:schemeClr val="tx1"/>
+                          </a:solidFill>
+                        </a:rPr>
+                        <a:t>Disadvantage</a:t>
+                      </a:r>
+                      <a:endParaRPr lang="en-US" b="1" dirty="0">
+                        <a:solidFill>
+                          <a:schemeClr val="tx1"/>
+                        </a:solidFill>
+                      </a:endParaRPr>
+                    </a:p>
+                  </a:txBody>
+                  <a:tcPr/>
+                </a:tc>
+                <a:tc>
+                  <a:txBody>
+                    <a:bodyPr/>
+                    <a:lstStyle/>
+                    <a:p>
+                      <a:r>
+                        <a:rPr lang="tr-TR" b="1" dirty="0">
+                          <a:solidFill>
+                            <a:schemeClr val="tx1"/>
+                          </a:solidFill>
+                        </a:rPr>
+                        <a:t>Advantage</a:t>
+                      </a:r>
+                      <a:endParaRPr lang="en-US" b="1" dirty="0">
+                        <a:solidFill>
+                          <a:schemeClr val="tx1"/>
+                        </a:solidFill>
+                      </a:endParaRPr>
+                    </a:p>
+                  </a:txBody>
+                  <a:tcPr/>
+                </a:tc>
+                <a:tc>
+                  <a:txBody>
+                    <a:bodyPr/>
+                    <a:lstStyle/>
+                    <a:p>
+                      <a:r>
+                        <a:rPr lang="tr-TR" b="1" dirty="0" err="1">
+                          <a:solidFill>
+                            <a:schemeClr val="tx1"/>
+                          </a:solidFill>
+                        </a:rPr>
+                        <a:t>Disadvantage</a:t>
+                      </a:r>
+                      <a:endParaRPr lang="en-US" b="1" dirty="0">
+                        <a:solidFill>
+                          <a:schemeClr val="tx1"/>
+                        </a:solidFill>
+                      </a:endParaRPr>
+                    </a:p>
+                  </a:txBody>
+                  <a:tcPr/>
+                </a:tc>
+                <a:extLst>
+                  <a:ext uri="{0D108BD9-81ED-4DB2-BD59-A6C34878D82A}">
+                    <a16:rowId xmlns:a16="http://schemas.microsoft.com/office/drawing/2014/main" val="2023898165"/>
+                  </a:ext>
+                </a:extLst>
+              </a:tr>
+              <a:tr h="710468">
+                <a:tc>
+                  <a:txBody>
+                    <a:bodyPr/>
+                    <a:lstStyle/>
+                    <a:p>
+                      <a:r>
+                        <a:rPr lang="tr-TR" dirty="0" err="1"/>
+                        <a:t>Less</a:t>
+                      </a:r>
+                      <a:r>
+                        <a:rPr lang="tr-TR" dirty="0"/>
+                        <a:t> </a:t>
+                      </a:r>
+                      <a:r>
+                        <a:rPr lang="tr-TR" dirty="0" err="1"/>
+                        <a:t>outage</a:t>
+                      </a:r>
+                      <a:r>
+                        <a:rPr lang="tr-TR" dirty="0"/>
+                        <a:t> </a:t>
+                      </a:r>
+                      <a:r>
+                        <a:rPr lang="tr-TR" dirty="0" err="1"/>
+                        <a:t>duration</a:t>
+                      </a:r>
+                      <a:endParaRPr lang="en-US" dirty="0"/>
+                    </a:p>
+                  </a:txBody>
+                  <a:tcPr/>
+                </a:tc>
+                <a:tc>
+                  <a:txBody>
+                    <a:bodyPr/>
+                    <a:lstStyle/>
+                    <a:p>
+                      <a:r>
+                        <a:rPr lang="tr-TR" dirty="0" err="1"/>
+                        <a:t>Complicated</a:t>
+                      </a:r>
+                      <a:r>
+                        <a:rPr lang="tr-TR" dirty="0"/>
+                        <a:t> </a:t>
+                      </a:r>
+                      <a:r>
+                        <a:rPr lang="tr-TR" dirty="0" err="1"/>
+                        <a:t>design</a:t>
+                      </a:r>
+                      <a:endParaRPr lang="en-US" dirty="0"/>
+                    </a:p>
+                  </a:txBody>
+                  <a:tcPr/>
+                </a:tc>
+                <a:tc>
+                  <a:txBody>
+                    <a:bodyPr/>
+                    <a:lstStyle/>
+                    <a:p>
+                      <a:r>
+                        <a:rPr lang="tr-TR" dirty="0"/>
+                        <a:t>Simple </a:t>
+                      </a:r>
+                      <a:r>
+                        <a:rPr lang="tr-TR" dirty="0" err="1"/>
+                        <a:t>winding</a:t>
+                      </a:r>
+                      <a:r>
+                        <a:rPr lang="tr-TR" dirty="0"/>
+                        <a:t> </a:t>
+                      </a:r>
+                      <a:r>
+                        <a:rPr lang="tr-TR" dirty="0" err="1"/>
+                        <a:t>schematic</a:t>
+                      </a:r>
+                      <a:r>
+                        <a:rPr lang="tr-TR" dirty="0"/>
+                        <a:t> </a:t>
+                      </a:r>
+                      <a:r>
+                        <a:rPr lang="tr-TR" dirty="0" err="1"/>
+                        <a:t>design</a:t>
+                      </a:r>
+                      <a:endParaRPr lang="en-US" dirty="0"/>
+                    </a:p>
+                  </a:txBody>
+                  <a:tcPr/>
+                </a:tc>
+                <a:tc>
+                  <a:txBody>
+                    <a:bodyPr/>
+                    <a:lstStyle/>
+                    <a:p>
+                      <a:r>
+                        <a:rPr lang="tr-TR" dirty="0" err="1"/>
+                        <a:t>Complicated</a:t>
+                      </a:r>
+                      <a:r>
+                        <a:rPr lang="tr-TR" dirty="0"/>
+                        <a:t> </a:t>
+                      </a:r>
+                      <a:r>
+                        <a:rPr lang="tr-TR" dirty="0" err="1"/>
+                        <a:t>end</a:t>
+                      </a:r>
+                      <a:r>
+                        <a:rPr lang="tr-TR" dirty="0"/>
+                        <a:t> </a:t>
+                      </a:r>
+                      <a:r>
+                        <a:rPr lang="tr-TR" dirty="0" err="1"/>
+                        <a:t>connections</a:t>
+                      </a:r>
+                      <a:endParaRPr lang="en-US" dirty="0"/>
+                    </a:p>
+                  </a:txBody>
+                  <a:tcPr/>
+                </a:tc>
+                <a:extLst>
+                  <a:ext uri="{0D108BD9-81ED-4DB2-BD59-A6C34878D82A}">
+                    <a16:rowId xmlns:a16="http://schemas.microsoft.com/office/drawing/2014/main" val="3545402430"/>
+                  </a:ext>
+                </a:extLst>
+              </a:tr>
+              <a:tr h="710468">
+                <a:tc>
+                  <a:txBody>
+                    <a:bodyPr/>
+                    <a:lstStyle/>
+                    <a:p>
+                      <a:r>
+                        <a:rPr lang="tr-TR" dirty="0"/>
+                        <a:t>Simple </a:t>
+                      </a:r>
+                      <a:r>
+                        <a:rPr lang="tr-TR" dirty="0" err="1"/>
+                        <a:t>end</a:t>
+                      </a:r>
+                      <a:r>
+                        <a:rPr lang="tr-TR" dirty="0"/>
+                        <a:t> </a:t>
+                      </a:r>
+                      <a:r>
+                        <a:rPr lang="tr-TR" dirty="0" err="1"/>
+                        <a:t>connection</a:t>
+                      </a:r>
+                      <a:endParaRPr lang="en-US" dirty="0"/>
+                    </a:p>
+                  </a:txBody>
+                  <a:tcPr/>
+                </a:tc>
+                <a:tc>
+                  <a:txBody>
+                    <a:bodyPr/>
+                    <a:lstStyle/>
+                    <a:p>
+                      <a:r>
+                        <a:rPr lang="tr-TR" dirty="0" err="1"/>
+                        <a:t>Generally</a:t>
+                      </a:r>
+                      <a:r>
+                        <a:rPr lang="tr-TR" dirty="0"/>
+                        <a:t> </a:t>
+                      </a:r>
+                      <a:r>
+                        <a:rPr lang="tr-TR" dirty="0" err="1"/>
+                        <a:t>requires</a:t>
+                      </a:r>
+                      <a:r>
+                        <a:rPr lang="tr-TR" dirty="0"/>
+                        <a:t> </a:t>
+                      </a:r>
+                      <a:r>
+                        <a:rPr lang="tr-TR" dirty="0" err="1"/>
+                        <a:t>more</a:t>
+                      </a:r>
+                      <a:r>
+                        <a:rPr lang="tr-TR" dirty="0"/>
+                        <a:t> </a:t>
+                      </a:r>
+                      <a:r>
+                        <a:rPr lang="tr-TR" dirty="0" err="1"/>
+                        <a:t>coil</a:t>
+                      </a:r>
+                      <a:r>
+                        <a:rPr lang="tr-TR" dirty="0"/>
+                        <a:t> </a:t>
+                      </a:r>
+                      <a:r>
+                        <a:rPr lang="tr-TR" dirty="0" err="1"/>
+                        <a:t>types</a:t>
+                      </a:r>
+                      <a:endParaRPr lang="en-US" dirty="0"/>
+                    </a:p>
+                  </a:txBody>
+                  <a:tcPr/>
+                </a:tc>
+                <a:tc>
+                  <a:txBody>
+                    <a:bodyPr/>
+                    <a:lstStyle/>
+                    <a:p>
+                      <a:r>
+                        <a:rPr lang="tr-TR" dirty="0" err="1"/>
+                        <a:t>Less</a:t>
+                      </a:r>
+                      <a:r>
+                        <a:rPr lang="tr-TR" dirty="0"/>
+                        <a:t> </a:t>
+                      </a:r>
+                      <a:r>
+                        <a:rPr lang="tr-TR" dirty="0" err="1"/>
+                        <a:t>type</a:t>
+                      </a:r>
+                      <a:r>
+                        <a:rPr lang="tr-TR" dirty="0"/>
+                        <a:t> of </a:t>
+                      </a:r>
+                      <a:r>
+                        <a:rPr lang="tr-TR" dirty="0" err="1"/>
+                        <a:t>coils</a:t>
+                      </a:r>
+                      <a:endParaRPr lang="en-US" dirty="0"/>
+                    </a:p>
+                  </a:txBody>
+                  <a:tcPr/>
+                </a:tc>
+                <a:tc>
+                  <a:txBody>
+                    <a:bodyPr/>
+                    <a:lstStyle/>
+                    <a:p>
+                      <a:r>
+                        <a:rPr lang="tr-TR" dirty="0" err="1"/>
+                        <a:t>More</a:t>
+                      </a:r>
+                      <a:r>
+                        <a:rPr lang="tr-TR" dirty="0"/>
+                        <a:t> </a:t>
+                      </a:r>
+                      <a:r>
+                        <a:rPr lang="tr-TR" dirty="0" err="1"/>
+                        <a:t>outage</a:t>
+                      </a:r>
+                      <a:r>
+                        <a:rPr lang="tr-TR" dirty="0"/>
+                        <a:t> time</a:t>
+                      </a:r>
+                      <a:endParaRPr lang="en-US" dirty="0"/>
+                    </a:p>
+                  </a:txBody>
+                  <a:tcPr/>
+                </a:tc>
+                <a:extLst>
+                  <a:ext uri="{0D108BD9-81ED-4DB2-BD59-A6C34878D82A}">
+                    <a16:rowId xmlns:a16="http://schemas.microsoft.com/office/drawing/2014/main" val="3364314360"/>
+                  </a:ext>
+                </a:extLst>
+              </a:tr>
+              <a:tr h="1014955">
+                <a:tc>
+                  <a:txBody>
+                    <a:bodyPr/>
+                    <a:lstStyle/>
+                    <a:p>
+                      <a:r>
+                        <a:rPr lang="tr-TR" dirty="0" err="1"/>
+                        <a:t>Low</a:t>
+                      </a:r>
+                      <a:r>
+                        <a:rPr lang="tr-TR" dirty="0"/>
+                        <a:t> </a:t>
+                      </a:r>
+                      <a:r>
+                        <a:rPr lang="tr-TR" dirty="0" err="1"/>
+                        <a:t>number</a:t>
+                      </a:r>
+                      <a:r>
+                        <a:rPr lang="tr-TR" dirty="0"/>
+                        <a:t> of </a:t>
+                      </a:r>
+                      <a:r>
+                        <a:rPr lang="tr-TR" dirty="0" err="1"/>
+                        <a:t>external</a:t>
+                      </a:r>
+                      <a:r>
+                        <a:rPr lang="tr-TR" dirty="0"/>
+                        <a:t> </a:t>
+                      </a:r>
+                      <a:r>
+                        <a:rPr lang="tr-TR" dirty="0" err="1"/>
+                        <a:t>connection</a:t>
+                      </a:r>
+                      <a:endParaRPr lang="en-US" dirty="0"/>
+                    </a:p>
+                  </a:txBody>
+                  <a:tcPr/>
+                </a:tc>
+                <a:tc>
+                  <a:txBody>
+                    <a:bodyPr/>
+                    <a:lstStyle/>
+                    <a:p>
+                      <a:r>
+                        <a:rPr lang="tr-TR" dirty="0" err="1"/>
+                        <a:t>Longer</a:t>
+                      </a:r>
+                      <a:r>
+                        <a:rPr lang="tr-TR" dirty="0"/>
+                        <a:t> </a:t>
+                      </a:r>
+                      <a:r>
+                        <a:rPr lang="tr-TR" dirty="0" err="1"/>
+                        <a:t>average</a:t>
+                      </a:r>
+                      <a:r>
+                        <a:rPr lang="tr-TR" dirty="0"/>
+                        <a:t> </a:t>
+                      </a:r>
+                      <a:r>
+                        <a:rPr lang="tr-TR" dirty="0" err="1"/>
+                        <a:t>winding</a:t>
+                      </a:r>
+                      <a:r>
+                        <a:rPr lang="tr-TR" dirty="0"/>
+                        <a:t> </a:t>
+                      </a:r>
+                      <a:r>
+                        <a:rPr lang="tr-TR" dirty="0" err="1"/>
+                        <a:t>pitches</a:t>
+                      </a:r>
+                      <a:r>
+                        <a:rPr lang="tr-TR" dirty="0"/>
+                        <a:t>, </a:t>
+                      </a:r>
+                      <a:r>
+                        <a:rPr lang="tr-TR" dirty="0" err="1"/>
+                        <a:t>therefore</a:t>
+                      </a:r>
+                      <a:r>
+                        <a:rPr lang="tr-TR" dirty="0"/>
+                        <a:t> </a:t>
+                      </a:r>
+                      <a:r>
+                        <a:rPr lang="tr-TR" dirty="0" err="1"/>
+                        <a:t>longer</a:t>
+                      </a:r>
+                      <a:r>
+                        <a:rPr lang="tr-TR" dirty="0"/>
+                        <a:t> </a:t>
+                      </a:r>
+                      <a:r>
+                        <a:rPr lang="tr-TR" dirty="0" err="1"/>
+                        <a:t>end</a:t>
+                      </a:r>
+                      <a:r>
+                        <a:rPr lang="tr-TR" dirty="0"/>
+                        <a:t> </a:t>
+                      </a:r>
+                      <a:r>
+                        <a:rPr lang="tr-TR" dirty="0" err="1"/>
+                        <a:t>windings</a:t>
+                      </a:r>
+                      <a:endParaRPr lang="en-US" dirty="0"/>
+                    </a:p>
+                  </a:txBody>
+                  <a:tcPr/>
+                </a:tc>
+                <a:tc>
+                  <a:txBody>
+                    <a:bodyPr/>
+                    <a:lstStyle/>
+                    <a:p>
+                      <a:r>
+                        <a:rPr lang="tr-TR" dirty="0" err="1"/>
+                        <a:t>Allows</a:t>
+                      </a:r>
+                      <a:r>
+                        <a:rPr lang="tr-TR" dirty="0"/>
+                        <a:t> bypass</a:t>
+                      </a:r>
+                      <a:endParaRPr lang="en-US" dirty="0"/>
+                    </a:p>
+                  </a:txBody>
+                  <a:tcPr/>
+                </a:tc>
+                <a:tc>
+                  <a:txBody>
+                    <a:bodyPr/>
+                    <a:lstStyle/>
+                    <a:p>
+                      <a:r>
+                        <a:rPr lang="tr-TR" dirty="0" err="1"/>
+                        <a:t>Sophisticated</a:t>
+                      </a:r>
+                      <a:r>
+                        <a:rPr lang="tr-TR" dirty="0"/>
+                        <a:t> </a:t>
+                      </a:r>
+                      <a:r>
+                        <a:rPr lang="tr-TR" dirty="0" err="1"/>
+                        <a:t>production</a:t>
+                      </a:r>
+                      <a:endParaRPr lang="en-US" dirty="0"/>
+                    </a:p>
+                  </a:txBody>
+                  <a:tcPr/>
+                </a:tc>
+                <a:extLst>
+                  <a:ext uri="{0D108BD9-81ED-4DB2-BD59-A6C34878D82A}">
+                    <a16:rowId xmlns:a16="http://schemas.microsoft.com/office/drawing/2014/main" val="705105258"/>
+                  </a:ext>
+                </a:extLst>
+              </a:tr>
+            </a:tbl>
+          </a:graphicData>
+        </a:graphic>
+      </p:graphicFrame>
     </p:spTree>
     <p:extLst>
       <p:ext uri="{BB962C8B-B14F-4D97-AF65-F5344CB8AC3E}">
-        <p14:creationId xmlns:p14="http://schemas.microsoft.com/office/powerpoint/2010/main" val="1074566958"/>
+        <p14:creationId xmlns:p14="http://schemas.microsoft.com/office/powerpoint/2010/main" val="4022192944"/>
       </p:ext>
     </p:extLst>
   </p:cSld>
@@ -7167,7 +12645,7 @@
           <p:cNvPr id="2" name="Title 1">
             <a:extLst>
               <a:ext uri="{FF2B5EF4-FFF2-40B4-BE49-F238E27FC236}">
-                <a16:creationId xmlns:a16="http://schemas.microsoft.com/office/drawing/2014/main" id="{2F1EF37D-3AAC-406B-9CAE-FEC4A7B60969}"/>
+                <a16:creationId xmlns:a16="http://schemas.microsoft.com/office/drawing/2014/main" id="{FC97285F-C46B-499F-9A28-06093B837830}"/>
               </a:ext>
             </a:extLst>
           </p:cNvPr>
@@ -7185,19 +12663,7 @@
           <a:p>
             <a:r>
               <a:rPr lang="tr-TR" dirty="0"/>
-              <a:t>Design of </a:t>
-            </a:r>
-            <a:r>
-              <a:rPr lang="tr-TR" dirty="0" err="1"/>
-              <a:t>Roebel</a:t>
-            </a:r>
-            <a:r>
-              <a:rPr lang="tr-TR" dirty="0"/>
-              <a:t> </a:t>
-            </a:r>
-            <a:r>
-              <a:rPr lang="tr-TR" dirty="0" err="1"/>
-              <a:t>Bars</a:t>
+              <a:t>Problem Definition</a:t>
             </a:r>
             <a:endParaRPr lang="en-US" dirty="0"/>
           </a:p>
@@ -7208,7 +12674,7 @@
           <p:cNvPr id="3" name="Content Placeholder 2">
             <a:extLst>
               <a:ext uri="{FF2B5EF4-FFF2-40B4-BE49-F238E27FC236}">
-                <a16:creationId xmlns:a16="http://schemas.microsoft.com/office/drawing/2014/main" id="{2B77F756-D7AC-4EBF-B1E5-69AB3FFC990B}"/>
+                <a16:creationId xmlns:a16="http://schemas.microsoft.com/office/drawing/2014/main" id="{E72D7781-0753-4C70-A04F-23AE6F6DBA7C}"/>
               </a:ext>
             </a:extLst>
           </p:cNvPr>
@@ -7224,7 +12690,194 @@
           <a:bodyPr/>
           <a:lstStyle/>
           <a:p>
-            <a:endParaRPr lang="en-US"/>
+            <a:pPr marL="342900" indent="-342900">
+              <a:buFont typeface="Arial" panose="020B0604020202020204" pitchFamily="34" charset="0"/>
+              <a:buChar char="•"/>
+            </a:pPr>
+            <a:endParaRPr lang="tr-TR" dirty="0"/>
+          </a:p>
+          <a:p>
+            <a:pPr marL="342900" indent="-342900">
+              <a:buFont typeface="Arial" panose="020B0604020202020204" pitchFamily="34" charset="0"/>
+              <a:buChar char="•"/>
+            </a:pPr>
+            <a:r>
+              <a:rPr lang="tr-TR" dirty="0" err="1"/>
+              <a:t>Refurbishment</a:t>
+            </a:r>
+            <a:r>
+              <a:rPr lang="tr-TR" dirty="0"/>
+              <a:t> of an </a:t>
+            </a:r>
+            <a:r>
+              <a:rPr lang="tr-TR" dirty="0" err="1"/>
+              <a:t>old</a:t>
+            </a:r>
+            <a:r>
+              <a:rPr lang="tr-TR" dirty="0"/>
+              <a:t> 44 MVA </a:t>
+            </a:r>
+            <a:r>
+              <a:rPr lang="tr-TR" dirty="0" err="1"/>
+              <a:t>hydro</a:t>
+            </a:r>
+            <a:r>
+              <a:rPr lang="tr-TR" dirty="0"/>
+              <a:t> </a:t>
+            </a:r>
+            <a:r>
+              <a:rPr lang="tr-TR" dirty="0" err="1"/>
+              <a:t>generator</a:t>
+            </a:r>
+            <a:r>
+              <a:rPr lang="tr-TR" dirty="0"/>
+              <a:t> </a:t>
+            </a:r>
+            <a:r>
+              <a:rPr lang="tr-TR" dirty="0" err="1"/>
+              <a:t>by</a:t>
+            </a:r>
+            <a:r>
+              <a:rPr lang="tr-TR" dirty="0"/>
+              <a:t> </a:t>
+            </a:r>
+            <a:r>
+              <a:rPr lang="tr-TR" dirty="0" err="1"/>
+              <a:t>changing</a:t>
+            </a:r>
+            <a:r>
+              <a:rPr lang="tr-TR" dirty="0"/>
+              <a:t> </a:t>
+            </a:r>
+            <a:r>
+              <a:rPr lang="tr-TR" dirty="0" err="1"/>
+              <a:t>winding</a:t>
+            </a:r>
+            <a:r>
+              <a:rPr lang="tr-TR" dirty="0"/>
+              <a:t> </a:t>
+            </a:r>
+            <a:r>
+              <a:rPr lang="tr-TR" dirty="0" err="1"/>
+              <a:t>type</a:t>
+            </a:r>
+            <a:r>
+              <a:rPr lang="tr-TR" dirty="0"/>
+              <a:t> </a:t>
+            </a:r>
+            <a:r>
+              <a:rPr lang="tr-TR" dirty="0" err="1"/>
+              <a:t>from</a:t>
+            </a:r>
+            <a:r>
+              <a:rPr lang="tr-TR" dirty="0"/>
+              <a:t> lap </a:t>
+            </a:r>
+            <a:r>
+              <a:rPr lang="tr-TR" dirty="0" err="1"/>
+              <a:t>to</a:t>
+            </a:r>
+            <a:r>
+              <a:rPr lang="tr-TR" dirty="0"/>
+              <a:t> </a:t>
+            </a:r>
+            <a:r>
+              <a:rPr lang="tr-TR" dirty="0" err="1"/>
+              <a:t>wave</a:t>
+            </a:r>
+            <a:endParaRPr lang="tr-TR" dirty="0"/>
+          </a:p>
+          <a:p>
+            <a:pPr marL="342900" indent="-342900">
+              <a:buFont typeface="Arial" panose="020B0604020202020204" pitchFamily="34" charset="0"/>
+              <a:buChar char="•"/>
+            </a:pPr>
+            <a:endParaRPr lang="tr-TR" dirty="0"/>
+          </a:p>
+          <a:p>
+            <a:pPr marL="342900" indent="-342900">
+              <a:buFont typeface="Arial" panose="020B0604020202020204" pitchFamily="34" charset="0"/>
+              <a:buChar char="•"/>
+            </a:pPr>
+            <a:r>
+              <a:rPr lang="tr-TR" dirty="0" err="1"/>
+              <a:t>Constraints</a:t>
+            </a:r>
+            <a:endParaRPr lang="tr-TR" dirty="0"/>
+          </a:p>
+          <a:p>
+            <a:pPr marL="982663" lvl="1" indent="-342900"/>
+            <a:r>
+              <a:rPr lang="tr-TR" dirty="0" err="1"/>
+              <a:t>Constant</a:t>
+            </a:r>
+            <a:r>
+              <a:rPr lang="tr-TR" dirty="0"/>
+              <a:t> </a:t>
+            </a:r>
+            <a:r>
+              <a:rPr lang="tr-TR" dirty="0" err="1"/>
+              <a:t>outer</a:t>
+            </a:r>
+            <a:r>
+              <a:rPr lang="tr-TR" dirty="0"/>
+              <a:t> </a:t>
+            </a:r>
+            <a:r>
+              <a:rPr lang="tr-TR" dirty="0" err="1"/>
+              <a:t>diameter</a:t>
+            </a:r>
+            <a:endParaRPr lang="tr-TR" dirty="0"/>
+          </a:p>
+          <a:p>
+            <a:pPr marL="982663" lvl="1" indent="-342900"/>
+            <a:r>
+              <a:rPr lang="tr-TR" dirty="0" err="1"/>
+              <a:t>Same</a:t>
+            </a:r>
+            <a:r>
+              <a:rPr lang="tr-TR" dirty="0"/>
+              <a:t> rotor </a:t>
+            </a:r>
+            <a:r>
+              <a:rPr lang="tr-TR" dirty="0" err="1"/>
+              <a:t>geometry</a:t>
+            </a:r>
+            <a:endParaRPr lang="tr-TR" dirty="0"/>
+          </a:p>
+          <a:p>
+            <a:pPr marL="342900" indent="-342900"/>
+            <a:endParaRPr lang="tr-TR" dirty="0"/>
+          </a:p>
+          <a:p>
+            <a:pPr marL="342900" indent="-342900">
+              <a:buFont typeface="Arial" panose="020B0604020202020204" pitchFamily="34" charset="0"/>
+              <a:buChar char="•"/>
+            </a:pPr>
+            <a:r>
+              <a:rPr lang="tr-TR" dirty="0"/>
+              <a:t>Challenge</a:t>
+            </a:r>
+          </a:p>
+          <a:p>
+            <a:pPr marL="982663" lvl="1" indent="-342900"/>
+            <a:r>
+              <a:rPr lang="tr-TR" dirty="0" err="1"/>
+              <a:t>Increasing</a:t>
+            </a:r>
+            <a:r>
+              <a:rPr lang="tr-TR" dirty="0"/>
+              <a:t> </a:t>
+            </a:r>
+            <a:r>
+              <a:rPr lang="tr-TR" dirty="0" err="1"/>
+              <a:t>efficiency</a:t>
+            </a:r>
+            <a:endParaRPr lang="tr-TR" dirty="0"/>
+          </a:p>
+          <a:p>
+            <a:pPr marL="342900" indent="-342900"/>
+            <a:endParaRPr lang="tr-TR" dirty="0"/>
           </a:p>
         </p:txBody>
       </p:sp>
@@ -7233,7 +12886,7 @@
           <p:cNvPr id="4" name="Slide Number Placeholder 3">
             <a:extLst>
               <a:ext uri="{FF2B5EF4-FFF2-40B4-BE49-F238E27FC236}">
-                <a16:creationId xmlns:a16="http://schemas.microsoft.com/office/drawing/2014/main" id="{675D79D1-0CE8-49C1-8EB7-BF2B7739BC53}"/>
+                <a16:creationId xmlns:a16="http://schemas.microsoft.com/office/drawing/2014/main" id="{8C7D3411-B661-4358-9702-C2DED9835D40}"/>
               </a:ext>
             </a:extLst>
           </p:cNvPr>
@@ -7268,7 +12921,7 @@
           <p:cNvPr id="5" name="Date Placeholder 4">
             <a:extLst>
               <a:ext uri="{FF2B5EF4-FFF2-40B4-BE49-F238E27FC236}">
-                <a16:creationId xmlns:a16="http://schemas.microsoft.com/office/drawing/2014/main" id="{787FC9DB-69C0-49A2-ACD4-19A511D78026}"/>
+                <a16:creationId xmlns:a16="http://schemas.microsoft.com/office/drawing/2014/main" id="{D9C090D8-8789-4DB9-8C6A-E4C987D30C50}"/>
               </a:ext>
             </a:extLst>
           </p:cNvPr>
@@ -7298,7 +12951,7 @@
     </p:spTree>
     <p:extLst>
       <p:ext uri="{BB962C8B-B14F-4D97-AF65-F5344CB8AC3E}">
-        <p14:creationId xmlns:p14="http://schemas.microsoft.com/office/powerpoint/2010/main" val="3669575433"/>
+        <p14:creationId xmlns:p14="http://schemas.microsoft.com/office/powerpoint/2010/main" val="684577904"/>
       </p:ext>
     </p:extLst>
   </p:cSld>

--- a/Presentations/5-Seminar_Presentation_2023_11_23.pptx
+++ b/Presentations/5-Seminar_Presentation_2023_11_23.pptx
@@ -9165,7 +9165,7 @@
             </a:r>
             <a:r>
               <a:rPr lang="tr-TR" dirty="0" err="1"/>
-              <a:t>slide</a:t>
+              <a:t>slides</a:t>
             </a:r>
             <a:r>
               <a:rPr lang="tr-TR" dirty="0"/>
@@ -19977,7 +19977,7 @@
                 </a:solidFill>
                 <a:latin typeface="Century Gothic" panose="020B0502020202020204" pitchFamily="34" charset="0"/>
               </a:rPr>
-              <a:t>REFURBISHMENT &amp; ALTERNATING WINDING TYPE OF 44 MVA HYDRO GENERATOR</a:t>
+              <a:t>REFURBISHMENT &amp; ALTERNATING WINDING TYPE OF A 44 MVA HYDRO GENERATOR</a:t>
             </a:r>
             <a:endParaRPr lang="en-US" b="1" dirty="0">
               <a:solidFill>

--- a/Presentations/5-Seminar_Presentation_2023_11_23.pptx
+++ b/Presentations/5-Seminar_Presentation_2023_11_23.pptx
@@ -5,10 +5,10 @@
     <p:sldMasterId id="2147483886" r:id="rId1"/>
   </p:sldMasterIdLst>
   <p:notesMasterIdLst>
-    <p:notesMasterId r:id="rId25"/>
+    <p:notesMasterId r:id="rId26"/>
   </p:notesMasterIdLst>
   <p:handoutMasterIdLst>
-    <p:handoutMasterId r:id="rId26"/>
+    <p:handoutMasterId r:id="rId27"/>
   </p:handoutMasterIdLst>
   <p:sldIdLst>
     <p:sldId id="299" r:id="rId2"/>
@@ -19,21 +19,22 @@
     <p:sldId id="312" r:id="rId7"/>
     <p:sldId id="313" r:id="rId8"/>
     <p:sldId id="306" r:id="rId9"/>
-    <p:sldId id="314" r:id="rId10"/>
-    <p:sldId id="309" r:id="rId11"/>
-    <p:sldId id="320" r:id="rId12"/>
-    <p:sldId id="321" r:id="rId13"/>
-    <p:sldId id="322" r:id="rId14"/>
-    <p:sldId id="323" r:id="rId15"/>
-    <p:sldId id="315" r:id="rId16"/>
-    <p:sldId id="325" r:id="rId17"/>
-    <p:sldId id="319" r:id="rId18"/>
-    <p:sldId id="308" r:id="rId19"/>
-    <p:sldId id="318" r:id="rId20"/>
-    <p:sldId id="316" r:id="rId21"/>
-    <p:sldId id="324" r:id="rId22"/>
-    <p:sldId id="311" r:id="rId23"/>
-    <p:sldId id="303" r:id="rId24"/>
+    <p:sldId id="326" r:id="rId10"/>
+    <p:sldId id="314" r:id="rId11"/>
+    <p:sldId id="309" r:id="rId12"/>
+    <p:sldId id="320" r:id="rId13"/>
+    <p:sldId id="321" r:id="rId14"/>
+    <p:sldId id="322" r:id="rId15"/>
+    <p:sldId id="323" r:id="rId16"/>
+    <p:sldId id="315" r:id="rId17"/>
+    <p:sldId id="325" r:id="rId18"/>
+    <p:sldId id="319" r:id="rId19"/>
+    <p:sldId id="308" r:id="rId20"/>
+    <p:sldId id="318" r:id="rId21"/>
+    <p:sldId id="316" r:id="rId22"/>
+    <p:sldId id="324" r:id="rId23"/>
+    <p:sldId id="311" r:id="rId24"/>
+    <p:sldId id="303" r:id="rId25"/>
   </p:sldIdLst>
   <p:sldSz cx="9144000" cy="6858000" type="screen4x3"/>
   <p:notesSz cx="6858000" cy="9144000"/>
@@ -1934,7 +1935,7 @@
               <a:pPr>
                 <a:defRPr/>
               </a:pPr>
-              <a:t>12</a:t>
+              <a:t>13</a:t>
             </a:fld>
             <a:endParaRPr lang="en-US"/>
           </a:p>
@@ -2592,7 +2593,7 @@
               <a:pPr>
                 <a:defRPr/>
               </a:pPr>
-              <a:t>13</a:t>
+              <a:t>14</a:t>
             </a:fld>
             <a:endParaRPr lang="en-US"/>
           </a:p>
@@ -3318,7 +3319,7 @@
               <a:pPr>
                 <a:defRPr/>
               </a:pPr>
-              <a:t>14</a:t>
+              <a:t>15</a:t>
             </a:fld>
             <a:endParaRPr lang="en-US"/>
           </a:p>
@@ -3656,7 +3657,7 @@
               <a:pPr>
                 <a:defRPr/>
               </a:pPr>
-              <a:t>16</a:t>
+              <a:t>17</a:t>
             </a:fld>
             <a:endParaRPr lang="en-US"/>
           </a:p>
@@ -4202,7 +4203,7 @@
               <a:pPr>
                 <a:defRPr/>
               </a:pPr>
-              <a:t>17</a:t>
+              <a:t>18</a:t>
             </a:fld>
             <a:endParaRPr lang="en-US"/>
           </a:p>
@@ -4266,8 +4267,20 @@
           <a:lstStyle/>
           <a:p>
             <a:r>
-              <a:rPr lang="tr-TR" dirty="0"/>
-              <a:t>Minimum </a:t>
+              <a:rPr lang="tr-TR" dirty="0" err="1"/>
+              <a:t>The</a:t>
+            </a:r>
+            <a:r>
+              <a:rPr lang="tr-TR" dirty="0"/>
+              <a:t> </a:t>
+            </a:r>
+            <a:r>
+              <a:rPr lang="tr-TR" dirty="0" err="1"/>
+              <a:t>applicable</a:t>
+            </a:r>
+            <a:r>
+              <a:rPr lang="tr-TR" dirty="0"/>
+              <a:t> minimum </a:t>
             </a:r>
             <a:r>
               <a:rPr lang="tr-TR" dirty="0" err="1"/>
@@ -4760,7 +4773,7 @@
               <a:pPr>
                 <a:defRPr/>
               </a:pPr>
-              <a:t>18</a:t>
+              <a:t>19</a:t>
             </a:fld>
             <a:endParaRPr lang="en-US"/>
           </a:p>
@@ -5482,7 +5495,7 @@
               <a:pPr>
                 <a:defRPr/>
               </a:pPr>
-              <a:t>19</a:t>
+              <a:t>20</a:t>
             </a:fld>
             <a:endParaRPr lang="en-US"/>
           </a:p>
@@ -6096,7 +6109,7 @@
               <a:pPr>
                 <a:defRPr/>
               </a:pPr>
-              <a:t>20</a:t>
+              <a:t>21</a:t>
             </a:fld>
             <a:endParaRPr lang="en-US"/>
           </a:p>
@@ -10834,7 +10847,7 @@
               <a:pPr>
                 <a:defRPr/>
               </a:pPr>
-              <a:t>9</a:t>
+              <a:t>10</a:t>
             </a:fld>
             <a:endParaRPr lang="en-US"/>
           </a:p>
@@ -11532,7 +11545,7 @@
               <a:pPr>
                 <a:defRPr/>
               </a:pPr>
-              <a:t>10</a:t>
+              <a:t>11</a:t>
             </a:fld>
             <a:endParaRPr lang="en-US"/>
           </a:p>
@@ -14773,6 +14786,344 @@
 </file>
 
 <file path=ppt/slides/slide10.xml><?xml version="1.0" encoding="utf-8"?>
+<p:sld xmlns:a="http://schemas.openxmlformats.org/drawingml/2006/main" xmlns:r="http://schemas.openxmlformats.org/officeDocument/2006/relationships" xmlns:p="http://schemas.openxmlformats.org/presentationml/2006/main">
+  <p:cSld>
+    <p:spTree>
+      <p:nvGrpSpPr>
+        <p:cNvPr id="1" name=""/>
+        <p:cNvGrpSpPr/>
+        <p:nvPr/>
+      </p:nvGrpSpPr>
+      <p:grpSpPr>
+        <a:xfrm>
+          <a:off x="0" y="0"/>
+          <a:ext cx="0" cy="0"/>
+          <a:chOff x="0" y="0"/>
+          <a:chExt cx="0" cy="0"/>
+        </a:xfrm>
+      </p:grpSpPr>
+      <p:sp>
+        <p:nvSpPr>
+          <p:cNvPr id="2" name="Title 1">
+            <a:extLst>
+              <a:ext uri="{FF2B5EF4-FFF2-40B4-BE49-F238E27FC236}">
+                <a16:creationId xmlns:a16="http://schemas.microsoft.com/office/drawing/2014/main" id="{FC97285F-C46B-499F-9A28-06093B837830}"/>
+              </a:ext>
+            </a:extLst>
+          </p:cNvPr>
+          <p:cNvSpPr>
+            <a:spLocks noGrp="1"/>
+          </p:cNvSpPr>
+          <p:nvPr>
+            <p:ph type="title"/>
+          </p:nvPr>
+        </p:nvSpPr>
+        <p:spPr/>
+        <p:txBody>
+          <a:bodyPr/>
+          <a:lstStyle/>
+          <a:p>
+            <a:r>
+              <a:rPr lang="tr-TR" dirty="0"/>
+              <a:t>Problem Definition</a:t>
+            </a:r>
+            <a:endParaRPr lang="en-US" dirty="0"/>
+          </a:p>
+        </p:txBody>
+      </p:sp>
+      <p:sp>
+        <p:nvSpPr>
+          <p:cNvPr id="3" name="Content Placeholder 2">
+            <a:extLst>
+              <a:ext uri="{FF2B5EF4-FFF2-40B4-BE49-F238E27FC236}">
+                <a16:creationId xmlns:a16="http://schemas.microsoft.com/office/drawing/2014/main" id="{E72D7781-0753-4C70-A04F-23AE6F6DBA7C}"/>
+              </a:ext>
+            </a:extLst>
+          </p:cNvPr>
+          <p:cNvSpPr>
+            <a:spLocks noGrp="1"/>
+          </p:cNvSpPr>
+          <p:nvPr>
+            <p:ph idx="1"/>
+          </p:nvPr>
+        </p:nvSpPr>
+        <p:spPr/>
+        <p:txBody>
+          <a:bodyPr/>
+          <a:lstStyle/>
+          <a:p>
+            <a:pPr marL="342900" indent="-342900">
+              <a:buFont typeface="Arial" panose="020B0604020202020204" pitchFamily="34" charset="0"/>
+              <a:buChar char="•"/>
+            </a:pPr>
+            <a:endParaRPr lang="tr-TR" dirty="0"/>
+          </a:p>
+          <a:p>
+            <a:pPr marL="342900" indent="-342900">
+              <a:buFont typeface="Arial" panose="020B0604020202020204" pitchFamily="34" charset="0"/>
+              <a:buChar char="•"/>
+            </a:pPr>
+            <a:r>
+              <a:rPr lang="tr-TR" dirty="0" err="1"/>
+              <a:t>Refurbishment</a:t>
+            </a:r>
+            <a:r>
+              <a:rPr lang="tr-TR" dirty="0"/>
+              <a:t> of an </a:t>
+            </a:r>
+            <a:r>
+              <a:rPr lang="tr-TR" dirty="0" err="1"/>
+              <a:t>old</a:t>
+            </a:r>
+            <a:r>
+              <a:rPr lang="tr-TR" dirty="0"/>
+              <a:t> 44 MVA </a:t>
+            </a:r>
+            <a:r>
+              <a:rPr lang="tr-TR" dirty="0" err="1"/>
+              <a:t>hydro</a:t>
+            </a:r>
+            <a:r>
+              <a:rPr lang="tr-TR" dirty="0"/>
+              <a:t> </a:t>
+            </a:r>
+            <a:r>
+              <a:rPr lang="tr-TR" dirty="0" err="1"/>
+              <a:t>generator</a:t>
+            </a:r>
+            <a:r>
+              <a:rPr lang="tr-TR" dirty="0"/>
+              <a:t> </a:t>
+            </a:r>
+            <a:r>
+              <a:rPr lang="tr-TR" dirty="0" err="1"/>
+              <a:t>by</a:t>
+            </a:r>
+            <a:r>
+              <a:rPr lang="tr-TR" dirty="0"/>
+              <a:t> </a:t>
+            </a:r>
+            <a:r>
+              <a:rPr lang="tr-TR" dirty="0" err="1"/>
+              <a:t>changing</a:t>
+            </a:r>
+            <a:r>
+              <a:rPr lang="tr-TR" dirty="0"/>
+              <a:t> </a:t>
+            </a:r>
+            <a:r>
+              <a:rPr lang="tr-TR" dirty="0" err="1"/>
+              <a:t>winding</a:t>
+            </a:r>
+            <a:r>
+              <a:rPr lang="tr-TR" dirty="0"/>
+              <a:t> </a:t>
+            </a:r>
+            <a:r>
+              <a:rPr lang="tr-TR" dirty="0" err="1"/>
+              <a:t>type</a:t>
+            </a:r>
+            <a:r>
+              <a:rPr lang="tr-TR" dirty="0"/>
+              <a:t> </a:t>
+            </a:r>
+            <a:r>
+              <a:rPr lang="tr-TR" dirty="0" err="1"/>
+              <a:t>from</a:t>
+            </a:r>
+            <a:r>
+              <a:rPr lang="tr-TR" dirty="0"/>
+              <a:t> lap </a:t>
+            </a:r>
+            <a:r>
+              <a:rPr lang="tr-TR" dirty="0" err="1"/>
+              <a:t>to</a:t>
+            </a:r>
+            <a:r>
+              <a:rPr lang="tr-TR" dirty="0"/>
+              <a:t> </a:t>
+            </a:r>
+            <a:r>
+              <a:rPr lang="tr-TR" dirty="0" err="1"/>
+              <a:t>wave</a:t>
+            </a:r>
+            <a:endParaRPr lang="tr-TR" dirty="0"/>
+          </a:p>
+          <a:p>
+            <a:pPr marL="342900" indent="-342900">
+              <a:buFont typeface="Arial" panose="020B0604020202020204" pitchFamily="34" charset="0"/>
+              <a:buChar char="•"/>
+            </a:pPr>
+            <a:endParaRPr lang="tr-TR" dirty="0"/>
+          </a:p>
+          <a:p>
+            <a:pPr marL="342900" indent="-342900">
+              <a:buFont typeface="Arial" panose="020B0604020202020204" pitchFamily="34" charset="0"/>
+              <a:buChar char="•"/>
+            </a:pPr>
+            <a:r>
+              <a:rPr lang="tr-TR" dirty="0" err="1"/>
+              <a:t>Constraints</a:t>
+            </a:r>
+            <a:endParaRPr lang="tr-TR" dirty="0"/>
+          </a:p>
+          <a:p>
+            <a:pPr marL="982663" lvl="1" indent="-342900"/>
+            <a:r>
+              <a:rPr lang="tr-TR" dirty="0" err="1"/>
+              <a:t>Constant</a:t>
+            </a:r>
+            <a:r>
+              <a:rPr lang="tr-TR" dirty="0"/>
+              <a:t> </a:t>
+            </a:r>
+            <a:r>
+              <a:rPr lang="tr-TR" dirty="0" err="1"/>
+              <a:t>outer</a:t>
+            </a:r>
+            <a:r>
+              <a:rPr lang="tr-TR" dirty="0"/>
+              <a:t> </a:t>
+            </a:r>
+            <a:r>
+              <a:rPr lang="tr-TR" dirty="0" err="1"/>
+              <a:t>diameter</a:t>
+            </a:r>
+            <a:endParaRPr lang="tr-TR" dirty="0"/>
+          </a:p>
+          <a:p>
+            <a:pPr marL="982663" lvl="1" indent="-342900"/>
+            <a:r>
+              <a:rPr lang="tr-TR" dirty="0" err="1"/>
+              <a:t>Same</a:t>
+            </a:r>
+            <a:r>
+              <a:rPr lang="tr-TR" dirty="0"/>
+              <a:t> rotor </a:t>
+            </a:r>
+            <a:r>
+              <a:rPr lang="tr-TR" dirty="0" err="1"/>
+              <a:t>geometry</a:t>
+            </a:r>
+            <a:endParaRPr lang="tr-TR" dirty="0"/>
+          </a:p>
+          <a:p>
+            <a:pPr marL="342900" indent="-342900"/>
+            <a:endParaRPr lang="tr-TR" dirty="0"/>
+          </a:p>
+          <a:p>
+            <a:pPr marL="342900" indent="-342900">
+              <a:buFont typeface="Arial" panose="020B0604020202020204" pitchFamily="34" charset="0"/>
+              <a:buChar char="•"/>
+            </a:pPr>
+            <a:r>
+              <a:rPr lang="tr-TR" dirty="0"/>
+              <a:t>Challenge</a:t>
+            </a:r>
+          </a:p>
+          <a:p>
+            <a:pPr marL="982663" lvl="1" indent="-342900"/>
+            <a:r>
+              <a:rPr lang="tr-TR" dirty="0" err="1"/>
+              <a:t>Increasing</a:t>
+            </a:r>
+            <a:r>
+              <a:rPr lang="tr-TR" dirty="0"/>
+              <a:t> </a:t>
+            </a:r>
+            <a:r>
+              <a:rPr lang="tr-TR" dirty="0" err="1"/>
+              <a:t>efficiency</a:t>
+            </a:r>
+            <a:endParaRPr lang="tr-TR" dirty="0"/>
+          </a:p>
+          <a:p>
+            <a:pPr marL="342900" indent="-342900"/>
+            <a:endParaRPr lang="tr-TR" dirty="0"/>
+          </a:p>
+        </p:txBody>
+      </p:sp>
+      <p:sp>
+        <p:nvSpPr>
+          <p:cNvPr id="4" name="Slide Number Placeholder 3">
+            <a:extLst>
+              <a:ext uri="{FF2B5EF4-FFF2-40B4-BE49-F238E27FC236}">
+                <a16:creationId xmlns:a16="http://schemas.microsoft.com/office/drawing/2014/main" id="{8C7D3411-B661-4358-9702-C2DED9835D40}"/>
+              </a:ext>
+            </a:extLst>
+          </p:cNvPr>
+          <p:cNvSpPr>
+            <a:spLocks noGrp="1"/>
+          </p:cNvSpPr>
+          <p:nvPr>
+            <p:ph type="sldNum" sz="quarter" idx="12"/>
+          </p:nvPr>
+        </p:nvSpPr>
+        <p:spPr/>
+        <p:txBody>
+          <a:bodyPr/>
+          <a:lstStyle/>
+          <a:p>
+            <a:pPr>
+              <a:defRPr/>
+            </a:pPr>
+            <a:fld id="{C878F797-6006-4DDA-AFE9-456F280FE6C5}" type="slidenum">
+              <a:rPr lang="en-US" smtClean="0"/>
+              <a:pPr>
+                <a:defRPr/>
+              </a:pPr>
+              <a:t>10</a:t>
+            </a:fld>
+            <a:endParaRPr lang="en-US" dirty="0"/>
+          </a:p>
+        </p:txBody>
+      </p:sp>
+      <p:sp>
+        <p:nvSpPr>
+          <p:cNvPr id="5" name="Date Placeholder 4">
+            <a:extLst>
+              <a:ext uri="{FF2B5EF4-FFF2-40B4-BE49-F238E27FC236}">
+                <a16:creationId xmlns:a16="http://schemas.microsoft.com/office/drawing/2014/main" id="{D9C090D8-8789-4DB9-8C6A-E4C987D30C50}"/>
+              </a:ext>
+            </a:extLst>
+          </p:cNvPr>
+          <p:cNvSpPr>
+            <a:spLocks noGrp="1"/>
+          </p:cNvSpPr>
+          <p:nvPr>
+            <p:ph type="dt" sz="half" idx="2"/>
+          </p:nvPr>
+        </p:nvSpPr>
+        <p:spPr/>
+        <p:txBody>
+          <a:bodyPr/>
+          <a:lstStyle/>
+          <a:p>
+            <a:pPr>
+              <a:defRPr/>
+            </a:pPr>
+            <a:r>
+              <a:rPr lang="tr-TR"/>
+              <a:t>METU Electrical &amp; Electronics Engineering Department</a:t>
+            </a:r>
+            <a:endParaRPr lang="en-US" dirty="0"/>
+          </a:p>
+        </p:txBody>
+      </p:sp>
+    </p:spTree>
+    <p:extLst>
+      <p:ext uri="{BB962C8B-B14F-4D97-AF65-F5344CB8AC3E}">
+        <p14:creationId xmlns:p14="http://schemas.microsoft.com/office/powerpoint/2010/main" val="684577904"/>
+      </p:ext>
+    </p:extLst>
+  </p:cSld>
+  <p:clrMapOvr>
+    <a:masterClrMapping/>
+  </p:clrMapOvr>
+</p:sld>
+</file>
+
+<file path=ppt/slides/slide11.xml><?xml version="1.0" encoding="utf-8"?>
 <p:sld xmlns:a="http://schemas.openxmlformats.org/drawingml/2006/main" xmlns:r="http://schemas.openxmlformats.org/officeDocument/2006/relationships" xmlns:p="http://schemas.openxmlformats.org/presentationml/2006/main">
   <p:cSld>
     <p:spTree>
@@ -15443,7 +15794,7 @@
               <a:pPr>
                 <a:defRPr/>
               </a:pPr>
-              <a:t>10</a:t>
+              <a:t>11</a:t>
             </a:fld>
             <a:endParaRPr lang="en-US" dirty="0"/>
           </a:p>
@@ -15494,7 +15845,7 @@
 </p:sld>
 </file>
 
-<file path=ppt/slides/slide11.xml><?xml version="1.0" encoding="utf-8"?>
+<file path=ppt/slides/slide12.xml><?xml version="1.0" encoding="utf-8"?>
 <p:sld xmlns:a="http://schemas.openxmlformats.org/drawingml/2006/main" xmlns:r="http://schemas.openxmlformats.org/officeDocument/2006/relationships" xmlns:p="http://schemas.openxmlformats.org/presentationml/2006/main" show="0">
   <p:cSld>
     <p:spTree>
@@ -16111,7 +16462,7 @@
               <a:pPr>
                 <a:defRPr/>
               </a:pPr>
-              <a:t>11</a:t>
+              <a:t>12</a:t>
             </a:fld>
             <a:endParaRPr lang="en-US" dirty="0"/>
           </a:p>
@@ -16162,7 +16513,7 @@
 </p:sld>
 </file>
 
-<file path=ppt/slides/slide12.xml><?xml version="1.0" encoding="utf-8"?>
+<file path=ppt/slides/slide13.xml><?xml version="1.0" encoding="utf-8"?>
 <p:sld xmlns:a="http://schemas.openxmlformats.org/drawingml/2006/main" xmlns:r="http://schemas.openxmlformats.org/officeDocument/2006/relationships" xmlns:p="http://schemas.openxmlformats.org/presentationml/2006/main">
   <p:cSld>
     <p:spTree>
@@ -17136,7 +17487,7 @@
               <a:pPr>
                 <a:defRPr/>
               </a:pPr>
-              <a:t>12</a:t>
+              <a:t>13</a:t>
             </a:fld>
             <a:endParaRPr lang="en-US" dirty="0"/>
           </a:p>
@@ -17187,7 +17538,7 @@
 </p:sld>
 </file>
 
-<file path=ppt/slides/slide13.xml><?xml version="1.0" encoding="utf-8"?>
+<file path=ppt/slides/slide14.xml><?xml version="1.0" encoding="utf-8"?>
 <p:sld xmlns:a="http://schemas.openxmlformats.org/drawingml/2006/main" xmlns:r="http://schemas.openxmlformats.org/officeDocument/2006/relationships" xmlns:p="http://schemas.openxmlformats.org/presentationml/2006/main">
   <p:cSld>
     <p:spTree>
@@ -17744,7 +18095,7 @@
               <a:pPr>
                 <a:defRPr/>
               </a:pPr>
-              <a:t>13</a:t>
+              <a:t>14</a:t>
             </a:fld>
             <a:endParaRPr lang="en-US" dirty="0"/>
           </a:p>
@@ -17782,6 +18133,220 @@
           </a:p>
         </p:txBody>
       </p:sp>
+      <p:sp>
+        <p:nvSpPr>
+          <p:cNvPr id="6" name="TextBox 5">
+            <a:extLst>
+              <a:ext uri="{FF2B5EF4-FFF2-40B4-BE49-F238E27FC236}">
+                <a16:creationId xmlns:a16="http://schemas.microsoft.com/office/drawing/2014/main" id="{38D06435-5135-4961-B7DE-DB930B70658F}"/>
+              </a:ext>
+            </a:extLst>
+          </p:cNvPr>
+          <p:cNvSpPr txBox="1"/>
+          <p:nvPr/>
+        </p:nvSpPr>
+        <p:spPr>
+          <a:xfrm>
+            <a:off x="580103" y="6046839"/>
+            <a:ext cx="8106697" cy="338554"/>
+          </a:xfrm>
+          <a:prstGeom prst="rect">
+            <a:avLst/>
+          </a:prstGeom>
+          <a:noFill/>
+        </p:spPr>
+        <p:txBody>
+          <a:bodyPr wrap="square" rtlCol="0">
+            <a:spAutoFit/>
+          </a:bodyPr>
+          <a:lstStyle/>
+          <a:p>
+            <a:r>
+              <a:rPr lang="tr-TR" sz="800" dirty="0" err="1">
+                <a:latin typeface="Century Gothic" panose="020B0502020202020204" pitchFamily="34" charset="0"/>
+              </a:rPr>
+              <a:t>Glenn</a:t>
+            </a:r>
+            <a:r>
+              <a:rPr lang="tr-TR" sz="800" dirty="0">
+                <a:latin typeface="Century Gothic" panose="020B0502020202020204" pitchFamily="34" charset="0"/>
+              </a:rPr>
+              <a:t> </a:t>
+            </a:r>
+            <a:r>
+              <a:rPr lang="tr-TR" sz="800" dirty="0" err="1">
+                <a:latin typeface="Century Gothic" panose="020B0502020202020204" pitchFamily="34" charset="0"/>
+              </a:rPr>
+              <a:t>Mottershead</a:t>
+            </a:r>
+            <a:r>
+              <a:rPr lang="tr-TR" sz="800" dirty="0">
+                <a:latin typeface="Century Gothic" panose="020B0502020202020204" pitchFamily="34" charset="0"/>
+              </a:rPr>
+              <a:t>; </a:t>
+            </a:r>
+            <a:r>
+              <a:rPr lang="tr-TR" sz="800" dirty="0" err="1">
+                <a:latin typeface="Century Gothic" panose="020B0502020202020204" pitchFamily="34" charset="0"/>
+              </a:rPr>
+              <a:t>Stefano</a:t>
+            </a:r>
+            <a:r>
+              <a:rPr lang="tr-TR" sz="800" dirty="0">
+                <a:latin typeface="Century Gothic" panose="020B0502020202020204" pitchFamily="34" charset="0"/>
+              </a:rPr>
+              <a:t> Bomben; </a:t>
+            </a:r>
+            <a:r>
+              <a:rPr lang="tr-TR" sz="800" dirty="0" err="1">
+                <a:latin typeface="Century Gothic" panose="020B0502020202020204" pitchFamily="34" charset="0"/>
+              </a:rPr>
+              <a:t>Isidor</a:t>
+            </a:r>
+            <a:r>
+              <a:rPr lang="tr-TR" sz="800" dirty="0">
+                <a:latin typeface="Century Gothic" panose="020B0502020202020204" pitchFamily="34" charset="0"/>
+              </a:rPr>
+              <a:t> </a:t>
+            </a:r>
+            <a:r>
+              <a:rPr lang="tr-TR" sz="800" dirty="0" err="1">
+                <a:latin typeface="Century Gothic" panose="020B0502020202020204" pitchFamily="34" charset="0"/>
+              </a:rPr>
+              <a:t>Kerszenbaum</a:t>
+            </a:r>
+            <a:r>
+              <a:rPr lang="tr-TR" sz="800" dirty="0">
+                <a:latin typeface="Century Gothic" panose="020B0502020202020204" pitchFamily="34" charset="0"/>
+              </a:rPr>
+              <a:t>; </a:t>
+            </a:r>
+            <a:r>
+              <a:rPr lang="tr-TR" sz="800" dirty="0" err="1">
+                <a:latin typeface="Century Gothic" panose="020B0502020202020204" pitchFamily="34" charset="0"/>
+              </a:rPr>
+              <a:t>Geoff</a:t>
+            </a:r>
+            <a:r>
+              <a:rPr lang="tr-TR" sz="800" dirty="0">
+                <a:latin typeface="Century Gothic" panose="020B0502020202020204" pitchFamily="34" charset="0"/>
+              </a:rPr>
+              <a:t> </a:t>
+            </a:r>
+            <a:r>
+              <a:rPr lang="tr-TR" sz="800" dirty="0" err="1">
+                <a:latin typeface="Century Gothic" panose="020B0502020202020204" pitchFamily="34" charset="0"/>
+              </a:rPr>
+              <a:t>Klempner</a:t>
+            </a:r>
+            <a:r>
+              <a:rPr lang="tr-TR" sz="800" dirty="0">
+                <a:latin typeface="Century Gothic" panose="020B0502020202020204" pitchFamily="34" charset="0"/>
+              </a:rPr>
+              <a:t>, "OPERATION AND CONTROL," in </a:t>
+            </a:r>
+            <a:r>
+              <a:rPr lang="tr-TR" sz="800" dirty="0" err="1">
+                <a:latin typeface="Century Gothic" panose="020B0502020202020204" pitchFamily="34" charset="0"/>
+              </a:rPr>
+              <a:t>Handbook</a:t>
+            </a:r>
+            <a:r>
+              <a:rPr lang="tr-TR" sz="800" dirty="0">
+                <a:latin typeface="Century Gothic" panose="020B0502020202020204" pitchFamily="34" charset="0"/>
+              </a:rPr>
+              <a:t> of </a:t>
+            </a:r>
+            <a:r>
+              <a:rPr lang="tr-TR" sz="800" dirty="0" err="1">
+                <a:latin typeface="Century Gothic" panose="020B0502020202020204" pitchFamily="34" charset="0"/>
+              </a:rPr>
+              <a:t>Large</a:t>
+            </a:r>
+            <a:r>
+              <a:rPr lang="tr-TR" sz="800" dirty="0">
+                <a:latin typeface="Century Gothic" panose="020B0502020202020204" pitchFamily="34" charset="0"/>
+              </a:rPr>
+              <a:t> </a:t>
+            </a:r>
+            <a:r>
+              <a:rPr lang="tr-TR" sz="800" dirty="0" err="1">
+                <a:latin typeface="Century Gothic" panose="020B0502020202020204" pitchFamily="34" charset="0"/>
+              </a:rPr>
+              <a:t>Hydro</a:t>
+            </a:r>
+            <a:r>
+              <a:rPr lang="tr-TR" sz="800" dirty="0">
+                <a:latin typeface="Century Gothic" panose="020B0502020202020204" pitchFamily="34" charset="0"/>
+              </a:rPr>
+              <a:t> </a:t>
+            </a:r>
+            <a:r>
+              <a:rPr lang="tr-TR" sz="800" dirty="0" err="1">
+                <a:latin typeface="Century Gothic" panose="020B0502020202020204" pitchFamily="34" charset="0"/>
+              </a:rPr>
+              <a:t>Generators</a:t>
+            </a:r>
+            <a:r>
+              <a:rPr lang="tr-TR" sz="800" dirty="0">
+                <a:latin typeface="Century Gothic" panose="020B0502020202020204" pitchFamily="34" charset="0"/>
+              </a:rPr>
+              <a:t>: </a:t>
+            </a:r>
+            <a:r>
+              <a:rPr lang="tr-TR" sz="800" dirty="0" err="1">
+                <a:latin typeface="Century Gothic" panose="020B0502020202020204" pitchFamily="34" charset="0"/>
+              </a:rPr>
+              <a:t>Operation</a:t>
+            </a:r>
+            <a:r>
+              <a:rPr lang="tr-TR" sz="800" dirty="0">
+                <a:latin typeface="Century Gothic" panose="020B0502020202020204" pitchFamily="34" charset="0"/>
+              </a:rPr>
+              <a:t> </a:t>
+            </a:r>
+            <a:r>
+              <a:rPr lang="tr-TR" sz="800" dirty="0" err="1">
+                <a:latin typeface="Century Gothic" panose="020B0502020202020204" pitchFamily="34" charset="0"/>
+              </a:rPr>
+              <a:t>and</a:t>
+            </a:r>
+            <a:r>
+              <a:rPr lang="tr-TR" sz="800" dirty="0">
+                <a:latin typeface="Century Gothic" panose="020B0502020202020204" pitchFamily="34" charset="0"/>
+              </a:rPr>
+              <a:t> </a:t>
+            </a:r>
+            <a:r>
+              <a:rPr lang="tr-TR" sz="800" dirty="0" err="1">
+                <a:latin typeface="Century Gothic" panose="020B0502020202020204" pitchFamily="34" charset="0"/>
+              </a:rPr>
+              <a:t>Maintenance</a:t>
+            </a:r>
+            <a:r>
+              <a:rPr lang="tr-TR" sz="800" dirty="0">
+                <a:latin typeface="Century Gothic" panose="020B0502020202020204" pitchFamily="34" charset="0"/>
+              </a:rPr>
+              <a:t> , IEEE, 2021, pp.177-240, </a:t>
+            </a:r>
+            <a:r>
+              <a:rPr lang="tr-TR" sz="800" dirty="0" err="1">
+                <a:latin typeface="Century Gothic" panose="020B0502020202020204" pitchFamily="34" charset="0"/>
+              </a:rPr>
+              <a:t>doi</a:t>
+            </a:r>
+            <a:r>
+              <a:rPr lang="tr-TR" sz="800" dirty="0">
+                <a:latin typeface="Century Gothic" panose="020B0502020202020204" pitchFamily="34" charset="0"/>
+              </a:rPr>
+              <a:t>: 10.1002/9781119524205.ch4.</a:t>
+            </a:r>
+            <a:endParaRPr lang="en-US" sz="800" dirty="0">
+              <a:latin typeface="Century Gothic" panose="020B0502020202020204" pitchFamily="34" charset="0"/>
+            </a:endParaRPr>
+          </a:p>
+        </p:txBody>
+      </p:sp>
     </p:spTree>
     <p:extLst>
       <p:ext uri="{BB962C8B-B14F-4D97-AF65-F5344CB8AC3E}">
@@ -17795,7 +18360,7 @@
 </p:sld>
 </file>
 
-<file path=ppt/slides/slide14.xml><?xml version="1.0" encoding="utf-8"?>
+<file path=ppt/slides/slide15.xml><?xml version="1.0" encoding="utf-8"?>
 <p:sld xmlns:a="http://schemas.openxmlformats.org/drawingml/2006/main" xmlns:r="http://schemas.openxmlformats.org/officeDocument/2006/relationships" xmlns:p="http://schemas.openxmlformats.org/presentationml/2006/main">
   <p:cSld>
     <p:spTree>
@@ -17913,7 +18478,7 @@
               <a:pPr>
                 <a:defRPr/>
               </a:pPr>
-              <a:t>14</a:t>
+              <a:t>15</a:t>
             </a:fld>
             <a:endParaRPr lang="en-US" dirty="0"/>
           </a:p>
@@ -17964,7 +18529,7 @@
 </p:sld>
 </file>
 
-<file path=ppt/slides/slide15.xml><?xml version="1.0" encoding="utf-8"?>
+<file path=ppt/slides/slide16.xml><?xml version="1.0" encoding="utf-8"?>
 <p:sld xmlns:a="http://schemas.openxmlformats.org/drawingml/2006/main" xmlns:r="http://schemas.openxmlformats.org/officeDocument/2006/relationships" xmlns:p="http://schemas.openxmlformats.org/presentationml/2006/main" show="0">
   <p:cSld>
     <p:spTree>
@@ -18043,7 +18608,7 @@
               <a:pPr>
                 <a:defRPr/>
               </a:pPr>
-              <a:t>15</a:t>
+              <a:t>16</a:t>
             </a:fld>
             <a:endParaRPr lang="en-US" dirty="0"/>
           </a:p>
@@ -18459,7 +19024,7 @@
 </p:sld>
 </file>
 
-<file path=ppt/slides/slide16.xml><?xml version="1.0" encoding="utf-8"?>
+<file path=ppt/slides/slide17.xml><?xml version="1.0" encoding="utf-8"?>
 <p:sld xmlns:a="http://schemas.openxmlformats.org/drawingml/2006/main" xmlns:r="http://schemas.openxmlformats.org/officeDocument/2006/relationships" xmlns:p="http://schemas.openxmlformats.org/presentationml/2006/main">
   <p:cSld>
     <p:spTree>
@@ -18678,7 +19243,7 @@
               <a:pPr>
                 <a:defRPr/>
               </a:pPr>
-              <a:t>16</a:t>
+              <a:t>17</a:t>
             </a:fld>
             <a:endParaRPr lang="en-US" dirty="0"/>
           </a:p>
@@ -18758,7 +19323,7 @@
 </p:sld>
 </file>
 
-<file path=ppt/slides/slide17.xml><?xml version="1.0" encoding="utf-8"?>
+<file path=ppt/slides/slide18.xml><?xml version="1.0" encoding="utf-8"?>
 <p:sld xmlns:a="http://schemas.openxmlformats.org/drawingml/2006/main" xmlns:r="http://schemas.openxmlformats.org/officeDocument/2006/relationships" xmlns:p="http://schemas.openxmlformats.org/presentationml/2006/main">
   <p:cSld>
     <p:spTree>
@@ -19024,7 +19589,7 @@
               <a:pPr>
                 <a:defRPr/>
               </a:pPr>
-              <a:t>17</a:t>
+              <a:t>18</a:t>
             </a:fld>
             <a:endParaRPr lang="en-US" dirty="0"/>
           </a:p>
@@ -19105,7 +19670,7 @@
 </p:sld>
 </file>
 
-<file path=ppt/slides/slide18.xml><?xml version="1.0" encoding="utf-8"?>
+<file path=ppt/slides/slide19.xml><?xml version="1.0" encoding="utf-8"?>
 <p:sld xmlns:a="http://schemas.openxmlformats.org/drawingml/2006/main" xmlns:r="http://schemas.openxmlformats.org/officeDocument/2006/relationships" xmlns:p="http://schemas.openxmlformats.org/presentationml/2006/main">
   <p:cSld>
     <p:spTree>
@@ -19340,7 +19905,7 @@
               <a:pPr>
                 <a:defRPr/>
               </a:pPr>
-              <a:t>18</a:t>
+              <a:t>19</a:t>
             </a:fld>
             <a:endParaRPr lang="en-US" dirty="0"/>
           </a:p>
@@ -19391,7 +19956,351 @@
 </p:sld>
 </file>
 
-<file path=ppt/slides/slide19.xml><?xml version="1.0" encoding="utf-8"?>
+<file path=ppt/slides/slide2.xml><?xml version="1.0" encoding="utf-8"?>
+<p:sld xmlns:a="http://schemas.openxmlformats.org/drawingml/2006/main" xmlns:r="http://schemas.openxmlformats.org/officeDocument/2006/relationships" xmlns:p="http://schemas.openxmlformats.org/presentationml/2006/main">
+  <p:cSld>
+    <p:spTree>
+      <p:nvGrpSpPr>
+        <p:cNvPr id="1" name=""/>
+        <p:cNvGrpSpPr/>
+        <p:nvPr/>
+      </p:nvGrpSpPr>
+      <p:grpSpPr>
+        <a:xfrm>
+          <a:off x="0" y="0"/>
+          <a:ext cx="0" cy="0"/>
+          <a:chOff x="0" y="0"/>
+          <a:chExt cx="0" cy="0"/>
+        </a:xfrm>
+      </p:grpSpPr>
+      <p:sp>
+        <p:nvSpPr>
+          <p:cNvPr id="2" name="Rectangle 1">
+            <a:extLst>
+              <a:ext uri="{FF2B5EF4-FFF2-40B4-BE49-F238E27FC236}">
+                <a16:creationId xmlns:a16="http://schemas.microsoft.com/office/drawing/2014/main" id="{8F246C33-AB38-4C55-AA72-4EB4373C2609}"/>
+              </a:ext>
+            </a:extLst>
+          </p:cNvPr>
+          <p:cNvSpPr/>
+          <p:nvPr/>
+        </p:nvSpPr>
+        <p:spPr>
+          <a:xfrm>
+            <a:off x="4827639" y="1976283"/>
+            <a:ext cx="3785419" cy="4149213"/>
+          </a:xfrm>
+          <a:prstGeom prst="rect">
+            <a:avLst/>
+          </a:prstGeom>
+          <a:solidFill>
+            <a:srgbClr val="D0112B"/>
+          </a:solidFill>
+          <a:ln>
+            <a:solidFill>
+              <a:srgbClr val="D0112B"/>
+            </a:solidFill>
+          </a:ln>
+        </p:spPr>
+        <p:style>
+          <a:lnRef idx="2">
+            <a:schemeClr val="dk1"/>
+          </a:lnRef>
+          <a:fillRef idx="1">
+            <a:schemeClr val="lt1"/>
+          </a:fillRef>
+          <a:effectRef idx="0">
+            <a:schemeClr val="dk1"/>
+          </a:effectRef>
+          <a:fontRef idx="minor">
+            <a:schemeClr val="dk1"/>
+          </a:fontRef>
+        </p:style>
+        <p:txBody>
+          <a:bodyPr rtlCol="0" anchor="ctr"/>
+          <a:lstStyle/>
+          <a:p>
+            <a:pPr algn="ctr"/>
+            <a:endParaRPr lang="en-US"/>
+          </a:p>
+        </p:txBody>
+      </p:sp>
+      <p:sp>
+        <p:nvSpPr>
+          <p:cNvPr id="3" name="TextBox 2">
+            <a:extLst>
+              <a:ext uri="{FF2B5EF4-FFF2-40B4-BE49-F238E27FC236}">
+                <a16:creationId xmlns:a16="http://schemas.microsoft.com/office/drawing/2014/main" id="{609EFA8E-2384-4C47-9ED2-00C6D57D83AD}"/>
+              </a:ext>
+            </a:extLst>
+          </p:cNvPr>
+          <p:cNvSpPr txBox="1"/>
+          <p:nvPr/>
+        </p:nvSpPr>
+        <p:spPr>
+          <a:xfrm>
+            <a:off x="4827639" y="1976284"/>
+            <a:ext cx="3785419" cy="923330"/>
+          </a:xfrm>
+          <a:prstGeom prst="rect">
+            <a:avLst/>
+          </a:prstGeom>
+          <a:noFill/>
+        </p:spPr>
+        <p:txBody>
+          <a:bodyPr wrap="square" rtlCol="0">
+            <a:spAutoFit/>
+          </a:bodyPr>
+          <a:lstStyle/>
+          <a:p>
+            <a:r>
+              <a:rPr lang="tr-TR" b="1" dirty="0">
+                <a:solidFill>
+                  <a:schemeClr val="bg1"/>
+                </a:solidFill>
+                <a:latin typeface="Century Gothic" panose="020B0502020202020204" pitchFamily="34" charset="0"/>
+              </a:rPr>
+              <a:t>REFURBISHMENT &amp; ALTERNATING WINDING TYPE OF A 44 MVA HYDRO GENERATOR</a:t>
+            </a:r>
+            <a:endParaRPr lang="en-US" b="1" dirty="0">
+              <a:solidFill>
+                <a:schemeClr val="bg1"/>
+              </a:solidFill>
+              <a:latin typeface="Century Gothic" panose="020B0502020202020204" pitchFamily="34" charset="0"/>
+            </a:endParaRPr>
+          </a:p>
+        </p:txBody>
+      </p:sp>
+      <p:sp>
+        <p:nvSpPr>
+          <p:cNvPr id="4" name="TextBox 3">
+            <a:extLst>
+              <a:ext uri="{FF2B5EF4-FFF2-40B4-BE49-F238E27FC236}">
+                <a16:creationId xmlns:a16="http://schemas.microsoft.com/office/drawing/2014/main" id="{B53512BC-D808-4AB5-834A-2A179B19B9B3}"/>
+              </a:ext>
+            </a:extLst>
+          </p:cNvPr>
+          <p:cNvSpPr txBox="1"/>
+          <p:nvPr/>
+        </p:nvSpPr>
+        <p:spPr>
+          <a:xfrm>
+            <a:off x="4827639" y="3701845"/>
+            <a:ext cx="3785419" cy="523220"/>
+          </a:xfrm>
+          <a:prstGeom prst="rect">
+            <a:avLst/>
+          </a:prstGeom>
+          <a:noFill/>
+        </p:spPr>
+        <p:txBody>
+          <a:bodyPr wrap="square" rtlCol="0">
+            <a:spAutoFit/>
+          </a:bodyPr>
+          <a:lstStyle/>
+          <a:p>
+            <a:r>
+              <a:rPr lang="tr-TR" sz="1400" dirty="0">
+                <a:solidFill>
+                  <a:schemeClr val="bg1"/>
+                </a:solidFill>
+                <a:latin typeface="Century Gothic" panose="020B0502020202020204" pitchFamily="34" charset="0"/>
+              </a:rPr>
+              <a:t>M. Samet YAKUT</a:t>
+            </a:r>
+          </a:p>
+          <a:p>
+            <a:r>
+              <a:rPr lang="tr-TR" sz="1400" dirty="0">
+                <a:solidFill>
+                  <a:schemeClr val="bg1"/>
+                </a:solidFill>
+                <a:latin typeface="Century Gothic" panose="020B0502020202020204" pitchFamily="34" charset="0"/>
+              </a:rPr>
+              <a:t>Advisor: </a:t>
+            </a:r>
+            <a:r>
+              <a:rPr lang="tr-TR" sz="1400" dirty="0" err="1">
+                <a:solidFill>
+                  <a:schemeClr val="bg1"/>
+                </a:solidFill>
+                <a:latin typeface="Century Gothic" panose="020B0502020202020204" pitchFamily="34" charset="0"/>
+              </a:rPr>
+              <a:t>Assoc</a:t>
+            </a:r>
+            <a:r>
+              <a:rPr lang="tr-TR" sz="1400" dirty="0">
+                <a:solidFill>
+                  <a:schemeClr val="bg1"/>
+                </a:solidFill>
+                <a:latin typeface="Century Gothic" panose="020B0502020202020204" pitchFamily="34" charset="0"/>
+              </a:rPr>
+              <a:t>. Prof. Ozan </a:t>
+            </a:r>
+            <a:r>
+              <a:rPr lang="tr-TR" sz="1400" dirty="0" err="1">
+                <a:solidFill>
+                  <a:schemeClr val="bg1"/>
+                </a:solidFill>
+                <a:latin typeface="Century Gothic" panose="020B0502020202020204" pitchFamily="34" charset="0"/>
+              </a:rPr>
+              <a:t>Keysan</a:t>
+            </a:r>
+            <a:endParaRPr lang="en-US" sz="1400" dirty="0">
+              <a:solidFill>
+                <a:schemeClr val="bg1"/>
+              </a:solidFill>
+              <a:latin typeface="Century Gothic" panose="020B0502020202020204" pitchFamily="34" charset="0"/>
+            </a:endParaRPr>
+          </a:p>
+        </p:txBody>
+      </p:sp>
+      <p:sp>
+        <p:nvSpPr>
+          <p:cNvPr id="5" name="TextBox 4">
+            <a:extLst>
+              <a:ext uri="{FF2B5EF4-FFF2-40B4-BE49-F238E27FC236}">
+                <a16:creationId xmlns:a16="http://schemas.microsoft.com/office/drawing/2014/main" id="{87ADAE8F-5E7E-4FCD-AF06-A3ACDB6A0360}"/>
+              </a:ext>
+            </a:extLst>
+          </p:cNvPr>
+          <p:cNvSpPr txBox="1"/>
+          <p:nvPr/>
+        </p:nvSpPr>
+        <p:spPr>
+          <a:xfrm>
+            <a:off x="4827639" y="5487247"/>
+            <a:ext cx="3785419" cy="523220"/>
+          </a:xfrm>
+          <a:prstGeom prst="rect">
+            <a:avLst/>
+          </a:prstGeom>
+          <a:noFill/>
+        </p:spPr>
+        <p:txBody>
+          <a:bodyPr wrap="square" rtlCol="0">
+            <a:spAutoFit/>
+          </a:bodyPr>
+          <a:lstStyle/>
+          <a:p>
+            <a:r>
+              <a:rPr lang="tr-TR" sz="1400" b="1" dirty="0" err="1">
+                <a:solidFill>
+                  <a:schemeClr val="bg1"/>
+                </a:solidFill>
+                <a:latin typeface="Century Gothic" panose="020B0502020202020204" pitchFamily="34" charset="0"/>
+              </a:rPr>
+              <a:t>November</a:t>
+            </a:r>
+            <a:r>
+              <a:rPr lang="tr-TR" sz="1400" b="1" dirty="0">
+                <a:solidFill>
+                  <a:schemeClr val="bg1"/>
+                </a:solidFill>
+                <a:latin typeface="Century Gothic" panose="020B0502020202020204" pitchFamily="34" charset="0"/>
+              </a:rPr>
+              <a:t> 23, 2023</a:t>
+            </a:r>
+          </a:p>
+          <a:p>
+            <a:r>
+              <a:rPr lang="tr-TR" sz="1400" b="1" dirty="0">
+                <a:solidFill>
+                  <a:schemeClr val="bg1"/>
+                </a:solidFill>
+                <a:latin typeface="Century Gothic" panose="020B0502020202020204" pitchFamily="34" charset="0"/>
+              </a:rPr>
+              <a:t>EE590 </a:t>
+            </a:r>
+            <a:r>
+              <a:rPr lang="tr-TR" sz="1400" b="1" dirty="0" err="1">
+                <a:solidFill>
+                  <a:schemeClr val="bg1"/>
+                </a:solidFill>
+                <a:latin typeface="Century Gothic" panose="020B0502020202020204" pitchFamily="34" charset="0"/>
+              </a:rPr>
+              <a:t>Seminar</a:t>
+            </a:r>
+            <a:r>
+              <a:rPr lang="tr-TR" sz="1400" b="1" dirty="0">
+                <a:solidFill>
+                  <a:schemeClr val="bg1"/>
+                </a:solidFill>
+                <a:latin typeface="Century Gothic" panose="020B0502020202020204" pitchFamily="34" charset="0"/>
+              </a:rPr>
+              <a:t>, METU EE </a:t>
+            </a:r>
+            <a:r>
+              <a:rPr lang="tr-TR" sz="1400" b="1" dirty="0" err="1">
+                <a:solidFill>
+                  <a:schemeClr val="bg1"/>
+                </a:solidFill>
+                <a:latin typeface="Century Gothic" panose="020B0502020202020204" pitchFamily="34" charset="0"/>
+              </a:rPr>
+              <a:t>Dep</a:t>
+            </a:r>
+            <a:r>
+              <a:rPr lang="tr-TR" sz="1400" b="1" dirty="0">
+                <a:solidFill>
+                  <a:schemeClr val="bg1"/>
+                </a:solidFill>
+                <a:latin typeface="Century Gothic" panose="020B0502020202020204" pitchFamily="34" charset="0"/>
+              </a:rPr>
+              <a:t>.</a:t>
+            </a:r>
+            <a:endParaRPr lang="en-US" sz="1400" b="1" dirty="0">
+              <a:solidFill>
+                <a:schemeClr val="bg1"/>
+              </a:solidFill>
+              <a:latin typeface="Century Gothic" panose="020B0502020202020204" pitchFamily="34" charset="0"/>
+            </a:endParaRPr>
+          </a:p>
+        </p:txBody>
+      </p:sp>
+      <p:pic>
+        <p:nvPicPr>
+          <p:cNvPr id="7" name="Picture 6">
+            <a:extLst>
+              <a:ext uri="{FF2B5EF4-FFF2-40B4-BE49-F238E27FC236}">
+                <a16:creationId xmlns:a16="http://schemas.microsoft.com/office/drawing/2014/main" id="{30D046F4-28C2-4997-BEE3-B20BE52F46FB}"/>
+              </a:ext>
+            </a:extLst>
+          </p:cNvPr>
+          <p:cNvPicPr>
+            <a:picLocks noChangeAspect="1"/>
+          </p:cNvPicPr>
+          <p:nvPr/>
+        </p:nvPicPr>
+        <p:blipFill>
+          <a:blip r:embed="rId2"/>
+          <a:stretch>
+            <a:fillRect/>
+          </a:stretch>
+        </p:blipFill>
+        <p:spPr>
+          <a:xfrm>
+            <a:off x="778795" y="1378419"/>
+            <a:ext cx="3279880" cy="4370438"/>
+          </a:xfrm>
+          <a:prstGeom prst="rect">
+            <a:avLst/>
+          </a:prstGeom>
+        </p:spPr>
+      </p:pic>
+    </p:spTree>
+    <p:extLst>
+      <p:ext uri="{BB962C8B-B14F-4D97-AF65-F5344CB8AC3E}">
+        <p14:creationId xmlns:p14="http://schemas.microsoft.com/office/powerpoint/2010/main" val="1031498753"/>
+      </p:ext>
+    </p:extLst>
+  </p:cSld>
+  <p:clrMapOvr>
+    <a:masterClrMapping/>
+  </p:clrMapOvr>
+</p:sld>
+</file>
+
+<file path=ppt/slides/slide20.xml><?xml version="1.0" encoding="utf-8"?>
 <p:sld xmlns:a="http://schemas.openxmlformats.org/drawingml/2006/main" xmlns:r="http://schemas.openxmlformats.org/officeDocument/2006/relationships" xmlns:p="http://schemas.openxmlformats.org/presentationml/2006/main">
   <p:cSld>
     <p:spTree>
@@ -19478,7 +20387,7 @@
               <a:pPr>
                 <a:defRPr/>
               </a:pPr>
-              <a:t>19</a:t>
+              <a:t>20</a:t>
             </a:fld>
             <a:endParaRPr lang="en-US" dirty="0"/>
           </a:p>
@@ -19873,351 +20782,7 @@
 </p:sld>
 </file>
 
-<file path=ppt/slides/slide2.xml><?xml version="1.0" encoding="utf-8"?>
-<p:sld xmlns:a="http://schemas.openxmlformats.org/drawingml/2006/main" xmlns:r="http://schemas.openxmlformats.org/officeDocument/2006/relationships" xmlns:p="http://schemas.openxmlformats.org/presentationml/2006/main">
-  <p:cSld>
-    <p:spTree>
-      <p:nvGrpSpPr>
-        <p:cNvPr id="1" name=""/>
-        <p:cNvGrpSpPr/>
-        <p:nvPr/>
-      </p:nvGrpSpPr>
-      <p:grpSpPr>
-        <a:xfrm>
-          <a:off x="0" y="0"/>
-          <a:ext cx="0" cy="0"/>
-          <a:chOff x="0" y="0"/>
-          <a:chExt cx="0" cy="0"/>
-        </a:xfrm>
-      </p:grpSpPr>
-      <p:sp>
-        <p:nvSpPr>
-          <p:cNvPr id="2" name="Rectangle 1">
-            <a:extLst>
-              <a:ext uri="{FF2B5EF4-FFF2-40B4-BE49-F238E27FC236}">
-                <a16:creationId xmlns:a16="http://schemas.microsoft.com/office/drawing/2014/main" id="{8F246C33-AB38-4C55-AA72-4EB4373C2609}"/>
-              </a:ext>
-            </a:extLst>
-          </p:cNvPr>
-          <p:cNvSpPr/>
-          <p:nvPr/>
-        </p:nvSpPr>
-        <p:spPr>
-          <a:xfrm>
-            <a:off x="4827639" y="1976283"/>
-            <a:ext cx="3785419" cy="4149213"/>
-          </a:xfrm>
-          <a:prstGeom prst="rect">
-            <a:avLst/>
-          </a:prstGeom>
-          <a:solidFill>
-            <a:srgbClr val="D0112B"/>
-          </a:solidFill>
-          <a:ln>
-            <a:solidFill>
-              <a:srgbClr val="D0112B"/>
-            </a:solidFill>
-          </a:ln>
-        </p:spPr>
-        <p:style>
-          <a:lnRef idx="2">
-            <a:schemeClr val="dk1"/>
-          </a:lnRef>
-          <a:fillRef idx="1">
-            <a:schemeClr val="lt1"/>
-          </a:fillRef>
-          <a:effectRef idx="0">
-            <a:schemeClr val="dk1"/>
-          </a:effectRef>
-          <a:fontRef idx="minor">
-            <a:schemeClr val="dk1"/>
-          </a:fontRef>
-        </p:style>
-        <p:txBody>
-          <a:bodyPr rtlCol="0" anchor="ctr"/>
-          <a:lstStyle/>
-          <a:p>
-            <a:pPr algn="ctr"/>
-            <a:endParaRPr lang="en-US"/>
-          </a:p>
-        </p:txBody>
-      </p:sp>
-      <p:sp>
-        <p:nvSpPr>
-          <p:cNvPr id="3" name="TextBox 2">
-            <a:extLst>
-              <a:ext uri="{FF2B5EF4-FFF2-40B4-BE49-F238E27FC236}">
-                <a16:creationId xmlns:a16="http://schemas.microsoft.com/office/drawing/2014/main" id="{609EFA8E-2384-4C47-9ED2-00C6D57D83AD}"/>
-              </a:ext>
-            </a:extLst>
-          </p:cNvPr>
-          <p:cNvSpPr txBox="1"/>
-          <p:nvPr/>
-        </p:nvSpPr>
-        <p:spPr>
-          <a:xfrm>
-            <a:off x="4827639" y="1976284"/>
-            <a:ext cx="3785419" cy="923330"/>
-          </a:xfrm>
-          <a:prstGeom prst="rect">
-            <a:avLst/>
-          </a:prstGeom>
-          <a:noFill/>
-        </p:spPr>
-        <p:txBody>
-          <a:bodyPr wrap="square" rtlCol="0">
-            <a:spAutoFit/>
-          </a:bodyPr>
-          <a:lstStyle/>
-          <a:p>
-            <a:r>
-              <a:rPr lang="tr-TR" b="1" dirty="0">
-                <a:solidFill>
-                  <a:schemeClr val="bg1"/>
-                </a:solidFill>
-                <a:latin typeface="Century Gothic" panose="020B0502020202020204" pitchFamily="34" charset="0"/>
-              </a:rPr>
-              <a:t>REFURBISHMENT &amp; ALTERNATING WINDING TYPE OF A 44 MVA HYDRO GENERATOR</a:t>
-            </a:r>
-            <a:endParaRPr lang="en-US" b="1" dirty="0">
-              <a:solidFill>
-                <a:schemeClr val="bg1"/>
-              </a:solidFill>
-              <a:latin typeface="Century Gothic" panose="020B0502020202020204" pitchFamily="34" charset="0"/>
-            </a:endParaRPr>
-          </a:p>
-        </p:txBody>
-      </p:sp>
-      <p:sp>
-        <p:nvSpPr>
-          <p:cNvPr id="4" name="TextBox 3">
-            <a:extLst>
-              <a:ext uri="{FF2B5EF4-FFF2-40B4-BE49-F238E27FC236}">
-                <a16:creationId xmlns:a16="http://schemas.microsoft.com/office/drawing/2014/main" id="{B53512BC-D808-4AB5-834A-2A179B19B9B3}"/>
-              </a:ext>
-            </a:extLst>
-          </p:cNvPr>
-          <p:cNvSpPr txBox="1"/>
-          <p:nvPr/>
-        </p:nvSpPr>
-        <p:spPr>
-          <a:xfrm>
-            <a:off x="4827639" y="3701845"/>
-            <a:ext cx="3785419" cy="523220"/>
-          </a:xfrm>
-          <a:prstGeom prst="rect">
-            <a:avLst/>
-          </a:prstGeom>
-          <a:noFill/>
-        </p:spPr>
-        <p:txBody>
-          <a:bodyPr wrap="square" rtlCol="0">
-            <a:spAutoFit/>
-          </a:bodyPr>
-          <a:lstStyle/>
-          <a:p>
-            <a:r>
-              <a:rPr lang="tr-TR" sz="1400" dirty="0">
-                <a:solidFill>
-                  <a:schemeClr val="bg1"/>
-                </a:solidFill>
-                <a:latin typeface="Century Gothic" panose="020B0502020202020204" pitchFamily="34" charset="0"/>
-              </a:rPr>
-              <a:t>M. Samet YAKUT</a:t>
-            </a:r>
-          </a:p>
-          <a:p>
-            <a:r>
-              <a:rPr lang="tr-TR" sz="1400" dirty="0">
-                <a:solidFill>
-                  <a:schemeClr val="bg1"/>
-                </a:solidFill>
-                <a:latin typeface="Century Gothic" panose="020B0502020202020204" pitchFamily="34" charset="0"/>
-              </a:rPr>
-              <a:t>Advisor: </a:t>
-            </a:r>
-            <a:r>
-              <a:rPr lang="tr-TR" sz="1400" dirty="0" err="1">
-                <a:solidFill>
-                  <a:schemeClr val="bg1"/>
-                </a:solidFill>
-                <a:latin typeface="Century Gothic" panose="020B0502020202020204" pitchFamily="34" charset="0"/>
-              </a:rPr>
-              <a:t>Assoc</a:t>
-            </a:r>
-            <a:r>
-              <a:rPr lang="tr-TR" sz="1400" dirty="0">
-                <a:solidFill>
-                  <a:schemeClr val="bg1"/>
-                </a:solidFill>
-                <a:latin typeface="Century Gothic" panose="020B0502020202020204" pitchFamily="34" charset="0"/>
-              </a:rPr>
-              <a:t>. Prof. Ozan </a:t>
-            </a:r>
-            <a:r>
-              <a:rPr lang="tr-TR" sz="1400" dirty="0" err="1">
-                <a:solidFill>
-                  <a:schemeClr val="bg1"/>
-                </a:solidFill>
-                <a:latin typeface="Century Gothic" panose="020B0502020202020204" pitchFamily="34" charset="0"/>
-              </a:rPr>
-              <a:t>Keysan</a:t>
-            </a:r>
-            <a:endParaRPr lang="en-US" sz="1400" dirty="0">
-              <a:solidFill>
-                <a:schemeClr val="bg1"/>
-              </a:solidFill>
-              <a:latin typeface="Century Gothic" panose="020B0502020202020204" pitchFamily="34" charset="0"/>
-            </a:endParaRPr>
-          </a:p>
-        </p:txBody>
-      </p:sp>
-      <p:sp>
-        <p:nvSpPr>
-          <p:cNvPr id="5" name="TextBox 4">
-            <a:extLst>
-              <a:ext uri="{FF2B5EF4-FFF2-40B4-BE49-F238E27FC236}">
-                <a16:creationId xmlns:a16="http://schemas.microsoft.com/office/drawing/2014/main" id="{87ADAE8F-5E7E-4FCD-AF06-A3ACDB6A0360}"/>
-              </a:ext>
-            </a:extLst>
-          </p:cNvPr>
-          <p:cNvSpPr txBox="1"/>
-          <p:nvPr/>
-        </p:nvSpPr>
-        <p:spPr>
-          <a:xfrm>
-            <a:off x="4827639" y="5487247"/>
-            <a:ext cx="3785419" cy="523220"/>
-          </a:xfrm>
-          <a:prstGeom prst="rect">
-            <a:avLst/>
-          </a:prstGeom>
-          <a:noFill/>
-        </p:spPr>
-        <p:txBody>
-          <a:bodyPr wrap="square" rtlCol="0">
-            <a:spAutoFit/>
-          </a:bodyPr>
-          <a:lstStyle/>
-          <a:p>
-            <a:r>
-              <a:rPr lang="tr-TR" sz="1400" b="1" dirty="0" err="1">
-                <a:solidFill>
-                  <a:schemeClr val="bg1"/>
-                </a:solidFill>
-                <a:latin typeface="Century Gothic" panose="020B0502020202020204" pitchFamily="34" charset="0"/>
-              </a:rPr>
-              <a:t>November</a:t>
-            </a:r>
-            <a:r>
-              <a:rPr lang="tr-TR" sz="1400" b="1" dirty="0">
-                <a:solidFill>
-                  <a:schemeClr val="bg1"/>
-                </a:solidFill>
-                <a:latin typeface="Century Gothic" panose="020B0502020202020204" pitchFamily="34" charset="0"/>
-              </a:rPr>
-              <a:t> 23, 2023</a:t>
-            </a:r>
-          </a:p>
-          <a:p>
-            <a:r>
-              <a:rPr lang="tr-TR" sz="1400" b="1" dirty="0">
-                <a:solidFill>
-                  <a:schemeClr val="bg1"/>
-                </a:solidFill>
-                <a:latin typeface="Century Gothic" panose="020B0502020202020204" pitchFamily="34" charset="0"/>
-              </a:rPr>
-              <a:t>EE590 </a:t>
-            </a:r>
-            <a:r>
-              <a:rPr lang="tr-TR" sz="1400" b="1" dirty="0" err="1">
-                <a:solidFill>
-                  <a:schemeClr val="bg1"/>
-                </a:solidFill>
-                <a:latin typeface="Century Gothic" panose="020B0502020202020204" pitchFamily="34" charset="0"/>
-              </a:rPr>
-              <a:t>Seminar</a:t>
-            </a:r>
-            <a:r>
-              <a:rPr lang="tr-TR" sz="1400" b="1" dirty="0">
-                <a:solidFill>
-                  <a:schemeClr val="bg1"/>
-                </a:solidFill>
-                <a:latin typeface="Century Gothic" panose="020B0502020202020204" pitchFamily="34" charset="0"/>
-              </a:rPr>
-              <a:t>, METU EE </a:t>
-            </a:r>
-            <a:r>
-              <a:rPr lang="tr-TR" sz="1400" b="1" dirty="0" err="1">
-                <a:solidFill>
-                  <a:schemeClr val="bg1"/>
-                </a:solidFill>
-                <a:latin typeface="Century Gothic" panose="020B0502020202020204" pitchFamily="34" charset="0"/>
-              </a:rPr>
-              <a:t>Dep</a:t>
-            </a:r>
-            <a:r>
-              <a:rPr lang="tr-TR" sz="1400" b="1" dirty="0">
-                <a:solidFill>
-                  <a:schemeClr val="bg1"/>
-                </a:solidFill>
-                <a:latin typeface="Century Gothic" panose="020B0502020202020204" pitchFamily="34" charset="0"/>
-              </a:rPr>
-              <a:t>.</a:t>
-            </a:r>
-            <a:endParaRPr lang="en-US" sz="1400" b="1" dirty="0">
-              <a:solidFill>
-                <a:schemeClr val="bg1"/>
-              </a:solidFill>
-              <a:latin typeface="Century Gothic" panose="020B0502020202020204" pitchFamily="34" charset="0"/>
-            </a:endParaRPr>
-          </a:p>
-        </p:txBody>
-      </p:sp>
-      <p:pic>
-        <p:nvPicPr>
-          <p:cNvPr id="7" name="Picture 6">
-            <a:extLst>
-              <a:ext uri="{FF2B5EF4-FFF2-40B4-BE49-F238E27FC236}">
-                <a16:creationId xmlns:a16="http://schemas.microsoft.com/office/drawing/2014/main" id="{30D046F4-28C2-4997-BEE3-B20BE52F46FB}"/>
-              </a:ext>
-            </a:extLst>
-          </p:cNvPr>
-          <p:cNvPicPr>
-            <a:picLocks noChangeAspect="1"/>
-          </p:cNvPicPr>
-          <p:nvPr/>
-        </p:nvPicPr>
-        <p:blipFill>
-          <a:blip r:embed="rId2"/>
-          <a:stretch>
-            <a:fillRect/>
-          </a:stretch>
-        </p:blipFill>
-        <p:spPr>
-          <a:xfrm>
-            <a:off x="778795" y="1378419"/>
-            <a:ext cx="3279880" cy="4370438"/>
-          </a:xfrm>
-          <a:prstGeom prst="rect">
-            <a:avLst/>
-          </a:prstGeom>
-        </p:spPr>
-      </p:pic>
-    </p:spTree>
-    <p:extLst>
-      <p:ext uri="{BB962C8B-B14F-4D97-AF65-F5344CB8AC3E}">
-        <p14:creationId xmlns:p14="http://schemas.microsoft.com/office/powerpoint/2010/main" val="1031498753"/>
-      </p:ext>
-    </p:extLst>
-  </p:cSld>
-  <p:clrMapOvr>
-    <a:masterClrMapping/>
-  </p:clrMapOvr>
-</p:sld>
-</file>
-
-<file path=ppt/slides/slide20.xml><?xml version="1.0" encoding="utf-8"?>
+<file path=ppt/slides/slide21.xml><?xml version="1.0" encoding="utf-8"?>
 <p:sld xmlns:a="http://schemas.openxmlformats.org/drawingml/2006/main" xmlns:r="http://schemas.openxmlformats.org/officeDocument/2006/relationships" xmlns:p="http://schemas.openxmlformats.org/presentationml/2006/main">
   <p:cSld>
     <p:spTree>
@@ -20304,7 +20869,7 @@
               <a:pPr>
                 <a:defRPr/>
               </a:pPr>
-              <a:t>20</a:t>
+              <a:t>21</a:t>
             </a:fld>
             <a:endParaRPr lang="en-US" dirty="0"/>
           </a:p>
@@ -20699,7 +21264,7 @@
 </p:sld>
 </file>
 
-<file path=ppt/slides/slide21.xml><?xml version="1.0" encoding="utf-8"?>
+<file path=ppt/slides/slide22.xml><?xml version="1.0" encoding="utf-8"?>
 <p:sld xmlns:a="http://schemas.openxmlformats.org/drawingml/2006/main" xmlns:r="http://schemas.openxmlformats.org/officeDocument/2006/relationships" xmlns:p="http://schemas.openxmlformats.org/presentationml/2006/main">
   <p:cSld>
     <p:spTree>
@@ -20815,7 +21380,7 @@
               <a:pPr>
                 <a:defRPr/>
               </a:pPr>
-              <a:t>21</a:t>
+              <a:t>22</a:t>
             </a:fld>
             <a:endParaRPr lang="en-US" dirty="0"/>
           </a:p>
@@ -20866,7 +21431,7 @@
 </p:sld>
 </file>
 
-<file path=ppt/slides/slide22.xml><?xml version="1.0" encoding="utf-8"?>
+<file path=ppt/slides/slide23.xml><?xml version="1.0" encoding="utf-8"?>
 <p:sld xmlns:a="http://schemas.openxmlformats.org/drawingml/2006/main" xmlns:r="http://schemas.openxmlformats.org/officeDocument/2006/relationships" xmlns:p="http://schemas.openxmlformats.org/presentationml/2006/main">
   <p:cSld>
     <p:spTree>
@@ -21297,7 +21862,7 @@
               <a:pPr>
                 <a:defRPr/>
               </a:pPr>
-              <a:t>22</a:t>
+              <a:t>23</a:t>
             </a:fld>
             <a:endParaRPr lang="en-US" dirty="0"/>
           </a:p>
@@ -21348,7 +21913,7 @@
 </p:sld>
 </file>
 
-<file path=ppt/slides/slide23.xml><?xml version="1.0" encoding="utf-8"?>
+<file path=ppt/slides/slide24.xml><?xml version="1.0" encoding="utf-8"?>
 <p:sld xmlns:a="http://schemas.openxmlformats.org/drawingml/2006/main" xmlns:r="http://schemas.openxmlformats.org/officeDocument/2006/relationships" xmlns:p="http://schemas.openxmlformats.org/presentationml/2006/main">
   <p:cSld>
     <p:spTree>
@@ -23313,12 +23878,557 @@
           </a:p>
         </p:txBody>
       </p:sp>
+      <p:sp>
+        <p:nvSpPr>
+          <p:cNvPr id="6" name="Content Placeholder 10">
+            <a:extLst>
+              <a:ext uri="{FF2B5EF4-FFF2-40B4-BE49-F238E27FC236}">
+                <a16:creationId xmlns:a16="http://schemas.microsoft.com/office/drawing/2014/main" id="{A148DC22-AD77-45F8-A167-67BC3EE9C5B4}"/>
+              </a:ext>
+            </a:extLst>
+          </p:cNvPr>
+          <p:cNvSpPr txBox="1">
+            <a:spLocks/>
+          </p:cNvSpPr>
+          <p:nvPr/>
+        </p:nvSpPr>
+        <p:spPr bwMode="auto">
+          <a:xfrm>
+            <a:off x="457200" y="1430338"/>
+            <a:ext cx="8229600" cy="4987925"/>
+          </a:xfrm>
+          <a:prstGeom prst="rect">
+            <a:avLst/>
+          </a:prstGeom>
+          <a:noFill/>
+          <a:ln>
+            <a:noFill/>
+          </a:ln>
+          <a:extLst>
+            <a:ext uri="{909E8E84-426E-40DD-AFC4-6F175D3DCCD1}">
+              <a14:hiddenFill xmlns:a14="http://schemas.microsoft.com/office/drawing/2010/main">
+                <a:solidFill>
+                  <a:srgbClr val="FFFFFF"/>
+                </a:solidFill>
+              </a14:hiddenFill>
+            </a:ext>
+            <a:ext uri="{91240B29-F687-4F45-9708-019B960494DF}">
+              <a14:hiddenLine xmlns:a14="http://schemas.microsoft.com/office/drawing/2010/main" w="9525">
+                <a:solidFill>
+                  <a:srgbClr val="000000"/>
+                </a:solidFill>
+                <a:miter lim="800000"/>
+                <a:headEnd/>
+                <a:tailEnd/>
+              </a14:hiddenLine>
+            </a:ext>
+          </a:extLst>
+        </p:spPr>
+        <p:txBody>
+          <a:bodyPr vert="horz" wrap="square" lIns="91440" tIns="45720" rIns="91440" bIns="45720" numCol="1" anchor="t" anchorCtr="0" compatLnSpc="1">
+            <a:prstTxWarp prst="textNoShape">
+              <a:avLst/>
+            </a:prstTxWarp>
+          </a:bodyPr>
+          <a:lstStyle>
+            <a:lvl1pPr algn="l" rtl="0" eaLnBrk="0" fontAlgn="base" hangingPunct="0">
+              <a:spcBef>
+                <a:spcPct val="20000"/>
+              </a:spcBef>
+              <a:spcAft>
+                <a:spcPct val="0"/>
+              </a:spcAft>
+              <a:buClr>
+                <a:srgbClr val="0BD0D9"/>
+              </a:buClr>
+              <a:buSzPct val="95000"/>
+              <a:buFont typeface="Wingdings 2" panose="05020102010507070707" pitchFamily="18" charset="2"/>
+              <a:defRPr sz="2000" kern="1200">
+                <a:solidFill>
+                  <a:schemeClr val="tx1"/>
+                </a:solidFill>
+                <a:latin typeface="Century Gothic" panose="020B0502020202020204" pitchFamily="34" charset="0"/>
+                <a:ea typeface="+mn-ea"/>
+                <a:cs typeface="Arial"/>
+              </a:defRPr>
+            </a:lvl1pPr>
+            <a:lvl2pPr marL="639763" indent="-457200" algn="l" rtl="0" eaLnBrk="0" fontAlgn="base" hangingPunct="0">
+              <a:spcBef>
+                <a:spcPts val="438"/>
+              </a:spcBef>
+              <a:spcAft>
+                <a:spcPct val="0"/>
+              </a:spcAft>
+              <a:buClr>
+                <a:schemeClr val="accent1"/>
+              </a:buClr>
+              <a:buSzPct val="85000"/>
+              <a:buFont typeface="Arial" panose="020B0604020202020204" pitchFamily="34" charset="0"/>
+              <a:buChar char="•"/>
+              <a:defRPr kern="1200">
+                <a:solidFill>
+                  <a:schemeClr val="tx1"/>
+                </a:solidFill>
+                <a:latin typeface="Century Gothic" panose="020B0502020202020204" pitchFamily="34" charset="0"/>
+                <a:ea typeface="+mn-ea"/>
+                <a:cs typeface="Arial"/>
+              </a:defRPr>
+            </a:lvl2pPr>
+            <a:lvl3pPr marL="914400" indent="-457200" algn="l" rtl="0" eaLnBrk="0" fontAlgn="base" hangingPunct="0">
+              <a:spcBef>
+                <a:spcPct val="20000"/>
+              </a:spcBef>
+              <a:spcAft>
+                <a:spcPct val="0"/>
+              </a:spcAft>
+              <a:buClr>
+                <a:schemeClr val="accent2"/>
+              </a:buClr>
+              <a:buSzPct val="70000"/>
+              <a:buFont typeface="Arial" panose="020B0604020202020204" pitchFamily="34" charset="0"/>
+              <a:buChar char="•"/>
+              <a:defRPr kern="1200">
+                <a:solidFill>
+                  <a:schemeClr val="tx1"/>
+                </a:solidFill>
+                <a:latin typeface="Century Gothic" panose="020B0502020202020204" pitchFamily="34" charset="0"/>
+                <a:ea typeface="+mn-ea"/>
+                <a:cs typeface="Arial"/>
+              </a:defRPr>
+            </a:lvl3pPr>
+            <a:lvl4pPr marL="1187450" indent="-457200" algn="l" rtl="0" eaLnBrk="0" fontAlgn="base" hangingPunct="0">
+              <a:spcBef>
+                <a:spcPct val="20000"/>
+              </a:spcBef>
+              <a:spcAft>
+                <a:spcPct val="0"/>
+              </a:spcAft>
+              <a:buClr>
+                <a:srgbClr val="0BD0D9"/>
+              </a:buClr>
+              <a:buSzPct val="65000"/>
+              <a:buFont typeface="Arial" panose="020B0604020202020204" pitchFamily="34" charset="0"/>
+              <a:buChar char="•"/>
+              <a:defRPr kern="1200">
+                <a:solidFill>
+                  <a:schemeClr val="tx1"/>
+                </a:solidFill>
+                <a:latin typeface="Century Gothic" panose="020B0502020202020204" pitchFamily="34" charset="0"/>
+                <a:ea typeface="+mn-ea"/>
+                <a:cs typeface="Arial"/>
+              </a:defRPr>
+            </a:lvl4pPr>
+            <a:lvl5pPr marL="1462088" indent="-457200" algn="l" rtl="0" eaLnBrk="0" fontAlgn="base" hangingPunct="0">
+              <a:spcBef>
+                <a:spcPct val="20000"/>
+              </a:spcBef>
+              <a:spcAft>
+                <a:spcPct val="0"/>
+              </a:spcAft>
+              <a:buClr>
+                <a:srgbClr val="10CF9B"/>
+              </a:buClr>
+              <a:buSzPct val="65000"/>
+              <a:buFont typeface="Arial" panose="020B0604020202020204" pitchFamily="34" charset="0"/>
+              <a:buChar char="•"/>
+              <a:defRPr kern="1200">
+                <a:solidFill>
+                  <a:schemeClr val="tx1"/>
+                </a:solidFill>
+                <a:latin typeface="Century Gothic" panose="020B0502020202020204" pitchFamily="34" charset="0"/>
+                <a:ea typeface="+mn-ea"/>
+                <a:cs typeface="Arial"/>
+              </a:defRPr>
+            </a:lvl5pPr>
+            <a:lvl6pPr marL="1737360" indent="-210312" algn="l" rtl="0" eaLnBrk="1" latinLnBrk="0" hangingPunct="1">
+              <a:spcBef>
+                <a:spcPct val="20000"/>
+              </a:spcBef>
+              <a:buClr>
+                <a:schemeClr val="accent5"/>
+              </a:buClr>
+              <a:buSzPct val="80000"/>
+              <a:buFont typeface="Wingdings 2"/>
+              <a:buChar char=""/>
+              <a:defRPr kumimoji="0" sz="1800" kern="1200">
+                <a:solidFill>
+                  <a:schemeClr val="tx1"/>
+                </a:solidFill>
+                <a:latin typeface="+mn-lt"/>
+                <a:ea typeface="+mn-ea"/>
+                <a:cs typeface="+mn-cs"/>
+              </a:defRPr>
+            </a:lvl6pPr>
+            <a:lvl7pPr marL="1920240" indent="-182880" algn="l" rtl="0" eaLnBrk="1" latinLnBrk="0" hangingPunct="1">
+              <a:spcBef>
+                <a:spcPct val="20000"/>
+              </a:spcBef>
+              <a:buClr>
+                <a:schemeClr val="accent6"/>
+              </a:buClr>
+              <a:buSzPct val="80000"/>
+              <a:buFont typeface="Wingdings 2"/>
+              <a:buChar char=""/>
+              <a:defRPr kumimoji="0" sz="1600" kern="1200" baseline="0">
+                <a:solidFill>
+                  <a:schemeClr val="tx1"/>
+                </a:solidFill>
+                <a:latin typeface="+mn-lt"/>
+                <a:ea typeface="+mn-ea"/>
+                <a:cs typeface="+mn-cs"/>
+              </a:defRPr>
+            </a:lvl7pPr>
+            <a:lvl8pPr marL="2194560" indent="-182880" algn="l" rtl="0" eaLnBrk="1" latinLnBrk="0" hangingPunct="1">
+              <a:spcBef>
+                <a:spcPct val="20000"/>
+              </a:spcBef>
+              <a:buClr>
+                <a:schemeClr val="tx2"/>
+              </a:buClr>
+              <a:buChar char="•"/>
+              <a:defRPr kumimoji="0" sz="1600" kern="1200">
+                <a:solidFill>
+                  <a:schemeClr val="tx1"/>
+                </a:solidFill>
+                <a:latin typeface="+mn-lt"/>
+                <a:ea typeface="+mn-ea"/>
+                <a:cs typeface="+mn-cs"/>
+              </a:defRPr>
+            </a:lvl8pPr>
+            <a:lvl9pPr marL="2468880" indent="-182880" algn="l" rtl="0" eaLnBrk="1" latinLnBrk="0" hangingPunct="1">
+              <a:spcBef>
+                <a:spcPct val="20000"/>
+              </a:spcBef>
+              <a:buClr>
+                <a:schemeClr val="tx2"/>
+              </a:buClr>
+              <a:buFontTx/>
+              <a:buChar char="•"/>
+              <a:defRPr kumimoji="0" sz="1400" kern="1200" baseline="0">
+                <a:solidFill>
+                  <a:schemeClr val="tx1"/>
+                </a:solidFill>
+                <a:latin typeface="+mn-lt"/>
+                <a:ea typeface="+mn-ea"/>
+                <a:cs typeface="+mn-cs"/>
+              </a:defRPr>
+            </a:lvl9pPr>
+          </a:lstStyle>
+          <a:p>
+            <a:pPr defTabSz="914400"/>
+            <a:endParaRPr lang="tr-TR" dirty="0"/>
+          </a:p>
+          <a:p>
+            <a:pPr marL="342900" indent="-342900" defTabSz="914400">
+              <a:buFont typeface="Arial" panose="020B0604020202020204" pitchFamily="34" charset="0"/>
+              <a:buChar char="•"/>
+            </a:pPr>
+            <a:r>
+              <a:rPr lang="tr-TR" dirty="0" err="1"/>
+              <a:t>Wave</a:t>
+            </a:r>
+            <a:r>
+              <a:rPr lang="tr-TR" dirty="0"/>
+              <a:t> </a:t>
+            </a:r>
+            <a:r>
+              <a:rPr lang="tr-TR" dirty="0" err="1"/>
+              <a:t>Winding</a:t>
+            </a:r>
+            <a:endParaRPr lang="tr-TR" dirty="0"/>
+          </a:p>
+          <a:p>
+            <a:pPr marL="982663" lvl="1" indent="-342900" defTabSz="914400"/>
+            <a:r>
+              <a:rPr lang="tr-TR" dirty="0" err="1"/>
+              <a:t>Less</a:t>
+            </a:r>
+            <a:r>
+              <a:rPr lang="tr-TR" dirty="0"/>
+              <a:t> </a:t>
+            </a:r>
+            <a:r>
+              <a:rPr lang="tr-TR" dirty="0" err="1"/>
+              <a:t>outage</a:t>
+            </a:r>
+            <a:r>
+              <a:rPr lang="tr-TR" dirty="0"/>
+              <a:t> </a:t>
+            </a:r>
+            <a:r>
+              <a:rPr lang="tr-TR" dirty="0" err="1"/>
+              <a:t>duration</a:t>
+            </a:r>
+            <a:endParaRPr lang="tr-TR" dirty="0"/>
+          </a:p>
+          <a:p>
+            <a:pPr marL="982663" lvl="1" indent="-342900" defTabSz="914400"/>
+            <a:r>
+              <a:rPr lang="tr-TR" dirty="0"/>
+              <a:t>Simple </a:t>
+            </a:r>
+            <a:r>
+              <a:rPr lang="tr-TR" dirty="0" err="1"/>
+              <a:t>end</a:t>
+            </a:r>
+            <a:r>
+              <a:rPr lang="tr-TR" dirty="0"/>
+              <a:t> </a:t>
+            </a:r>
+            <a:r>
+              <a:rPr lang="tr-TR" dirty="0" err="1"/>
+              <a:t>connection</a:t>
+            </a:r>
+            <a:endParaRPr lang="tr-TR" dirty="0"/>
+          </a:p>
+          <a:p>
+            <a:pPr marL="982663" lvl="1" indent="-342900" defTabSz="914400"/>
+            <a:r>
+              <a:rPr lang="tr-TR" dirty="0" err="1"/>
+              <a:t>Low</a:t>
+            </a:r>
+            <a:r>
+              <a:rPr lang="tr-TR" dirty="0"/>
+              <a:t> </a:t>
+            </a:r>
+            <a:r>
+              <a:rPr lang="tr-TR" dirty="0" err="1"/>
+              <a:t>number</a:t>
+            </a:r>
+            <a:r>
+              <a:rPr lang="tr-TR" dirty="0"/>
+              <a:t> of </a:t>
+            </a:r>
+            <a:r>
+              <a:rPr lang="tr-TR" dirty="0" err="1"/>
+              <a:t>external</a:t>
+            </a:r>
+            <a:r>
+              <a:rPr lang="tr-TR" dirty="0"/>
+              <a:t> </a:t>
+            </a:r>
+            <a:r>
+              <a:rPr lang="tr-TR" dirty="0" err="1"/>
+              <a:t>connections</a:t>
+            </a:r>
+            <a:endParaRPr lang="tr-TR" dirty="0"/>
+          </a:p>
+          <a:p>
+            <a:pPr marL="342900" indent="-342900" defTabSz="914400"/>
+            <a:endParaRPr lang="tr-TR" dirty="0"/>
+          </a:p>
+          <a:p>
+            <a:pPr marL="342900" indent="-342900" defTabSz="914400">
+              <a:buFont typeface="Arial" panose="020B0604020202020204" pitchFamily="34" charset="0"/>
+              <a:buChar char="•"/>
+            </a:pPr>
+            <a:r>
+              <a:rPr lang="tr-TR" dirty="0"/>
+              <a:t>Lap </a:t>
+            </a:r>
+            <a:r>
+              <a:rPr lang="tr-TR" dirty="0" err="1"/>
+              <a:t>Winding</a:t>
+            </a:r>
+            <a:endParaRPr lang="tr-TR" dirty="0"/>
+          </a:p>
+          <a:p>
+            <a:pPr marL="982663" lvl="1" indent="-342900" defTabSz="914400"/>
+            <a:r>
+              <a:rPr lang="tr-TR" dirty="0"/>
+              <a:t>Simple </a:t>
+            </a:r>
+            <a:r>
+              <a:rPr lang="tr-TR" dirty="0" err="1"/>
+              <a:t>winding</a:t>
+            </a:r>
+            <a:r>
+              <a:rPr lang="tr-TR" dirty="0"/>
+              <a:t> </a:t>
+            </a:r>
+            <a:r>
+              <a:rPr lang="tr-TR" dirty="0" err="1"/>
+              <a:t>schematic</a:t>
+            </a:r>
+            <a:r>
+              <a:rPr lang="tr-TR" dirty="0"/>
+              <a:t> </a:t>
+            </a:r>
+            <a:r>
+              <a:rPr lang="tr-TR" dirty="0" err="1"/>
+              <a:t>design</a:t>
+            </a:r>
+            <a:endParaRPr lang="tr-TR" dirty="0"/>
+          </a:p>
+          <a:p>
+            <a:pPr marL="982663" lvl="1" indent="-342900" defTabSz="914400"/>
+            <a:r>
+              <a:rPr lang="tr-TR" dirty="0" err="1"/>
+              <a:t>Less</a:t>
+            </a:r>
+            <a:r>
+              <a:rPr lang="tr-TR" dirty="0"/>
+              <a:t> </a:t>
+            </a:r>
+            <a:r>
+              <a:rPr lang="tr-TR" dirty="0" err="1"/>
+              <a:t>type</a:t>
+            </a:r>
+            <a:r>
+              <a:rPr lang="tr-TR" dirty="0"/>
+              <a:t> of </a:t>
+            </a:r>
+            <a:r>
+              <a:rPr lang="tr-TR" dirty="0" err="1"/>
+              <a:t>coils</a:t>
+            </a:r>
+            <a:endParaRPr lang="tr-TR" dirty="0"/>
+          </a:p>
+          <a:p>
+            <a:pPr marL="982663" lvl="1" indent="-342900" defTabSz="914400"/>
+            <a:r>
+              <a:rPr lang="tr-TR" dirty="0" err="1"/>
+              <a:t>Allows</a:t>
+            </a:r>
+            <a:r>
+              <a:rPr lang="tr-TR" dirty="0"/>
+              <a:t> bypass</a:t>
+            </a:r>
+          </a:p>
+          <a:p>
+            <a:pPr defTabSz="914400"/>
+            <a:endParaRPr lang="tr-TR" dirty="0"/>
+          </a:p>
+        </p:txBody>
+      </p:sp>
+    </p:spTree>
+    <p:extLst>
+      <p:ext uri="{BB962C8B-B14F-4D97-AF65-F5344CB8AC3E}">
+        <p14:creationId xmlns:p14="http://schemas.microsoft.com/office/powerpoint/2010/main" val="4022192944"/>
+      </p:ext>
+    </p:extLst>
+  </p:cSld>
+  <p:clrMapOvr>
+    <a:masterClrMapping/>
+  </p:clrMapOvr>
+</p:sld>
+</file>
+
+<file path=ppt/slides/slide9.xml><?xml version="1.0" encoding="utf-8"?>
+<p:sld xmlns:a="http://schemas.openxmlformats.org/drawingml/2006/main" xmlns:r="http://schemas.openxmlformats.org/officeDocument/2006/relationships" xmlns:p="http://schemas.openxmlformats.org/presentationml/2006/main" show="0">
+  <p:cSld>
+    <p:spTree>
+      <p:nvGrpSpPr>
+        <p:cNvPr id="1" name=""/>
+        <p:cNvGrpSpPr/>
+        <p:nvPr/>
+      </p:nvGrpSpPr>
+      <p:grpSpPr>
+        <a:xfrm>
+          <a:off x="0" y="0"/>
+          <a:ext cx="0" cy="0"/>
+          <a:chOff x="0" y="0"/>
+          <a:chExt cx="0" cy="0"/>
+        </a:xfrm>
+      </p:grpSpPr>
+      <p:sp>
+        <p:nvSpPr>
+          <p:cNvPr id="2" name="Title 1">
+            <a:extLst>
+              <a:ext uri="{FF2B5EF4-FFF2-40B4-BE49-F238E27FC236}">
+                <a16:creationId xmlns:a16="http://schemas.microsoft.com/office/drawing/2014/main" id="{56B0D3D2-A5F0-44ED-B54E-0D3DC07B46B1}"/>
+              </a:ext>
+            </a:extLst>
+          </p:cNvPr>
+          <p:cNvSpPr>
+            <a:spLocks noGrp="1"/>
+          </p:cNvSpPr>
+          <p:nvPr>
+            <p:ph type="title"/>
+          </p:nvPr>
+        </p:nvSpPr>
+        <p:spPr/>
+        <p:txBody>
+          <a:bodyPr/>
+          <a:lstStyle/>
+          <a:p>
+            <a:endParaRPr lang="en-US"/>
+          </a:p>
+        </p:txBody>
+      </p:sp>
+      <p:sp>
+        <p:nvSpPr>
+          <p:cNvPr id="4" name="Slide Number Placeholder 3">
+            <a:extLst>
+              <a:ext uri="{FF2B5EF4-FFF2-40B4-BE49-F238E27FC236}">
+                <a16:creationId xmlns:a16="http://schemas.microsoft.com/office/drawing/2014/main" id="{26E3E5B3-3012-44F5-9E55-744430BC934F}"/>
+              </a:ext>
+            </a:extLst>
+          </p:cNvPr>
+          <p:cNvSpPr>
+            <a:spLocks noGrp="1"/>
+          </p:cNvSpPr>
+          <p:nvPr>
+            <p:ph type="sldNum" sz="quarter" idx="12"/>
+          </p:nvPr>
+        </p:nvSpPr>
+        <p:spPr/>
+        <p:txBody>
+          <a:bodyPr/>
+          <a:lstStyle/>
+          <a:p>
+            <a:pPr>
+              <a:defRPr/>
+            </a:pPr>
+            <a:fld id="{C878F797-6006-4DDA-AFE9-456F280FE6C5}" type="slidenum">
+              <a:rPr lang="en-US" smtClean="0"/>
+              <a:pPr>
+                <a:defRPr/>
+              </a:pPr>
+              <a:t>9</a:t>
+            </a:fld>
+            <a:endParaRPr lang="en-US" dirty="0"/>
+          </a:p>
+        </p:txBody>
+      </p:sp>
+      <p:sp>
+        <p:nvSpPr>
+          <p:cNvPr id="5" name="Date Placeholder 4">
+            <a:extLst>
+              <a:ext uri="{FF2B5EF4-FFF2-40B4-BE49-F238E27FC236}">
+                <a16:creationId xmlns:a16="http://schemas.microsoft.com/office/drawing/2014/main" id="{F7B4A27B-400F-44C6-8053-063F75EE2101}"/>
+              </a:ext>
+            </a:extLst>
+          </p:cNvPr>
+          <p:cNvSpPr>
+            <a:spLocks noGrp="1"/>
+          </p:cNvSpPr>
+          <p:nvPr>
+            <p:ph type="dt" sz="half" idx="2"/>
+          </p:nvPr>
+        </p:nvSpPr>
+        <p:spPr/>
+        <p:txBody>
+          <a:bodyPr/>
+          <a:lstStyle/>
+          <a:p>
+            <a:pPr>
+              <a:defRPr/>
+            </a:pPr>
+            <a:r>
+              <a:rPr lang="tr-TR"/>
+              <a:t>METU Electrical &amp; Electronics Engineering Department</a:t>
+            </a:r>
+            <a:endParaRPr lang="en-US" dirty="0"/>
+          </a:p>
+        </p:txBody>
+      </p:sp>
       <p:graphicFrame>
         <p:nvGraphicFramePr>
-          <p:cNvPr id="8" name="Table 4">
+          <p:cNvPr id="6" name="Table 4">
             <a:extLst>
               <a:ext uri="{FF2B5EF4-FFF2-40B4-BE49-F238E27FC236}">
-                <a16:creationId xmlns:a16="http://schemas.microsoft.com/office/drawing/2014/main" id="{76AD6DCE-C5F4-4E0B-98FE-DDCE475329BE}"/>
+                <a16:creationId xmlns:a16="http://schemas.microsoft.com/office/drawing/2014/main" id="{631778D5-CC38-451F-B5F6-18D5E311C6F8}"/>
               </a:ext>
             </a:extLst>
           </p:cNvPr>
@@ -23329,13 +24439,13 @@
             <p:ph idx="1"/>
             <p:extLst>
               <p:ext uri="{D42A27DB-BD31-4B8C-83A1-F6EECF244321}">
-                <p14:modId xmlns:p14="http://schemas.microsoft.com/office/powerpoint/2010/main" val="3972853956"/>
+                <p14:modId xmlns:p14="http://schemas.microsoft.com/office/powerpoint/2010/main" val="620776773"/>
               </p:ext>
             </p:extLst>
           </p:nvPr>
         </p:nvGraphicFramePr>
         <p:xfrm>
-          <a:off x="457200" y="1691147"/>
+          <a:off x="457200" y="1430338"/>
           <a:ext cx="8345440" cy="3718294"/>
         </p:xfrm>
         <a:graphic>
@@ -23958,345 +25068,7 @@
     </p:spTree>
     <p:extLst>
       <p:ext uri="{BB962C8B-B14F-4D97-AF65-F5344CB8AC3E}">
-        <p14:creationId xmlns:p14="http://schemas.microsoft.com/office/powerpoint/2010/main" val="4022192944"/>
-      </p:ext>
-    </p:extLst>
-  </p:cSld>
-  <p:clrMapOvr>
-    <a:masterClrMapping/>
-  </p:clrMapOvr>
-</p:sld>
-</file>
-
-<file path=ppt/slides/slide9.xml><?xml version="1.0" encoding="utf-8"?>
-<p:sld xmlns:a="http://schemas.openxmlformats.org/drawingml/2006/main" xmlns:r="http://schemas.openxmlformats.org/officeDocument/2006/relationships" xmlns:p="http://schemas.openxmlformats.org/presentationml/2006/main">
-  <p:cSld>
-    <p:spTree>
-      <p:nvGrpSpPr>
-        <p:cNvPr id="1" name=""/>
-        <p:cNvGrpSpPr/>
-        <p:nvPr/>
-      </p:nvGrpSpPr>
-      <p:grpSpPr>
-        <a:xfrm>
-          <a:off x="0" y="0"/>
-          <a:ext cx="0" cy="0"/>
-          <a:chOff x="0" y="0"/>
-          <a:chExt cx="0" cy="0"/>
-        </a:xfrm>
-      </p:grpSpPr>
-      <p:sp>
-        <p:nvSpPr>
-          <p:cNvPr id="2" name="Title 1">
-            <a:extLst>
-              <a:ext uri="{FF2B5EF4-FFF2-40B4-BE49-F238E27FC236}">
-                <a16:creationId xmlns:a16="http://schemas.microsoft.com/office/drawing/2014/main" id="{FC97285F-C46B-499F-9A28-06093B837830}"/>
-              </a:ext>
-            </a:extLst>
-          </p:cNvPr>
-          <p:cNvSpPr>
-            <a:spLocks noGrp="1"/>
-          </p:cNvSpPr>
-          <p:nvPr>
-            <p:ph type="title"/>
-          </p:nvPr>
-        </p:nvSpPr>
-        <p:spPr/>
-        <p:txBody>
-          <a:bodyPr/>
-          <a:lstStyle/>
-          <a:p>
-            <a:r>
-              <a:rPr lang="tr-TR" dirty="0"/>
-              <a:t>Problem Definition</a:t>
-            </a:r>
-            <a:endParaRPr lang="en-US" dirty="0"/>
-          </a:p>
-        </p:txBody>
-      </p:sp>
-      <p:sp>
-        <p:nvSpPr>
-          <p:cNvPr id="3" name="Content Placeholder 2">
-            <a:extLst>
-              <a:ext uri="{FF2B5EF4-FFF2-40B4-BE49-F238E27FC236}">
-                <a16:creationId xmlns:a16="http://schemas.microsoft.com/office/drawing/2014/main" id="{E72D7781-0753-4C70-A04F-23AE6F6DBA7C}"/>
-              </a:ext>
-            </a:extLst>
-          </p:cNvPr>
-          <p:cNvSpPr>
-            <a:spLocks noGrp="1"/>
-          </p:cNvSpPr>
-          <p:nvPr>
-            <p:ph idx="1"/>
-          </p:nvPr>
-        </p:nvSpPr>
-        <p:spPr/>
-        <p:txBody>
-          <a:bodyPr/>
-          <a:lstStyle/>
-          <a:p>
-            <a:pPr marL="342900" indent="-342900">
-              <a:buFont typeface="Arial" panose="020B0604020202020204" pitchFamily="34" charset="0"/>
-              <a:buChar char="•"/>
-            </a:pPr>
-            <a:endParaRPr lang="tr-TR" dirty="0"/>
-          </a:p>
-          <a:p>
-            <a:pPr marL="342900" indent="-342900">
-              <a:buFont typeface="Arial" panose="020B0604020202020204" pitchFamily="34" charset="0"/>
-              <a:buChar char="•"/>
-            </a:pPr>
-            <a:r>
-              <a:rPr lang="tr-TR" dirty="0" err="1"/>
-              <a:t>Refurbishment</a:t>
-            </a:r>
-            <a:r>
-              <a:rPr lang="tr-TR" dirty="0"/>
-              <a:t> of an </a:t>
-            </a:r>
-            <a:r>
-              <a:rPr lang="tr-TR" dirty="0" err="1"/>
-              <a:t>old</a:t>
-            </a:r>
-            <a:r>
-              <a:rPr lang="tr-TR" dirty="0"/>
-              <a:t> 44 MVA </a:t>
-            </a:r>
-            <a:r>
-              <a:rPr lang="tr-TR" dirty="0" err="1"/>
-              <a:t>hydro</a:t>
-            </a:r>
-            <a:r>
-              <a:rPr lang="tr-TR" dirty="0"/>
-              <a:t> </a:t>
-            </a:r>
-            <a:r>
-              <a:rPr lang="tr-TR" dirty="0" err="1"/>
-              <a:t>generator</a:t>
-            </a:r>
-            <a:r>
-              <a:rPr lang="tr-TR" dirty="0"/>
-              <a:t> </a:t>
-            </a:r>
-            <a:r>
-              <a:rPr lang="tr-TR" dirty="0" err="1"/>
-              <a:t>by</a:t>
-            </a:r>
-            <a:r>
-              <a:rPr lang="tr-TR" dirty="0"/>
-              <a:t> </a:t>
-            </a:r>
-            <a:r>
-              <a:rPr lang="tr-TR" dirty="0" err="1"/>
-              <a:t>changing</a:t>
-            </a:r>
-            <a:r>
-              <a:rPr lang="tr-TR" dirty="0"/>
-              <a:t> </a:t>
-            </a:r>
-            <a:r>
-              <a:rPr lang="tr-TR" dirty="0" err="1"/>
-              <a:t>winding</a:t>
-            </a:r>
-            <a:r>
-              <a:rPr lang="tr-TR" dirty="0"/>
-              <a:t> </a:t>
-            </a:r>
-            <a:r>
-              <a:rPr lang="tr-TR" dirty="0" err="1"/>
-              <a:t>type</a:t>
-            </a:r>
-            <a:r>
-              <a:rPr lang="tr-TR" dirty="0"/>
-              <a:t> </a:t>
-            </a:r>
-            <a:r>
-              <a:rPr lang="tr-TR" dirty="0" err="1"/>
-              <a:t>from</a:t>
-            </a:r>
-            <a:r>
-              <a:rPr lang="tr-TR" dirty="0"/>
-              <a:t> lap </a:t>
-            </a:r>
-            <a:r>
-              <a:rPr lang="tr-TR" dirty="0" err="1"/>
-              <a:t>to</a:t>
-            </a:r>
-            <a:r>
-              <a:rPr lang="tr-TR" dirty="0"/>
-              <a:t> </a:t>
-            </a:r>
-            <a:r>
-              <a:rPr lang="tr-TR" dirty="0" err="1"/>
-              <a:t>wave</a:t>
-            </a:r>
-            <a:endParaRPr lang="tr-TR" dirty="0"/>
-          </a:p>
-          <a:p>
-            <a:pPr marL="342900" indent="-342900">
-              <a:buFont typeface="Arial" panose="020B0604020202020204" pitchFamily="34" charset="0"/>
-              <a:buChar char="•"/>
-            </a:pPr>
-            <a:endParaRPr lang="tr-TR" dirty="0"/>
-          </a:p>
-          <a:p>
-            <a:pPr marL="342900" indent="-342900">
-              <a:buFont typeface="Arial" panose="020B0604020202020204" pitchFamily="34" charset="0"/>
-              <a:buChar char="•"/>
-            </a:pPr>
-            <a:r>
-              <a:rPr lang="tr-TR" dirty="0" err="1"/>
-              <a:t>Constraints</a:t>
-            </a:r>
-            <a:endParaRPr lang="tr-TR" dirty="0"/>
-          </a:p>
-          <a:p>
-            <a:pPr marL="982663" lvl="1" indent="-342900"/>
-            <a:r>
-              <a:rPr lang="tr-TR" dirty="0" err="1"/>
-              <a:t>Constant</a:t>
-            </a:r>
-            <a:r>
-              <a:rPr lang="tr-TR" dirty="0"/>
-              <a:t> </a:t>
-            </a:r>
-            <a:r>
-              <a:rPr lang="tr-TR" dirty="0" err="1"/>
-              <a:t>outer</a:t>
-            </a:r>
-            <a:r>
-              <a:rPr lang="tr-TR" dirty="0"/>
-              <a:t> </a:t>
-            </a:r>
-            <a:r>
-              <a:rPr lang="tr-TR" dirty="0" err="1"/>
-              <a:t>diameter</a:t>
-            </a:r>
-            <a:endParaRPr lang="tr-TR" dirty="0"/>
-          </a:p>
-          <a:p>
-            <a:pPr marL="982663" lvl="1" indent="-342900"/>
-            <a:r>
-              <a:rPr lang="tr-TR" dirty="0" err="1"/>
-              <a:t>Same</a:t>
-            </a:r>
-            <a:r>
-              <a:rPr lang="tr-TR" dirty="0"/>
-              <a:t> rotor </a:t>
-            </a:r>
-            <a:r>
-              <a:rPr lang="tr-TR" dirty="0" err="1"/>
-              <a:t>geometry</a:t>
-            </a:r>
-            <a:endParaRPr lang="tr-TR" dirty="0"/>
-          </a:p>
-          <a:p>
-            <a:pPr marL="342900" indent="-342900"/>
-            <a:endParaRPr lang="tr-TR" dirty="0"/>
-          </a:p>
-          <a:p>
-            <a:pPr marL="342900" indent="-342900">
-              <a:buFont typeface="Arial" panose="020B0604020202020204" pitchFamily="34" charset="0"/>
-              <a:buChar char="•"/>
-            </a:pPr>
-            <a:r>
-              <a:rPr lang="tr-TR" dirty="0"/>
-              <a:t>Challenge</a:t>
-            </a:r>
-          </a:p>
-          <a:p>
-            <a:pPr marL="982663" lvl="1" indent="-342900"/>
-            <a:r>
-              <a:rPr lang="tr-TR" dirty="0" err="1"/>
-              <a:t>Increasing</a:t>
-            </a:r>
-            <a:r>
-              <a:rPr lang="tr-TR" dirty="0"/>
-              <a:t> </a:t>
-            </a:r>
-            <a:r>
-              <a:rPr lang="tr-TR" dirty="0" err="1"/>
-              <a:t>efficiency</a:t>
-            </a:r>
-            <a:endParaRPr lang="tr-TR" dirty="0"/>
-          </a:p>
-          <a:p>
-            <a:pPr marL="342900" indent="-342900"/>
-            <a:endParaRPr lang="tr-TR" dirty="0"/>
-          </a:p>
-        </p:txBody>
-      </p:sp>
-      <p:sp>
-        <p:nvSpPr>
-          <p:cNvPr id="4" name="Slide Number Placeholder 3">
-            <a:extLst>
-              <a:ext uri="{FF2B5EF4-FFF2-40B4-BE49-F238E27FC236}">
-                <a16:creationId xmlns:a16="http://schemas.microsoft.com/office/drawing/2014/main" id="{8C7D3411-B661-4358-9702-C2DED9835D40}"/>
-              </a:ext>
-            </a:extLst>
-          </p:cNvPr>
-          <p:cNvSpPr>
-            <a:spLocks noGrp="1"/>
-          </p:cNvSpPr>
-          <p:nvPr>
-            <p:ph type="sldNum" sz="quarter" idx="12"/>
-          </p:nvPr>
-        </p:nvSpPr>
-        <p:spPr/>
-        <p:txBody>
-          <a:bodyPr/>
-          <a:lstStyle/>
-          <a:p>
-            <a:pPr>
-              <a:defRPr/>
-            </a:pPr>
-            <a:fld id="{C878F797-6006-4DDA-AFE9-456F280FE6C5}" type="slidenum">
-              <a:rPr lang="en-US" smtClean="0"/>
-              <a:pPr>
-                <a:defRPr/>
-              </a:pPr>
-              <a:t>9</a:t>
-            </a:fld>
-            <a:endParaRPr lang="en-US" dirty="0"/>
-          </a:p>
-        </p:txBody>
-      </p:sp>
-      <p:sp>
-        <p:nvSpPr>
-          <p:cNvPr id="5" name="Date Placeholder 4">
-            <a:extLst>
-              <a:ext uri="{FF2B5EF4-FFF2-40B4-BE49-F238E27FC236}">
-                <a16:creationId xmlns:a16="http://schemas.microsoft.com/office/drawing/2014/main" id="{D9C090D8-8789-4DB9-8C6A-E4C987D30C50}"/>
-              </a:ext>
-            </a:extLst>
-          </p:cNvPr>
-          <p:cNvSpPr>
-            <a:spLocks noGrp="1"/>
-          </p:cNvSpPr>
-          <p:nvPr>
-            <p:ph type="dt" sz="half" idx="2"/>
-          </p:nvPr>
-        </p:nvSpPr>
-        <p:spPr/>
-        <p:txBody>
-          <a:bodyPr/>
-          <a:lstStyle/>
-          <a:p>
-            <a:pPr>
-              <a:defRPr/>
-            </a:pPr>
-            <a:r>
-              <a:rPr lang="tr-TR"/>
-              <a:t>METU Electrical &amp; Electronics Engineering Department</a:t>
-            </a:r>
-            <a:endParaRPr lang="en-US" dirty="0"/>
-          </a:p>
-        </p:txBody>
-      </p:sp>
-    </p:spTree>
-    <p:extLst>
-      <p:ext uri="{BB962C8B-B14F-4D97-AF65-F5344CB8AC3E}">
-        <p14:creationId xmlns:p14="http://schemas.microsoft.com/office/powerpoint/2010/main" val="684577904"/>
+        <p14:creationId xmlns:p14="http://schemas.microsoft.com/office/powerpoint/2010/main" val="1011780812"/>
       </p:ext>
     </p:extLst>
   </p:cSld>

--- a/Presentations/5-Seminar_Presentation_2023_11_23.pptx
+++ b/Presentations/5-Seminar_Presentation_2023_11_23.pptx
@@ -286,7 +286,7 @@
               <a:pPr>
                 <a:defRPr/>
               </a:pPr>
-              <a:t>11/21/2023</a:t>
+              <a:t>11/23/2023</a:t>
             </a:fld>
             <a:endParaRPr lang="en-US"/>
           </a:p>
@@ -500,7 +500,7 @@
               <a:pPr>
                 <a:defRPr/>
               </a:pPr>
-              <a:t>11/21/2023</a:t>
+              <a:t>11/23/2023</a:t>
             </a:fld>
             <a:endParaRPr lang="en-US"/>
           </a:p>
@@ -7469,8 +7469,8 @@
           </a:p>
         </p:txBody>
       </p:sp>
-      <mc:AlternateContent xmlns:mc="http://schemas.openxmlformats.org/markup-compatibility/2006" xmlns:a14="http://schemas.microsoft.com/office/drawing/2010/main">
-        <mc:Choice Requires="a14">
+      <mc:AlternateContent xmlns:mc="http://schemas.openxmlformats.org/markup-compatibility/2006">
+        <mc:Choice xmlns:a14="http://schemas.microsoft.com/office/drawing/2010/main" Requires="a14">
           <p:sp>
             <p:nvSpPr>
               <p:cNvPr id="3" name="Content Placeholder 2">
@@ -7821,10 +7821,7 @@
                 <a:endParaRPr lang="en-US" dirty="0"/>
               </a:p>
               <a:p>
-                <a:pPr marL="342900" indent="-342900">
-                  <a:buFont typeface="Arial" panose="020B0604020202020204" pitchFamily="34" charset="0"/>
-                  <a:buChar char="•"/>
-                </a:pPr>
+                <a:pPr marL="982663" lvl="1" indent="-342900"/>
                 <a:r>
                   <a:rPr lang="en-US" dirty="0"/>
                   <a:t>Efficiency</a:t>
@@ -8312,7 +8309,7 @@
             </p:txBody>
           </p:sp>
         </mc:Choice>
-        <mc:Fallback xmlns="">
+        <mc:Fallback>
           <p:sp>
             <p:nvSpPr>
               <p:cNvPr id="3" name="Content Placeholder 2">
